--- a/Posts/2019/Apr/Common Cents/CC_Monopoly_graph_04(Apr)_2019.pptx
+++ b/Posts/2019/Apr/Common Cents/CC_Monopoly_graph_04(Apr)_2019.pptx
@@ -5,8 +5,12 @@
     <p:sldMasterId id="2147483648" r:id="rId1"/>
   </p:sldMasterIdLst>
   <p:sldIdLst>
-    <p:sldId id="256" r:id="rId2"/>
-    <p:sldId id="257" r:id="rId3"/>
+    <p:sldId id="258" r:id="rId2"/>
+    <p:sldId id="259" r:id="rId3"/>
+    <p:sldId id="257" r:id="rId4"/>
+    <p:sldId id="260" r:id="rId5"/>
+    <p:sldId id="261" r:id="rId6"/>
+    <p:sldId id="262" r:id="rId7"/>
   </p:sldIdLst>
   <p:sldSz cx="12192000" cy="6858000"/>
   <p:notesSz cx="6858000" cy="9144000"/>
@@ -260,7 +264,7 @@
           <a:p>
             <a:fld id="{1236BB56-7822-4C50-A6BD-5DC039E0281E}" type="datetimeFigureOut">
               <a:rPr lang="en-US" smtClean="0"/>
-              <a:t>4/20/2019</a:t>
+              <a:t>5/30/2019</a:t>
             </a:fld>
             <a:endParaRPr lang="en-US"/>
           </a:p>
@@ -458,7 +462,7 @@
           <a:p>
             <a:fld id="{1236BB56-7822-4C50-A6BD-5DC039E0281E}" type="datetimeFigureOut">
               <a:rPr lang="en-US" smtClean="0"/>
-              <a:t>4/20/2019</a:t>
+              <a:t>5/30/2019</a:t>
             </a:fld>
             <a:endParaRPr lang="en-US"/>
           </a:p>
@@ -666,7 +670,7 @@
           <a:p>
             <a:fld id="{1236BB56-7822-4C50-A6BD-5DC039E0281E}" type="datetimeFigureOut">
               <a:rPr lang="en-US" smtClean="0"/>
-              <a:t>4/20/2019</a:t>
+              <a:t>5/30/2019</a:t>
             </a:fld>
             <a:endParaRPr lang="en-US"/>
           </a:p>
@@ -864,7 +868,7 @@
           <a:p>
             <a:fld id="{1236BB56-7822-4C50-A6BD-5DC039E0281E}" type="datetimeFigureOut">
               <a:rPr lang="en-US" smtClean="0"/>
-              <a:t>4/20/2019</a:t>
+              <a:t>5/30/2019</a:t>
             </a:fld>
             <a:endParaRPr lang="en-US"/>
           </a:p>
@@ -1139,7 +1143,7 @@
           <a:p>
             <a:fld id="{1236BB56-7822-4C50-A6BD-5DC039E0281E}" type="datetimeFigureOut">
               <a:rPr lang="en-US" smtClean="0"/>
-              <a:t>4/20/2019</a:t>
+              <a:t>5/30/2019</a:t>
             </a:fld>
             <a:endParaRPr lang="en-US"/>
           </a:p>
@@ -1404,7 +1408,7 @@
           <a:p>
             <a:fld id="{1236BB56-7822-4C50-A6BD-5DC039E0281E}" type="datetimeFigureOut">
               <a:rPr lang="en-US" smtClean="0"/>
-              <a:t>4/20/2019</a:t>
+              <a:t>5/30/2019</a:t>
             </a:fld>
             <a:endParaRPr lang="en-US"/>
           </a:p>
@@ -1816,7 +1820,7 @@
           <a:p>
             <a:fld id="{1236BB56-7822-4C50-A6BD-5DC039E0281E}" type="datetimeFigureOut">
               <a:rPr lang="en-US" smtClean="0"/>
-              <a:t>4/20/2019</a:t>
+              <a:t>5/30/2019</a:t>
             </a:fld>
             <a:endParaRPr lang="en-US"/>
           </a:p>
@@ -1957,7 +1961,7 @@
           <a:p>
             <a:fld id="{1236BB56-7822-4C50-A6BD-5DC039E0281E}" type="datetimeFigureOut">
               <a:rPr lang="en-US" smtClean="0"/>
-              <a:t>4/20/2019</a:t>
+              <a:t>5/30/2019</a:t>
             </a:fld>
             <a:endParaRPr lang="en-US"/>
           </a:p>
@@ -2070,7 +2074,7 @@
           <a:p>
             <a:fld id="{1236BB56-7822-4C50-A6BD-5DC039E0281E}" type="datetimeFigureOut">
               <a:rPr lang="en-US" smtClean="0"/>
-              <a:t>4/20/2019</a:t>
+              <a:t>5/30/2019</a:t>
             </a:fld>
             <a:endParaRPr lang="en-US"/>
           </a:p>
@@ -2381,7 +2385,7 @@
           <a:p>
             <a:fld id="{1236BB56-7822-4C50-A6BD-5DC039E0281E}" type="datetimeFigureOut">
               <a:rPr lang="en-US" smtClean="0"/>
-              <a:t>4/20/2019</a:t>
+              <a:t>5/30/2019</a:t>
             </a:fld>
             <a:endParaRPr lang="en-US"/>
           </a:p>
@@ -2669,7 +2673,7 @@
           <a:p>
             <a:fld id="{1236BB56-7822-4C50-A6BD-5DC039E0281E}" type="datetimeFigureOut">
               <a:rPr lang="en-US" smtClean="0"/>
-              <a:t>4/20/2019</a:t>
+              <a:t>5/30/2019</a:t>
             </a:fld>
             <a:endParaRPr lang="en-US"/>
           </a:p>
@@ -2910,7 +2914,7 @@
           <a:p>
             <a:fld id="{1236BB56-7822-4C50-A6BD-5DC039E0281E}" type="datetimeFigureOut">
               <a:rPr lang="en-US" smtClean="0"/>
-              <a:t>4/20/2019</a:t>
+              <a:t>5/30/2019</a:t>
             </a:fld>
             <a:endParaRPr lang="en-US"/>
           </a:p>
@@ -3327,6 +3331,3560 @@
           <a:chExt cx="0" cy="0"/>
         </a:xfrm>
       </p:grpSpPr>
+      <p:sp>
+        <p:nvSpPr>
+          <p:cNvPr id="16" name="Freeform: Shape 15">
+            <a:extLst>
+              <a:ext uri="{FF2B5EF4-FFF2-40B4-BE49-F238E27FC236}">
+                <a16:creationId xmlns:a16="http://schemas.microsoft.com/office/drawing/2014/main" id="{42B3D9DC-896E-4599-84BF-C4E4FF047A00}"/>
+              </a:ext>
+            </a:extLst>
+          </p:cNvPr>
+          <p:cNvSpPr/>
+          <p:nvPr/>
+        </p:nvSpPr>
+        <p:spPr>
+          <a:xfrm rot="19354716">
+            <a:off x="329717" y="3413926"/>
+            <a:ext cx="5458428" cy="720045"/>
+          </a:xfrm>
+          <a:custGeom>
+            <a:avLst/>
+            <a:gdLst>
+              <a:gd name="connsiteX0" fmla="*/ 0 w 4696691"/>
+              <a:gd name="connsiteY0" fmla="*/ 0 h 708457"/>
+              <a:gd name="connsiteX1" fmla="*/ 1454728 w 4696691"/>
+              <a:gd name="connsiteY1" fmla="*/ 706582 h 708457"/>
+              <a:gd name="connsiteX2" fmla="*/ 4696691 w 4696691"/>
+              <a:gd name="connsiteY2" fmla="*/ 166254 h 708457"/>
+              <a:gd name="connsiteX0" fmla="*/ 0 w 5037654"/>
+              <a:gd name="connsiteY0" fmla="*/ 0 h 598347"/>
+              <a:gd name="connsiteX1" fmla="*/ 1795691 w 5037654"/>
+              <a:gd name="connsiteY1" fmla="*/ 598094 h 598347"/>
+              <a:gd name="connsiteX2" fmla="*/ 5037654 w 5037654"/>
+              <a:gd name="connsiteY2" fmla="*/ 57766 h 598347"/>
+              <a:gd name="connsiteX0" fmla="*/ 0 w 5037654"/>
+              <a:gd name="connsiteY0" fmla="*/ 0 h 536428"/>
+              <a:gd name="connsiteX1" fmla="*/ 2400125 w 5037654"/>
+              <a:gd name="connsiteY1" fmla="*/ 536101 h 536428"/>
+              <a:gd name="connsiteX2" fmla="*/ 5037654 w 5037654"/>
+              <a:gd name="connsiteY2" fmla="*/ 57766 h 536428"/>
+              <a:gd name="connsiteX0" fmla="*/ 0 w 5037654"/>
+              <a:gd name="connsiteY0" fmla="*/ 0 h 536428"/>
+              <a:gd name="connsiteX1" fmla="*/ 2400125 w 5037654"/>
+              <a:gd name="connsiteY1" fmla="*/ 536101 h 536428"/>
+              <a:gd name="connsiteX2" fmla="*/ 5037654 w 5037654"/>
+              <a:gd name="connsiteY2" fmla="*/ 57766 h 536428"/>
+              <a:gd name="connsiteX0" fmla="*/ 0 w 5037654"/>
+              <a:gd name="connsiteY0" fmla="*/ 0 h 536101"/>
+              <a:gd name="connsiteX1" fmla="*/ 2400125 w 5037654"/>
+              <a:gd name="connsiteY1" fmla="*/ 536101 h 536101"/>
+              <a:gd name="connsiteX2" fmla="*/ 5037654 w 5037654"/>
+              <a:gd name="connsiteY2" fmla="*/ 57766 h 536101"/>
+              <a:gd name="connsiteX0" fmla="*/ 0 w 5394115"/>
+              <a:gd name="connsiteY0" fmla="*/ 128214 h 664315"/>
+              <a:gd name="connsiteX1" fmla="*/ 2400125 w 5394115"/>
+              <a:gd name="connsiteY1" fmla="*/ 664315 h 664315"/>
+              <a:gd name="connsiteX2" fmla="*/ 5394115 w 5394115"/>
+              <a:gd name="connsiteY2" fmla="*/ 0 h 664315"/>
+              <a:gd name="connsiteX0" fmla="*/ 0 w 5394115"/>
+              <a:gd name="connsiteY0" fmla="*/ 128214 h 664315"/>
+              <a:gd name="connsiteX1" fmla="*/ 2400125 w 5394115"/>
+              <a:gd name="connsiteY1" fmla="*/ 664315 h 664315"/>
+              <a:gd name="connsiteX2" fmla="*/ 5394115 w 5394115"/>
+              <a:gd name="connsiteY2" fmla="*/ 0 h 664315"/>
+              <a:gd name="connsiteX0" fmla="*/ 0 w 5394115"/>
+              <a:gd name="connsiteY0" fmla="*/ 128214 h 664315"/>
+              <a:gd name="connsiteX1" fmla="*/ 2400125 w 5394115"/>
+              <a:gd name="connsiteY1" fmla="*/ 664315 h 664315"/>
+              <a:gd name="connsiteX2" fmla="*/ 5394115 w 5394115"/>
+              <a:gd name="connsiteY2" fmla="*/ 0 h 664315"/>
+              <a:gd name="connsiteX0" fmla="*/ 0 w 5394115"/>
+              <a:gd name="connsiteY0" fmla="*/ 128214 h 682648"/>
+              <a:gd name="connsiteX1" fmla="*/ 2400125 w 5394115"/>
+              <a:gd name="connsiteY1" fmla="*/ 664315 h 682648"/>
+              <a:gd name="connsiteX2" fmla="*/ 5394115 w 5394115"/>
+              <a:gd name="connsiteY2" fmla="*/ 0 h 682648"/>
+              <a:gd name="connsiteX0" fmla="*/ 0 w 5394115"/>
+              <a:gd name="connsiteY0" fmla="*/ 128214 h 664315"/>
+              <a:gd name="connsiteX1" fmla="*/ 2400125 w 5394115"/>
+              <a:gd name="connsiteY1" fmla="*/ 664315 h 664315"/>
+              <a:gd name="connsiteX2" fmla="*/ 5394115 w 5394115"/>
+              <a:gd name="connsiteY2" fmla="*/ 0 h 664315"/>
+              <a:gd name="connsiteX0" fmla="*/ 0 w 5394115"/>
+              <a:gd name="connsiteY0" fmla="*/ 128214 h 664315"/>
+              <a:gd name="connsiteX1" fmla="*/ 2400125 w 5394115"/>
+              <a:gd name="connsiteY1" fmla="*/ 664315 h 664315"/>
+              <a:gd name="connsiteX2" fmla="*/ 5394115 w 5394115"/>
+              <a:gd name="connsiteY2" fmla="*/ 0 h 664315"/>
+              <a:gd name="connsiteX0" fmla="*/ 0 w 5799305"/>
+              <a:gd name="connsiteY0" fmla="*/ 14919 h 664315"/>
+              <a:gd name="connsiteX1" fmla="*/ 2805315 w 5799305"/>
+              <a:gd name="connsiteY1" fmla="*/ 664315 h 664315"/>
+              <a:gd name="connsiteX2" fmla="*/ 5799305 w 5799305"/>
+              <a:gd name="connsiteY2" fmla="*/ 0 h 664315"/>
+            </a:gdLst>
+            <a:ahLst/>
+            <a:cxnLst>
+              <a:cxn ang="0">
+                <a:pos x="connsiteX0" y="connsiteY0"/>
+              </a:cxn>
+              <a:cxn ang="0">
+                <a:pos x="connsiteX1" y="connsiteY1"/>
+              </a:cxn>
+              <a:cxn ang="0">
+                <a:pos x="connsiteX2" y="connsiteY2"/>
+              </a:cxn>
+            </a:cxnLst>
+            <a:rect l="l" t="t" r="r" b="b"/>
+            <a:pathLst>
+              <a:path w="5799305" h="664315">
+                <a:moveTo>
+                  <a:pt x="0" y="14919"/>
+                </a:moveTo>
+                <a:cubicBezTo>
+                  <a:pt x="847417" y="462843"/>
+                  <a:pt x="1965706" y="654687"/>
+                  <a:pt x="2805315" y="664315"/>
+                </a:cubicBezTo>
+                <a:cubicBezTo>
+                  <a:pt x="3567432" y="658445"/>
+                  <a:pt x="4445727" y="469998"/>
+                  <a:pt x="5799305" y="0"/>
+                </a:cubicBezTo>
+              </a:path>
+            </a:pathLst>
+          </a:custGeom>
+          <a:ln w="76200">
+            <a:solidFill>
+              <a:schemeClr val="accent6"/>
+            </a:solidFill>
+          </a:ln>
+        </p:spPr>
+        <p:style>
+          <a:lnRef idx="3">
+            <a:schemeClr val="dk1"/>
+          </a:lnRef>
+          <a:fillRef idx="0">
+            <a:schemeClr val="dk1"/>
+          </a:fillRef>
+          <a:effectRef idx="2">
+            <a:schemeClr val="dk1"/>
+          </a:effectRef>
+          <a:fontRef idx="minor">
+            <a:schemeClr val="tx1"/>
+          </a:fontRef>
+        </p:style>
+        <p:txBody>
+          <a:bodyPr rtlCol="0" anchor="ctr"/>
+          <a:lstStyle/>
+          <a:p>
+            <a:pPr algn="ctr"/>
+            <a:endParaRPr lang="en-US"/>
+          </a:p>
+        </p:txBody>
+      </p:sp>
+      <p:sp>
+        <p:nvSpPr>
+          <p:cNvPr id="69" name="TextBox 68">
+            <a:extLst>
+              <a:ext uri="{FF2B5EF4-FFF2-40B4-BE49-F238E27FC236}">
+                <a16:creationId xmlns:a16="http://schemas.microsoft.com/office/drawing/2014/main" id="{AF758D49-DCA3-4920-B7C3-C16CC7DB1170}"/>
+              </a:ext>
+            </a:extLst>
+          </p:cNvPr>
+          <p:cNvSpPr txBox="1"/>
+          <p:nvPr/>
+        </p:nvSpPr>
+        <p:spPr>
+          <a:xfrm>
+            <a:off x="147402" y="3796020"/>
+            <a:ext cx="504309" cy="369332"/>
+          </a:xfrm>
+          <a:prstGeom prst="rect">
+            <a:avLst/>
+          </a:prstGeom>
+          <a:noFill/>
+        </p:spPr>
+        <p:txBody>
+          <a:bodyPr wrap="square" rtlCol="0">
+            <a:spAutoFit/>
+          </a:bodyPr>
+          <a:lstStyle/>
+          <a:p>
+            <a:r>
+              <a:rPr lang="en-US" dirty="0" err="1"/>
+              <a:t>P</a:t>
+            </a:r>
+            <a:r>
+              <a:rPr lang="en-US" baseline="-25000" dirty="0" err="1"/>
+              <a:t>eq</a:t>
+            </a:r>
+            <a:endParaRPr lang="en-US" baseline="-25000" dirty="0"/>
+          </a:p>
+        </p:txBody>
+      </p:sp>
+      <p:sp>
+        <p:nvSpPr>
+          <p:cNvPr id="73" name="TextBox 72">
+            <a:extLst>
+              <a:ext uri="{FF2B5EF4-FFF2-40B4-BE49-F238E27FC236}">
+                <a16:creationId xmlns:a16="http://schemas.microsoft.com/office/drawing/2014/main" id="{68099D03-0081-4498-922C-850EC13AE7D3}"/>
+              </a:ext>
+            </a:extLst>
+          </p:cNvPr>
+          <p:cNvSpPr txBox="1"/>
+          <p:nvPr/>
+        </p:nvSpPr>
+        <p:spPr>
+          <a:xfrm rot="16200000">
+            <a:off x="10306" y="2238608"/>
+            <a:ext cx="810120" cy="369332"/>
+          </a:xfrm>
+          <a:prstGeom prst="rect">
+            <a:avLst/>
+          </a:prstGeom>
+          <a:noFill/>
+        </p:spPr>
+        <p:txBody>
+          <a:bodyPr wrap="square" rtlCol="0">
+            <a:spAutoFit/>
+          </a:bodyPr>
+          <a:lstStyle/>
+          <a:p>
+            <a:r>
+              <a:rPr lang="en-US" dirty="0"/>
+              <a:t>Price</a:t>
+            </a:r>
+            <a:endParaRPr lang="en-US" baseline="-25000" dirty="0"/>
+          </a:p>
+        </p:txBody>
+      </p:sp>
+      <p:sp>
+        <p:nvSpPr>
+          <p:cNvPr id="76" name="TextBox 75">
+            <a:extLst>
+              <a:ext uri="{FF2B5EF4-FFF2-40B4-BE49-F238E27FC236}">
+                <a16:creationId xmlns:a16="http://schemas.microsoft.com/office/drawing/2014/main" id="{CFD34140-AEDE-4691-AEAA-D67874897E64}"/>
+              </a:ext>
+            </a:extLst>
+          </p:cNvPr>
+          <p:cNvSpPr txBox="1"/>
+          <p:nvPr/>
+        </p:nvSpPr>
+        <p:spPr>
+          <a:xfrm>
+            <a:off x="5640289" y="3980686"/>
+            <a:ext cx="1104161" cy="369332"/>
+          </a:xfrm>
+          <a:prstGeom prst="rect">
+            <a:avLst/>
+          </a:prstGeom>
+          <a:noFill/>
+        </p:spPr>
+        <p:txBody>
+          <a:bodyPr wrap="square" rtlCol="0">
+            <a:spAutoFit/>
+          </a:bodyPr>
+          <a:lstStyle/>
+          <a:p>
+            <a:r>
+              <a:rPr lang="en-US" dirty="0">
+                <a:solidFill>
+                  <a:schemeClr val="accent1"/>
+                </a:solidFill>
+              </a:rPr>
+              <a:t>Demand</a:t>
+            </a:r>
+            <a:endParaRPr lang="en-US" baseline="-25000" dirty="0">
+              <a:solidFill>
+                <a:schemeClr val="accent1"/>
+              </a:solidFill>
+            </a:endParaRPr>
+          </a:p>
+        </p:txBody>
+      </p:sp>
+      <p:sp>
+        <p:nvSpPr>
+          <p:cNvPr id="78" name="TextBox 77">
+            <a:extLst>
+              <a:ext uri="{FF2B5EF4-FFF2-40B4-BE49-F238E27FC236}">
+                <a16:creationId xmlns:a16="http://schemas.microsoft.com/office/drawing/2014/main" id="{74B0C33B-9190-48C1-8142-CF3C78F7A678}"/>
+              </a:ext>
+            </a:extLst>
+          </p:cNvPr>
+          <p:cNvSpPr txBox="1"/>
+          <p:nvPr/>
+        </p:nvSpPr>
+        <p:spPr>
+          <a:xfrm>
+            <a:off x="5150766" y="5441630"/>
+            <a:ext cx="1269507" cy="369332"/>
+          </a:xfrm>
+          <a:prstGeom prst="rect">
+            <a:avLst/>
+          </a:prstGeom>
+          <a:noFill/>
+        </p:spPr>
+        <p:txBody>
+          <a:bodyPr wrap="square" rtlCol="0">
+            <a:spAutoFit/>
+          </a:bodyPr>
+          <a:lstStyle/>
+          <a:p>
+            <a:r>
+              <a:rPr lang="en-US" dirty="0"/>
+              <a:t>Quantity</a:t>
+            </a:r>
+            <a:endParaRPr lang="en-US" baseline="-25000" dirty="0"/>
+          </a:p>
+        </p:txBody>
+      </p:sp>
+      <p:sp>
+        <p:nvSpPr>
+          <p:cNvPr id="83" name="TextBox 82">
+            <a:extLst>
+              <a:ext uri="{FF2B5EF4-FFF2-40B4-BE49-F238E27FC236}">
+                <a16:creationId xmlns:a16="http://schemas.microsoft.com/office/drawing/2014/main" id="{F0331B18-049D-4845-BF40-9DAB9E6B072E}"/>
+              </a:ext>
+            </a:extLst>
+          </p:cNvPr>
+          <p:cNvSpPr txBox="1"/>
+          <p:nvPr/>
+        </p:nvSpPr>
+        <p:spPr>
+          <a:xfrm>
+            <a:off x="3135657" y="5429164"/>
+            <a:ext cx="504309" cy="369332"/>
+          </a:xfrm>
+          <a:prstGeom prst="rect">
+            <a:avLst/>
+          </a:prstGeom>
+          <a:noFill/>
+        </p:spPr>
+        <p:txBody>
+          <a:bodyPr wrap="square" rtlCol="0">
+            <a:spAutoFit/>
+          </a:bodyPr>
+          <a:lstStyle/>
+          <a:p>
+            <a:r>
+              <a:rPr lang="en-US" dirty="0" err="1"/>
+              <a:t>Q</a:t>
+            </a:r>
+            <a:r>
+              <a:rPr lang="en-US" baseline="-25000" dirty="0" err="1"/>
+              <a:t>eq</a:t>
+            </a:r>
+            <a:endParaRPr lang="en-US" baseline="-25000" dirty="0"/>
+          </a:p>
+        </p:txBody>
+      </p:sp>
+      <p:sp>
+        <p:nvSpPr>
+          <p:cNvPr id="51" name="Freeform: Shape 50">
+            <a:extLst>
+              <a:ext uri="{FF2B5EF4-FFF2-40B4-BE49-F238E27FC236}">
+                <a16:creationId xmlns:a16="http://schemas.microsoft.com/office/drawing/2014/main" id="{1B95232E-2A65-4189-A58D-B70E2D2C1C91}"/>
+              </a:ext>
+            </a:extLst>
+          </p:cNvPr>
+          <p:cNvSpPr/>
+          <p:nvPr/>
+        </p:nvSpPr>
+        <p:spPr>
+          <a:xfrm rot="2623089">
+            <a:off x="258328" y="2125720"/>
+            <a:ext cx="5754659" cy="1926137"/>
+          </a:xfrm>
+          <a:custGeom>
+            <a:avLst/>
+            <a:gdLst>
+              <a:gd name="connsiteX0" fmla="*/ 0 w 4696691"/>
+              <a:gd name="connsiteY0" fmla="*/ 0 h 708457"/>
+              <a:gd name="connsiteX1" fmla="*/ 1454728 w 4696691"/>
+              <a:gd name="connsiteY1" fmla="*/ 706582 h 708457"/>
+              <a:gd name="connsiteX2" fmla="*/ 4696691 w 4696691"/>
+              <a:gd name="connsiteY2" fmla="*/ 166254 h 708457"/>
+              <a:gd name="connsiteX0" fmla="*/ 0 w 5037654"/>
+              <a:gd name="connsiteY0" fmla="*/ 0 h 598347"/>
+              <a:gd name="connsiteX1" fmla="*/ 1795691 w 5037654"/>
+              <a:gd name="connsiteY1" fmla="*/ 598094 h 598347"/>
+              <a:gd name="connsiteX2" fmla="*/ 5037654 w 5037654"/>
+              <a:gd name="connsiteY2" fmla="*/ 57766 h 598347"/>
+              <a:gd name="connsiteX0" fmla="*/ 0 w 5037654"/>
+              <a:gd name="connsiteY0" fmla="*/ 0 h 536428"/>
+              <a:gd name="connsiteX1" fmla="*/ 2400125 w 5037654"/>
+              <a:gd name="connsiteY1" fmla="*/ 536101 h 536428"/>
+              <a:gd name="connsiteX2" fmla="*/ 5037654 w 5037654"/>
+              <a:gd name="connsiteY2" fmla="*/ 57766 h 536428"/>
+              <a:gd name="connsiteX0" fmla="*/ 0 w 5037654"/>
+              <a:gd name="connsiteY0" fmla="*/ 0 h 536428"/>
+              <a:gd name="connsiteX1" fmla="*/ 2400125 w 5037654"/>
+              <a:gd name="connsiteY1" fmla="*/ 536101 h 536428"/>
+              <a:gd name="connsiteX2" fmla="*/ 5037654 w 5037654"/>
+              <a:gd name="connsiteY2" fmla="*/ 57766 h 536428"/>
+              <a:gd name="connsiteX0" fmla="*/ 0 w 5037654"/>
+              <a:gd name="connsiteY0" fmla="*/ 0 h 536101"/>
+              <a:gd name="connsiteX1" fmla="*/ 2400125 w 5037654"/>
+              <a:gd name="connsiteY1" fmla="*/ 536101 h 536101"/>
+              <a:gd name="connsiteX2" fmla="*/ 5037654 w 5037654"/>
+              <a:gd name="connsiteY2" fmla="*/ 57766 h 536101"/>
+              <a:gd name="connsiteX0" fmla="*/ 0 w 5394115"/>
+              <a:gd name="connsiteY0" fmla="*/ 128214 h 664315"/>
+              <a:gd name="connsiteX1" fmla="*/ 2400125 w 5394115"/>
+              <a:gd name="connsiteY1" fmla="*/ 664315 h 664315"/>
+              <a:gd name="connsiteX2" fmla="*/ 5394115 w 5394115"/>
+              <a:gd name="connsiteY2" fmla="*/ 0 h 664315"/>
+              <a:gd name="connsiteX0" fmla="*/ 0 w 5394115"/>
+              <a:gd name="connsiteY0" fmla="*/ 128214 h 664315"/>
+              <a:gd name="connsiteX1" fmla="*/ 2400125 w 5394115"/>
+              <a:gd name="connsiteY1" fmla="*/ 664315 h 664315"/>
+              <a:gd name="connsiteX2" fmla="*/ 5394115 w 5394115"/>
+              <a:gd name="connsiteY2" fmla="*/ 0 h 664315"/>
+              <a:gd name="connsiteX0" fmla="*/ 0 w 5394115"/>
+              <a:gd name="connsiteY0" fmla="*/ 128214 h 664315"/>
+              <a:gd name="connsiteX1" fmla="*/ 2400125 w 5394115"/>
+              <a:gd name="connsiteY1" fmla="*/ 664315 h 664315"/>
+              <a:gd name="connsiteX2" fmla="*/ 5394115 w 5394115"/>
+              <a:gd name="connsiteY2" fmla="*/ 0 h 664315"/>
+              <a:gd name="connsiteX0" fmla="*/ 0 w 5394115"/>
+              <a:gd name="connsiteY0" fmla="*/ 128214 h 682648"/>
+              <a:gd name="connsiteX1" fmla="*/ 2400125 w 5394115"/>
+              <a:gd name="connsiteY1" fmla="*/ 664315 h 682648"/>
+              <a:gd name="connsiteX2" fmla="*/ 5394115 w 5394115"/>
+              <a:gd name="connsiteY2" fmla="*/ 0 h 682648"/>
+              <a:gd name="connsiteX0" fmla="*/ 0 w 5394115"/>
+              <a:gd name="connsiteY0" fmla="*/ 128214 h 664315"/>
+              <a:gd name="connsiteX1" fmla="*/ 2400125 w 5394115"/>
+              <a:gd name="connsiteY1" fmla="*/ 664315 h 664315"/>
+              <a:gd name="connsiteX2" fmla="*/ 5394115 w 5394115"/>
+              <a:gd name="connsiteY2" fmla="*/ 0 h 664315"/>
+              <a:gd name="connsiteX0" fmla="*/ 0 w 5394115"/>
+              <a:gd name="connsiteY0" fmla="*/ 128214 h 664315"/>
+              <a:gd name="connsiteX1" fmla="*/ 2400125 w 5394115"/>
+              <a:gd name="connsiteY1" fmla="*/ 664315 h 664315"/>
+              <a:gd name="connsiteX2" fmla="*/ 5394115 w 5394115"/>
+              <a:gd name="connsiteY2" fmla="*/ 0 h 664315"/>
+              <a:gd name="connsiteX0" fmla="*/ 0 w 5800228"/>
+              <a:gd name="connsiteY0" fmla="*/ 476143 h 735914"/>
+              <a:gd name="connsiteX1" fmla="*/ 2806238 w 5800228"/>
+              <a:gd name="connsiteY1" fmla="*/ 664315 h 735914"/>
+              <a:gd name="connsiteX2" fmla="*/ 5800228 w 5800228"/>
+              <a:gd name="connsiteY2" fmla="*/ 0 h 735914"/>
+              <a:gd name="connsiteX0" fmla="*/ 0 w 5800228"/>
+              <a:gd name="connsiteY0" fmla="*/ 476143 h 971012"/>
+              <a:gd name="connsiteX1" fmla="*/ 2806238 w 5800228"/>
+              <a:gd name="connsiteY1" fmla="*/ 664315 h 971012"/>
+              <a:gd name="connsiteX2" fmla="*/ 5800228 w 5800228"/>
+              <a:gd name="connsiteY2" fmla="*/ 0 h 971012"/>
+              <a:gd name="connsiteX0" fmla="*/ 0 w 5800228"/>
+              <a:gd name="connsiteY0" fmla="*/ 476143 h 971012"/>
+              <a:gd name="connsiteX1" fmla="*/ 2806238 w 5800228"/>
+              <a:gd name="connsiteY1" fmla="*/ 664315 h 971012"/>
+              <a:gd name="connsiteX2" fmla="*/ 5800228 w 5800228"/>
+              <a:gd name="connsiteY2" fmla="*/ 0 h 971012"/>
+              <a:gd name="connsiteX0" fmla="*/ 0 w 5800228"/>
+              <a:gd name="connsiteY0" fmla="*/ 476143 h 686922"/>
+              <a:gd name="connsiteX1" fmla="*/ 2806238 w 5800228"/>
+              <a:gd name="connsiteY1" fmla="*/ 664315 h 686922"/>
+              <a:gd name="connsiteX2" fmla="*/ 5800228 w 5800228"/>
+              <a:gd name="connsiteY2" fmla="*/ 0 h 686922"/>
+              <a:gd name="connsiteX0" fmla="*/ 0 w 5800228"/>
+              <a:gd name="connsiteY0" fmla="*/ 476143 h 664315"/>
+              <a:gd name="connsiteX1" fmla="*/ 2806238 w 5800228"/>
+              <a:gd name="connsiteY1" fmla="*/ 664315 h 664315"/>
+              <a:gd name="connsiteX2" fmla="*/ 5800228 w 5800228"/>
+              <a:gd name="connsiteY2" fmla="*/ 0 h 664315"/>
+              <a:gd name="connsiteX0" fmla="*/ 0 w 5800228"/>
+              <a:gd name="connsiteY0" fmla="*/ 476143 h 733940"/>
+              <a:gd name="connsiteX1" fmla="*/ 2806238 w 5800228"/>
+              <a:gd name="connsiteY1" fmla="*/ 664315 h 733940"/>
+              <a:gd name="connsiteX2" fmla="*/ 5800228 w 5800228"/>
+              <a:gd name="connsiteY2" fmla="*/ 0 h 733940"/>
+              <a:gd name="connsiteX0" fmla="*/ 0 w 5468163"/>
+              <a:gd name="connsiteY0" fmla="*/ 800097 h 988439"/>
+              <a:gd name="connsiteX1" fmla="*/ 2474173 w 5468163"/>
+              <a:gd name="connsiteY1" fmla="*/ 664315 h 988439"/>
+              <a:gd name="connsiteX2" fmla="*/ 5468163 w 5468163"/>
+              <a:gd name="connsiteY2" fmla="*/ 0 h 988439"/>
+              <a:gd name="connsiteX0" fmla="*/ 0 w 5468163"/>
+              <a:gd name="connsiteY0" fmla="*/ 800097 h 1249050"/>
+              <a:gd name="connsiteX1" fmla="*/ 2474173 w 5468163"/>
+              <a:gd name="connsiteY1" fmla="*/ 664315 h 1249050"/>
+              <a:gd name="connsiteX2" fmla="*/ 5468163 w 5468163"/>
+              <a:gd name="connsiteY2" fmla="*/ 0 h 1249050"/>
+              <a:gd name="connsiteX0" fmla="*/ 0 w 5468163"/>
+              <a:gd name="connsiteY0" fmla="*/ 800097 h 1198449"/>
+              <a:gd name="connsiteX1" fmla="*/ 2474173 w 5468163"/>
+              <a:gd name="connsiteY1" fmla="*/ 664315 h 1198449"/>
+              <a:gd name="connsiteX2" fmla="*/ 5468163 w 5468163"/>
+              <a:gd name="connsiteY2" fmla="*/ 0 h 1198449"/>
+              <a:gd name="connsiteX0" fmla="*/ 0 w 5468163"/>
+              <a:gd name="connsiteY0" fmla="*/ 800097 h 1198449"/>
+              <a:gd name="connsiteX1" fmla="*/ 2474173 w 5468163"/>
+              <a:gd name="connsiteY1" fmla="*/ 664315 h 1198449"/>
+              <a:gd name="connsiteX2" fmla="*/ 5468163 w 5468163"/>
+              <a:gd name="connsiteY2" fmla="*/ 0 h 1198449"/>
+              <a:gd name="connsiteX0" fmla="*/ 0 w 5468163"/>
+              <a:gd name="connsiteY0" fmla="*/ 800097 h 1007377"/>
+              <a:gd name="connsiteX1" fmla="*/ 2474173 w 5468163"/>
+              <a:gd name="connsiteY1" fmla="*/ 664315 h 1007377"/>
+              <a:gd name="connsiteX2" fmla="*/ 5468163 w 5468163"/>
+              <a:gd name="connsiteY2" fmla="*/ 0 h 1007377"/>
+              <a:gd name="connsiteX0" fmla="*/ 0 w 5468163"/>
+              <a:gd name="connsiteY0" fmla="*/ 800097 h 1170140"/>
+              <a:gd name="connsiteX1" fmla="*/ 2474173 w 5468163"/>
+              <a:gd name="connsiteY1" fmla="*/ 664315 h 1170140"/>
+              <a:gd name="connsiteX2" fmla="*/ 5468163 w 5468163"/>
+              <a:gd name="connsiteY2" fmla="*/ 0 h 1170140"/>
+              <a:gd name="connsiteX0" fmla="*/ 0 w 5468163"/>
+              <a:gd name="connsiteY0" fmla="*/ 800097 h 1045624"/>
+              <a:gd name="connsiteX1" fmla="*/ 2474173 w 5468163"/>
+              <a:gd name="connsiteY1" fmla="*/ 664315 h 1045624"/>
+              <a:gd name="connsiteX2" fmla="*/ 5468163 w 5468163"/>
+              <a:gd name="connsiteY2" fmla="*/ 0 h 1045624"/>
+              <a:gd name="connsiteX0" fmla="*/ 0 w 5118705"/>
+              <a:gd name="connsiteY0" fmla="*/ 938267 h 1184305"/>
+              <a:gd name="connsiteX1" fmla="*/ 2474173 w 5118705"/>
+              <a:gd name="connsiteY1" fmla="*/ 802485 h 1184305"/>
+              <a:gd name="connsiteX2" fmla="*/ 5118705 w 5118705"/>
+              <a:gd name="connsiteY2" fmla="*/ 0 h 1184305"/>
+              <a:gd name="connsiteX0" fmla="*/ 0 w 5118705"/>
+              <a:gd name="connsiteY0" fmla="*/ 938267 h 1184305"/>
+              <a:gd name="connsiteX1" fmla="*/ 2474173 w 5118705"/>
+              <a:gd name="connsiteY1" fmla="*/ 802485 h 1184305"/>
+              <a:gd name="connsiteX2" fmla="*/ 5118705 w 5118705"/>
+              <a:gd name="connsiteY2" fmla="*/ 0 h 1184305"/>
+              <a:gd name="connsiteX0" fmla="*/ 0 w 5118705"/>
+              <a:gd name="connsiteY0" fmla="*/ 938267 h 1184305"/>
+              <a:gd name="connsiteX1" fmla="*/ 2474173 w 5118705"/>
+              <a:gd name="connsiteY1" fmla="*/ 802485 h 1184305"/>
+              <a:gd name="connsiteX2" fmla="*/ 5118705 w 5118705"/>
+              <a:gd name="connsiteY2" fmla="*/ 0 h 1184305"/>
+              <a:gd name="connsiteX0" fmla="*/ 0 w 5118705"/>
+              <a:gd name="connsiteY0" fmla="*/ 938267 h 1544410"/>
+              <a:gd name="connsiteX1" fmla="*/ 2437648 w 5118705"/>
+              <a:gd name="connsiteY1" fmla="*/ 1486046 h 1544410"/>
+              <a:gd name="connsiteX2" fmla="*/ 5118705 w 5118705"/>
+              <a:gd name="connsiteY2" fmla="*/ 0 h 1544410"/>
+              <a:gd name="connsiteX0" fmla="*/ 0 w 5118705"/>
+              <a:gd name="connsiteY0" fmla="*/ 938267 h 1544410"/>
+              <a:gd name="connsiteX1" fmla="*/ 2437648 w 5118705"/>
+              <a:gd name="connsiteY1" fmla="*/ 1486046 h 1544410"/>
+              <a:gd name="connsiteX2" fmla="*/ 5118705 w 5118705"/>
+              <a:gd name="connsiteY2" fmla="*/ 0 h 1544410"/>
+              <a:gd name="connsiteX0" fmla="*/ 0 w 5642701"/>
+              <a:gd name="connsiteY0" fmla="*/ 1212743 h 1637920"/>
+              <a:gd name="connsiteX1" fmla="*/ 2961644 w 5642701"/>
+              <a:gd name="connsiteY1" fmla="*/ 1486046 h 1637920"/>
+              <a:gd name="connsiteX2" fmla="*/ 5642701 w 5642701"/>
+              <a:gd name="connsiteY2" fmla="*/ 0 h 1637920"/>
+              <a:gd name="connsiteX0" fmla="*/ 0 w 5642701"/>
+              <a:gd name="connsiteY0" fmla="*/ 1212743 h 1609448"/>
+              <a:gd name="connsiteX1" fmla="*/ 2961644 w 5642701"/>
+              <a:gd name="connsiteY1" fmla="*/ 1486046 h 1609448"/>
+              <a:gd name="connsiteX2" fmla="*/ 5642701 w 5642701"/>
+              <a:gd name="connsiteY2" fmla="*/ 0 h 1609448"/>
+              <a:gd name="connsiteX0" fmla="*/ 0 w 5642701"/>
+              <a:gd name="connsiteY0" fmla="*/ 1212743 h 1714354"/>
+              <a:gd name="connsiteX1" fmla="*/ 2945377 w 5642701"/>
+              <a:gd name="connsiteY1" fmla="*/ 1628058 h 1714354"/>
+              <a:gd name="connsiteX2" fmla="*/ 5642701 w 5642701"/>
+              <a:gd name="connsiteY2" fmla="*/ 0 h 1714354"/>
+              <a:gd name="connsiteX0" fmla="*/ 0 w 6114036"/>
+              <a:gd name="connsiteY0" fmla="*/ 1400654 h 1915992"/>
+              <a:gd name="connsiteX1" fmla="*/ 2945377 w 6114036"/>
+              <a:gd name="connsiteY1" fmla="*/ 1815969 h 1915992"/>
+              <a:gd name="connsiteX2" fmla="*/ 6114036 w 6114036"/>
+              <a:gd name="connsiteY2" fmla="*/ 0 h 1915992"/>
+              <a:gd name="connsiteX0" fmla="*/ 0 w 6114036"/>
+              <a:gd name="connsiteY0" fmla="*/ 1400654 h 1777058"/>
+              <a:gd name="connsiteX1" fmla="*/ 3076468 w 6114036"/>
+              <a:gd name="connsiteY1" fmla="*/ 1621447 h 1777058"/>
+              <a:gd name="connsiteX2" fmla="*/ 6114036 w 6114036"/>
+              <a:gd name="connsiteY2" fmla="*/ 0 h 1777058"/>
+            </a:gdLst>
+            <a:ahLst/>
+            <a:cxnLst>
+              <a:cxn ang="0">
+                <a:pos x="connsiteX0" y="connsiteY0"/>
+              </a:cxn>
+              <a:cxn ang="0">
+                <a:pos x="connsiteX1" y="connsiteY1"/>
+              </a:cxn>
+              <a:cxn ang="0">
+                <a:pos x="connsiteX2" y="connsiteY2"/>
+              </a:cxn>
+            </a:cxnLst>
+            <a:rect l="l" t="t" r="r" b="b"/>
+            <a:pathLst>
+              <a:path w="6114036" h="1777058">
+                <a:moveTo>
+                  <a:pt x="0" y="1400654"/>
+                </a:moveTo>
+                <a:cubicBezTo>
+                  <a:pt x="1401886" y="1859352"/>
+                  <a:pt x="2057462" y="1854889"/>
+                  <a:pt x="3076468" y="1621447"/>
+                </a:cubicBezTo>
+                <a:cubicBezTo>
+                  <a:pt x="4095474" y="1388005"/>
+                  <a:pt x="4506885" y="1258825"/>
+                  <a:pt x="6114036" y="0"/>
+                </a:cubicBezTo>
+              </a:path>
+            </a:pathLst>
+          </a:custGeom>
+          <a:ln w="76200">
+            <a:solidFill>
+              <a:srgbClr val="567FCA"/>
+            </a:solidFill>
+          </a:ln>
+        </p:spPr>
+        <p:style>
+          <a:lnRef idx="3">
+            <a:schemeClr val="dk1"/>
+          </a:lnRef>
+          <a:fillRef idx="0">
+            <a:schemeClr val="dk1"/>
+          </a:fillRef>
+          <a:effectRef idx="2">
+            <a:schemeClr val="dk1"/>
+          </a:effectRef>
+          <a:fontRef idx="minor">
+            <a:schemeClr val="tx1"/>
+          </a:fontRef>
+        </p:style>
+        <p:txBody>
+          <a:bodyPr rtlCol="0" anchor="ctr"/>
+          <a:lstStyle/>
+          <a:p>
+            <a:pPr algn="ctr"/>
+            <a:endParaRPr lang="en-US"/>
+          </a:p>
+        </p:txBody>
+      </p:sp>
+      <p:sp>
+        <p:nvSpPr>
+          <p:cNvPr id="54" name="TextBox 53">
+            <a:extLst>
+              <a:ext uri="{FF2B5EF4-FFF2-40B4-BE49-F238E27FC236}">
+                <a16:creationId xmlns:a16="http://schemas.microsoft.com/office/drawing/2014/main" id="{B31BBF07-AE2B-44BD-A540-C1D60ABBE353}"/>
+              </a:ext>
+            </a:extLst>
+          </p:cNvPr>
+          <p:cNvSpPr txBox="1"/>
+          <p:nvPr/>
+        </p:nvSpPr>
+        <p:spPr>
+          <a:xfrm>
+            <a:off x="4990672" y="1833548"/>
+            <a:ext cx="1104161" cy="369332"/>
+          </a:xfrm>
+          <a:prstGeom prst="rect">
+            <a:avLst/>
+          </a:prstGeom>
+          <a:noFill/>
+        </p:spPr>
+        <p:txBody>
+          <a:bodyPr wrap="square" rtlCol="0">
+            <a:spAutoFit/>
+          </a:bodyPr>
+          <a:lstStyle/>
+          <a:p>
+            <a:r>
+              <a:rPr lang="en-US" dirty="0">
+                <a:solidFill>
+                  <a:schemeClr val="accent6"/>
+                </a:solidFill>
+              </a:rPr>
+              <a:t>Supply</a:t>
+            </a:r>
+            <a:endParaRPr lang="en-US" baseline="-25000" dirty="0">
+              <a:solidFill>
+                <a:schemeClr val="accent6"/>
+              </a:solidFill>
+            </a:endParaRPr>
+          </a:p>
+        </p:txBody>
+      </p:sp>
+      <p:cxnSp>
+        <p:nvCxnSpPr>
+          <p:cNvPr id="55" name="Straight Connector 54">
+            <a:extLst>
+              <a:ext uri="{FF2B5EF4-FFF2-40B4-BE49-F238E27FC236}">
+                <a16:creationId xmlns:a16="http://schemas.microsoft.com/office/drawing/2014/main" id="{123E139F-AC5C-4E5E-8502-C02A5F216768}"/>
+              </a:ext>
+            </a:extLst>
+          </p:cNvPr>
+          <p:cNvCxnSpPr>
+            <a:cxnSpLocks/>
+          </p:cNvCxnSpPr>
+          <p:nvPr/>
+        </p:nvCxnSpPr>
+        <p:spPr>
+          <a:xfrm>
+            <a:off x="3330910" y="4035425"/>
+            <a:ext cx="0" cy="1406205"/>
+          </a:xfrm>
+          <a:prstGeom prst="line">
+            <a:avLst/>
+          </a:prstGeom>
+          <a:ln w="12700">
+            <a:solidFill>
+              <a:schemeClr val="tx1"/>
+            </a:solidFill>
+            <a:prstDash val="dash"/>
+          </a:ln>
+        </p:spPr>
+        <p:style>
+          <a:lnRef idx="1">
+            <a:schemeClr val="dk1"/>
+          </a:lnRef>
+          <a:fillRef idx="0">
+            <a:schemeClr val="dk1"/>
+          </a:fillRef>
+          <a:effectRef idx="0">
+            <a:schemeClr val="dk1"/>
+          </a:effectRef>
+          <a:fontRef idx="minor">
+            <a:schemeClr val="tx1"/>
+          </a:fontRef>
+        </p:style>
+      </p:cxnSp>
+      <p:sp>
+        <p:nvSpPr>
+          <p:cNvPr id="7" name="Freeform: Shape 6">
+            <a:extLst>
+              <a:ext uri="{FF2B5EF4-FFF2-40B4-BE49-F238E27FC236}">
+                <a16:creationId xmlns:a16="http://schemas.microsoft.com/office/drawing/2014/main" id="{344BFDDD-E213-46DD-B236-E7D936622CAD}"/>
+              </a:ext>
+            </a:extLst>
+          </p:cNvPr>
+          <p:cNvSpPr/>
+          <p:nvPr/>
+        </p:nvSpPr>
+        <p:spPr>
+          <a:xfrm>
+            <a:off x="680100" y="4035425"/>
+            <a:ext cx="2596355" cy="1101724"/>
+          </a:xfrm>
+          <a:custGeom>
+            <a:avLst/>
+            <a:gdLst>
+              <a:gd name="connsiteX0" fmla="*/ 0 w 2679700"/>
+              <a:gd name="connsiteY0" fmla="*/ 0 h 1111250"/>
+              <a:gd name="connsiteX1" fmla="*/ 6350 w 2679700"/>
+              <a:gd name="connsiteY1" fmla="*/ 1111250 h 1111250"/>
+              <a:gd name="connsiteX2" fmla="*/ 2679700 w 2679700"/>
+              <a:gd name="connsiteY2" fmla="*/ 6350 h 1111250"/>
+              <a:gd name="connsiteX3" fmla="*/ 0 w 2679700"/>
+              <a:gd name="connsiteY3" fmla="*/ 0 h 1111250"/>
+              <a:gd name="connsiteX0" fmla="*/ 0 w 2679700"/>
+              <a:gd name="connsiteY0" fmla="*/ 0 h 1111250"/>
+              <a:gd name="connsiteX1" fmla="*/ 6350 w 2679700"/>
+              <a:gd name="connsiteY1" fmla="*/ 1111250 h 1111250"/>
+              <a:gd name="connsiteX2" fmla="*/ 1155700 w 2679700"/>
+              <a:gd name="connsiteY2" fmla="*/ 628650 h 1111250"/>
+              <a:gd name="connsiteX3" fmla="*/ 2679700 w 2679700"/>
+              <a:gd name="connsiteY3" fmla="*/ 6350 h 1111250"/>
+              <a:gd name="connsiteX4" fmla="*/ 0 w 2679700"/>
+              <a:gd name="connsiteY4" fmla="*/ 0 h 1111250"/>
+              <a:gd name="connsiteX0" fmla="*/ 0 w 2679700"/>
+              <a:gd name="connsiteY0" fmla="*/ 0 h 1111250"/>
+              <a:gd name="connsiteX1" fmla="*/ 6350 w 2679700"/>
+              <a:gd name="connsiteY1" fmla="*/ 1111250 h 1111250"/>
+              <a:gd name="connsiteX2" fmla="*/ 1466850 w 2679700"/>
+              <a:gd name="connsiteY2" fmla="*/ 704850 h 1111250"/>
+              <a:gd name="connsiteX3" fmla="*/ 2679700 w 2679700"/>
+              <a:gd name="connsiteY3" fmla="*/ 6350 h 1111250"/>
+              <a:gd name="connsiteX4" fmla="*/ 0 w 2679700"/>
+              <a:gd name="connsiteY4" fmla="*/ 0 h 1111250"/>
+              <a:gd name="connsiteX0" fmla="*/ 0 w 2679700"/>
+              <a:gd name="connsiteY0" fmla="*/ 0 h 1111250"/>
+              <a:gd name="connsiteX1" fmla="*/ 6350 w 2679700"/>
+              <a:gd name="connsiteY1" fmla="*/ 1111250 h 1111250"/>
+              <a:gd name="connsiteX2" fmla="*/ 1466850 w 2679700"/>
+              <a:gd name="connsiteY2" fmla="*/ 704850 h 1111250"/>
+              <a:gd name="connsiteX3" fmla="*/ 2679700 w 2679700"/>
+              <a:gd name="connsiteY3" fmla="*/ 6350 h 1111250"/>
+              <a:gd name="connsiteX4" fmla="*/ 0 w 2679700"/>
+              <a:gd name="connsiteY4" fmla="*/ 0 h 1111250"/>
+              <a:gd name="connsiteX0" fmla="*/ 0 w 2679700"/>
+              <a:gd name="connsiteY0" fmla="*/ 0 h 1111250"/>
+              <a:gd name="connsiteX1" fmla="*/ 6350 w 2679700"/>
+              <a:gd name="connsiteY1" fmla="*/ 1111250 h 1111250"/>
+              <a:gd name="connsiteX2" fmla="*/ 1466850 w 2679700"/>
+              <a:gd name="connsiteY2" fmla="*/ 704850 h 1111250"/>
+              <a:gd name="connsiteX3" fmla="*/ 2679700 w 2679700"/>
+              <a:gd name="connsiteY3" fmla="*/ 6350 h 1111250"/>
+              <a:gd name="connsiteX4" fmla="*/ 0 w 2679700"/>
+              <a:gd name="connsiteY4" fmla="*/ 0 h 1111250"/>
+              <a:gd name="connsiteX0" fmla="*/ 0 w 2679700"/>
+              <a:gd name="connsiteY0" fmla="*/ 0 h 1111250"/>
+              <a:gd name="connsiteX1" fmla="*/ 6350 w 2679700"/>
+              <a:gd name="connsiteY1" fmla="*/ 1111250 h 1111250"/>
+              <a:gd name="connsiteX2" fmla="*/ 1452562 w 2679700"/>
+              <a:gd name="connsiteY2" fmla="*/ 678656 h 1111250"/>
+              <a:gd name="connsiteX3" fmla="*/ 2679700 w 2679700"/>
+              <a:gd name="connsiteY3" fmla="*/ 6350 h 1111250"/>
+              <a:gd name="connsiteX4" fmla="*/ 0 w 2679700"/>
+              <a:gd name="connsiteY4" fmla="*/ 0 h 1111250"/>
+              <a:gd name="connsiteX0" fmla="*/ 0 w 2679700"/>
+              <a:gd name="connsiteY0" fmla="*/ 0 h 1111250"/>
+              <a:gd name="connsiteX1" fmla="*/ 6350 w 2679700"/>
+              <a:gd name="connsiteY1" fmla="*/ 1111250 h 1111250"/>
+              <a:gd name="connsiteX2" fmla="*/ 1440656 w 2679700"/>
+              <a:gd name="connsiteY2" fmla="*/ 659606 h 1111250"/>
+              <a:gd name="connsiteX3" fmla="*/ 2679700 w 2679700"/>
+              <a:gd name="connsiteY3" fmla="*/ 6350 h 1111250"/>
+              <a:gd name="connsiteX4" fmla="*/ 0 w 2679700"/>
+              <a:gd name="connsiteY4" fmla="*/ 0 h 1111250"/>
+              <a:gd name="connsiteX0" fmla="*/ 0 w 2679700"/>
+              <a:gd name="connsiteY0" fmla="*/ 0 h 1111250"/>
+              <a:gd name="connsiteX1" fmla="*/ 6350 w 2679700"/>
+              <a:gd name="connsiteY1" fmla="*/ 1111250 h 1111250"/>
+              <a:gd name="connsiteX2" fmla="*/ 1450181 w 2679700"/>
+              <a:gd name="connsiteY2" fmla="*/ 683418 h 1111250"/>
+              <a:gd name="connsiteX3" fmla="*/ 2679700 w 2679700"/>
+              <a:gd name="connsiteY3" fmla="*/ 6350 h 1111250"/>
+              <a:gd name="connsiteX4" fmla="*/ 0 w 2679700"/>
+              <a:gd name="connsiteY4" fmla="*/ 0 h 1111250"/>
+              <a:gd name="connsiteX0" fmla="*/ 0 w 2679700"/>
+              <a:gd name="connsiteY0" fmla="*/ 0 h 1111250"/>
+              <a:gd name="connsiteX1" fmla="*/ 6350 w 2679700"/>
+              <a:gd name="connsiteY1" fmla="*/ 1111250 h 1111250"/>
+              <a:gd name="connsiteX2" fmla="*/ 1450181 w 2679700"/>
+              <a:gd name="connsiteY2" fmla="*/ 683418 h 1111250"/>
+              <a:gd name="connsiteX3" fmla="*/ 2679700 w 2679700"/>
+              <a:gd name="connsiteY3" fmla="*/ 6350 h 1111250"/>
+              <a:gd name="connsiteX4" fmla="*/ 0 w 2679700"/>
+              <a:gd name="connsiteY4" fmla="*/ 0 h 1111250"/>
+              <a:gd name="connsiteX0" fmla="*/ 0 w 2679700"/>
+              <a:gd name="connsiteY0" fmla="*/ 0 h 1111250"/>
+              <a:gd name="connsiteX1" fmla="*/ 6350 w 2679700"/>
+              <a:gd name="connsiteY1" fmla="*/ 1111250 h 1111250"/>
+              <a:gd name="connsiteX2" fmla="*/ 1450181 w 2679700"/>
+              <a:gd name="connsiteY2" fmla="*/ 683418 h 1111250"/>
+              <a:gd name="connsiteX3" fmla="*/ 2679700 w 2679700"/>
+              <a:gd name="connsiteY3" fmla="*/ 6350 h 1111250"/>
+              <a:gd name="connsiteX4" fmla="*/ 0 w 2679700"/>
+              <a:gd name="connsiteY4" fmla="*/ 0 h 1111250"/>
+              <a:gd name="connsiteX0" fmla="*/ 0 w 2658268"/>
+              <a:gd name="connsiteY0" fmla="*/ 0 h 1111250"/>
+              <a:gd name="connsiteX1" fmla="*/ 6350 w 2658268"/>
+              <a:gd name="connsiteY1" fmla="*/ 1111250 h 1111250"/>
+              <a:gd name="connsiteX2" fmla="*/ 1450181 w 2658268"/>
+              <a:gd name="connsiteY2" fmla="*/ 683418 h 1111250"/>
+              <a:gd name="connsiteX3" fmla="*/ 2658268 w 2658268"/>
+              <a:gd name="connsiteY3" fmla="*/ 3968 h 1111250"/>
+              <a:gd name="connsiteX4" fmla="*/ 0 w 2658268"/>
+              <a:gd name="connsiteY4" fmla="*/ 0 h 1111250"/>
+              <a:gd name="connsiteX0" fmla="*/ 0 w 2658268"/>
+              <a:gd name="connsiteY0" fmla="*/ 0 h 1111250"/>
+              <a:gd name="connsiteX1" fmla="*/ 6350 w 2658268"/>
+              <a:gd name="connsiteY1" fmla="*/ 1111250 h 1111250"/>
+              <a:gd name="connsiteX2" fmla="*/ 1450181 w 2658268"/>
+              <a:gd name="connsiteY2" fmla="*/ 683418 h 1111250"/>
+              <a:gd name="connsiteX3" fmla="*/ 2658268 w 2658268"/>
+              <a:gd name="connsiteY3" fmla="*/ 3968 h 1111250"/>
+              <a:gd name="connsiteX4" fmla="*/ 0 w 2658268"/>
+              <a:gd name="connsiteY4" fmla="*/ 0 h 1111250"/>
+              <a:gd name="connsiteX0" fmla="*/ 0 w 2658268"/>
+              <a:gd name="connsiteY0" fmla="*/ 0 h 1111250"/>
+              <a:gd name="connsiteX1" fmla="*/ 6350 w 2658268"/>
+              <a:gd name="connsiteY1" fmla="*/ 1111250 h 1111250"/>
+              <a:gd name="connsiteX2" fmla="*/ 1450181 w 2658268"/>
+              <a:gd name="connsiteY2" fmla="*/ 683418 h 1111250"/>
+              <a:gd name="connsiteX3" fmla="*/ 2658268 w 2658268"/>
+              <a:gd name="connsiteY3" fmla="*/ 3968 h 1111250"/>
+              <a:gd name="connsiteX4" fmla="*/ 0 w 2658268"/>
+              <a:gd name="connsiteY4" fmla="*/ 0 h 1111250"/>
+              <a:gd name="connsiteX0" fmla="*/ 19977 w 2652051"/>
+              <a:gd name="connsiteY0" fmla="*/ 0 h 1111250"/>
+              <a:gd name="connsiteX1" fmla="*/ 133 w 2652051"/>
+              <a:gd name="connsiteY1" fmla="*/ 1111250 h 1111250"/>
+              <a:gd name="connsiteX2" fmla="*/ 1443964 w 2652051"/>
+              <a:gd name="connsiteY2" fmla="*/ 683418 h 1111250"/>
+              <a:gd name="connsiteX3" fmla="*/ 2652051 w 2652051"/>
+              <a:gd name="connsiteY3" fmla="*/ 3968 h 1111250"/>
+              <a:gd name="connsiteX4" fmla="*/ 19977 w 2652051"/>
+              <a:gd name="connsiteY4" fmla="*/ 0 h 1111250"/>
+              <a:gd name="connsiteX0" fmla="*/ 0 w 2632074"/>
+              <a:gd name="connsiteY0" fmla="*/ 0 h 1096962"/>
+              <a:gd name="connsiteX1" fmla="*/ 8731 w 2632074"/>
+              <a:gd name="connsiteY1" fmla="*/ 1096962 h 1096962"/>
+              <a:gd name="connsiteX2" fmla="*/ 1423987 w 2632074"/>
+              <a:gd name="connsiteY2" fmla="*/ 683418 h 1096962"/>
+              <a:gd name="connsiteX3" fmla="*/ 2632074 w 2632074"/>
+              <a:gd name="connsiteY3" fmla="*/ 3968 h 1096962"/>
+              <a:gd name="connsiteX4" fmla="*/ 0 w 2632074"/>
+              <a:gd name="connsiteY4" fmla="*/ 0 h 1096962"/>
+              <a:gd name="connsiteX0" fmla="*/ 0 w 2632074"/>
+              <a:gd name="connsiteY0" fmla="*/ 0 h 1096962"/>
+              <a:gd name="connsiteX1" fmla="*/ 3968 w 2632074"/>
+              <a:gd name="connsiteY1" fmla="*/ 1096962 h 1096962"/>
+              <a:gd name="connsiteX2" fmla="*/ 1423987 w 2632074"/>
+              <a:gd name="connsiteY2" fmla="*/ 683418 h 1096962"/>
+              <a:gd name="connsiteX3" fmla="*/ 2632074 w 2632074"/>
+              <a:gd name="connsiteY3" fmla="*/ 3968 h 1096962"/>
+              <a:gd name="connsiteX4" fmla="*/ 0 w 2632074"/>
+              <a:gd name="connsiteY4" fmla="*/ 0 h 1096962"/>
+              <a:gd name="connsiteX0" fmla="*/ 0 w 2632074"/>
+              <a:gd name="connsiteY0" fmla="*/ 0 h 1096962"/>
+              <a:gd name="connsiteX1" fmla="*/ 3968 w 2632074"/>
+              <a:gd name="connsiteY1" fmla="*/ 1096962 h 1096962"/>
+              <a:gd name="connsiteX2" fmla="*/ 1423987 w 2632074"/>
+              <a:gd name="connsiteY2" fmla="*/ 683418 h 1096962"/>
+              <a:gd name="connsiteX3" fmla="*/ 2632074 w 2632074"/>
+              <a:gd name="connsiteY3" fmla="*/ 3968 h 1096962"/>
+              <a:gd name="connsiteX4" fmla="*/ 0 w 2632074"/>
+              <a:gd name="connsiteY4" fmla="*/ 0 h 1096962"/>
+              <a:gd name="connsiteX0" fmla="*/ 0 w 2632074"/>
+              <a:gd name="connsiteY0" fmla="*/ 0 h 1101724"/>
+              <a:gd name="connsiteX1" fmla="*/ 3968 w 2632074"/>
+              <a:gd name="connsiteY1" fmla="*/ 1101724 h 1101724"/>
+              <a:gd name="connsiteX2" fmla="*/ 1423987 w 2632074"/>
+              <a:gd name="connsiteY2" fmla="*/ 683418 h 1101724"/>
+              <a:gd name="connsiteX3" fmla="*/ 2632074 w 2632074"/>
+              <a:gd name="connsiteY3" fmla="*/ 3968 h 1101724"/>
+              <a:gd name="connsiteX4" fmla="*/ 0 w 2632074"/>
+              <a:gd name="connsiteY4" fmla="*/ 0 h 1101724"/>
+              <a:gd name="connsiteX0" fmla="*/ 0 w 2632074"/>
+              <a:gd name="connsiteY0" fmla="*/ 0 h 1101724"/>
+              <a:gd name="connsiteX1" fmla="*/ 3968 w 2632074"/>
+              <a:gd name="connsiteY1" fmla="*/ 1101724 h 1101724"/>
+              <a:gd name="connsiteX2" fmla="*/ 1423987 w 2632074"/>
+              <a:gd name="connsiteY2" fmla="*/ 683418 h 1101724"/>
+              <a:gd name="connsiteX3" fmla="*/ 2632074 w 2632074"/>
+              <a:gd name="connsiteY3" fmla="*/ 3968 h 1101724"/>
+              <a:gd name="connsiteX4" fmla="*/ 0 w 2632074"/>
+              <a:gd name="connsiteY4" fmla="*/ 0 h 1101724"/>
+              <a:gd name="connsiteX0" fmla="*/ 0 w 2632074"/>
+              <a:gd name="connsiteY0" fmla="*/ 0 h 1101724"/>
+              <a:gd name="connsiteX1" fmla="*/ 3968 w 2632074"/>
+              <a:gd name="connsiteY1" fmla="*/ 1101724 h 1101724"/>
+              <a:gd name="connsiteX2" fmla="*/ 1423987 w 2632074"/>
+              <a:gd name="connsiteY2" fmla="*/ 683418 h 1101724"/>
+              <a:gd name="connsiteX3" fmla="*/ 2632074 w 2632074"/>
+              <a:gd name="connsiteY3" fmla="*/ 3968 h 1101724"/>
+              <a:gd name="connsiteX4" fmla="*/ 0 w 2632074"/>
+              <a:gd name="connsiteY4" fmla="*/ 0 h 1101724"/>
+              <a:gd name="connsiteX0" fmla="*/ 0 w 2596355"/>
+              <a:gd name="connsiteY0" fmla="*/ 0 h 1101724"/>
+              <a:gd name="connsiteX1" fmla="*/ 3968 w 2596355"/>
+              <a:gd name="connsiteY1" fmla="*/ 1101724 h 1101724"/>
+              <a:gd name="connsiteX2" fmla="*/ 1423987 w 2596355"/>
+              <a:gd name="connsiteY2" fmla="*/ 683418 h 1101724"/>
+              <a:gd name="connsiteX3" fmla="*/ 2596355 w 2596355"/>
+              <a:gd name="connsiteY3" fmla="*/ 23018 h 1101724"/>
+              <a:gd name="connsiteX4" fmla="*/ 0 w 2596355"/>
+              <a:gd name="connsiteY4" fmla="*/ 0 h 1101724"/>
+              <a:gd name="connsiteX0" fmla="*/ 0 w 2596355"/>
+              <a:gd name="connsiteY0" fmla="*/ 0 h 1101724"/>
+              <a:gd name="connsiteX1" fmla="*/ 3968 w 2596355"/>
+              <a:gd name="connsiteY1" fmla="*/ 1101724 h 1101724"/>
+              <a:gd name="connsiteX2" fmla="*/ 1423987 w 2596355"/>
+              <a:gd name="connsiteY2" fmla="*/ 683418 h 1101724"/>
+              <a:gd name="connsiteX3" fmla="*/ 2596355 w 2596355"/>
+              <a:gd name="connsiteY3" fmla="*/ 6349 h 1101724"/>
+              <a:gd name="connsiteX4" fmla="*/ 0 w 2596355"/>
+              <a:gd name="connsiteY4" fmla="*/ 0 h 1101724"/>
+              <a:gd name="connsiteX0" fmla="*/ 0 w 2596355"/>
+              <a:gd name="connsiteY0" fmla="*/ 0 h 1101724"/>
+              <a:gd name="connsiteX1" fmla="*/ 3968 w 2596355"/>
+              <a:gd name="connsiteY1" fmla="*/ 1101724 h 1101724"/>
+              <a:gd name="connsiteX2" fmla="*/ 1423987 w 2596355"/>
+              <a:gd name="connsiteY2" fmla="*/ 683418 h 1101724"/>
+              <a:gd name="connsiteX3" fmla="*/ 2596355 w 2596355"/>
+              <a:gd name="connsiteY3" fmla="*/ 6349 h 1101724"/>
+              <a:gd name="connsiteX4" fmla="*/ 0 w 2596355"/>
+              <a:gd name="connsiteY4" fmla="*/ 0 h 1101724"/>
+            </a:gdLst>
+            <a:ahLst/>
+            <a:cxnLst>
+              <a:cxn ang="0">
+                <a:pos x="connsiteX0" y="connsiteY0"/>
+              </a:cxn>
+              <a:cxn ang="0">
+                <a:pos x="connsiteX1" y="connsiteY1"/>
+              </a:cxn>
+              <a:cxn ang="0">
+                <a:pos x="connsiteX2" y="connsiteY2"/>
+              </a:cxn>
+              <a:cxn ang="0">
+                <a:pos x="connsiteX3" y="connsiteY3"/>
+              </a:cxn>
+              <a:cxn ang="0">
+                <a:pos x="connsiteX4" y="connsiteY4"/>
+              </a:cxn>
+            </a:cxnLst>
+            <a:rect l="l" t="t" r="r" b="b"/>
+            <a:pathLst>
+              <a:path w="2596355" h="1101724">
+                <a:moveTo>
+                  <a:pt x="0" y="0"/>
+                </a:moveTo>
+                <a:cubicBezTo>
+                  <a:pt x="2117" y="370417"/>
+                  <a:pt x="1851" y="731307"/>
+                  <a:pt x="3968" y="1101724"/>
+                </a:cubicBezTo>
+                <a:cubicBezTo>
+                  <a:pt x="559857" y="1005152"/>
+                  <a:pt x="893498" y="897466"/>
+                  <a:pt x="1423987" y="683418"/>
+                </a:cubicBezTo>
+                <a:cubicBezTo>
+                  <a:pt x="2007659" y="383910"/>
+                  <a:pt x="1934103" y="432063"/>
+                  <a:pt x="2596355" y="6349"/>
+                </a:cubicBezTo>
+                <a:lnTo>
+                  <a:pt x="0" y="0"/>
+                </a:lnTo>
+                <a:close/>
+              </a:path>
+            </a:pathLst>
+          </a:custGeom>
+          <a:solidFill>
+            <a:schemeClr val="accent6">
+              <a:alpha val="60000"/>
+            </a:schemeClr>
+          </a:solidFill>
+          <a:ln>
+            <a:noFill/>
+          </a:ln>
+        </p:spPr>
+        <p:style>
+          <a:lnRef idx="2">
+            <a:schemeClr val="accent1">
+              <a:shade val="50000"/>
+            </a:schemeClr>
+          </a:lnRef>
+          <a:fillRef idx="1">
+            <a:schemeClr val="accent1"/>
+          </a:fillRef>
+          <a:effectRef idx="0">
+            <a:schemeClr val="accent1"/>
+          </a:effectRef>
+          <a:fontRef idx="minor">
+            <a:schemeClr val="lt1"/>
+          </a:fontRef>
+        </p:style>
+        <p:txBody>
+          <a:bodyPr rtlCol="0" anchor="ctr"/>
+          <a:lstStyle/>
+          <a:p>
+            <a:pPr algn="ctr"/>
+            <a:endParaRPr lang="en-US"/>
+          </a:p>
+        </p:txBody>
+      </p:sp>
+      <p:cxnSp>
+        <p:nvCxnSpPr>
+          <p:cNvPr id="64" name="Straight Connector 63">
+            <a:extLst>
+              <a:ext uri="{FF2B5EF4-FFF2-40B4-BE49-F238E27FC236}">
+                <a16:creationId xmlns:a16="http://schemas.microsoft.com/office/drawing/2014/main" id="{7B1F43AA-6499-4F70-92F4-8F2C4CA6D975}"/>
+              </a:ext>
+            </a:extLst>
+          </p:cNvPr>
+          <p:cNvCxnSpPr>
+            <a:cxnSpLocks/>
+          </p:cNvCxnSpPr>
+          <p:nvPr/>
+        </p:nvCxnSpPr>
+        <p:spPr>
+          <a:xfrm flipH="1">
+            <a:off x="672647" y="4035425"/>
+            <a:ext cx="2658263" cy="0"/>
+          </a:xfrm>
+          <a:prstGeom prst="line">
+            <a:avLst/>
+          </a:prstGeom>
+          <a:ln w="12700">
+            <a:solidFill>
+              <a:schemeClr val="tx1"/>
+            </a:solidFill>
+            <a:prstDash val="dash"/>
+          </a:ln>
+        </p:spPr>
+        <p:style>
+          <a:lnRef idx="1">
+            <a:schemeClr val="dk1"/>
+          </a:lnRef>
+          <a:fillRef idx="0">
+            <a:schemeClr val="dk1"/>
+          </a:fillRef>
+          <a:effectRef idx="0">
+            <a:schemeClr val="dk1"/>
+          </a:effectRef>
+          <a:fontRef idx="minor">
+            <a:schemeClr val="tx1"/>
+          </a:fontRef>
+        </p:style>
+      </p:cxnSp>
+      <p:grpSp>
+        <p:nvGrpSpPr>
+          <p:cNvPr id="9" name="Group 8">
+            <a:extLst>
+              <a:ext uri="{FF2B5EF4-FFF2-40B4-BE49-F238E27FC236}">
+                <a16:creationId xmlns:a16="http://schemas.microsoft.com/office/drawing/2014/main" id="{F049DA10-2FB8-43EC-B532-2E9417881BDB}"/>
+              </a:ext>
+            </a:extLst>
+          </p:cNvPr>
+          <p:cNvGrpSpPr/>
+          <p:nvPr/>
+        </p:nvGrpSpPr>
+        <p:grpSpPr>
+          <a:xfrm>
+            <a:off x="651711" y="462714"/>
+            <a:ext cx="5486400" cy="4981074"/>
+            <a:chOff x="2213811" y="529389"/>
+            <a:chExt cx="5486400" cy="4981074"/>
+          </a:xfrm>
+        </p:grpSpPr>
+        <p:cxnSp>
+          <p:nvCxnSpPr>
+            <p:cNvPr id="5" name="Straight Connector 4">
+              <a:extLst>
+                <a:ext uri="{FF2B5EF4-FFF2-40B4-BE49-F238E27FC236}">
+                  <a16:creationId xmlns:a16="http://schemas.microsoft.com/office/drawing/2014/main" id="{1E19111E-7508-4825-9C8F-8143482CE784}"/>
+                </a:ext>
+              </a:extLst>
+            </p:cNvPr>
+            <p:cNvCxnSpPr/>
+            <p:nvPr/>
+          </p:nvCxnSpPr>
+          <p:spPr>
+            <a:xfrm>
+              <a:off x="2213811" y="529389"/>
+              <a:ext cx="0" cy="4981074"/>
+            </a:xfrm>
+            <a:prstGeom prst="line">
+              <a:avLst/>
+            </a:prstGeom>
+            <a:ln w="60325"/>
+          </p:spPr>
+          <p:style>
+            <a:lnRef idx="3">
+              <a:schemeClr val="dk1"/>
+            </a:lnRef>
+            <a:fillRef idx="0">
+              <a:schemeClr val="dk1"/>
+            </a:fillRef>
+            <a:effectRef idx="2">
+              <a:schemeClr val="dk1"/>
+            </a:effectRef>
+            <a:fontRef idx="minor">
+              <a:schemeClr val="tx1"/>
+            </a:fontRef>
+          </p:style>
+        </p:cxnSp>
+        <p:cxnSp>
+          <p:nvCxnSpPr>
+            <p:cNvPr id="6" name="Straight Connector 5">
+              <a:extLst>
+                <a:ext uri="{FF2B5EF4-FFF2-40B4-BE49-F238E27FC236}">
+                  <a16:creationId xmlns:a16="http://schemas.microsoft.com/office/drawing/2014/main" id="{234C439E-F63D-4179-A090-751855762D7A}"/>
+                </a:ext>
+              </a:extLst>
+            </p:cNvPr>
+            <p:cNvCxnSpPr>
+              <a:cxnSpLocks/>
+            </p:cNvCxnSpPr>
+            <p:nvPr/>
+          </p:nvCxnSpPr>
+          <p:spPr>
+            <a:xfrm flipH="1">
+              <a:off x="2213811" y="5510463"/>
+              <a:ext cx="5486400" cy="0"/>
+            </a:xfrm>
+            <a:prstGeom prst="line">
+              <a:avLst/>
+            </a:prstGeom>
+            <a:ln w="60325"/>
+          </p:spPr>
+          <p:style>
+            <a:lnRef idx="3">
+              <a:schemeClr val="dk1"/>
+            </a:lnRef>
+            <a:fillRef idx="0">
+              <a:schemeClr val="dk1"/>
+            </a:fillRef>
+            <a:effectRef idx="2">
+              <a:schemeClr val="dk1"/>
+            </a:effectRef>
+            <a:fontRef idx="minor">
+              <a:schemeClr val="tx1"/>
+            </a:fontRef>
+          </p:style>
+        </p:cxnSp>
+      </p:grpSp>
+      <p:sp>
+        <p:nvSpPr>
+          <p:cNvPr id="8" name="Freeform: Shape 7">
+            <a:extLst>
+              <a:ext uri="{FF2B5EF4-FFF2-40B4-BE49-F238E27FC236}">
+                <a16:creationId xmlns:a16="http://schemas.microsoft.com/office/drawing/2014/main" id="{1D2E95E3-76FC-4B89-A600-23FD8780CEDF}"/>
+              </a:ext>
+            </a:extLst>
+          </p:cNvPr>
+          <p:cNvSpPr/>
+          <p:nvPr/>
+        </p:nvSpPr>
+        <p:spPr>
+          <a:xfrm>
+            <a:off x="679451" y="1622409"/>
+            <a:ext cx="2546350" cy="2413015"/>
+          </a:xfrm>
+          <a:custGeom>
+            <a:avLst/>
+            <a:gdLst>
+              <a:gd name="connsiteX0" fmla="*/ 0 w 2546350"/>
+              <a:gd name="connsiteY0" fmla="*/ 0 h 2413000"/>
+              <a:gd name="connsiteX1" fmla="*/ 6350 w 2546350"/>
+              <a:gd name="connsiteY1" fmla="*/ 2406650 h 2413000"/>
+              <a:gd name="connsiteX2" fmla="*/ 2546350 w 2546350"/>
+              <a:gd name="connsiteY2" fmla="*/ 2413000 h 2413000"/>
+              <a:gd name="connsiteX3" fmla="*/ 1003300 w 2546350"/>
+              <a:gd name="connsiteY3" fmla="*/ 1473200 h 2413000"/>
+              <a:gd name="connsiteX4" fmla="*/ 0 w 2546350"/>
+              <a:gd name="connsiteY4" fmla="*/ 0 h 2413000"/>
+              <a:gd name="connsiteX0" fmla="*/ 0 w 2561087"/>
+              <a:gd name="connsiteY0" fmla="*/ 13555 h 2426555"/>
+              <a:gd name="connsiteX1" fmla="*/ 6350 w 2561087"/>
+              <a:gd name="connsiteY1" fmla="*/ 2420205 h 2426555"/>
+              <a:gd name="connsiteX2" fmla="*/ 2546350 w 2561087"/>
+              <a:gd name="connsiteY2" fmla="*/ 2426555 h 2426555"/>
+              <a:gd name="connsiteX3" fmla="*/ 1003300 w 2561087"/>
+              <a:gd name="connsiteY3" fmla="*/ 1486755 h 2426555"/>
+              <a:gd name="connsiteX4" fmla="*/ 0 w 2561087"/>
+              <a:gd name="connsiteY4" fmla="*/ 13555 h 2426555"/>
+              <a:gd name="connsiteX0" fmla="*/ 0 w 2561212"/>
+              <a:gd name="connsiteY0" fmla="*/ 13532 h 2426532"/>
+              <a:gd name="connsiteX1" fmla="*/ 6350 w 2561212"/>
+              <a:gd name="connsiteY1" fmla="*/ 2420182 h 2426532"/>
+              <a:gd name="connsiteX2" fmla="*/ 2546350 w 2561212"/>
+              <a:gd name="connsiteY2" fmla="*/ 2426532 h 2426532"/>
+              <a:gd name="connsiteX3" fmla="*/ 1015206 w 2561212"/>
+              <a:gd name="connsiteY3" fmla="*/ 1489113 h 2426532"/>
+              <a:gd name="connsiteX4" fmla="*/ 0 w 2561212"/>
+              <a:gd name="connsiteY4" fmla="*/ 13532 h 2426532"/>
+              <a:gd name="connsiteX0" fmla="*/ 0 w 2569715"/>
+              <a:gd name="connsiteY0" fmla="*/ 21934 h 2434934"/>
+              <a:gd name="connsiteX1" fmla="*/ 6350 w 2569715"/>
+              <a:gd name="connsiteY1" fmla="*/ 2428584 h 2434934"/>
+              <a:gd name="connsiteX2" fmla="*/ 2546350 w 2569715"/>
+              <a:gd name="connsiteY2" fmla="*/ 2434934 h 2434934"/>
+              <a:gd name="connsiteX3" fmla="*/ 1015206 w 2569715"/>
+              <a:gd name="connsiteY3" fmla="*/ 1497515 h 2434934"/>
+              <a:gd name="connsiteX4" fmla="*/ 0 w 2569715"/>
+              <a:gd name="connsiteY4" fmla="*/ 21934 h 2434934"/>
+              <a:gd name="connsiteX0" fmla="*/ 0 w 2565797"/>
+              <a:gd name="connsiteY0" fmla="*/ 21934 h 2434934"/>
+              <a:gd name="connsiteX1" fmla="*/ 6350 w 2565797"/>
+              <a:gd name="connsiteY1" fmla="*/ 2428584 h 2434934"/>
+              <a:gd name="connsiteX2" fmla="*/ 2546350 w 2565797"/>
+              <a:gd name="connsiteY2" fmla="*/ 2434934 h 2434934"/>
+              <a:gd name="connsiteX3" fmla="*/ 1015206 w 2565797"/>
+              <a:gd name="connsiteY3" fmla="*/ 1497515 h 2434934"/>
+              <a:gd name="connsiteX4" fmla="*/ 0 w 2565797"/>
+              <a:gd name="connsiteY4" fmla="*/ 21934 h 2434934"/>
+              <a:gd name="connsiteX0" fmla="*/ 0 w 2565797"/>
+              <a:gd name="connsiteY0" fmla="*/ 14 h 2413014"/>
+              <a:gd name="connsiteX1" fmla="*/ 6350 w 2565797"/>
+              <a:gd name="connsiteY1" fmla="*/ 2406664 h 2413014"/>
+              <a:gd name="connsiteX2" fmla="*/ 2546350 w 2565797"/>
+              <a:gd name="connsiteY2" fmla="*/ 2413014 h 2413014"/>
+              <a:gd name="connsiteX3" fmla="*/ 1015206 w 2565797"/>
+              <a:gd name="connsiteY3" fmla="*/ 1475595 h 2413014"/>
+              <a:gd name="connsiteX4" fmla="*/ 0 w 2565797"/>
+              <a:gd name="connsiteY4" fmla="*/ 14 h 2413014"/>
+              <a:gd name="connsiteX0" fmla="*/ 0 w 2565797"/>
+              <a:gd name="connsiteY0" fmla="*/ 15 h 2413015"/>
+              <a:gd name="connsiteX1" fmla="*/ 6350 w 2565797"/>
+              <a:gd name="connsiteY1" fmla="*/ 2406665 h 2413015"/>
+              <a:gd name="connsiteX2" fmla="*/ 2546350 w 2565797"/>
+              <a:gd name="connsiteY2" fmla="*/ 2413015 h 2413015"/>
+              <a:gd name="connsiteX3" fmla="*/ 1015206 w 2565797"/>
+              <a:gd name="connsiteY3" fmla="*/ 1475596 h 2413015"/>
+              <a:gd name="connsiteX4" fmla="*/ 0 w 2565797"/>
+              <a:gd name="connsiteY4" fmla="*/ 15 h 2413015"/>
+              <a:gd name="connsiteX0" fmla="*/ 0 w 2546350"/>
+              <a:gd name="connsiteY0" fmla="*/ 15 h 2413015"/>
+              <a:gd name="connsiteX1" fmla="*/ 6350 w 2546350"/>
+              <a:gd name="connsiteY1" fmla="*/ 2406665 h 2413015"/>
+              <a:gd name="connsiteX2" fmla="*/ 2546350 w 2546350"/>
+              <a:gd name="connsiteY2" fmla="*/ 2413015 h 2413015"/>
+              <a:gd name="connsiteX3" fmla="*/ 1015206 w 2546350"/>
+              <a:gd name="connsiteY3" fmla="*/ 1475596 h 2413015"/>
+              <a:gd name="connsiteX4" fmla="*/ 0 w 2546350"/>
+              <a:gd name="connsiteY4" fmla="*/ 15 h 2413015"/>
+            </a:gdLst>
+            <a:ahLst/>
+            <a:cxnLst>
+              <a:cxn ang="0">
+                <a:pos x="connsiteX0" y="connsiteY0"/>
+              </a:cxn>
+              <a:cxn ang="0">
+                <a:pos x="connsiteX1" y="connsiteY1"/>
+              </a:cxn>
+              <a:cxn ang="0">
+                <a:pos x="connsiteX2" y="connsiteY2"/>
+              </a:cxn>
+              <a:cxn ang="0">
+                <a:pos x="connsiteX3" y="connsiteY3"/>
+              </a:cxn>
+              <a:cxn ang="0">
+                <a:pos x="connsiteX4" y="connsiteY4"/>
+              </a:cxn>
+            </a:cxnLst>
+            <a:rect l="l" t="t" r="r" b="b"/>
+            <a:pathLst>
+              <a:path w="2546350" h="2413015">
+                <a:moveTo>
+                  <a:pt x="0" y="15"/>
+                </a:moveTo>
+                <a:cubicBezTo>
+                  <a:pt x="2117" y="802232"/>
+                  <a:pt x="4233" y="1604448"/>
+                  <a:pt x="6350" y="2406665"/>
+                </a:cubicBezTo>
+                <a:lnTo>
+                  <a:pt x="2546350" y="2413015"/>
+                </a:lnTo>
+                <a:cubicBezTo>
+                  <a:pt x="1367101" y="1845483"/>
+                  <a:pt x="1780778" y="1944305"/>
+                  <a:pt x="1015206" y="1475596"/>
+                </a:cubicBezTo>
+                <a:cubicBezTo>
+                  <a:pt x="90752" y="470973"/>
+                  <a:pt x="80433" y="-3160"/>
+                  <a:pt x="0" y="15"/>
+                </a:cubicBezTo>
+                <a:close/>
+              </a:path>
+            </a:pathLst>
+          </a:custGeom>
+          <a:solidFill>
+            <a:schemeClr val="accent1">
+              <a:alpha val="50000"/>
+            </a:schemeClr>
+          </a:solidFill>
+          <a:ln>
+            <a:noFill/>
+          </a:ln>
+        </p:spPr>
+        <p:style>
+          <a:lnRef idx="2">
+            <a:schemeClr val="accent1">
+              <a:shade val="50000"/>
+            </a:schemeClr>
+          </a:lnRef>
+          <a:fillRef idx="1">
+            <a:schemeClr val="accent1"/>
+          </a:fillRef>
+          <a:effectRef idx="0">
+            <a:schemeClr val="accent1"/>
+          </a:effectRef>
+          <a:fontRef idx="minor">
+            <a:schemeClr val="lt1"/>
+          </a:fontRef>
+        </p:style>
+        <p:txBody>
+          <a:bodyPr rtlCol="0" anchor="ctr"/>
+          <a:lstStyle/>
+          <a:p>
+            <a:pPr algn="ctr"/>
+            <a:endParaRPr lang="en-US" dirty="0"/>
+          </a:p>
+        </p:txBody>
+      </p:sp>
+      <p:sp>
+        <p:nvSpPr>
+          <p:cNvPr id="13" name="TextBox 12">
+            <a:extLst>
+              <a:ext uri="{FF2B5EF4-FFF2-40B4-BE49-F238E27FC236}">
+                <a16:creationId xmlns:a16="http://schemas.microsoft.com/office/drawing/2014/main" id="{81EE052F-FBB5-4E88-917E-33859F41D4B9}"/>
+              </a:ext>
+            </a:extLst>
+          </p:cNvPr>
+          <p:cNvSpPr txBox="1"/>
+          <p:nvPr/>
+        </p:nvSpPr>
+        <p:spPr>
+          <a:xfrm>
+            <a:off x="703390" y="3154699"/>
+            <a:ext cx="1428747" cy="646331"/>
+          </a:xfrm>
+          <a:prstGeom prst="rect">
+            <a:avLst/>
+          </a:prstGeom>
+          <a:noFill/>
+        </p:spPr>
+        <p:txBody>
+          <a:bodyPr wrap="square" rtlCol="0">
+            <a:spAutoFit/>
+          </a:bodyPr>
+          <a:lstStyle/>
+          <a:p>
+            <a:r>
+              <a:rPr lang="en-US" dirty="0"/>
+              <a:t>Consumer Surplus</a:t>
+            </a:r>
+          </a:p>
+        </p:txBody>
+      </p:sp>
+      <p:sp>
+        <p:nvSpPr>
+          <p:cNvPr id="65" name="TextBox 64">
+            <a:extLst>
+              <a:ext uri="{FF2B5EF4-FFF2-40B4-BE49-F238E27FC236}">
+                <a16:creationId xmlns:a16="http://schemas.microsoft.com/office/drawing/2014/main" id="{BC60F654-9AED-49E1-992C-7A09B7D1FDE7}"/>
+              </a:ext>
+            </a:extLst>
+          </p:cNvPr>
+          <p:cNvSpPr txBox="1"/>
+          <p:nvPr/>
+        </p:nvSpPr>
+        <p:spPr>
+          <a:xfrm>
+            <a:off x="694898" y="4084768"/>
+            <a:ext cx="1428747" cy="646331"/>
+          </a:xfrm>
+          <a:prstGeom prst="rect">
+            <a:avLst/>
+          </a:prstGeom>
+          <a:noFill/>
+        </p:spPr>
+        <p:txBody>
+          <a:bodyPr wrap="square" rtlCol="0">
+            <a:spAutoFit/>
+          </a:bodyPr>
+          <a:lstStyle/>
+          <a:p>
+            <a:r>
+              <a:rPr lang="en-US" dirty="0"/>
+              <a:t>Producer Surplus</a:t>
+            </a:r>
+          </a:p>
+        </p:txBody>
+      </p:sp>
+    </p:spTree>
+    <p:extLst>
+      <p:ext uri="{BB962C8B-B14F-4D97-AF65-F5344CB8AC3E}">
+        <p14:creationId xmlns:p14="http://schemas.microsoft.com/office/powerpoint/2010/main" val="862088219"/>
+      </p:ext>
+    </p:extLst>
+  </p:cSld>
+  <p:clrMapOvr>
+    <a:masterClrMapping/>
+  </p:clrMapOvr>
+</p:sld>
+</file>
+
+<file path=ppt/slides/slide2.xml><?xml version="1.0" encoding="utf-8"?>
+<p:sld xmlns:a="http://schemas.openxmlformats.org/drawingml/2006/main" xmlns:r="http://schemas.openxmlformats.org/officeDocument/2006/relationships" xmlns:p="http://schemas.openxmlformats.org/presentationml/2006/main">
+  <p:cSld>
+    <p:spTree>
+      <p:nvGrpSpPr>
+        <p:cNvPr id="1" name=""/>
+        <p:cNvGrpSpPr/>
+        <p:nvPr/>
+      </p:nvGrpSpPr>
+      <p:grpSpPr>
+        <a:xfrm>
+          <a:off x="0" y="0"/>
+          <a:ext cx="0" cy="0"/>
+          <a:chOff x="0" y="0"/>
+          <a:chExt cx="0" cy="0"/>
+        </a:xfrm>
+      </p:grpSpPr>
+      <p:grpSp>
+        <p:nvGrpSpPr>
+          <p:cNvPr id="2" name="Group 1">
+            <a:extLst>
+              <a:ext uri="{FF2B5EF4-FFF2-40B4-BE49-F238E27FC236}">
+                <a16:creationId xmlns:a16="http://schemas.microsoft.com/office/drawing/2014/main" id="{0D2E5323-337D-4715-93CC-022FD49FD06F}"/>
+              </a:ext>
+            </a:extLst>
+          </p:cNvPr>
+          <p:cNvGrpSpPr/>
+          <p:nvPr/>
+        </p:nvGrpSpPr>
+        <p:grpSpPr>
+          <a:xfrm>
+            <a:off x="1310054" y="1731292"/>
+            <a:ext cx="3862020" cy="3168162"/>
+            <a:chOff x="-90754" y="462714"/>
+            <a:chExt cx="6649839" cy="5621819"/>
+          </a:xfrm>
+        </p:grpSpPr>
+        <p:sp>
+          <p:nvSpPr>
+            <p:cNvPr id="16" name="Freeform: Shape 15">
+              <a:extLst>
+                <a:ext uri="{FF2B5EF4-FFF2-40B4-BE49-F238E27FC236}">
+                  <a16:creationId xmlns:a16="http://schemas.microsoft.com/office/drawing/2014/main" id="{42B3D9DC-896E-4599-84BF-C4E4FF047A00}"/>
+                </a:ext>
+              </a:extLst>
+            </p:cNvPr>
+            <p:cNvSpPr/>
+            <p:nvPr/>
+          </p:nvSpPr>
+          <p:spPr>
+            <a:xfrm rot="19354716">
+              <a:off x="329717" y="3413926"/>
+              <a:ext cx="5458428" cy="720045"/>
+            </a:xfrm>
+            <a:custGeom>
+              <a:avLst/>
+              <a:gdLst>
+                <a:gd name="connsiteX0" fmla="*/ 0 w 4696691"/>
+                <a:gd name="connsiteY0" fmla="*/ 0 h 708457"/>
+                <a:gd name="connsiteX1" fmla="*/ 1454728 w 4696691"/>
+                <a:gd name="connsiteY1" fmla="*/ 706582 h 708457"/>
+                <a:gd name="connsiteX2" fmla="*/ 4696691 w 4696691"/>
+                <a:gd name="connsiteY2" fmla="*/ 166254 h 708457"/>
+                <a:gd name="connsiteX0" fmla="*/ 0 w 5037654"/>
+                <a:gd name="connsiteY0" fmla="*/ 0 h 598347"/>
+                <a:gd name="connsiteX1" fmla="*/ 1795691 w 5037654"/>
+                <a:gd name="connsiteY1" fmla="*/ 598094 h 598347"/>
+                <a:gd name="connsiteX2" fmla="*/ 5037654 w 5037654"/>
+                <a:gd name="connsiteY2" fmla="*/ 57766 h 598347"/>
+                <a:gd name="connsiteX0" fmla="*/ 0 w 5037654"/>
+                <a:gd name="connsiteY0" fmla="*/ 0 h 536428"/>
+                <a:gd name="connsiteX1" fmla="*/ 2400125 w 5037654"/>
+                <a:gd name="connsiteY1" fmla="*/ 536101 h 536428"/>
+                <a:gd name="connsiteX2" fmla="*/ 5037654 w 5037654"/>
+                <a:gd name="connsiteY2" fmla="*/ 57766 h 536428"/>
+                <a:gd name="connsiteX0" fmla="*/ 0 w 5037654"/>
+                <a:gd name="connsiteY0" fmla="*/ 0 h 536428"/>
+                <a:gd name="connsiteX1" fmla="*/ 2400125 w 5037654"/>
+                <a:gd name="connsiteY1" fmla="*/ 536101 h 536428"/>
+                <a:gd name="connsiteX2" fmla="*/ 5037654 w 5037654"/>
+                <a:gd name="connsiteY2" fmla="*/ 57766 h 536428"/>
+                <a:gd name="connsiteX0" fmla="*/ 0 w 5037654"/>
+                <a:gd name="connsiteY0" fmla="*/ 0 h 536101"/>
+                <a:gd name="connsiteX1" fmla="*/ 2400125 w 5037654"/>
+                <a:gd name="connsiteY1" fmla="*/ 536101 h 536101"/>
+                <a:gd name="connsiteX2" fmla="*/ 5037654 w 5037654"/>
+                <a:gd name="connsiteY2" fmla="*/ 57766 h 536101"/>
+                <a:gd name="connsiteX0" fmla="*/ 0 w 5394115"/>
+                <a:gd name="connsiteY0" fmla="*/ 128214 h 664315"/>
+                <a:gd name="connsiteX1" fmla="*/ 2400125 w 5394115"/>
+                <a:gd name="connsiteY1" fmla="*/ 664315 h 664315"/>
+                <a:gd name="connsiteX2" fmla="*/ 5394115 w 5394115"/>
+                <a:gd name="connsiteY2" fmla="*/ 0 h 664315"/>
+                <a:gd name="connsiteX0" fmla="*/ 0 w 5394115"/>
+                <a:gd name="connsiteY0" fmla="*/ 128214 h 664315"/>
+                <a:gd name="connsiteX1" fmla="*/ 2400125 w 5394115"/>
+                <a:gd name="connsiteY1" fmla="*/ 664315 h 664315"/>
+                <a:gd name="connsiteX2" fmla="*/ 5394115 w 5394115"/>
+                <a:gd name="connsiteY2" fmla="*/ 0 h 664315"/>
+                <a:gd name="connsiteX0" fmla="*/ 0 w 5394115"/>
+                <a:gd name="connsiteY0" fmla="*/ 128214 h 664315"/>
+                <a:gd name="connsiteX1" fmla="*/ 2400125 w 5394115"/>
+                <a:gd name="connsiteY1" fmla="*/ 664315 h 664315"/>
+                <a:gd name="connsiteX2" fmla="*/ 5394115 w 5394115"/>
+                <a:gd name="connsiteY2" fmla="*/ 0 h 664315"/>
+                <a:gd name="connsiteX0" fmla="*/ 0 w 5394115"/>
+                <a:gd name="connsiteY0" fmla="*/ 128214 h 682648"/>
+                <a:gd name="connsiteX1" fmla="*/ 2400125 w 5394115"/>
+                <a:gd name="connsiteY1" fmla="*/ 664315 h 682648"/>
+                <a:gd name="connsiteX2" fmla="*/ 5394115 w 5394115"/>
+                <a:gd name="connsiteY2" fmla="*/ 0 h 682648"/>
+                <a:gd name="connsiteX0" fmla="*/ 0 w 5394115"/>
+                <a:gd name="connsiteY0" fmla="*/ 128214 h 664315"/>
+                <a:gd name="connsiteX1" fmla="*/ 2400125 w 5394115"/>
+                <a:gd name="connsiteY1" fmla="*/ 664315 h 664315"/>
+                <a:gd name="connsiteX2" fmla="*/ 5394115 w 5394115"/>
+                <a:gd name="connsiteY2" fmla="*/ 0 h 664315"/>
+                <a:gd name="connsiteX0" fmla="*/ 0 w 5394115"/>
+                <a:gd name="connsiteY0" fmla="*/ 128214 h 664315"/>
+                <a:gd name="connsiteX1" fmla="*/ 2400125 w 5394115"/>
+                <a:gd name="connsiteY1" fmla="*/ 664315 h 664315"/>
+                <a:gd name="connsiteX2" fmla="*/ 5394115 w 5394115"/>
+                <a:gd name="connsiteY2" fmla="*/ 0 h 664315"/>
+                <a:gd name="connsiteX0" fmla="*/ 0 w 5799305"/>
+                <a:gd name="connsiteY0" fmla="*/ 14919 h 664315"/>
+                <a:gd name="connsiteX1" fmla="*/ 2805315 w 5799305"/>
+                <a:gd name="connsiteY1" fmla="*/ 664315 h 664315"/>
+                <a:gd name="connsiteX2" fmla="*/ 5799305 w 5799305"/>
+                <a:gd name="connsiteY2" fmla="*/ 0 h 664315"/>
+              </a:gdLst>
+              <a:ahLst/>
+              <a:cxnLst>
+                <a:cxn ang="0">
+                  <a:pos x="connsiteX0" y="connsiteY0"/>
+                </a:cxn>
+                <a:cxn ang="0">
+                  <a:pos x="connsiteX1" y="connsiteY1"/>
+                </a:cxn>
+                <a:cxn ang="0">
+                  <a:pos x="connsiteX2" y="connsiteY2"/>
+                </a:cxn>
+              </a:cxnLst>
+              <a:rect l="l" t="t" r="r" b="b"/>
+              <a:pathLst>
+                <a:path w="5799305" h="664315">
+                  <a:moveTo>
+                    <a:pt x="0" y="14919"/>
+                  </a:moveTo>
+                  <a:cubicBezTo>
+                    <a:pt x="847417" y="462843"/>
+                    <a:pt x="1965706" y="654687"/>
+                    <a:pt x="2805315" y="664315"/>
+                  </a:cubicBezTo>
+                  <a:cubicBezTo>
+                    <a:pt x="3567432" y="658445"/>
+                    <a:pt x="4445727" y="469998"/>
+                    <a:pt x="5799305" y="0"/>
+                  </a:cubicBezTo>
+                </a:path>
+              </a:pathLst>
+            </a:custGeom>
+            <a:ln w="76200">
+              <a:solidFill>
+                <a:schemeClr val="accent6"/>
+              </a:solidFill>
+            </a:ln>
+          </p:spPr>
+          <p:style>
+            <a:lnRef idx="3">
+              <a:schemeClr val="dk1"/>
+            </a:lnRef>
+            <a:fillRef idx="0">
+              <a:schemeClr val="dk1"/>
+            </a:fillRef>
+            <a:effectRef idx="2">
+              <a:schemeClr val="dk1"/>
+            </a:effectRef>
+            <a:fontRef idx="minor">
+              <a:schemeClr val="tx1"/>
+            </a:fontRef>
+          </p:style>
+          <p:txBody>
+            <a:bodyPr rtlCol="0" anchor="ctr"/>
+            <a:lstStyle/>
+            <a:p>
+              <a:pPr algn="ctr"/>
+              <a:endParaRPr lang="en-US"/>
+            </a:p>
+          </p:txBody>
+        </p:sp>
+        <p:sp>
+          <p:nvSpPr>
+            <p:cNvPr id="69" name="TextBox 68">
+              <a:extLst>
+                <a:ext uri="{FF2B5EF4-FFF2-40B4-BE49-F238E27FC236}">
+                  <a16:creationId xmlns:a16="http://schemas.microsoft.com/office/drawing/2014/main" id="{AF758D49-DCA3-4920-B7C3-C16CC7DB1170}"/>
+                </a:ext>
+              </a:extLst>
+            </p:cNvPr>
+            <p:cNvSpPr txBox="1"/>
+            <p:nvPr/>
+          </p:nvSpPr>
+          <p:spPr>
+            <a:xfrm>
+              <a:off x="-90754" y="3757652"/>
+              <a:ext cx="841440" cy="555540"/>
+            </a:xfrm>
+            <a:prstGeom prst="rect">
+              <a:avLst/>
+            </a:prstGeom>
+            <a:noFill/>
+          </p:spPr>
+          <p:txBody>
+            <a:bodyPr wrap="square" rtlCol="0">
+              <a:spAutoFit/>
+            </a:bodyPr>
+            <a:lstStyle/>
+            <a:p>
+              <a:r>
+                <a:rPr lang="en-US" dirty="0" err="1"/>
+                <a:t>P</a:t>
+              </a:r>
+              <a:r>
+                <a:rPr lang="en-US" baseline="-25000" dirty="0" err="1"/>
+                <a:t>eq</a:t>
+              </a:r>
+              <a:endParaRPr lang="en-US" baseline="-25000" dirty="0"/>
+            </a:p>
+          </p:txBody>
+        </p:sp>
+        <p:sp>
+          <p:nvSpPr>
+            <p:cNvPr id="76" name="TextBox 75">
+              <a:extLst>
+                <a:ext uri="{FF2B5EF4-FFF2-40B4-BE49-F238E27FC236}">
+                  <a16:creationId xmlns:a16="http://schemas.microsoft.com/office/drawing/2014/main" id="{CFD34140-AEDE-4691-AEAA-D67874897E64}"/>
+                </a:ext>
+              </a:extLst>
+            </p:cNvPr>
+            <p:cNvSpPr txBox="1"/>
+            <p:nvPr/>
+          </p:nvSpPr>
+          <p:spPr>
+            <a:xfrm>
+              <a:off x="4841636" y="3824551"/>
+              <a:ext cx="1717449" cy="655370"/>
+            </a:xfrm>
+            <a:prstGeom prst="rect">
+              <a:avLst/>
+            </a:prstGeom>
+            <a:noFill/>
+          </p:spPr>
+          <p:txBody>
+            <a:bodyPr wrap="square" rtlCol="0">
+              <a:spAutoFit/>
+            </a:bodyPr>
+            <a:lstStyle/>
+            <a:p>
+              <a:r>
+                <a:rPr lang="en-US" dirty="0">
+                  <a:solidFill>
+                    <a:schemeClr val="accent1"/>
+                  </a:solidFill>
+                </a:rPr>
+                <a:t>Demand</a:t>
+              </a:r>
+              <a:endParaRPr lang="en-US" baseline="-25000" dirty="0">
+                <a:solidFill>
+                  <a:schemeClr val="accent1"/>
+                </a:solidFill>
+              </a:endParaRPr>
+            </a:p>
+          </p:txBody>
+        </p:sp>
+        <p:sp>
+          <p:nvSpPr>
+            <p:cNvPr id="83" name="TextBox 82">
+              <a:extLst>
+                <a:ext uri="{FF2B5EF4-FFF2-40B4-BE49-F238E27FC236}">
+                  <a16:creationId xmlns:a16="http://schemas.microsoft.com/office/drawing/2014/main" id="{F0331B18-049D-4845-BF40-9DAB9E6B072E}"/>
+                </a:ext>
+              </a:extLst>
+            </p:cNvPr>
+            <p:cNvSpPr txBox="1"/>
+            <p:nvPr/>
+          </p:nvSpPr>
+          <p:spPr>
+            <a:xfrm>
+              <a:off x="3135655" y="5429163"/>
+              <a:ext cx="881309" cy="655370"/>
+            </a:xfrm>
+            <a:prstGeom prst="rect">
+              <a:avLst/>
+            </a:prstGeom>
+            <a:noFill/>
+          </p:spPr>
+          <p:txBody>
+            <a:bodyPr wrap="square" rtlCol="0">
+              <a:spAutoFit/>
+            </a:bodyPr>
+            <a:lstStyle/>
+            <a:p>
+              <a:r>
+                <a:rPr lang="en-US" dirty="0" err="1"/>
+                <a:t>Q</a:t>
+              </a:r>
+              <a:r>
+                <a:rPr lang="en-US" baseline="-25000" dirty="0" err="1"/>
+                <a:t>eq</a:t>
+              </a:r>
+              <a:endParaRPr lang="en-US" baseline="-25000" dirty="0"/>
+            </a:p>
+          </p:txBody>
+        </p:sp>
+        <p:sp>
+          <p:nvSpPr>
+            <p:cNvPr id="51" name="Freeform: Shape 50">
+              <a:extLst>
+                <a:ext uri="{FF2B5EF4-FFF2-40B4-BE49-F238E27FC236}">
+                  <a16:creationId xmlns:a16="http://schemas.microsoft.com/office/drawing/2014/main" id="{1B95232E-2A65-4189-A58D-B70E2D2C1C91}"/>
+                </a:ext>
+              </a:extLst>
+            </p:cNvPr>
+            <p:cNvSpPr/>
+            <p:nvPr/>
+          </p:nvSpPr>
+          <p:spPr>
+            <a:xfrm rot="2623089">
+              <a:off x="258328" y="2125720"/>
+              <a:ext cx="5754659" cy="1926137"/>
+            </a:xfrm>
+            <a:custGeom>
+              <a:avLst/>
+              <a:gdLst>
+                <a:gd name="connsiteX0" fmla="*/ 0 w 4696691"/>
+                <a:gd name="connsiteY0" fmla="*/ 0 h 708457"/>
+                <a:gd name="connsiteX1" fmla="*/ 1454728 w 4696691"/>
+                <a:gd name="connsiteY1" fmla="*/ 706582 h 708457"/>
+                <a:gd name="connsiteX2" fmla="*/ 4696691 w 4696691"/>
+                <a:gd name="connsiteY2" fmla="*/ 166254 h 708457"/>
+                <a:gd name="connsiteX0" fmla="*/ 0 w 5037654"/>
+                <a:gd name="connsiteY0" fmla="*/ 0 h 598347"/>
+                <a:gd name="connsiteX1" fmla="*/ 1795691 w 5037654"/>
+                <a:gd name="connsiteY1" fmla="*/ 598094 h 598347"/>
+                <a:gd name="connsiteX2" fmla="*/ 5037654 w 5037654"/>
+                <a:gd name="connsiteY2" fmla="*/ 57766 h 598347"/>
+                <a:gd name="connsiteX0" fmla="*/ 0 w 5037654"/>
+                <a:gd name="connsiteY0" fmla="*/ 0 h 536428"/>
+                <a:gd name="connsiteX1" fmla="*/ 2400125 w 5037654"/>
+                <a:gd name="connsiteY1" fmla="*/ 536101 h 536428"/>
+                <a:gd name="connsiteX2" fmla="*/ 5037654 w 5037654"/>
+                <a:gd name="connsiteY2" fmla="*/ 57766 h 536428"/>
+                <a:gd name="connsiteX0" fmla="*/ 0 w 5037654"/>
+                <a:gd name="connsiteY0" fmla="*/ 0 h 536428"/>
+                <a:gd name="connsiteX1" fmla="*/ 2400125 w 5037654"/>
+                <a:gd name="connsiteY1" fmla="*/ 536101 h 536428"/>
+                <a:gd name="connsiteX2" fmla="*/ 5037654 w 5037654"/>
+                <a:gd name="connsiteY2" fmla="*/ 57766 h 536428"/>
+                <a:gd name="connsiteX0" fmla="*/ 0 w 5037654"/>
+                <a:gd name="connsiteY0" fmla="*/ 0 h 536101"/>
+                <a:gd name="connsiteX1" fmla="*/ 2400125 w 5037654"/>
+                <a:gd name="connsiteY1" fmla="*/ 536101 h 536101"/>
+                <a:gd name="connsiteX2" fmla="*/ 5037654 w 5037654"/>
+                <a:gd name="connsiteY2" fmla="*/ 57766 h 536101"/>
+                <a:gd name="connsiteX0" fmla="*/ 0 w 5394115"/>
+                <a:gd name="connsiteY0" fmla="*/ 128214 h 664315"/>
+                <a:gd name="connsiteX1" fmla="*/ 2400125 w 5394115"/>
+                <a:gd name="connsiteY1" fmla="*/ 664315 h 664315"/>
+                <a:gd name="connsiteX2" fmla="*/ 5394115 w 5394115"/>
+                <a:gd name="connsiteY2" fmla="*/ 0 h 664315"/>
+                <a:gd name="connsiteX0" fmla="*/ 0 w 5394115"/>
+                <a:gd name="connsiteY0" fmla="*/ 128214 h 664315"/>
+                <a:gd name="connsiteX1" fmla="*/ 2400125 w 5394115"/>
+                <a:gd name="connsiteY1" fmla="*/ 664315 h 664315"/>
+                <a:gd name="connsiteX2" fmla="*/ 5394115 w 5394115"/>
+                <a:gd name="connsiteY2" fmla="*/ 0 h 664315"/>
+                <a:gd name="connsiteX0" fmla="*/ 0 w 5394115"/>
+                <a:gd name="connsiteY0" fmla="*/ 128214 h 664315"/>
+                <a:gd name="connsiteX1" fmla="*/ 2400125 w 5394115"/>
+                <a:gd name="connsiteY1" fmla="*/ 664315 h 664315"/>
+                <a:gd name="connsiteX2" fmla="*/ 5394115 w 5394115"/>
+                <a:gd name="connsiteY2" fmla="*/ 0 h 664315"/>
+                <a:gd name="connsiteX0" fmla="*/ 0 w 5394115"/>
+                <a:gd name="connsiteY0" fmla="*/ 128214 h 682648"/>
+                <a:gd name="connsiteX1" fmla="*/ 2400125 w 5394115"/>
+                <a:gd name="connsiteY1" fmla="*/ 664315 h 682648"/>
+                <a:gd name="connsiteX2" fmla="*/ 5394115 w 5394115"/>
+                <a:gd name="connsiteY2" fmla="*/ 0 h 682648"/>
+                <a:gd name="connsiteX0" fmla="*/ 0 w 5394115"/>
+                <a:gd name="connsiteY0" fmla="*/ 128214 h 664315"/>
+                <a:gd name="connsiteX1" fmla="*/ 2400125 w 5394115"/>
+                <a:gd name="connsiteY1" fmla="*/ 664315 h 664315"/>
+                <a:gd name="connsiteX2" fmla="*/ 5394115 w 5394115"/>
+                <a:gd name="connsiteY2" fmla="*/ 0 h 664315"/>
+                <a:gd name="connsiteX0" fmla="*/ 0 w 5394115"/>
+                <a:gd name="connsiteY0" fmla="*/ 128214 h 664315"/>
+                <a:gd name="connsiteX1" fmla="*/ 2400125 w 5394115"/>
+                <a:gd name="connsiteY1" fmla="*/ 664315 h 664315"/>
+                <a:gd name="connsiteX2" fmla="*/ 5394115 w 5394115"/>
+                <a:gd name="connsiteY2" fmla="*/ 0 h 664315"/>
+                <a:gd name="connsiteX0" fmla="*/ 0 w 5800228"/>
+                <a:gd name="connsiteY0" fmla="*/ 476143 h 735914"/>
+                <a:gd name="connsiteX1" fmla="*/ 2806238 w 5800228"/>
+                <a:gd name="connsiteY1" fmla="*/ 664315 h 735914"/>
+                <a:gd name="connsiteX2" fmla="*/ 5800228 w 5800228"/>
+                <a:gd name="connsiteY2" fmla="*/ 0 h 735914"/>
+                <a:gd name="connsiteX0" fmla="*/ 0 w 5800228"/>
+                <a:gd name="connsiteY0" fmla="*/ 476143 h 971012"/>
+                <a:gd name="connsiteX1" fmla="*/ 2806238 w 5800228"/>
+                <a:gd name="connsiteY1" fmla="*/ 664315 h 971012"/>
+                <a:gd name="connsiteX2" fmla="*/ 5800228 w 5800228"/>
+                <a:gd name="connsiteY2" fmla="*/ 0 h 971012"/>
+                <a:gd name="connsiteX0" fmla="*/ 0 w 5800228"/>
+                <a:gd name="connsiteY0" fmla="*/ 476143 h 971012"/>
+                <a:gd name="connsiteX1" fmla="*/ 2806238 w 5800228"/>
+                <a:gd name="connsiteY1" fmla="*/ 664315 h 971012"/>
+                <a:gd name="connsiteX2" fmla="*/ 5800228 w 5800228"/>
+                <a:gd name="connsiteY2" fmla="*/ 0 h 971012"/>
+                <a:gd name="connsiteX0" fmla="*/ 0 w 5800228"/>
+                <a:gd name="connsiteY0" fmla="*/ 476143 h 686922"/>
+                <a:gd name="connsiteX1" fmla="*/ 2806238 w 5800228"/>
+                <a:gd name="connsiteY1" fmla="*/ 664315 h 686922"/>
+                <a:gd name="connsiteX2" fmla="*/ 5800228 w 5800228"/>
+                <a:gd name="connsiteY2" fmla="*/ 0 h 686922"/>
+                <a:gd name="connsiteX0" fmla="*/ 0 w 5800228"/>
+                <a:gd name="connsiteY0" fmla="*/ 476143 h 664315"/>
+                <a:gd name="connsiteX1" fmla="*/ 2806238 w 5800228"/>
+                <a:gd name="connsiteY1" fmla="*/ 664315 h 664315"/>
+                <a:gd name="connsiteX2" fmla="*/ 5800228 w 5800228"/>
+                <a:gd name="connsiteY2" fmla="*/ 0 h 664315"/>
+                <a:gd name="connsiteX0" fmla="*/ 0 w 5800228"/>
+                <a:gd name="connsiteY0" fmla="*/ 476143 h 733940"/>
+                <a:gd name="connsiteX1" fmla="*/ 2806238 w 5800228"/>
+                <a:gd name="connsiteY1" fmla="*/ 664315 h 733940"/>
+                <a:gd name="connsiteX2" fmla="*/ 5800228 w 5800228"/>
+                <a:gd name="connsiteY2" fmla="*/ 0 h 733940"/>
+                <a:gd name="connsiteX0" fmla="*/ 0 w 5468163"/>
+                <a:gd name="connsiteY0" fmla="*/ 800097 h 988439"/>
+                <a:gd name="connsiteX1" fmla="*/ 2474173 w 5468163"/>
+                <a:gd name="connsiteY1" fmla="*/ 664315 h 988439"/>
+                <a:gd name="connsiteX2" fmla="*/ 5468163 w 5468163"/>
+                <a:gd name="connsiteY2" fmla="*/ 0 h 988439"/>
+                <a:gd name="connsiteX0" fmla="*/ 0 w 5468163"/>
+                <a:gd name="connsiteY0" fmla="*/ 800097 h 1249050"/>
+                <a:gd name="connsiteX1" fmla="*/ 2474173 w 5468163"/>
+                <a:gd name="connsiteY1" fmla="*/ 664315 h 1249050"/>
+                <a:gd name="connsiteX2" fmla="*/ 5468163 w 5468163"/>
+                <a:gd name="connsiteY2" fmla="*/ 0 h 1249050"/>
+                <a:gd name="connsiteX0" fmla="*/ 0 w 5468163"/>
+                <a:gd name="connsiteY0" fmla="*/ 800097 h 1198449"/>
+                <a:gd name="connsiteX1" fmla="*/ 2474173 w 5468163"/>
+                <a:gd name="connsiteY1" fmla="*/ 664315 h 1198449"/>
+                <a:gd name="connsiteX2" fmla="*/ 5468163 w 5468163"/>
+                <a:gd name="connsiteY2" fmla="*/ 0 h 1198449"/>
+                <a:gd name="connsiteX0" fmla="*/ 0 w 5468163"/>
+                <a:gd name="connsiteY0" fmla="*/ 800097 h 1198449"/>
+                <a:gd name="connsiteX1" fmla="*/ 2474173 w 5468163"/>
+                <a:gd name="connsiteY1" fmla="*/ 664315 h 1198449"/>
+                <a:gd name="connsiteX2" fmla="*/ 5468163 w 5468163"/>
+                <a:gd name="connsiteY2" fmla="*/ 0 h 1198449"/>
+                <a:gd name="connsiteX0" fmla="*/ 0 w 5468163"/>
+                <a:gd name="connsiteY0" fmla="*/ 800097 h 1007377"/>
+                <a:gd name="connsiteX1" fmla="*/ 2474173 w 5468163"/>
+                <a:gd name="connsiteY1" fmla="*/ 664315 h 1007377"/>
+                <a:gd name="connsiteX2" fmla="*/ 5468163 w 5468163"/>
+                <a:gd name="connsiteY2" fmla="*/ 0 h 1007377"/>
+                <a:gd name="connsiteX0" fmla="*/ 0 w 5468163"/>
+                <a:gd name="connsiteY0" fmla="*/ 800097 h 1170140"/>
+                <a:gd name="connsiteX1" fmla="*/ 2474173 w 5468163"/>
+                <a:gd name="connsiteY1" fmla="*/ 664315 h 1170140"/>
+                <a:gd name="connsiteX2" fmla="*/ 5468163 w 5468163"/>
+                <a:gd name="connsiteY2" fmla="*/ 0 h 1170140"/>
+                <a:gd name="connsiteX0" fmla="*/ 0 w 5468163"/>
+                <a:gd name="connsiteY0" fmla="*/ 800097 h 1045624"/>
+                <a:gd name="connsiteX1" fmla="*/ 2474173 w 5468163"/>
+                <a:gd name="connsiteY1" fmla="*/ 664315 h 1045624"/>
+                <a:gd name="connsiteX2" fmla="*/ 5468163 w 5468163"/>
+                <a:gd name="connsiteY2" fmla="*/ 0 h 1045624"/>
+                <a:gd name="connsiteX0" fmla="*/ 0 w 5118705"/>
+                <a:gd name="connsiteY0" fmla="*/ 938267 h 1184305"/>
+                <a:gd name="connsiteX1" fmla="*/ 2474173 w 5118705"/>
+                <a:gd name="connsiteY1" fmla="*/ 802485 h 1184305"/>
+                <a:gd name="connsiteX2" fmla="*/ 5118705 w 5118705"/>
+                <a:gd name="connsiteY2" fmla="*/ 0 h 1184305"/>
+                <a:gd name="connsiteX0" fmla="*/ 0 w 5118705"/>
+                <a:gd name="connsiteY0" fmla="*/ 938267 h 1184305"/>
+                <a:gd name="connsiteX1" fmla="*/ 2474173 w 5118705"/>
+                <a:gd name="connsiteY1" fmla="*/ 802485 h 1184305"/>
+                <a:gd name="connsiteX2" fmla="*/ 5118705 w 5118705"/>
+                <a:gd name="connsiteY2" fmla="*/ 0 h 1184305"/>
+                <a:gd name="connsiteX0" fmla="*/ 0 w 5118705"/>
+                <a:gd name="connsiteY0" fmla="*/ 938267 h 1184305"/>
+                <a:gd name="connsiteX1" fmla="*/ 2474173 w 5118705"/>
+                <a:gd name="connsiteY1" fmla="*/ 802485 h 1184305"/>
+                <a:gd name="connsiteX2" fmla="*/ 5118705 w 5118705"/>
+                <a:gd name="connsiteY2" fmla="*/ 0 h 1184305"/>
+                <a:gd name="connsiteX0" fmla="*/ 0 w 5118705"/>
+                <a:gd name="connsiteY0" fmla="*/ 938267 h 1544410"/>
+                <a:gd name="connsiteX1" fmla="*/ 2437648 w 5118705"/>
+                <a:gd name="connsiteY1" fmla="*/ 1486046 h 1544410"/>
+                <a:gd name="connsiteX2" fmla="*/ 5118705 w 5118705"/>
+                <a:gd name="connsiteY2" fmla="*/ 0 h 1544410"/>
+                <a:gd name="connsiteX0" fmla="*/ 0 w 5118705"/>
+                <a:gd name="connsiteY0" fmla="*/ 938267 h 1544410"/>
+                <a:gd name="connsiteX1" fmla="*/ 2437648 w 5118705"/>
+                <a:gd name="connsiteY1" fmla="*/ 1486046 h 1544410"/>
+                <a:gd name="connsiteX2" fmla="*/ 5118705 w 5118705"/>
+                <a:gd name="connsiteY2" fmla="*/ 0 h 1544410"/>
+                <a:gd name="connsiteX0" fmla="*/ 0 w 5642701"/>
+                <a:gd name="connsiteY0" fmla="*/ 1212743 h 1637920"/>
+                <a:gd name="connsiteX1" fmla="*/ 2961644 w 5642701"/>
+                <a:gd name="connsiteY1" fmla="*/ 1486046 h 1637920"/>
+                <a:gd name="connsiteX2" fmla="*/ 5642701 w 5642701"/>
+                <a:gd name="connsiteY2" fmla="*/ 0 h 1637920"/>
+                <a:gd name="connsiteX0" fmla="*/ 0 w 5642701"/>
+                <a:gd name="connsiteY0" fmla="*/ 1212743 h 1609448"/>
+                <a:gd name="connsiteX1" fmla="*/ 2961644 w 5642701"/>
+                <a:gd name="connsiteY1" fmla="*/ 1486046 h 1609448"/>
+                <a:gd name="connsiteX2" fmla="*/ 5642701 w 5642701"/>
+                <a:gd name="connsiteY2" fmla="*/ 0 h 1609448"/>
+                <a:gd name="connsiteX0" fmla="*/ 0 w 5642701"/>
+                <a:gd name="connsiteY0" fmla="*/ 1212743 h 1714354"/>
+                <a:gd name="connsiteX1" fmla="*/ 2945377 w 5642701"/>
+                <a:gd name="connsiteY1" fmla="*/ 1628058 h 1714354"/>
+                <a:gd name="connsiteX2" fmla="*/ 5642701 w 5642701"/>
+                <a:gd name="connsiteY2" fmla="*/ 0 h 1714354"/>
+                <a:gd name="connsiteX0" fmla="*/ 0 w 6114036"/>
+                <a:gd name="connsiteY0" fmla="*/ 1400654 h 1915992"/>
+                <a:gd name="connsiteX1" fmla="*/ 2945377 w 6114036"/>
+                <a:gd name="connsiteY1" fmla="*/ 1815969 h 1915992"/>
+                <a:gd name="connsiteX2" fmla="*/ 6114036 w 6114036"/>
+                <a:gd name="connsiteY2" fmla="*/ 0 h 1915992"/>
+                <a:gd name="connsiteX0" fmla="*/ 0 w 6114036"/>
+                <a:gd name="connsiteY0" fmla="*/ 1400654 h 1777058"/>
+                <a:gd name="connsiteX1" fmla="*/ 3076468 w 6114036"/>
+                <a:gd name="connsiteY1" fmla="*/ 1621447 h 1777058"/>
+                <a:gd name="connsiteX2" fmla="*/ 6114036 w 6114036"/>
+                <a:gd name="connsiteY2" fmla="*/ 0 h 1777058"/>
+              </a:gdLst>
+              <a:ahLst/>
+              <a:cxnLst>
+                <a:cxn ang="0">
+                  <a:pos x="connsiteX0" y="connsiteY0"/>
+                </a:cxn>
+                <a:cxn ang="0">
+                  <a:pos x="connsiteX1" y="connsiteY1"/>
+                </a:cxn>
+                <a:cxn ang="0">
+                  <a:pos x="connsiteX2" y="connsiteY2"/>
+                </a:cxn>
+              </a:cxnLst>
+              <a:rect l="l" t="t" r="r" b="b"/>
+              <a:pathLst>
+                <a:path w="6114036" h="1777058">
+                  <a:moveTo>
+                    <a:pt x="0" y="1400654"/>
+                  </a:moveTo>
+                  <a:cubicBezTo>
+                    <a:pt x="1401886" y="1859352"/>
+                    <a:pt x="2057462" y="1854889"/>
+                    <a:pt x="3076468" y="1621447"/>
+                  </a:cubicBezTo>
+                  <a:cubicBezTo>
+                    <a:pt x="4095474" y="1388005"/>
+                    <a:pt x="4506885" y="1258825"/>
+                    <a:pt x="6114036" y="0"/>
+                  </a:cubicBezTo>
+                </a:path>
+              </a:pathLst>
+            </a:custGeom>
+            <a:ln w="76200">
+              <a:solidFill>
+                <a:srgbClr val="567FCA"/>
+              </a:solidFill>
+            </a:ln>
+          </p:spPr>
+          <p:style>
+            <a:lnRef idx="3">
+              <a:schemeClr val="dk1"/>
+            </a:lnRef>
+            <a:fillRef idx="0">
+              <a:schemeClr val="dk1"/>
+            </a:fillRef>
+            <a:effectRef idx="2">
+              <a:schemeClr val="dk1"/>
+            </a:effectRef>
+            <a:fontRef idx="minor">
+              <a:schemeClr val="tx1"/>
+            </a:fontRef>
+          </p:style>
+          <p:txBody>
+            <a:bodyPr rtlCol="0" anchor="ctr"/>
+            <a:lstStyle/>
+            <a:p>
+              <a:pPr algn="ctr"/>
+              <a:endParaRPr lang="en-US"/>
+            </a:p>
+          </p:txBody>
+        </p:sp>
+        <p:sp>
+          <p:nvSpPr>
+            <p:cNvPr id="54" name="TextBox 53">
+              <a:extLst>
+                <a:ext uri="{FF2B5EF4-FFF2-40B4-BE49-F238E27FC236}">
+                  <a16:creationId xmlns:a16="http://schemas.microsoft.com/office/drawing/2014/main" id="{B31BBF07-AE2B-44BD-A540-C1D60ABBE353}"/>
+                </a:ext>
+              </a:extLst>
+            </p:cNvPr>
+            <p:cNvSpPr txBox="1"/>
+            <p:nvPr/>
+          </p:nvSpPr>
+          <p:spPr>
+            <a:xfrm>
+              <a:off x="4737147" y="2205318"/>
+              <a:ext cx="1479526" cy="655370"/>
+            </a:xfrm>
+            <a:prstGeom prst="rect">
+              <a:avLst/>
+            </a:prstGeom>
+            <a:noFill/>
+          </p:spPr>
+          <p:txBody>
+            <a:bodyPr wrap="square" rtlCol="0">
+              <a:spAutoFit/>
+            </a:bodyPr>
+            <a:lstStyle/>
+            <a:p>
+              <a:r>
+                <a:rPr lang="en-US" dirty="0">
+                  <a:solidFill>
+                    <a:schemeClr val="accent6"/>
+                  </a:solidFill>
+                </a:rPr>
+                <a:t>Supply</a:t>
+              </a:r>
+              <a:endParaRPr lang="en-US" baseline="-25000" dirty="0">
+                <a:solidFill>
+                  <a:schemeClr val="accent6"/>
+                </a:solidFill>
+              </a:endParaRPr>
+            </a:p>
+          </p:txBody>
+        </p:sp>
+        <p:cxnSp>
+          <p:nvCxnSpPr>
+            <p:cNvPr id="55" name="Straight Connector 54">
+              <a:extLst>
+                <a:ext uri="{FF2B5EF4-FFF2-40B4-BE49-F238E27FC236}">
+                  <a16:creationId xmlns:a16="http://schemas.microsoft.com/office/drawing/2014/main" id="{123E139F-AC5C-4E5E-8502-C02A5F216768}"/>
+                </a:ext>
+              </a:extLst>
+            </p:cNvPr>
+            <p:cNvCxnSpPr>
+              <a:cxnSpLocks/>
+            </p:cNvCxnSpPr>
+            <p:nvPr/>
+          </p:nvCxnSpPr>
+          <p:spPr>
+            <a:xfrm>
+              <a:off x="3330910" y="4035425"/>
+              <a:ext cx="0" cy="1406205"/>
+            </a:xfrm>
+            <a:prstGeom prst="line">
+              <a:avLst/>
+            </a:prstGeom>
+            <a:ln w="12700">
+              <a:solidFill>
+                <a:schemeClr val="tx1"/>
+              </a:solidFill>
+              <a:prstDash val="dash"/>
+            </a:ln>
+          </p:spPr>
+          <p:style>
+            <a:lnRef idx="1">
+              <a:schemeClr val="dk1"/>
+            </a:lnRef>
+            <a:fillRef idx="0">
+              <a:schemeClr val="dk1"/>
+            </a:fillRef>
+            <a:effectRef idx="0">
+              <a:schemeClr val="dk1"/>
+            </a:effectRef>
+            <a:fontRef idx="minor">
+              <a:schemeClr val="tx1"/>
+            </a:fontRef>
+          </p:style>
+        </p:cxnSp>
+        <p:cxnSp>
+          <p:nvCxnSpPr>
+            <p:cNvPr id="64" name="Straight Connector 63">
+              <a:extLst>
+                <a:ext uri="{FF2B5EF4-FFF2-40B4-BE49-F238E27FC236}">
+                  <a16:creationId xmlns:a16="http://schemas.microsoft.com/office/drawing/2014/main" id="{7B1F43AA-6499-4F70-92F4-8F2C4CA6D975}"/>
+                </a:ext>
+              </a:extLst>
+            </p:cNvPr>
+            <p:cNvCxnSpPr>
+              <a:cxnSpLocks/>
+            </p:cNvCxnSpPr>
+            <p:nvPr/>
+          </p:nvCxnSpPr>
+          <p:spPr>
+            <a:xfrm flipH="1">
+              <a:off x="672647" y="4035425"/>
+              <a:ext cx="2658263" cy="0"/>
+            </a:xfrm>
+            <a:prstGeom prst="line">
+              <a:avLst/>
+            </a:prstGeom>
+            <a:ln w="12700">
+              <a:solidFill>
+                <a:schemeClr val="tx1"/>
+              </a:solidFill>
+              <a:prstDash val="dash"/>
+            </a:ln>
+          </p:spPr>
+          <p:style>
+            <a:lnRef idx="1">
+              <a:schemeClr val="dk1"/>
+            </a:lnRef>
+            <a:fillRef idx="0">
+              <a:schemeClr val="dk1"/>
+            </a:fillRef>
+            <a:effectRef idx="0">
+              <a:schemeClr val="dk1"/>
+            </a:effectRef>
+            <a:fontRef idx="minor">
+              <a:schemeClr val="tx1"/>
+            </a:fontRef>
+          </p:style>
+        </p:cxnSp>
+        <p:grpSp>
+          <p:nvGrpSpPr>
+            <p:cNvPr id="9" name="Group 8">
+              <a:extLst>
+                <a:ext uri="{FF2B5EF4-FFF2-40B4-BE49-F238E27FC236}">
+                  <a16:creationId xmlns:a16="http://schemas.microsoft.com/office/drawing/2014/main" id="{F049DA10-2FB8-43EC-B532-2E9417881BDB}"/>
+                </a:ext>
+              </a:extLst>
+            </p:cNvPr>
+            <p:cNvGrpSpPr/>
+            <p:nvPr/>
+          </p:nvGrpSpPr>
+          <p:grpSpPr>
+            <a:xfrm>
+              <a:off x="651711" y="462714"/>
+              <a:ext cx="5486400" cy="4981074"/>
+              <a:chOff x="2213811" y="529389"/>
+              <a:chExt cx="5486400" cy="4981074"/>
+            </a:xfrm>
+          </p:grpSpPr>
+          <p:cxnSp>
+            <p:nvCxnSpPr>
+              <p:cNvPr id="5" name="Straight Connector 4">
+                <a:extLst>
+                  <a:ext uri="{FF2B5EF4-FFF2-40B4-BE49-F238E27FC236}">
+                    <a16:creationId xmlns:a16="http://schemas.microsoft.com/office/drawing/2014/main" id="{1E19111E-7508-4825-9C8F-8143482CE784}"/>
+                  </a:ext>
+                </a:extLst>
+              </p:cNvPr>
+              <p:cNvCxnSpPr/>
+              <p:nvPr/>
+            </p:nvCxnSpPr>
+            <p:spPr>
+              <a:xfrm>
+                <a:off x="2213811" y="529389"/>
+                <a:ext cx="0" cy="4981074"/>
+              </a:xfrm>
+              <a:prstGeom prst="line">
+                <a:avLst/>
+              </a:prstGeom>
+              <a:ln w="60325"/>
+            </p:spPr>
+            <p:style>
+              <a:lnRef idx="3">
+                <a:schemeClr val="dk1"/>
+              </a:lnRef>
+              <a:fillRef idx="0">
+                <a:schemeClr val="dk1"/>
+              </a:fillRef>
+              <a:effectRef idx="2">
+                <a:schemeClr val="dk1"/>
+              </a:effectRef>
+              <a:fontRef idx="minor">
+                <a:schemeClr val="tx1"/>
+              </a:fontRef>
+            </p:style>
+          </p:cxnSp>
+          <p:cxnSp>
+            <p:nvCxnSpPr>
+              <p:cNvPr id="6" name="Straight Connector 5">
+                <a:extLst>
+                  <a:ext uri="{FF2B5EF4-FFF2-40B4-BE49-F238E27FC236}">
+                    <a16:creationId xmlns:a16="http://schemas.microsoft.com/office/drawing/2014/main" id="{234C439E-F63D-4179-A090-751855762D7A}"/>
+                  </a:ext>
+                </a:extLst>
+              </p:cNvPr>
+              <p:cNvCxnSpPr>
+                <a:cxnSpLocks/>
+              </p:cNvCxnSpPr>
+              <p:nvPr/>
+            </p:nvCxnSpPr>
+            <p:spPr>
+              <a:xfrm flipH="1">
+                <a:off x="2213811" y="5510463"/>
+                <a:ext cx="5486400" cy="0"/>
+              </a:xfrm>
+              <a:prstGeom prst="line">
+                <a:avLst/>
+              </a:prstGeom>
+              <a:ln w="60325"/>
+            </p:spPr>
+            <p:style>
+              <a:lnRef idx="3">
+                <a:schemeClr val="dk1"/>
+              </a:lnRef>
+              <a:fillRef idx="0">
+                <a:schemeClr val="dk1"/>
+              </a:fillRef>
+              <a:effectRef idx="2">
+                <a:schemeClr val="dk1"/>
+              </a:effectRef>
+              <a:fontRef idx="minor">
+                <a:schemeClr val="tx1"/>
+              </a:fontRef>
+            </p:style>
+          </p:cxnSp>
+        </p:grpSp>
+      </p:grpSp>
+      <p:grpSp>
+        <p:nvGrpSpPr>
+          <p:cNvPr id="49" name="Group 48">
+            <a:extLst>
+              <a:ext uri="{FF2B5EF4-FFF2-40B4-BE49-F238E27FC236}">
+                <a16:creationId xmlns:a16="http://schemas.microsoft.com/office/drawing/2014/main" id="{A7495CFD-B1AA-4007-B8DD-75314F1327A9}"/>
+              </a:ext>
+            </a:extLst>
+          </p:cNvPr>
+          <p:cNvGrpSpPr/>
+          <p:nvPr/>
+        </p:nvGrpSpPr>
+        <p:grpSpPr>
+          <a:xfrm>
+            <a:off x="6605954" y="245392"/>
+            <a:ext cx="3617532" cy="3168162"/>
+            <a:chOff x="-90754" y="462714"/>
+            <a:chExt cx="6228865" cy="5621819"/>
+          </a:xfrm>
+        </p:grpSpPr>
+        <p:sp>
+          <p:nvSpPr>
+            <p:cNvPr id="52" name="TextBox 51">
+              <a:extLst>
+                <a:ext uri="{FF2B5EF4-FFF2-40B4-BE49-F238E27FC236}">
+                  <a16:creationId xmlns:a16="http://schemas.microsoft.com/office/drawing/2014/main" id="{06AB1764-5114-4E08-AA67-602A53EEE7BA}"/>
+                </a:ext>
+              </a:extLst>
+            </p:cNvPr>
+            <p:cNvSpPr txBox="1"/>
+            <p:nvPr/>
+          </p:nvSpPr>
+          <p:spPr>
+            <a:xfrm>
+              <a:off x="-90754" y="3757652"/>
+              <a:ext cx="841440" cy="555540"/>
+            </a:xfrm>
+            <a:prstGeom prst="rect">
+              <a:avLst/>
+            </a:prstGeom>
+            <a:noFill/>
+          </p:spPr>
+          <p:txBody>
+            <a:bodyPr wrap="square" rtlCol="0">
+              <a:spAutoFit/>
+            </a:bodyPr>
+            <a:lstStyle/>
+            <a:p>
+              <a:r>
+                <a:rPr lang="en-US" dirty="0" err="1"/>
+                <a:t>P</a:t>
+              </a:r>
+              <a:r>
+                <a:rPr lang="en-US" baseline="-25000" dirty="0" err="1"/>
+                <a:t>eq</a:t>
+              </a:r>
+              <a:endParaRPr lang="en-US" baseline="-25000" dirty="0"/>
+            </a:p>
+          </p:txBody>
+        </p:sp>
+        <p:sp>
+          <p:nvSpPr>
+            <p:cNvPr id="53" name="TextBox 52">
+              <a:extLst>
+                <a:ext uri="{FF2B5EF4-FFF2-40B4-BE49-F238E27FC236}">
+                  <a16:creationId xmlns:a16="http://schemas.microsoft.com/office/drawing/2014/main" id="{BA92B329-0C0B-4648-B5B7-B1F3EB249C05}"/>
+                </a:ext>
+              </a:extLst>
+            </p:cNvPr>
+            <p:cNvSpPr txBox="1"/>
+            <p:nvPr/>
+          </p:nvSpPr>
+          <p:spPr>
+            <a:xfrm>
+              <a:off x="3068337" y="4059314"/>
+              <a:ext cx="2353714" cy="1146897"/>
+            </a:xfrm>
+            <a:prstGeom prst="rect">
+              <a:avLst/>
+            </a:prstGeom>
+            <a:noFill/>
+          </p:spPr>
+          <p:txBody>
+            <a:bodyPr wrap="square" rtlCol="0">
+              <a:spAutoFit/>
+            </a:bodyPr>
+            <a:lstStyle/>
+            <a:p>
+              <a:r>
+                <a:rPr lang="en-US" dirty="0">
+                  <a:solidFill>
+                    <a:schemeClr val="accent1"/>
+                  </a:solidFill>
+                </a:rPr>
+                <a:t>Perceived Demand</a:t>
+              </a:r>
+              <a:endParaRPr lang="en-US" baseline="-25000" dirty="0">
+                <a:solidFill>
+                  <a:schemeClr val="accent1"/>
+                </a:solidFill>
+              </a:endParaRPr>
+            </a:p>
+          </p:txBody>
+        </p:sp>
+        <p:sp>
+          <p:nvSpPr>
+            <p:cNvPr id="56" name="TextBox 55">
+              <a:extLst>
+                <a:ext uri="{FF2B5EF4-FFF2-40B4-BE49-F238E27FC236}">
+                  <a16:creationId xmlns:a16="http://schemas.microsoft.com/office/drawing/2014/main" id="{49484417-22BC-4FE0-AC8A-30225C1DEF5C}"/>
+                </a:ext>
+              </a:extLst>
+            </p:cNvPr>
+            <p:cNvSpPr txBox="1"/>
+            <p:nvPr/>
+          </p:nvSpPr>
+          <p:spPr>
+            <a:xfrm>
+              <a:off x="3135654" y="5429163"/>
+              <a:ext cx="881309" cy="655370"/>
+            </a:xfrm>
+            <a:prstGeom prst="rect">
+              <a:avLst/>
+            </a:prstGeom>
+            <a:noFill/>
+          </p:spPr>
+          <p:txBody>
+            <a:bodyPr wrap="square" rtlCol="0">
+              <a:spAutoFit/>
+            </a:bodyPr>
+            <a:lstStyle/>
+            <a:p>
+              <a:r>
+                <a:rPr lang="en-US" dirty="0" err="1"/>
+                <a:t>Q</a:t>
+              </a:r>
+              <a:r>
+                <a:rPr lang="en-US" baseline="-25000" dirty="0" err="1"/>
+                <a:t>eq</a:t>
+              </a:r>
+              <a:endParaRPr lang="en-US" baseline="-25000" dirty="0"/>
+            </a:p>
+          </p:txBody>
+        </p:sp>
+        <p:cxnSp>
+          <p:nvCxnSpPr>
+            <p:cNvPr id="61" name="Straight Connector 60">
+              <a:extLst>
+                <a:ext uri="{FF2B5EF4-FFF2-40B4-BE49-F238E27FC236}">
+                  <a16:creationId xmlns:a16="http://schemas.microsoft.com/office/drawing/2014/main" id="{499038A7-138A-462F-9253-EE3E51734DA3}"/>
+                </a:ext>
+              </a:extLst>
+            </p:cNvPr>
+            <p:cNvCxnSpPr>
+              <a:cxnSpLocks/>
+            </p:cNvCxnSpPr>
+            <p:nvPr/>
+          </p:nvCxnSpPr>
+          <p:spPr>
+            <a:xfrm flipH="1">
+              <a:off x="672647" y="4035425"/>
+              <a:ext cx="2658263" cy="0"/>
+            </a:xfrm>
+            <a:prstGeom prst="line">
+              <a:avLst/>
+            </a:prstGeom>
+            <a:ln w="12700">
+              <a:solidFill>
+                <a:schemeClr val="tx1"/>
+              </a:solidFill>
+              <a:prstDash val="dash"/>
+            </a:ln>
+          </p:spPr>
+          <p:style>
+            <a:lnRef idx="1">
+              <a:schemeClr val="dk1"/>
+            </a:lnRef>
+            <a:fillRef idx="0">
+              <a:schemeClr val="dk1"/>
+            </a:fillRef>
+            <a:effectRef idx="0">
+              <a:schemeClr val="dk1"/>
+            </a:effectRef>
+            <a:fontRef idx="minor">
+              <a:schemeClr val="tx1"/>
+            </a:fontRef>
+          </p:style>
+        </p:cxnSp>
+        <p:grpSp>
+          <p:nvGrpSpPr>
+            <p:cNvPr id="62" name="Group 61">
+              <a:extLst>
+                <a:ext uri="{FF2B5EF4-FFF2-40B4-BE49-F238E27FC236}">
+                  <a16:creationId xmlns:a16="http://schemas.microsoft.com/office/drawing/2014/main" id="{8CC5C26A-4CF5-482C-A163-3027D646F5D3}"/>
+                </a:ext>
+              </a:extLst>
+            </p:cNvPr>
+            <p:cNvGrpSpPr/>
+            <p:nvPr/>
+          </p:nvGrpSpPr>
+          <p:grpSpPr>
+            <a:xfrm>
+              <a:off x="651711" y="462714"/>
+              <a:ext cx="5486400" cy="4981074"/>
+              <a:chOff x="2213811" y="529389"/>
+              <a:chExt cx="5486400" cy="4981074"/>
+            </a:xfrm>
+          </p:grpSpPr>
+          <p:cxnSp>
+            <p:nvCxnSpPr>
+              <p:cNvPr id="65" name="Straight Connector 64">
+                <a:extLst>
+                  <a:ext uri="{FF2B5EF4-FFF2-40B4-BE49-F238E27FC236}">
+                    <a16:creationId xmlns:a16="http://schemas.microsoft.com/office/drawing/2014/main" id="{E8DCB14C-FC45-4D54-A18C-56486412D0D5}"/>
+                  </a:ext>
+                </a:extLst>
+              </p:cNvPr>
+              <p:cNvCxnSpPr/>
+              <p:nvPr/>
+            </p:nvCxnSpPr>
+            <p:spPr>
+              <a:xfrm>
+                <a:off x="2213811" y="529389"/>
+                <a:ext cx="0" cy="4981074"/>
+              </a:xfrm>
+              <a:prstGeom prst="line">
+                <a:avLst/>
+              </a:prstGeom>
+              <a:ln w="60325"/>
+            </p:spPr>
+            <p:style>
+              <a:lnRef idx="3">
+                <a:schemeClr val="dk1"/>
+              </a:lnRef>
+              <a:fillRef idx="0">
+                <a:schemeClr val="dk1"/>
+              </a:fillRef>
+              <a:effectRef idx="2">
+                <a:schemeClr val="dk1"/>
+              </a:effectRef>
+              <a:fontRef idx="minor">
+                <a:schemeClr val="tx1"/>
+              </a:fontRef>
+            </p:style>
+          </p:cxnSp>
+          <p:cxnSp>
+            <p:nvCxnSpPr>
+              <p:cNvPr id="66" name="Straight Connector 65">
+                <a:extLst>
+                  <a:ext uri="{FF2B5EF4-FFF2-40B4-BE49-F238E27FC236}">
+                    <a16:creationId xmlns:a16="http://schemas.microsoft.com/office/drawing/2014/main" id="{3DA5A354-CEB3-430F-85AD-B405E0704D05}"/>
+                  </a:ext>
+                </a:extLst>
+              </p:cNvPr>
+              <p:cNvCxnSpPr>
+                <a:cxnSpLocks/>
+              </p:cNvCxnSpPr>
+              <p:nvPr/>
+            </p:nvCxnSpPr>
+            <p:spPr>
+              <a:xfrm flipH="1">
+                <a:off x="2213811" y="5510463"/>
+                <a:ext cx="5486400" cy="0"/>
+              </a:xfrm>
+              <a:prstGeom prst="line">
+                <a:avLst/>
+              </a:prstGeom>
+              <a:ln w="60325"/>
+            </p:spPr>
+            <p:style>
+              <a:lnRef idx="3">
+                <a:schemeClr val="dk1"/>
+              </a:lnRef>
+              <a:fillRef idx="0">
+                <a:schemeClr val="dk1"/>
+              </a:fillRef>
+              <a:effectRef idx="2">
+                <a:schemeClr val="dk1"/>
+              </a:effectRef>
+              <a:fontRef idx="minor">
+                <a:schemeClr val="tx1"/>
+              </a:fontRef>
+            </p:style>
+          </p:cxnSp>
+        </p:grpSp>
+      </p:grpSp>
+      <p:grpSp>
+        <p:nvGrpSpPr>
+          <p:cNvPr id="67" name="Group 66">
+            <a:extLst>
+              <a:ext uri="{FF2B5EF4-FFF2-40B4-BE49-F238E27FC236}">
+                <a16:creationId xmlns:a16="http://schemas.microsoft.com/office/drawing/2014/main" id="{98B2BBF0-9C76-4625-BCC7-9A2664B1DDCA}"/>
+              </a:ext>
+            </a:extLst>
+          </p:cNvPr>
+          <p:cNvGrpSpPr/>
+          <p:nvPr/>
+        </p:nvGrpSpPr>
+        <p:grpSpPr>
+          <a:xfrm>
+            <a:off x="6634202" y="3429000"/>
+            <a:ext cx="3731464" cy="3168162"/>
+            <a:chOff x="-90754" y="462714"/>
+            <a:chExt cx="6425040" cy="5621819"/>
+          </a:xfrm>
+        </p:grpSpPr>
+        <p:sp>
+          <p:nvSpPr>
+            <p:cNvPr id="70" name="TextBox 69">
+              <a:extLst>
+                <a:ext uri="{FF2B5EF4-FFF2-40B4-BE49-F238E27FC236}">
+                  <a16:creationId xmlns:a16="http://schemas.microsoft.com/office/drawing/2014/main" id="{AA75EFA5-093A-4006-A465-087B854A549D}"/>
+                </a:ext>
+              </a:extLst>
+            </p:cNvPr>
+            <p:cNvSpPr txBox="1"/>
+            <p:nvPr/>
+          </p:nvSpPr>
+          <p:spPr>
+            <a:xfrm>
+              <a:off x="-90754" y="3757652"/>
+              <a:ext cx="841440" cy="555540"/>
+            </a:xfrm>
+            <a:prstGeom prst="rect">
+              <a:avLst/>
+            </a:prstGeom>
+            <a:noFill/>
+          </p:spPr>
+          <p:txBody>
+            <a:bodyPr wrap="square" rtlCol="0">
+              <a:spAutoFit/>
+            </a:bodyPr>
+            <a:lstStyle/>
+            <a:p>
+              <a:r>
+                <a:rPr lang="en-US" dirty="0" err="1"/>
+                <a:t>P</a:t>
+              </a:r>
+              <a:r>
+                <a:rPr lang="en-US" baseline="-25000" dirty="0" err="1"/>
+                <a:t>eq</a:t>
+              </a:r>
+              <a:endParaRPr lang="en-US" baseline="-25000" dirty="0"/>
+            </a:p>
+          </p:txBody>
+        </p:sp>
+        <p:sp>
+          <p:nvSpPr>
+            <p:cNvPr id="71" name="TextBox 70">
+              <a:extLst>
+                <a:ext uri="{FF2B5EF4-FFF2-40B4-BE49-F238E27FC236}">
+                  <a16:creationId xmlns:a16="http://schemas.microsoft.com/office/drawing/2014/main" id="{6C3131FF-7683-4A81-A3FA-91077DF254B4}"/>
+                </a:ext>
+              </a:extLst>
+            </p:cNvPr>
+            <p:cNvSpPr txBox="1"/>
+            <p:nvPr/>
+          </p:nvSpPr>
+          <p:spPr>
+            <a:xfrm>
+              <a:off x="4396774" y="3273309"/>
+              <a:ext cx="1937512" cy="1146897"/>
+            </a:xfrm>
+            <a:prstGeom prst="rect">
+              <a:avLst/>
+            </a:prstGeom>
+            <a:noFill/>
+          </p:spPr>
+          <p:txBody>
+            <a:bodyPr wrap="square" rtlCol="0">
+              <a:spAutoFit/>
+            </a:bodyPr>
+            <a:lstStyle/>
+            <a:p>
+              <a:r>
+                <a:rPr lang="en-US" dirty="0">
+                  <a:solidFill>
+                    <a:schemeClr val="accent1"/>
+                  </a:solidFill>
+                </a:rPr>
+                <a:t>Perceived Demand</a:t>
+              </a:r>
+              <a:endParaRPr lang="en-US" baseline="-25000" dirty="0">
+                <a:solidFill>
+                  <a:schemeClr val="accent1"/>
+                </a:solidFill>
+              </a:endParaRPr>
+            </a:p>
+          </p:txBody>
+        </p:sp>
+        <p:sp>
+          <p:nvSpPr>
+            <p:cNvPr id="75" name="TextBox 74">
+              <a:extLst>
+                <a:ext uri="{FF2B5EF4-FFF2-40B4-BE49-F238E27FC236}">
+                  <a16:creationId xmlns:a16="http://schemas.microsoft.com/office/drawing/2014/main" id="{1929E3B8-0CD5-4364-98BD-7861103B9E8C}"/>
+                </a:ext>
+              </a:extLst>
+            </p:cNvPr>
+            <p:cNvSpPr txBox="1"/>
+            <p:nvPr/>
+          </p:nvSpPr>
+          <p:spPr>
+            <a:xfrm>
+              <a:off x="3135655" y="5429163"/>
+              <a:ext cx="881309" cy="655370"/>
+            </a:xfrm>
+            <a:prstGeom prst="rect">
+              <a:avLst/>
+            </a:prstGeom>
+            <a:noFill/>
+          </p:spPr>
+          <p:txBody>
+            <a:bodyPr wrap="square" rtlCol="0">
+              <a:spAutoFit/>
+            </a:bodyPr>
+            <a:lstStyle/>
+            <a:p>
+              <a:r>
+                <a:rPr lang="en-US" dirty="0" err="1"/>
+                <a:t>Q</a:t>
+              </a:r>
+              <a:r>
+                <a:rPr lang="en-US" baseline="-25000" dirty="0" err="1"/>
+                <a:t>eq</a:t>
+              </a:r>
+              <a:endParaRPr lang="en-US" baseline="-25000" dirty="0"/>
+            </a:p>
+          </p:txBody>
+        </p:sp>
+        <p:sp>
+          <p:nvSpPr>
+            <p:cNvPr id="79" name="Freeform: Shape 78">
+              <a:extLst>
+                <a:ext uri="{FF2B5EF4-FFF2-40B4-BE49-F238E27FC236}">
+                  <a16:creationId xmlns:a16="http://schemas.microsoft.com/office/drawing/2014/main" id="{01F7FF24-A325-423F-9972-0D87C4BB6708}"/>
+                </a:ext>
+              </a:extLst>
+            </p:cNvPr>
+            <p:cNvSpPr/>
+            <p:nvPr/>
+          </p:nvSpPr>
+          <p:spPr>
+            <a:xfrm rot="2623089">
+              <a:off x="258328" y="2125720"/>
+              <a:ext cx="5754659" cy="1926137"/>
+            </a:xfrm>
+            <a:custGeom>
+              <a:avLst/>
+              <a:gdLst>
+                <a:gd name="connsiteX0" fmla="*/ 0 w 4696691"/>
+                <a:gd name="connsiteY0" fmla="*/ 0 h 708457"/>
+                <a:gd name="connsiteX1" fmla="*/ 1454728 w 4696691"/>
+                <a:gd name="connsiteY1" fmla="*/ 706582 h 708457"/>
+                <a:gd name="connsiteX2" fmla="*/ 4696691 w 4696691"/>
+                <a:gd name="connsiteY2" fmla="*/ 166254 h 708457"/>
+                <a:gd name="connsiteX0" fmla="*/ 0 w 5037654"/>
+                <a:gd name="connsiteY0" fmla="*/ 0 h 598347"/>
+                <a:gd name="connsiteX1" fmla="*/ 1795691 w 5037654"/>
+                <a:gd name="connsiteY1" fmla="*/ 598094 h 598347"/>
+                <a:gd name="connsiteX2" fmla="*/ 5037654 w 5037654"/>
+                <a:gd name="connsiteY2" fmla="*/ 57766 h 598347"/>
+                <a:gd name="connsiteX0" fmla="*/ 0 w 5037654"/>
+                <a:gd name="connsiteY0" fmla="*/ 0 h 536428"/>
+                <a:gd name="connsiteX1" fmla="*/ 2400125 w 5037654"/>
+                <a:gd name="connsiteY1" fmla="*/ 536101 h 536428"/>
+                <a:gd name="connsiteX2" fmla="*/ 5037654 w 5037654"/>
+                <a:gd name="connsiteY2" fmla="*/ 57766 h 536428"/>
+                <a:gd name="connsiteX0" fmla="*/ 0 w 5037654"/>
+                <a:gd name="connsiteY0" fmla="*/ 0 h 536428"/>
+                <a:gd name="connsiteX1" fmla="*/ 2400125 w 5037654"/>
+                <a:gd name="connsiteY1" fmla="*/ 536101 h 536428"/>
+                <a:gd name="connsiteX2" fmla="*/ 5037654 w 5037654"/>
+                <a:gd name="connsiteY2" fmla="*/ 57766 h 536428"/>
+                <a:gd name="connsiteX0" fmla="*/ 0 w 5037654"/>
+                <a:gd name="connsiteY0" fmla="*/ 0 h 536101"/>
+                <a:gd name="connsiteX1" fmla="*/ 2400125 w 5037654"/>
+                <a:gd name="connsiteY1" fmla="*/ 536101 h 536101"/>
+                <a:gd name="connsiteX2" fmla="*/ 5037654 w 5037654"/>
+                <a:gd name="connsiteY2" fmla="*/ 57766 h 536101"/>
+                <a:gd name="connsiteX0" fmla="*/ 0 w 5394115"/>
+                <a:gd name="connsiteY0" fmla="*/ 128214 h 664315"/>
+                <a:gd name="connsiteX1" fmla="*/ 2400125 w 5394115"/>
+                <a:gd name="connsiteY1" fmla="*/ 664315 h 664315"/>
+                <a:gd name="connsiteX2" fmla="*/ 5394115 w 5394115"/>
+                <a:gd name="connsiteY2" fmla="*/ 0 h 664315"/>
+                <a:gd name="connsiteX0" fmla="*/ 0 w 5394115"/>
+                <a:gd name="connsiteY0" fmla="*/ 128214 h 664315"/>
+                <a:gd name="connsiteX1" fmla="*/ 2400125 w 5394115"/>
+                <a:gd name="connsiteY1" fmla="*/ 664315 h 664315"/>
+                <a:gd name="connsiteX2" fmla="*/ 5394115 w 5394115"/>
+                <a:gd name="connsiteY2" fmla="*/ 0 h 664315"/>
+                <a:gd name="connsiteX0" fmla="*/ 0 w 5394115"/>
+                <a:gd name="connsiteY0" fmla="*/ 128214 h 664315"/>
+                <a:gd name="connsiteX1" fmla="*/ 2400125 w 5394115"/>
+                <a:gd name="connsiteY1" fmla="*/ 664315 h 664315"/>
+                <a:gd name="connsiteX2" fmla="*/ 5394115 w 5394115"/>
+                <a:gd name="connsiteY2" fmla="*/ 0 h 664315"/>
+                <a:gd name="connsiteX0" fmla="*/ 0 w 5394115"/>
+                <a:gd name="connsiteY0" fmla="*/ 128214 h 682648"/>
+                <a:gd name="connsiteX1" fmla="*/ 2400125 w 5394115"/>
+                <a:gd name="connsiteY1" fmla="*/ 664315 h 682648"/>
+                <a:gd name="connsiteX2" fmla="*/ 5394115 w 5394115"/>
+                <a:gd name="connsiteY2" fmla="*/ 0 h 682648"/>
+                <a:gd name="connsiteX0" fmla="*/ 0 w 5394115"/>
+                <a:gd name="connsiteY0" fmla="*/ 128214 h 664315"/>
+                <a:gd name="connsiteX1" fmla="*/ 2400125 w 5394115"/>
+                <a:gd name="connsiteY1" fmla="*/ 664315 h 664315"/>
+                <a:gd name="connsiteX2" fmla="*/ 5394115 w 5394115"/>
+                <a:gd name="connsiteY2" fmla="*/ 0 h 664315"/>
+                <a:gd name="connsiteX0" fmla="*/ 0 w 5394115"/>
+                <a:gd name="connsiteY0" fmla="*/ 128214 h 664315"/>
+                <a:gd name="connsiteX1" fmla="*/ 2400125 w 5394115"/>
+                <a:gd name="connsiteY1" fmla="*/ 664315 h 664315"/>
+                <a:gd name="connsiteX2" fmla="*/ 5394115 w 5394115"/>
+                <a:gd name="connsiteY2" fmla="*/ 0 h 664315"/>
+                <a:gd name="connsiteX0" fmla="*/ 0 w 5800228"/>
+                <a:gd name="connsiteY0" fmla="*/ 476143 h 735914"/>
+                <a:gd name="connsiteX1" fmla="*/ 2806238 w 5800228"/>
+                <a:gd name="connsiteY1" fmla="*/ 664315 h 735914"/>
+                <a:gd name="connsiteX2" fmla="*/ 5800228 w 5800228"/>
+                <a:gd name="connsiteY2" fmla="*/ 0 h 735914"/>
+                <a:gd name="connsiteX0" fmla="*/ 0 w 5800228"/>
+                <a:gd name="connsiteY0" fmla="*/ 476143 h 971012"/>
+                <a:gd name="connsiteX1" fmla="*/ 2806238 w 5800228"/>
+                <a:gd name="connsiteY1" fmla="*/ 664315 h 971012"/>
+                <a:gd name="connsiteX2" fmla="*/ 5800228 w 5800228"/>
+                <a:gd name="connsiteY2" fmla="*/ 0 h 971012"/>
+                <a:gd name="connsiteX0" fmla="*/ 0 w 5800228"/>
+                <a:gd name="connsiteY0" fmla="*/ 476143 h 971012"/>
+                <a:gd name="connsiteX1" fmla="*/ 2806238 w 5800228"/>
+                <a:gd name="connsiteY1" fmla="*/ 664315 h 971012"/>
+                <a:gd name="connsiteX2" fmla="*/ 5800228 w 5800228"/>
+                <a:gd name="connsiteY2" fmla="*/ 0 h 971012"/>
+                <a:gd name="connsiteX0" fmla="*/ 0 w 5800228"/>
+                <a:gd name="connsiteY0" fmla="*/ 476143 h 686922"/>
+                <a:gd name="connsiteX1" fmla="*/ 2806238 w 5800228"/>
+                <a:gd name="connsiteY1" fmla="*/ 664315 h 686922"/>
+                <a:gd name="connsiteX2" fmla="*/ 5800228 w 5800228"/>
+                <a:gd name="connsiteY2" fmla="*/ 0 h 686922"/>
+                <a:gd name="connsiteX0" fmla="*/ 0 w 5800228"/>
+                <a:gd name="connsiteY0" fmla="*/ 476143 h 664315"/>
+                <a:gd name="connsiteX1" fmla="*/ 2806238 w 5800228"/>
+                <a:gd name="connsiteY1" fmla="*/ 664315 h 664315"/>
+                <a:gd name="connsiteX2" fmla="*/ 5800228 w 5800228"/>
+                <a:gd name="connsiteY2" fmla="*/ 0 h 664315"/>
+                <a:gd name="connsiteX0" fmla="*/ 0 w 5800228"/>
+                <a:gd name="connsiteY0" fmla="*/ 476143 h 733940"/>
+                <a:gd name="connsiteX1" fmla="*/ 2806238 w 5800228"/>
+                <a:gd name="connsiteY1" fmla="*/ 664315 h 733940"/>
+                <a:gd name="connsiteX2" fmla="*/ 5800228 w 5800228"/>
+                <a:gd name="connsiteY2" fmla="*/ 0 h 733940"/>
+                <a:gd name="connsiteX0" fmla="*/ 0 w 5468163"/>
+                <a:gd name="connsiteY0" fmla="*/ 800097 h 988439"/>
+                <a:gd name="connsiteX1" fmla="*/ 2474173 w 5468163"/>
+                <a:gd name="connsiteY1" fmla="*/ 664315 h 988439"/>
+                <a:gd name="connsiteX2" fmla="*/ 5468163 w 5468163"/>
+                <a:gd name="connsiteY2" fmla="*/ 0 h 988439"/>
+                <a:gd name="connsiteX0" fmla="*/ 0 w 5468163"/>
+                <a:gd name="connsiteY0" fmla="*/ 800097 h 1249050"/>
+                <a:gd name="connsiteX1" fmla="*/ 2474173 w 5468163"/>
+                <a:gd name="connsiteY1" fmla="*/ 664315 h 1249050"/>
+                <a:gd name="connsiteX2" fmla="*/ 5468163 w 5468163"/>
+                <a:gd name="connsiteY2" fmla="*/ 0 h 1249050"/>
+                <a:gd name="connsiteX0" fmla="*/ 0 w 5468163"/>
+                <a:gd name="connsiteY0" fmla="*/ 800097 h 1198449"/>
+                <a:gd name="connsiteX1" fmla="*/ 2474173 w 5468163"/>
+                <a:gd name="connsiteY1" fmla="*/ 664315 h 1198449"/>
+                <a:gd name="connsiteX2" fmla="*/ 5468163 w 5468163"/>
+                <a:gd name="connsiteY2" fmla="*/ 0 h 1198449"/>
+                <a:gd name="connsiteX0" fmla="*/ 0 w 5468163"/>
+                <a:gd name="connsiteY0" fmla="*/ 800097 h 1198449"/>
+                <a:gd name="connsiteX1" fmla="*/ 2474173 w 5468163"/>
+                <a:gd name="connsiteY1" fmla="*/ 664315 h 1198449"/>
+                <a:gd name="connsiteX2" fmla="*/ 5468163 w 5468163"/>
+                <a:gd name="connsiteY2" fmla="*/ 0 h 1198449"/>
+                <a:gd name="connsiteX0" fmla="*/ 0 w 5468163"/>
+                <a:gd name="connsiteY0" fmla="*/ 800097 h 1007377"/>
+                <a:gd name="connsiteX1" fmla="*/ 2474173 w 5468163"/>
+                <a:gd name="connsiteY1" fmla="*/ 664315 h 1007377"/>
+                <a:gd name="connsiteX2" fmla="*/ 5468163 w 5468163"/>
+                <a:gd name="connsiteY2" fmla="*/ 0 h 1007377"/>
+                <a:gd name="connsiteX0" fmla="*/ 0 w 5468163"/>
+                <a:gd name="connsiteY0" fmla="*/ 800097 h 1170140"/>
+                <a:gd name="connsiteX1" fmla="*/ 2474173 w 5468163"/>
+                <a:gd name="connsiteY1" fmla="*/ 664315 h 1170140"/>
+                <a:gd name="connsiteX2" fmla="*/ 5468163 w 5468163"/>
+                <a:gd name="connsiteY2" fmla="*/ 0 h 1170140"/>
+                <a:gd name="connsiteX0" fmla="*/ 0 w 5468163"/>
+                <a:gd name="connsiteY0" fmla="*/ 800097 h 1045624"/>
+                <a:gd name="connsiteX1" fmla="*/ 2474173 w 5468163"/>
+                <a:gd name="connsiteY1" fmla="*/ 664315 h 1045624"/>
+                <a:gd name="connsiteX2" fmla="*/ 5468163 w 5468163"/>
+                <a:gd name="connsiteY2" fmla="*/ 0 h 1045624"/>
+                <a:gd name="connsiteX0" fmla="*/ 0 w 5118705"/>
+                <a:gd name="connsiteY0" fmla="*/ 938267 h 1184305"/>
+                <a:gd name="connsiteX1" fmla="*/ 2474173 w 5118705"/>
+                <a:gd name="connsiteY1" fmla="*/ 802485 h 1184305"/>
+                <a:gd name="connsiteX2" fmla="*/ 5118705 w 5118705"/>
+                <a:gd name="connsiteY2" fmla="*/ 0 h 1184305"/>
+                <a:gd name="connsiteX0" fmla="*/ 0 w 5118705"/>
+                <a:gd name="connsiteY0" fmla="*/ 938267 h 1184305"/>
+                <a:gd name="connsiteX1" fmla="*/ 2474173 w 5118705"/>
+                <a:gd name="connsiteY1" fmla="*/ 802485 h 1184305"/>
+                <a:gd name="connsiteX2" fmla="*/ 5118705 w 5118705"/>
+                <a:gd name="connsiteY2" fmla="*/ 0 h 1184305"/>
+                <a:gd name="connsiteX0" fmla="*/ 0 w 5118705"/>
+                <a:gd name="connsiteY0" fmla="*/ 938267 h 1184305"/>
+                <a:gd name="connsiteX1" fmla="*/ 2474173 w 5118705"/>
+                <a:gd name="connsiteY1" fmla="*/ 802485 h 1184305"/>
+                <a:gd name="connsiteX2" fmla="*/ 5118705 w 5118705"/>
+                <a:gd name="connsiteY2" fmla="*/ 0 h 1184305"/>
+                <a:gd name="connsiteX0" fmla="*/ 0 w 5118705"/>
+                <a:gd name="connsiteY0" fmla="*/ 938267 h 1544410"/>
+                <a:gd name="connsiteX1" fmla="*/ 2437648 w 5118705"/>
+                <a:gd name="connsiteY1" fmla="*/ 1486046 h 1544410"/>
+                <a:gd name="connsiteX2" fmla="*/ 5118705 w 5118705"/>
+                <a:gd name="connsiteY2" fmla="*/ 0 h 1544410"/>
+                <a:gd name="connsiteX0" fmla="*/ 0 w 5118705"/>
+                <a:gd name="connsiteY0" fmla="*/ 938267 h 1544410"/>
+                <a:gd name="connsiteX1" fmla="*/ 2437648 w 5118705"/>
+                <a:gd name="connsiteY1" fmla="*/ 1486046 h 1544410"/>
+                <a:gd name="connsiteX2" fmla="*/ 5118705 w 5118705"/>
+                <a:gd name="connsiteY2" fmla="*/ 0 h 1544410"/>
+                <a:gd name="connsiteX0" fmla="*/ 0 w 5642701"/>
+                <a:gd name="connsiteY0" fmla="*/ 1212743 h 1637920"/>
+                <a:gd name="connsiteX1" fmla="*/ 2961644 w 5642701"/>
+                <a:gd name="connsiteY1" fmla="*/ 1486046 h 1637920"/>
+                <a:gd name="connsiteX2" fmla="*/ 5642701 w 5642701"/>
+                <a:gd name="connsiteY2" fmla="*/ 0 h 1637920"/>
+                <a:gd name="connsiteX0" fmla="*/ 0 w 5642701"/>
+                <a:gd name="connsiteY0" fmla="*/ 1212743 h 1609448"/>
+                <a:gd name="connsiteX1" fmla="*/ 2961644 w 5642701"/>
+                <a:gd name="connsiteY1" fmla="*/ 1486046 h 1609448"/>
+                <a:gd name="connsiteX2" fmla="*/ 5642701 w 5642701"/>
+                <a:gd name="connsiteY2" fmla="*/ 0 h 1609448"/>
+                <a:gd name="connsiteX0" fmla="*/ 0 w 5642701"/>
+                <a:gd name="connsiteY0" fmla="*/ 1212743 h 1714354"/>
+                <a:gd name="connsiteX1" fmla="*/ 2945377 w 5642701"/>
+                <a:gd name="connsiteY1" fmla="*/ 1628058 h 1714354"/>
+                <a:gd name="connsiteX2" fmla="*/ 5642701 w 5642701"/>
+                <a:gd name="connsiteY2" fmla="*/ 0 h 1714354"/>
+                <a:gd name="connsiteX0" fmla="*/ 0 w 6114036"/>
+                <a:gd name="connsiteY0" fmla="*/ 1400654 h 1915992"/>
+                <a:gd name="connsiteX1" fmla="*/ 2945377 w 6114036"/>
+                <a:gd name="connsiteY1" fmla="*/ 1815969 h 1915992"/>
+                <a:gd name="connsiteX2" fmla="*/ 6114036 w 6114036"/>
+                <a:gd name="connsiteY2" fmla="*/ 0 h 1915992"/>
+                <a:gd name="connsiteX0" fmla="*/ 0 w 6114036"/>
+                <a:gd name="connsiteY0" fmla="*/ 1400654 h 1777058"/>
+                <a:gd name="connsiteX1" fmla="*/ 3076468 w 6114036"/>
+                <a:gd name="connsiteY1" fmla="*/ 1621447 h 1777058"/>
+                <a:gd name="connsiteX2" fmla="*/ 6114036 w 6114036"/>
+                <a:gd name="connsiteY2" fmla="*/ 0 h 1777058"/>
+              </a:gdLst>
+              <a:ahLst/>
+              <a:cxnLst>
+                <a:cxn ang="0">
+                  <a:pos x="connsiteX0" y="connsiteY0"/>
+                </a:cxn>
+                <a:cxn ang="0">
+                  <a:pos x="connsiteX1" y="connsiteY1"/>
+                </a:cxn>
+                <a:cxn ang="0">
+                  <a:pos x="connsiteX2" y="connsiteY2"/>
+                </a:cxn>
+              </a:cxnLst>
+              <a:rect l="l" t="t" r="r" b="b"/>
+              <a:pathLst>
+                <a:path w="6114036" h="1777058">
+                  <a:moveTo>
+                    <a:pt x="0" y="1400654"/>
+                  </a:moveTo>
+                  <a:cubicBezTo>
+                    <a:pt x="1401886" y="1859352"/>
+                    <a:pt x="2057462" y="1854889"/>
+                    <a:pt x="3076468" y="1621447"/>
+                  </a:cubicBezTo>
+                  <a:cubicBezTo>
+                    <a:pt x="4095474" y="1388005"/>
+                    <a:pt x="4506885" y="1258825"/>
+                    <a:pt x="6114036" y="0"/>
+                  </a:cubicBezTo>
+                </a:path>
+              </a:pathLst>
+            </a:custGeom>
+            <a:ln w="76200">
+              <a:solidFill>
+                <a:srgbClr val="567FCA"/>
+              </a:solidFill>
+            </a:ln>
+          </p:spPr>
+          <p:style>
+            <a:lnRef idx="3">
+              <a:schemeClr val="dk1"/>
+            </a:lnRef>
+            <a:fillRef idx="0">
+              <a:schemeClr val="dk1"/>
+            </a:fillRef>
+            <a:effectRef idx="2">
+              <a:schemeClr val="dk1"/>
+            </a:effectRef>
+            <a:fontRef idx="minor">
+              <a:schemeClr val="tx1"/>
+            </a:fontRef>
+          </p:style>
+          <p:txBody>
+            <a:bodyPr rtlCol="0" anchor="ctr"/>
+            <a:lstStyle/>
+            <a:p>
+              <a:pPr algn="ctr"/>
+              <a:endParaRPr lang="en-US"/>
+            </a:p>
+          </p:txBody>
+        </p:sp>
+        <p:grpSp>
+          <p:nvGrpSpPr>
+            <p:cNvPr id="85" name="Group 84">
+              <a:extLst>
+                <a:ext uri="{FF2B5EF4-FFF2-40B4-BE49-F238E27FC236}">
+                  <a16:creationId xmlns:a16="http://schemas.microsoft.com/office/drawing/2014/main" id="{2C1A05FA-CC7B-4E34-9F4B-B69A5C7AA363}"/>
+                </a:ext>
+              </a:extLst>
+            </p:cNvPr>
+            <p:cNvGrpSpPr/>
+            <p:nvPr/>
+          </p:nvGrpSpPr>
+          <p:grpSpPr>
+            <a:xfrm>
+              <a:off x="651711" y="462714"/>
+              <a:ext cx="5486400" cy="4981074"/>
+              <a:chOff x="2213811" y="529389"/>
+              <a:chExt cx="5486400" cy="4981074"/>
+            </a:xfrm>
+          </p:grpSpPr>
+          <p:cxnSp>
+            <p:nvCxnSpPr>
+              <p:cNvPr id="87" name="Straight Connector 86">
+                <a:extLst>
+                  <a:ext uri="{FF2B5EF4-FFF2-40B4-BE49-F238E27FC236}">
+                    <a16:creationId xmlns:a16="http://schemas.microsoft.com/office/drawing/2014/main" id="{D82CC6D6-3DF1-41F5-A868-3E03F06B1E4E}"/>
+                  </a:ext>
+                </a:extLst>
+              </p:cNvPr>
+              <p:cNvCxnSpPr/>
+              <p:nvPr/>
+            </p:nvCxnSpPr>
+            <p:spPr>
+              <a:xfrm>
+                <a:off x="2213811" y="529389"/>
+                <a:ext cx="0" cy="4981074"/>
+              </a:xfrm>
+              <a:prstGeom prst="line">
+                <a:avLst/>
+              </a:prstGeom>
+              <a:ln w="60325"/>
+            </p:spPr>
+            <p:style>
+              <a:lnRef idx="3">
+                <a:schemeClr val="dk1"/>
+              </a:lnRef>
+              <a:fillRef idx="0">
+                <a:schemeClr val="dk1"/>
+              </a:fillRef>
+              <a:effectRef idx="2">
+                <a:schemeClr val="dk1"/>
+              </a:effectRef>
+              <a:fontRef idx="minor">
+                <a:schemeClr val="tx1"/>
+              </a:fontRef>
+            </p:style>
+          </p:cxnSp>
+          <p:cxnSp>
+            <p:nvCxnSpPr>
+              <p:cNvPr id="88" name="Straight Connector 87">
+                <a:extLst>
+                  <a:ext uri="{FF2B5EF4-FFF2-40B4-BE49-F238E27FC236}">
+                    <a16:creationId xmlns:a16="http://schemas.microsoft.com/office/drawing/2014/main" id="{96E4020D-3A92-479D-B655-E2914CFA6E01}"/>
+                  </a:ext>
+                </a:extLst>
+              </p:cNvPr>
+              <p:cNvCxnSpPr>
+                <a:cxnSpLocks/>
+              </p:cNvCxnSpPr>
+              <p:nvPr/>
+            </p:nvCxnSpPr>
+            <p:spPr>
+              <a:xfrm flipH="1">
+                <a:off x="2213811" y="5510463"/>
+                <a:ext cx="5486400" cy="0"/>
+              </a:xfrm>
+              <a:prstGeom prst="line">
+                <a:avLst/>
+              </a:prstGeom>
+              <a:ln w="60325"/>
+            </p:spPr>
+            <p:style>
+              <a:lnRef idx="3">
+                <a:schemeClr val="dk1"/>
+              </a:lnRef>
+              <a:fillRef idx="0">
+                <a:schemeClr val="dk1"/>
+              </a:fillRef>
+              <a:effectRef idx="2">
+                <a:schemeClr val="dk1"/>
+              </a:effectRef>
+              <a:fontRef idx="minor">
+                <a:schemeClr val="tx1"/>
+              </a:fontRef>
+            </p:style>
+          </p:cxnSp>
+        </p:grpSp>
+      </p:grpSp>
+      <p:sp>
+        <p:nvSpPr>
+          <p:cNvPr id="3" name="TextBox 2">
+            <a:extLst>
+              <a:ext uri="{FF2B5EF4-FFF2-40B4-BE49-F238E27FC236}">
+                <a16:creationId xmlns:a16="http://schemas.microsoft.com/office/drawing/2014/main" id="{E3EB5A71-76E8-4B0A-B351-3100A0B856D1}"/>
+              </a:ext>
+            </a:extLst>
+          </p:cNvPr>
+          <p:cNvSpPr txBox="1"/>
+          <p:nvPr/>
+        </p:nvSpPr>
+        <p:spPr>
+          <a:xfrm>
+            <a:off x="2383911" y="1514536"/>
+            <a:ext cx="1993408" cy="369332"/>
+          </a:xfrm>
+          <a:prstGeom prst="rect">
+            <a:avLst/>
+          </a:prstGeom>
+          <a:noFill/>
+        </p:spPr>
+        <p:txBody>
+          <a:bodyPr wrap="square" rtlCol="0">
+            <a:spAutoFit/>
+          </a:bodyPr>
+          <a:lstStyle/>
+          <a:p>
+            <a:r>
+              <a:rPr lang="en-US" dirty="0"/>
+              <a:t>Entire Market</a:t>
+            </a:r>
+          </a:p>
+        </p:txBody>
+      </p:sp>
+      <p:sp>
+        <p:nvSpPr>
+          <p:cNvPr id="89" name="TextBox 88">
+            <a:extLst>
+              <a:ext uri="{FF2B5EF4-FFF2-40B4-BE49-F238E27FC236}">
+                <a16:creationId xmlns:a16="http://schemas.microsoft.com/office/drawing/2014/main" id="{374DDD96-35BD-47EE-B3FE-B903EE4D2590}"/>
+              </a:ext>
+            </a:extLst>
+          </p:cNvPr>
+          <p:cNvSpPr txBox="1"/>
+          <p:nvPr/>
+        </p:nvSpPr>
+        <p:spPr>
+          <a:xfrm>
+            <a:off x="7977731" y="245392"/>
+            <a:ext cx="1230840" cy="369332"/>
+          </a:xfrm>
+          <a:prstGeom prst="rect">
+            <a:avLst/>
+          </a:prstGeom>
+          <a:noFill/>
+        </p:spPr>
+        <p:txBody>
+          <a:bodyPr wrap="square" rtlCol="0">
+            <a:spAutoFit/>
+          </a:bodyPr>
+          <a:lstStyle/>
+          <a:p>
+            <a:r>
+              <a:rPr lang="en-US" dirty="0"/>
+              <a:t>Firm A</a:t>
+            </a:r>
+          </a:p>
+        </p:txBody>
+      </p:sp>
+      <p:cxnSp>
+        <p:nvCxnSpPr>
+          <p:cNvPr id="90" name="Straight Connector 89">
+            <a:extLst>
+              <a:ext uri="{FF2B5EF4-FFF2-40B4-BE49-F238E27FC236}">
+                <a16:creationId xmlns:a16="http://schemas.microsoft.com/office/drawing/2014/main" id="{7C6468E4-F0C3-4223-85E8-EA9095412DC0}"/>
+              </a:ext>
+            </a:extLst>
+          </p:cNvPr>
+          <p:cNvCxnSpPr>
+            <a:cxnSpLocks/>
+          </p:cNvCxnSpPr>
+          <p:nvPr/>
+        </p:nvCxnSpPr>
+        <p:spPr>
+          <a:xfrm>
+            <a:off x="7064784" y="2258782"/>
+            <a:ext cx="2216549" cy="0"/>
+          </a:xfrm>
+          <a:prstGeom prst="line">
+            <a:avLst/>
+          </a:prstGeom>
+          <a:ln w="76200">
+            <a:solidFill>
+              <a:schemeClr val="accent1"/>
+            </a:solidFill>
+          </a:ln>
+        </p:spPr>
+        <p:style>
+          <a:lnRef idx="1">
+            <a:schemeClr val="accent1"/>
+          </a:lnRef>
+          <a:fillRef idx="0">
+            <a:schemeClr val="accent1"/>
+          </a:fillRef>
+          <a:effectRef idx="0">
+            <a:schemeClr val="accent1"/>
+          </a:effectRef>
+          <a:fontRef idx="minor">
+            <a:schemeClr val="tx1"/>
+          </a:fontRef>
+        </p:style>
+      </p:cxnSp>
+      <p:sp>
+        <p:nvSpPr>
+          <p:cNvPr id="91" name="TextBox 90">
+            <a:extLst>
+              <a:ext uri="{FF2B5EF4-FFF2-40B4-BE49-F238E27FC236}">
+                <a16:creationId xmlns:a16="http://schemas.microsoft.com/office/drawing/2014/main" id="{79045D55-A807-4486-B9FD-553DED109A2D}"/>
+              </a:ext>
+            </a:extLst>
+          </p:cNvPr>
+          <p:cNvSpPr txBox="1"/>
+          <p:nvPr/>
+        </p:nvSpPr>
+        <p:spPr>
+          <a:xfrm>
+            <a:off x="8094431" y="3512829"/>
+            <a:ext cx="1130614" cy="369332"/>
+          </a:xfrm>
+          <a:prstGeom prst="rect">
+            <a:avLst/>
+          </a:prstGeom>
+          <a:noFill/>
+        </p:spPr>
+        <p:txBody>
+          <a:bodyPr wrap="square" rtlCol="0">
+            <a:spAutoFit/>
+          </a:bodyPr>
+          <a:lstStyle/>
+          <a:p>
+            <a:r>
+              <a:rPr lang="en-US" dirty="0"/>
+              <a:t>Firm B</a:t>
+            </a:r>
+          </a:p>
+        </p:txBody>
+      </p:sp>
+      <p:sp>
+        <p:nvSpPr>
+          <p:cNvPr id="10" name="Arrow: Right 9">
+            <a:extLst>
+              <a:ext uri="{FF2B5EF4-FFF2-40B4-BE49-F238E27FC236}">
+                <a16:creationId xmlns:a16="http://schemas.microsoft.com/office/drawing/2014/main" id="{173642DF-9DBB-41BD-80C8-E217AFF6A58C}"/>
+              </a:ext>
+            </a:extLst>
+          </p:cNvPr>
+          <p:cNvSpPr/>
+          <p:nvPr/>
+        </p:nvSpPr>
+        <p:spPr>
+          <a:xfrm rot="20068216">
+            <a:off x="4726855" y="1789149"/>
+            <a:ext cx="2095167" cy="551091"/>
+          </a:xfrm>
+          <a:prstGeom prst="rightArrow">
+            <a:avLst/>
+          </a:prstGeom>
+        </p:spPr>
+        <p:style>
+          <a:lnRef idx="2">
+            <a:schemeClr val="accent2">
+              <a:shade val="50000"/>
+            </a:schemeClr>
+          </a:lnRef>
+          <a:fillRef idx="1">
+            <a:schemeClr val="accent2"/>
+          </a:fillRef>
+          <a:effectRef idx="0">
+            <a:schemeClr val="accent2"/>
+          </a:effectRef>
+          <a:fontRef idx="minor">
+            <a:schemeClr val="lt1"/>
+          </a:fontRef>
+        </p:style>
+        <p:txBody>
+          <a:bodyPr rtlCol="0" anchor="ctr"/>
+          <a:lstStyle/>
+          <a:p>
+            <a:pPr algn="ctr"/>
+            <a:r>
+              <a:rPr lang="en-US" sz="1400" dirty="0"/>
+              <a:t>Perfect Competition</a:t>
+            </a:r>
+          </a:p>
+        </p:txBody>
+      </p:sp>
+      <p:sp>
+        <p:nvSpPr>
+          <p:cNvPr id="92" name="Arrow: Right 91">
+            <a:extLst>
+              <a:ext uri="{FF2B5EF4-FFF2-40B4-BE49-F238E27FC236}">
+                <a16:creationId xmlns:a16="http://schemas.microsoft.com/office/drawing/2014/main" id="{F3FCB032-99CA-4FEE-A061-F48B500F4607}"/>
+              </a:ext>
+            </a:extLst>
+          </p:cNvPr>
+          <p:cNvSpPr/>
+          <p:nvPr/>
+        </p:nvSpPr>
+        <p:spPr>
+          <a:xfrm rot="796398">
+            <a:off x="4900494" y="4246318"/>
+            <a:ext cx="2095167" cy="551091"/>
+          </a:xfrm>
+          <a:prstGeom prst="rightArrow">
+            <a:avLst/>
+          </a:prstGeom>
+        </p:spPr>
+        <p:style>
+          <a:lnRef idx="2">
+            <a:schemeClr val="accent2">
+              <a:shade val="50000"/>
+            </a:schemeClr>
+          </a:lnRef>
+          <a:fillRef idx="1">
+            <a:schemeClr val="accent2"/>
+          </a:fillRef>
+          <a:effectRef idx="0">
+            <a:schemeClr val="accent2"/>
+          </a:effectRef>
+          <a:fontRef idx="minor">
+            <a:schemeClr val="lt1"/>
+          </a:fontRef>
+        </p:style>
+        <p:txBody>
+          <a:bodyPr rtlCol="0" anchor="ctr"/>
+          <a:lstStyle/>
+          <a:p>
+            <a:pPr algn="ctr"/>
+            <a:r>
+              <a:rPr lang="en-US" sz="1400" dirty="0"/>
+              <a:t>Monopoly</a:t>
+            </a:r>
+          </a:p>
+        </p:txBody>
+      </p:sp>
+      <p:sp>
+        <p:nvSpPr>
+          <p:cNvPr id="93" name="TextBox 92">
+            <a:extLst>
+              <a:ext uri="{FF2B5EF4-FFF2-40B4-BE49-F238E27FC236}">
+                <a16:creationId xmlns:a16="http://schemas.microsoft.com/office/drawing/2014/main" id="{24B920EC-B352-43BD-AFEF-273B727B05F5}"/>
+              </a:ext>
+            </a:extLst>
+          </p:cNvPr>
+          <p:cNvSpPr txBox="1"/>
+          <p:nvPr/>
+        </p:nvSpPr>
+        <p:spPr>
+          <a:xfrm rot="16200000">
+            <a:off x="1115490" y="1825593"/>
+            <a:ext cx="810120" cy="369332"/>
+          </a:xfrm>
+          <a:prstGeom prst="rect">
+            <a:avLst/>
+          </a:prstGeom>
+          <a:noFill/>
+        </p:spPr>
+        <p:txBody>
+          <a:bodyPr wrap="square" rtlCol="0">
+            <a:spAutoFit/>
+          </a:bodyPr>
+          <a:lstStyle/>
+          <a:p>
+            <a:r>
+              <a:rPr lang="en-US" dirty="0"/>
+              <a:t>Price</a:t>
+            </a:r>
+            <a:endParaRPr lang="en-US" baseline="-25000" dirty="0"/>
+          </a:p>
+        </p:txBody>
+      </p:sp>
+      <p:sp>
+        <p:nvSpPr>
+          <p:cNvPr id="94" name="TextBox 93">
+            <a:extLst>
+              <a:ext uri="{FF2B5EF4-FFF2-40B4-BE49-F238E27FC236}">
+                <a16:creationId xmlns:a16="http://schemas.microsoft.com/office/drawing/2014/main" id="{14C4A3A9-40E2-4DE3-8F9F-4817A7922B9C}"/>
+              </a:ext>
+            </a:extLst>
+          </p:cNvPr>
+          <p:cNvSpPr txBox="1"/>
+          <p:nvPr/>
+        </p:nvSpPr>
+        <p:spPr>
+          <a:xfrm rot="16200000">
+            <a:off x="6428632" y="380980"/>
+            <a:ext cx="810120" cy="369332"/>
+          </a:xfrm>
+          <a:prstGeom prst="rect">
+            <a:avLst/>
+          </a:prstGeom>
+          <a:noFill/>
+        </p:spPr>
+        <p:txBody>
+          <a:bodyPr wrap="square" rtlCol="0">
+            <a:spAutoFit/>
+          </a:bodyPr>
+          <a:lstStyle/>
+          <a:p>
+            <a:r>
+              <a:rPr lang="en-US" dirty="0"/>
+              <a:t>Price</a:t>
+            </a:r>
+            <a:endParaRPr lang="en-US" baseline="-25000" dirty="0"/>
+          </a:p>
+        </p:txBody>
+      </p:sp>
+      <p:sp>
+        <p:nvSpPr>
+          <p:cNvPr id="95" name="TextBox 94">
+            <a:extLst>
+              <a:ext uri="{FF2B5EF4-FFF2-40B4-BE49-F238E27FC236}">
+                <a16:creationId xmlns:a16="http://schemas.microsoft.com/office/drawing/2014/main" id="{67E85269-B013-476A-A519-CF82ECD7842A}"/>
+              </a:ext>
+            </a:extLst>
+          </p:cNvPr>
+          <p:cNvSpPr txBox="1"/>
+          <p:nvPr/>
+        </p:nvSpPr>
+        <p:spPr>
+          <a:xfrm rot="16200000">
+            <a:off x="6448549" y="3639245"/>
+            <a:ext cx="810120" cy="369332"/>
+          </a:xfrm>
+          <a:prstGeom prst="rect">
+            <a:avLst/>
+          </a:prstGeom>
+          <a:noFill/>
+        </p:spPr>
+        <p:txBody>
+          <a:bodyPr wrap="square" rtlCol="0">
+            <a:spAutoFit/>
+          </a:bodyPr>
+          <a:lstStyle/>
+          <a:p>
+            <a:r>
+              <a:rPr lang="en-US" dirty="0"/>
+              <a:t>Price</a:t>
+            </a:r>
+            <a:endParaRPr lang="en-US" baseline="-25000" dirty="0"/>
+          </a:p>
+        </p:txBody>
+      </p:sp>
+      <p:sp>
+        <p:nvSpPr>
+          <p:cNvPr id="96" name="TextBox 95">
+            <a:extLst>
+              <a:ext uri="{FF2B5EF4-FFF2-40B4-BE49-F238E27FC236}">
+                <a16:creationId xmlns:a16="http://schemas.microsoft.com/office/drawing/2014/main" id="{59E5B1BD-97C6-408C-989C-D7D511A2A66F}"/>
+              </a:ext>
+            </a:extLst>
+          </p:cNvPr>
+          <p:cNvSpPr txBox="1"/>
+          <p:nvPr/>
+        </p:nvSpPr>
+        <p:spPr>
+          <a:xfrm>
+            <a:off x="9371549" y="6253048"/>
+            <a:ext cx="1269507" cy="369332"/>
+          </a:xfrm>
+          <a:prstGeom prst="rect">
+            <a:avLst/>
+          </a:prstGeom>
+          <a:noFill/>
+        </p:spPr>
+        <p:txBody>
+          <a:bodyPr wrap="square" rtlCol="0">
+            <a:spAutoFit/>
+          </a:bodyPr>
+          <a:lstStyle/>
+          <a:p>
+            <a:r>
+              <a:rPr lang="en-US" dirty="0"/>
+              <a:t>Quantity</a:t>
+            </a:r>
+            <a:endParaRPr lang="en-US" baseline="-25000" dirty="0"/>
+          </a:p>
+        </p:txBody>
+      </p:sp>
+      <p:sp>
+        <p:nvSpPr>
+          <p:cNvPr id="97" name="TextBox 96">
+            <a:extLst>
+              <a:ext uri="{FF2B5EF4-FFF2-40B4-BE49-F238E27FC236}">
+                <a16:creationId xmlns:a16="http://schemas.microsoft.com/office/drawing/2014/main" id="{3406CF0A-6E04-43FE-8727-644EE9AC85DD}"/>
+              </a:ext>
+            </a:extLst>
+          </p:cNvPr>
+          <p:cNvSpPr txBox="1"/>
+          <p:nvPr/>
+        </p:nvSpPr>
+        <p:spPr>
+          <a:xfrm>
+            <a:off x="9370975" y="3081199"/>
+            <a:ext cx="1269507" cy="369332"/>
+          </a:xfrm>
+          <a:prstGeom prst="rect">
+            <a:avLst/>
+          </a:prstGeom>
+          <a:noFill/>
+        </p:spPr>
+        <p:txBody>
+          <a:bodyPr wrap="square" rtlCol="0">
+            <a:spAutoFit/>
+          </a:bodyPr>
+          <a:lstStyle/>
+          <a:p>
+            <a:r>
+              <a:rPr lang="en-US" dirty="0"/>
+              <a:t>Quantity</a:t>
+            </a:r>
+            <a:endParaRPr lang="en-US" baseline="-25000" dirty="0"/>
+          </a:p>
+        </p:txBody>
+      </p:sp>
+    </p:spTree>
+    <p:extLst>
+      <p:ext uri="{BB962C8B-B14F-4D97-AF65-F5344CB8AC3E}">
+        <p14:creationId xmlns:p14="http://schemas.microsoft.com/office/powerpoint/2010/main" val="786341824"/>
+      </p:ext>
+    </p:extLst>
+  </p:cSld>
+  <p:clrMapOvr>
+    <a:masterClrMapping/>
+  </p:clrMapOvr>
+</p:sld>
+</file>
+
+<file path=ppt/slides/slide3.xml><?xml version="1.0" encoding="utf-8"?>
+<p:sld xmlns:a="http://schemas.openxmlformats.org/drawingml/2006/main" xmlns:r="http://schemas.openxmlformats.org/officeDocument/2006/relationships" xmlns:p="http://schemas.openxmlformats.org/presentationml/2006/main">
+  <p:cSld>
+    <p:spTree>
+      <p:nvGrpSpPr>
+        <p:cNvPr id="1" name=""/>
+        <p:cNvGrpSpPr/>
+        <p:nvPr/>
+      </p:nvGrpSpPr>
+      <p:grpSpPr>
+        <a:xfrm>
+          <a:off x="0" y="0"/>
+          <a:ext cx="0" cy="0"/>
+          <a:chOff x="0" y="0"/>
+          <a:chExt cx="0" cy="0"/>
+        </a:xfrm>
+      </p:grpSpPr>
       <p:grpSp>
         <p:nvGrpSpPr>
           <p:cNvPr id="9" name="Group 8">
@@ -3522,8 +7080,8 @@
         </p:nvSpPr>
         <p:spPr>
           <a:xfrm>
-            <a:off x="2452255" y="1659023"/>
-            <a:ext cx="4660762" cy="3325153"/>
+            <a:off x="2604656" y="2239885"/>
+            <a:ext cx="3909524" cy="2763915"/>
           </a:xfrm>
           <a:custGeom>
             <a:avLst/>
@@ -3652,9 +7210,9 @@
           <p:nvPr/>
         </p:nvSpPr>
         <p:spPr>
-          <a:xfrm rot="21328860">
-            <a:off x="2470041" y="3640469"/>
-            <a:ext cx="5394115" cy="664315"/>
+          <a:xfrm rot="21238240">
+            <a:off x="2561975" y="3631934"/>
+            <a:ext cx="5077055" cy="720045"/>
           </a:xfrm>
           <a:custGeom>
             <a:avLst/>
@@ -4116,7 +7674,7 @@
         </p:nvCxnSpPr>
         <p:spPr>
           <a:xfrm>
-            <a:off x="5199557" y="3866744"/>
+            <a:off x="5161457" y="3866744"/>
             <a:ext cx="0" cy="1643718"/>
           </a:xfrm>
           <a:prstGeom prst="line">
@@ -4390,7 +7948,7 @@
         </p:nvCxnSpPr>
         <p:spPr>
           <a:xfrm flipV="1">
-            <a:off x="2213810" y="3817581"/>
+            <a:off x="2213810" y="3766781"/>
             <a:ext cx="3005797" cy="12819"/>
           </a:xfrm>
           <a:prstGeom prst="line">
@@ -4432,7 +7990,7 @@
         </p:nvSpPr>
         <p:spPr>
           <a:xfrm>
-            <a:off x="5106567" y="3733435"/>
+            <a:off x="5068467" y="3682635"/>
             <a:ext cx="185979" cy="185979"/>
           </a:xfrm>
           <a:prstGeom prst="ellipse">
@@ -4985,7 +8543,7 @@
         </p:nvSpPr>
         <p:spPr>
           <a:xfrm>
-            <a:off x="1675905" y="3640948"/>
+            <a:off x="1675905" y="3602848"/>
             <a:ext cx="504309" cy="369332"/>
           </a:xfrm>
           <a:prstGeom prst="rect">
@@ -5141,7 +8699,7 @@
         </p:nvSpPr>
         <p:spPr>
           <a:xfrm>
-            <a:off x="7851131" y="3135809"/>
+            <a:off x="7469735" y="3017968"/>
             <a:ext cx="611873" cy="369332"/>
           </a:xfrm>
           <a:prstGeom prst="rect">
@@ -5338,7 +8896,7 @@
         </p:nvSpPr>
         <p:spPr>
           <a:xfrm>
-            <a:off x="5013760" y="5596071"/>
+            <a:off x="4988360" y="5596071"/>
             <a:ext cx="504309" cy="369332"/>
           </a:xfrm>
           <a:prstGeom prst="rect">
@@ -5494,7 +9052,7 @@
         </p:nvSpPr>
         <p:spPr>
           <a:xfrm>
-            <a:off x="7112924" y="1388750"/>
+            <a:off x="6491097" y="1924191"/>
             <a:ext cx="504309" cy="369332"/>
           </a:xfrm>
           <a:prstGeom prst="rect">
@@ -5527,7 +9085,7 @@
     </p:spTree>
     <p:extLst>
       <p:ext uri="{BB962C8B-B14F-4D97-AF65-F5344CB8AC3E}">
-        <p14:creationId xmlns:p14="http://schemas.microsoft.com/office/powerpoint/2010/main" val="2866155370"/>
+        <p14:creationId xmlns:p14="http://schemas.microsoft.com/office/powerpoint/2010/main" val="3703897461"/>
       </p:ext>
     </p:extLst>
   </p:cSld>
@@ -5537,7 +9095,7 @@
 </p:sld>
 </file>
 
-<file path=ppt/slides/slide2.xml><?xml version="1.0" encoding="utf-8"?>
+<file path=ppt/slides/slide4.xml><?xml version="1.0" encoding="utf-8"?>
 <p:sld xmlns:a="http://schemas.openxmlformats.org/drawingml/2006/main" xmlns:r="http://schemas.openxmlformats.org/officeDocument/2006/relationships" xmlns:p="http://schemas.openxmlformats.org/presentationml/2006/main">
   <p:cSld>
     <p:spTree>
@@ -5554,6 +9112,417 @@
           <a:chExt cx="0" cy="0"/>
         </a:xfrm>
       </p:grpSpPr>
+      <p:sp>
+        <p:nvSpPr>
+          <p:cNvPr id="7" name="Right Triangle 6">
+            <a:extLst>
+              <a:ext uri="{FF2B5EF4-FFF2-40B4-BE49-F238E27FC236}">
+                <a16:creationId xmlns:a16="http://schemas.microsoft.com/office/drawing/2014/main" id="{5949647B-3A76-449A-9E63-7C487E5F0529}"/>
+              </a:ext>
+            </a:extLst>
+          </p:cNvPr>
+          <p:cNvSpPr/>
+          <p:nvPr/>
+        </p:nvSpPr>
+        <p:spPr>
+          <a:xfrm rot="14139012">
+            <a:off x="3536581" y="3028500"/>
+            <a:ext cx="1429913" cy="1370106"/>
+          </a:xfrm>
+          <a:custGeom>
+            <a:avLst/>
+            <a:gdLst>
+              <a:gd name="connsiteX0" fmla="*/ 0 w 1344391"/>
+              <a:gd name="connsiteY0" fmla="*/ 936270 h 936270"/>
+              <a:gd name="connsiteX1" fmla="*/ 0 w 1344391"/>
+              <a:gd name="connsiteY1" fmla="*/ 0 h 936270"/>
+              <a:gd name="connsiteX2" fmla="*/ 1344391 w 1344391"/>
+              <a:gd name="connsiteY2" fmla="*/ 936270 h 936270"/>
+              <a:gd name="connsiteX3" fmla="*/ 0 w 1344391"/>
+              <a:gd name="connsiteY3" fmla="*/ 936270 h 936270"/>
+              <a:gd name="connsiteX0" fmla="*/ 111646 w 1344391"/>
+              <a:gd name="connsiteY0" fmla="*/ 1335607 h 1335607"/>
+              <a:gd name="connsiteX1" fmla="*/ 0 w 1344391"/>
+              <a:gd name="connsiteY1" fmla="*/ 0 h 1335607"/>
+              <a:gd name="connsiteX2" fmla="*/ 1344391 w 1344391"/>
+              <a:gd name="connsiteY2" fmla="*/ 936270 h 1335607"/>
+              <a:gd name="connsiteX3" fmla="*/ 111646 w 1344391"/>
+              <a:gd name="connsiteY3" fmla="*/ 1335607 h 1335607"/>
+              <a:gd name="connsiteX0" fmla="*/ 111646 w 1344391"/>
+              <a:gd name="connsiteY0" fmla="*/ 1335607 h 1335607"/>
+              <a:gd name="connsiteX1" fmla="*/ 0 w 1344391"/>
+              <a:gd name="connsiteY1" fmla="*/ 0 h 1335607"/>
+              <a:gd name="connsiteX2" fmla="*/ 1344391 w 1344391"/>
+              <a:gd name="connsiteY2" fmla="*/ 936270 h 1335607"/>
+              <a:gd name="connsiteX3" fmla="*/ 111646 w 1344391"/>
+              <a:gd name="connsiteY3" fmla="*/ 1335607 h 1335607"/>
+              <a:gd name="connsiteX0" fmla="*/ 107931 w 1344391"/>
+              <a:gd name="connsiteY0" fmla="*/ 1352297 h 1352297"/>
+              <a:gd name="connsiteX1" fmla="*/ 0 w 1344391"/>
+              <a:gd name="connsiteY1" fmla="*/ 0 h 1352297"/>
+              <a:gd name="connsiteX2" fmla="*/ 1344391 w 1344391"/>
+              <a:gd name="connsiteY2" fmla="*/ 936270 h 1352297"/>
+              <a:gd name="connsiteX3" fmla="*/ 107931 w 1344391"/>
+              <a:gd name="connsiteY3" fmla="*/ 1352297 h 1352297"/>
+              <a:gd name="connsiteX0" fmla="*/ 107931 w 1398043"/>
+              <a:gd name="connsiteY0" fmla="*/ 1352297 h 1352297"/>
+              <a:gd name="connsiteX1" fmla="*/ 0 w 1398043"/>
+              <a:gd name="connsiteY1" fmla="*/ 0 h 1352297"/>
+              <a:gd name="connsiteX2" fmla="*/ 1398043 w 1398043"/>
+              <a:gd name="connsiteY2" fmla="*/ 942172 h 1352297"/>
+              <a:gd name="connsiteX3" fmla="*/ 107931 w 1398043"/>
+              <a:gd name="connsiteY3" fmla="*/ 1352297 h 1352297"/>
+              <a:gd name="connsiteX0" fmla="*/ 107931 w 1398043"/>
+              <a:gd name="connsiteY0" fmla="*/ 1352297 h 1352297"/>
+              <a:gd name="connsiteX1" fmla="*/ 51823 w 1398043"/>
+              <a:gd name="connsiteY1" fmla="*/ 609425 h 1352297"/>
+              <a:gd name="connsiteX2" fmla="*/ 0 w 1398043"/>
+              <a:gd name="connsiteY2" fmla="*/ 0 h 1352297"/>
+              <a:gd name="connsiteX3" fmla="*/ 1398043 w 1398043"/>
+              <a:gd name="connsiteY3" fmla="*/ 942172 h 1352297"/>
+              <a:gd name="connsiteX4" fmla="*/ 107931 w 1398043"/>
+              <a:gd name="connsiteY4" fmla="*/ 1352297 h 1352297"/>
+              <a:gd name="connsiteX0" fmla="*/ 107931 w 1398043"/>
+              <a:gd name="connsiteY0" fmla="*/ 1352297 h 1352297"/>
+              <a:gd name="connsiteX1" fmla="*/ 25346 w 1398043"/>
+              <a:gd name="connsiteY1" fmla="*/ 614404 h 1352297"/>
+              <a:gd name="connsiteX2" fmla="*/ 0 w 1398043"/>
+              <a:gd name="connsiteY2" fmla="*/ 0 h 1352297"/>
+              <a:gd name="connsiteX3" fmla="*/ 1398043 w 1398043"/>
+              <a:gd name="connsiteY3" fmla="*/ 942172 h 1352297"/>
+              <a:gd name="connsiteX4" fmla="*/ 107931 w 1398043"/>
+              <a:gd name="connsiteY4" fmla="*/ 1352297 h 1352297"/>
+              <a:gd name="connsiteX0" fmla="*/ 107931 w 1398043"/>
+              <a:gd name="connsiteY0" fmla="*/ 1352297 h 1352297"/>
+              <a:gd name="connsiteX1" fmla="*/ 25346 w 1398043"/>
+              <a:gd name="connsiteY1" fmla="*/ 614404 h 1352297"/>
+              <a:gd name="connsiteX2" fmla="*/ 0 w 1398043"/>
+              <a:gd name="connsiteY2" fmla="*/ 0 h 1352297"/>
+              <a:gd name="connsiteX3" fmla="*/ 1398043 w 1398043"/>
+              <a:gd name="connsiteY3" fmla="*/ 942172 h 1352297"/>
+              <a:gd name="connsiteX4" fmla="*/ 107931 w 1398043"/>
+              <a:gd name="connsiteY4" fmla="*/ 1352297 h 1352297"/>
+              <a:gd name="connsiteX0" fmla="*/ 107931 w 1398043"/>
+              <a:gd name="connsiteY0" fmla="*/ 1352297 h 1352297"/>
+              <a:gd name="connsiteX1" fmla="*/ 25346 w 1398043"/>
+              <a:gd name="connsiteY1" fmla="*/ 614404 h 1352297"/>
+              <a:gd name="connsiteX2" fmla="*/ 0 w 1398043"/>
+              <a:gd name="connsiteY2" fmla="*/ 0 h 1352297"/>
+              <a:gd name="connsiteX3" fmla="*/ 1398043 w 1398043"/>
+              <a:gd name="connsiteY3" fmla="*/ 942172 h 1352297"/>
+              <a:gd name="connsiteX4" fmla="*/ 107931 w 1398043"/>
+              <a:gd name="connsiteY4" fmla="*/ 1352297 h 1352297"/>
+              <a:gd name="connsiteX0" fmla="*/ 108597 w 1398709"/>
+              <a:gd name="connsiteY0" fmla="*/ 1352297 h 1352297"/>
+              <a:gd name="connsiteX1" fmla="*/ 26012 w 1398709"/>
+              <a:gd name="connsiteY1" fmla="*/ 614404 h 1352297"/>
+              <a:gd name="connsiteX2" fmla="*/ 666 w 1398709"/>
+              <a:gd name="connsiteY2" fmla="*/ 0 h 1352297"/>
+              <a:gd name="connsiteX3" fmla="*/ 1398709 w 1398709"/>
+              <a:gd name="connsiteY3" fmla="*/ 942172 h 1352297"/>
+              <a:gd name="connsiteX4" fmla="*/ 108597 w 1398709"/>
+              <a:gd name="connsiteY4" fmla="*/ 1352297 h 1352297"/>
+              <a:gd name="connsiteX0" fmla="*/ 122829 w 1412941"/>
+              <a:gd name="connsiteY0" fmla="*/ 1358633 h 1358633"/>
+              <a:gd name="connsiteX1" fmla="*/ 40244 w 1412941"/>
+              <a:gd name="connsiteY1" fmla="*/ 620740 h 1358633"/>
+              <a:gd name="connsiteX2" fmla="*/ 0 w 1412941"/>
+              <a:gd name="connsiteY2" fmla="*/ 0 h 1358633"/>
+              <a:gd name="connsiteX3" fmla="*/ 1412941 w 1412941"/>
+              <a:gd name="connsiteY3" fmla="*/ 948508 h 1358633"/>
+              <a:gd name="connsiteX4" fmla="*/ 122829 w 1412941"/>
+              <a:gd name="connsiteY4" fmla="*/ 1358633 h 1358633"/>
+              <a:gd name="connsiteX0" fmla="*/ 138458 w 1428570"/>
+              <a:gd name="connsiteY0" fmla="*/ 1377969 h 1377969"/>
+              <a:gd name="connsiteX1" fmla="*/ 55873 w 1428570"/>
+              <a:gd name="connsiteY1" fmla="*/ 640076 h 1377969"/>
+              <a:gd name="connsiteX2" fmla="*/ 0 w 1428570"/>
+              <a:gd name="connsiteY2" fmla="*/ 0 h 1377969"/>
+              <a:gd name="connsiteX3" fmla="*/ 1428570 w 1428570"/>
+              <a:gd name="connsiteY3" fmla="*/ 967844 h 1377969"/>
+              <a:gd name="connsiteX4" fmla="*/ 138458 w 1428570"/>
+              <a:gd name="connsiteY4" fmla="*/ 1377969 h 1377969"/>
+              <a:gd name="connsiteX0" fmla="*/ 138458 w 1421852"/>
+              <a:gd name="connsiteY0" fmla="*/ 1377969 h 1377969"/>
+              <a:gd name="connsiteX1" fmla="*/ 55873 w 1421852"/>
+              <a:gd name="connsiteY1" fmla="*/ 640076 h 1377969"/>
+              <a:gd name="connsiteX2" fmla="*/ 0 w 1421852"/>
+              <a:gd name="connsiteY2" fmla="*/ 0 h 1377969"/>
+              <a:gd name="connsiteX3" fmla="*/ 1421852 w 1421852"/>
+              <a:gd name="connsiteY3" fmla="*/ 977674 h 1377969"/>
+              <a:gd name="connsiteX4" fmla="*/ 138458 w 1421852"/>
+              <a:gd name="connsiteY4" fmla="*/ 1377969 h 1377969"/>
+              <a:gd name="connsiteX0" fmla="*/ 135769 w 1421852"/>
+              <a:gd name="connsiteY0" fmla="*/ 1381902 h 1381902"/>
+              <a:gd name="connsiteX1" fmla="*/ 55873 w 1421852"/>
+              <a:gd name="connsiteY1" fmla="*/ 640076 h 1381902"/>
+              <a:gd name="connsiteX2" fmla="*/ 0 w 1421852"/>
+              <a:gd name="connsiteY2" fmla="*/ 0 h 1381902"/>
+              <a:gd name="connsiteX3" fmla="*/ 1421852 w 1421852"/>
+              <a:gd name="connsiteY3" fmla="*/ 977674 h 1381902"/>
+              <a:gd name="connsiteX4" fmla="*/ 135769 w 1421852"/>
+              <a:gd name="connsiteY4" fmla="*/ 1381902 h 1381902"/>
+              <a:gd name="connsiteX0" fmla="*/ 143830 w 1429913"/>
+              <a:gd name="connsiteY0" fmla="*/ 1370106 h 1370106"/>
+              <a:gd name="connsiteX1" fmla="*/ 63934 w 1429913"/>
+              <a:gd name="connsiteY1" fmla="*/ 628280 h 1370106"/>
+              <a:gd name="connsiteX2" fmla="*/ 0 w 1429913"/>
+              <a:gd name="connsiteY2" fmla="*/ 0 h 1370106"/>
+              <a:gd name="connsiteX3" fmla="*/ 1429913 w 1429913"/>
+              <a:gd name="connsiteY3" fmla="*/ 965878 h 1370106"/>
+              <a:gd name="connsiteX4" fmla="*/ 143830 w 1429913"/>
+              <a:gd name="connsiteY4" fmla="*/ 1370106 h 1370106"/>
+              <a:gd name="connsiteX0" fmla="*/ 143830 w 1429913"/>
+              <a:gd name="connsiteY0" fmla="*/ 1370106 h 1370106"/>
+              <a:gd name="connsiteX1" fmla="*/ 52039 w 1429913"/>
+              <a:gd name="connsiteY1" fmla="*/ 628804 h 1370106"/>
+              <a:gd name="connsiteX2" fmla="*/ 0 w 1429913"/>
+              <a:gd name="connsiteY2" fmla="*/ 0 h 1370106"/>
+              <a:gd name="connsiteX3" fmla="*/ 1429913 w 1429913"/>
+              <a:gd name="connsiteY3" fmla="*/ 965878 h 1370106"/>
+              <a:gd name="connsiteX4" fmla="*/ 143830 w 1429913"/>
+              <a:gd name="connsiteY4" fmla="*/ 1370106 h 1370106"/>
+            </a:gdLst>
+            <a:ahLst/>
+            <a:cxnLst>
+              <a:cxn ang="0">
+                <a:pos x="connsiteX0" y="connsiteY0"/>
+              </a:cxn>
+              <a:cxn ang="0">
+                <a:pos x="connsiteX1" y="connsiteY1"/>
+              </a:cxn>
+              <a:cxn ang="0">
+                <a:pos x="connsiteX2" y="connsiteY2"/>
+              </a:cxn>
+              <a:cxn ang="0">
+                <a:pos x="connsiteX3" y="connsiteY3"/>
+              </a:cxn>
+              <a:cxn ang="0">
+                <a:pos x="connsiteX4" y="connsiteY4"/>
+              </a:cxn>
+            </a:cxnLst>
+            <a:rect l="l" t="t" r="r" b="b"/>
+            <a:pathLst>
+              <a:path w="1429913" h="1370106">
+                <a:moveTo>
+                  <a:pt x="143830" y="1370106"/>
+                </a:moveTo>
+                <a:lnTo>
+                  <a:pt x="52039" y="628804"/>
+                </a:lnTo>
+                <a:cubicBezTo>
+                  <a:pt x="8039" y="222807"/>
+                  <a:pt x="8449" y="204801"/>
+                  <a:pt x="0" y="0"/>
+                </a:cubicBezTo>
+                <a:lnTo>
+                  <a:pt x="1429913" y="965878"/>
+                </a:lnTo>
+                <a:cubicBezTo>
+                  <a:pt x="1018998" y="1098990"/>
+                  <a:pt x="560686" y="1256437"/>
+                  <a:pt x="143830" y="1370106"/>
+                </a:cubicBezTo>
+                <a:close/>
+              </a:path>
+            </a:pathLst>
+          </a:custGeom>
+          <a:solidFill>
+            <a:schemeClr val="bg2">
+              <a:lumMod val="50000"/>
+            </a:schemeClr>
+          </a:solidFill>
+          <a:ln>
+            <a:noFill/>
+          </a:ln>
+        </p:spPr>
+        <p:style>
+          <a:lnRef idx="2">
+            <a:schemeClr val="accent1">
+              <a:shade val="50000"/>
+            </a:schemeClr>
+          </a:lnRef>
+          <a:fillRef idx="1">
+            <a:schemeClr val="accent1"/>
+          </a:fillRef>
+          <a:effectRef idx="0">
+            <a:schemeClr val="accent1"/>
+          </a:effectRef>
+          <a:fontRef idx="minor">
+            <a:schemeClr val="lt1"/>
+          </a:fontRef>
+        </p:style>
+        <p:txBody>
+          <a:bodyPr rtlCol="0" anchor="ctr"/>
+          <a:lstStyle/>
+          <a:p>
+            <a:pPr algn="ctr"/>
+            <a:endParaRPr lang="en-US"/>
+          </a:p>
+        </p:txBody>
+      </p:sp>
+      <p:sp>
+        <p:nvSpPr>
+          <p:cNvPr id="54" name="Right Triangle 53">
+            <a:extLst>
+              <a:ext uri="{FF2B5EF4-FFF2-40B4-BE49-F238E27FC236}">
+                <a16:creationId xmlns:a16="http://schemas.microsoft.com/office/drawing/2014/main" id="{EEA593D6-05CE-484F-8A6A-FF1B509C78A1}"/>
+              </a:ext>
+            </a:extLst>
+          </p:cNvPr>
+          <p:cNvSpPr/>
+          <p:nvPr/>
+        </p:nvSpPr>
+        <p:spPr>
+          <a:xfrm>
+            <a:off x="2232052" y="1518382"/>
+            <a:ext cx="1833298" cy="1430416"/>
+          </a:xfrm>
+          <a:prstGeom prst="rtTriangle">
+            <a:avLst/>
+          </a:prstGeom>
+          <a:solidFill>
+            <a:srgbClr val="A1B8E1"/>
+          </a:solidFill>
+          <a:ln>
+            <a:noFill/>
+          </a:ln>
+        </p:spPr>
+        <p:style>
+          <a:lnRef idx="2">
+            <a:schemeClr val="accent1">
+              <a:shade val="50000"/>
+            </a:schemeClr>
+          </a:lnRef>
+          <a:fillRef idx="1">
+            <a:schemeClr val="accent1"/>
+          </a:fillRef>
+          <a:effectRef idx="0">
+            <a:schemeClr val="accent1"/>
+          </a:effectRef>
+          <a:fontRef idx="minor">
+            <a:schemeClr val="lt1"/>
+          </a:fontRef>
+        </p:style>
+        <p:txBody>
+          <a:bodyPr rtlCol="0" anchor="ctr"/>
+          <a:lstStyle/>
+          <a:p>
+            <a:pPr algn="ctr"/>
+            <a:endParaRPr lang="en-US"/>
+          </a:p>
+        </p:txBody>
+      </p:sp>
+      <p:sp>
+        <p:nvSpPr>
+          <p:cNvPr id="2" name="Rectangle 1">
+            <a:extLst>
+              <a:ext uri="{FF2B5EF4-FFF2-40B4-BE49-F238E27FC236}">
+                <a16:creationId xmlns:a16="http://schemas.microsoft.com/office/drawing/2014/main" id="{6A9CAF23-CA7F-466F-894C-2367FAB11B2C}"/>
+              </a:ext>
+            </a:extLst>
+          </p:cNvPr>
+          <p:cNvSpPr/>
+          <p:nvPr/>
+        </p:nvSpPr>
+        <p:spPr>
+          <a:xfrm>
+            <a:off x="2240167" y="2947260"/>
+            <a:ext cx="1841723" cy="2518465"/>
+          </a:xfrm>
+          <a:prstGeom prst="rect">
+            <a:avLst/>
+          </a:prstGeom>
+          <a:solidFill>
+            <a:schemeClr val="accent6">
+              <a:lumMod val="40000"/>
+              <a:lumOff val="60000"/>
+            </a:schemeClr>
+          </a:solidFill>
+          <a:ln>
+            <a:noFill/>
+          </a:ln>
+        </p:spPr>
+        <p:style>
+          <a:lnRef idx="2">
+            <a:schemeClr val="accent1">
+              <a:shade val="50000"/>
+            </a:schemeClr>
+          </a:lnRef>
+          <a:fillRef idx="1">
+            <a:schemeClr val="accent1"/>
+          </a:fillRef>
+          <a:effectRef idx="0">
+            <a:schemeClr val="accent1"/>
+          </a:effectRef>
+          <a:fontRef idx="minor">
+            <a:schemeClr val="lt1"/>
+          </a:fontRef>
+        </p:style>
+        <p:txBody>
+          <a:bodyPr rtlCol="0" anchor="ctr"/>
+          <a:lstStyle/>
+          <a:p>
+            <a:pPr algn="ctr"/>
+            <a:endParaRPr lang="en-US"/>
+          </a:p>
+        </p:txBody>
+      </p:sp>
+      <p:sp>
+        <p:nvSpPr>
+          <p:cNvPr id="3" name="Rectangle 2">
+            <a:extLst>
+              <a:ext uri="{FF2B5EF4-FFF2-40B4-BE49-F238E27FC236}">
+                <a16:creationId xmlns:a16="http://schemas.microsoft.com/office/drawing/2014/main" id="{EE007A5E-07AF-4DBE-9014-239477D6B5E5}"/>
+              </a:ext>
+            </a:extLst>
+          </p:cNvPr>
+          <p:cNvSpPr/>
+          <p:nvPr/>
+        </p:nvSpPr>
+        <p:spPr>
+          <a:xfrm>
+            <a:off x="2244558" y="4430429"/>
+            <a:ext cx="1838260" cy="1060856"/>
+          </a:xfrm>
+          <a:prstGeom prst="rect">
+            <a:avLst/>
+          </a:prstGeom>
+          <a:solidFill>
+            <a:schemeClr val="accent2">
+              <a:lumMod val="40000"/>
+              <a:lumOff val="60000"/>
+            </a:schemeClr>
+          </a:solidFill>
+          <a:ln>
+            <a:noFill/>
+          </a:ln>
+        </p:spPr>
+        <p:style>
+          <a:lnRef idx="2">
+            <a:schemeClr val="accent1">
+              <a:shade val="50000"/>
+            </a:schemeClr>
+          </a:lnRef>
+          <a:fillRef idx="1">
+            <a:schemeClr val="accent1"/>
+          </a:fillRef>
+          <a:effectRef idx="0">
+            <a:schemeClr val="accent1"/>
+          </a:effectRef>
+          <a:fontRef idx="minor">
+            <a:schemeClr val="lt1"/>
+          </a:fontRef>
+        </p:style>
+        <p:txBody>
+          <a:bodyPr rtlCol="0" anchor="ctr"/>
+          <a:lstStyle/>
+          <a:p>
+            <a:pPr algn="ctr"/>
+            <a:endParaRPr lang="en-US"/>
+          </a:p>
+        </p:txBody>
+      </p:sp>
       <p:grpSp>
         <p:nvGrpSpPr>
           <p:cNvPr id="9" name="Group 8">
@@ -7754,7 +11723,4675 @@
     </p:spTree>
     <p:extLst>
       <p:ext uri="{BB962C8B-B14F-4D97-AF65-F5344CB8AC3E}">
-        <p14:creationId xmlns:p14="http://schemas.microsoft.com/office/powerpoint/2010/main" val="3703897461"/>
+        <p14:creationId xmlns:p14="http://schemas.microsoft.com/office/powerpoint/2010/main" val="1032508814"/>
+      </p:ext>
+    </p:extLst>
+  </p:cSld>
+  <p:clrMapOvr>
+    <a:masterClrMapping/>
+  </p:clrMapOvr>
+</p:sld>
+</file>
+
+<file path=ppt/slides/slide5.xml><?xml version="1.0" encoding="utf-8"?>
+<p:sld xmlns:a="http://schemas.openxmlformats.org/drawingml/2006/main" xmlns:r="http://schemas.openxmlformats.org/officeDocument/2006/relationships" xmlns:p="http://schemas.openxmlformats.org/presentationml/2006/main">
+  <p:cSld>
+    <p:spTree>
+      <p:nvGrpSpPr>
+        <p:cNvPr id="1" name=""/>
+        <p:cNvGrpSpPr/>
+        <p:nvPr/>
+      </p:nvGrpSpPr>
+      <p:grpSpPr>
+        <a:xfrm>
+          <a:off x="0" y="0"/>
+          <a:ext cx="0" cy="0"/>
+          <a:chOff x="0" y="0"/>
+          <a:chExt cx="0" cy="0"/>
+        </a:xfrm>
+      </p:grpSpPr>
+      <p:sp>
+        <p:nvSpPr>
+          <p:cNvPr id="2" name="Rectangle 1">
+            <a:extLst>
+              <a:ext uri="{FF2B5EF4-FFF2-40B4-BE49-F238E27FC236}">
+                <a16:creationId xmlns:a16="http://schemas.microsoft.com/office/drawing/2014/main" id="{6A9CAF23-CA7F-466F-894C-2367FAB11B2C}"/>
+              </a:ext>
+            </a:extLst>
+          </p:cNvPr>
+          <p:cNvSpPr/>
+          <p:nvPr/>
+        </p:nvSpPr>
+        <p:spPr>
+          <a:xfrm>
+            <a:off x="2240167" y="3310323"/>
+            <a:ext cx="2285335" cy="2155402"/>
+          </a:xfrm>
+          <a:prstGeom prst="rect">
+            <a:avLst/>
+          </a:prstGeom>
+          <a:solidFill>
+            <a:schemeClr val="accent6">
+              <a:lumMod val="40000"/>
+              <a:lumOff val="60000"/>
+            </a:schemeClr>
+          </a:solidFill>
+          <a:ln>
+            <a:noFill/>
+          </a:ln>
+        </p:spPr>
+        <p:style>
+          <a:lnRef idx="2">
+            <a:schemeClr val="accent1">
+              <a:shade val="50000"/>
+            </a:schemeClr>
+          </a:lnRef>
+          <a:fillRef idx="1">
+            <a:schemeClr val="accent1"/>
+          </a:fillRef>
+          <a:effectRef idx="0">
+            <a:schemeClr val="accent1"/>
+          </a:effectRef>
+          <a:fontRef idx="minor">
+            <a:schemeClr val="lt1"/>
+          </a:fontRef>
+        </p:style>
+        <p:txBody>
+          <a:bodyPr rtlCol="0" anchor="ctr"/>
+          <a:lstStyle/>
+          <a:p>
+            <a:pPr algn="ctr"/>
+            <a:endParaRPr lang="en-US"/>
+          </a:p>
+        </p:txBody>
+      </p:sp>
+      <p:sp>
+        <p:nvSpPr>
+          <p:cNvPr id="3" name="Rectangle 2">
+            <a:extLst>
+              <a:ext uri="{FF2B5EF4-FFF2-40B4-BE49-F238E27FC236}">
+                <a16:creationId xmlns:a16="http://schemas.microsoft.com/office/drawing/2014/main" id="{EE007A5E-07AF-4DBE-9014-239477D6B5E5}"/>
+              </a:ext>
+            </a:extLst>
+          </p:cNvPr>
+          <p:cNvSpPr/>
+          <p:nvPr/>
+        </p:nvSpPr>
+        <p:spPr>
+          <a:xfrm>
+            <a:off x="2244558" y="4719965"/>
+            <a:ext cx="2280946" cy="753557"/>
+          </a:xfrm>
+          <a:prstGeom prst="rect">
+            <a:avLst/>
+          </a:prstGeom>
+          <a:solidFill>
+            <a:schemeClr val="accent2">
+              <a:lumMod val="40000"/>
+              <a:lumOff val="60000"/>
+            </a:schemeClr>
+          </a:solidFill>
+        </p:spPr>
+        <p:style>
+          <a:lnRef idx="2">
+            <a:schemeClr val="accent1">
+              <a:shade val="50000"/>
+            </a:schemeClr>
+          </a:lnRef>
+          <a:fillRef idx="1">
+            <a:schemeClr val="accent1"/>
+          </a:fillRef>
+          <a:effectRef idx="0">
+            <a:schemeClr val="accent1"/>
+          </a:effectRef>
+          <a:fontRef idx="minor">
+            <a:schemeClr val="lt1"/>
+          </a:fontRef>
+        </p:style>
+        <p:txBody>
+          <a:bodyPr rtlCol="0" anchor="ctr"/>
+          <a:lstStyle/>
+          <a:p>
+            <a:pPr algn="ctr"/>
+            <a:endParaRPr lang="en-US"/>
+          </a:p>
+        </p:txBody>
+      </p:sp>
+      <p:grpSp>
+        <p:nvGrpSpPr>
+          <p:cNvPr id="9" name="Group 8">
+            <a:extLst>
+              <a:ext uri="{FF2B5EF4-FFF2-40B4-BE49-F238E27FC236}">
+                <a16:creationId xmlns:a16="http://schemas.microsoft.com/office/drawing/2014/main" id="{F049DA10-2FB8-43EC-B532-2E9417881BDB}"/>
+              </a:ext>
+            </a:extLst>
+          </p:cNvPr>
+          <p:cNvGrpSpPr/>
+          <p:nvPr/>
+        </p:nvGrpSpPr>
+        <p:grpSpPr>
+          <a:xfrm>
+            <a:off x="2213811" y="529389"/>
+            <a:ext cx="5486400" cy="4981074"/>
+            <a:chOff x="2213811" y="529389"/>
+            <a:chExt cx="5486400" cy="4981074"/>
+          </a:xfrm>
+        </p:grpSpPr>
+        <p:cxnSp>
+          <p:nvCxnSpPr>
+            <p:cNvPr id="5" name="Straight Connector 4">
+              <a:extLst>
+                <a:ext uri="{FF2B5EF4-FFF2-40B4-BE49-F238E27FC236}">
+                  <a16:creationId xmlns:a16="http://schemas.microsoft.com/office/drawing/2014/main" id="{1E19111E-7508-4825-9C8F-8143482CE784}"/>
+                </a:ext>
+              </a:extLst>
+            </p:cNvPr>
+            <p:cNvCxnSpPr/>
+            <p:nvPr/>
+          </p:nvCxnSpPr>
+          <p:spPr>
+            <a:xfrm>
+              <a:off x="2213811" y="529389"/>
+              <a:ext cx="0" cy="4981074"/>
+            </a:xfrm>
+            <a:prstGeom prst="line">
+              <a:avLst/>
+            </a:prstGeom>
+            <a:ln w="60325"/>
+          </p:spPr>
+          <p:style>
+            <a:lnRef idx="3">
+              <a:schemeClr val="dk1"/>
+            </a:lnRef>
+            <a:fillRef idx="0">
+              <a:schemeClr val="dk1"/>
+            </a:fillRef>
+            <a:effectRef idx="2">
+              <a:schemeClr val="dk1"/>
+            </a:effectRef>
+            <a:fontRef idx="minor">
+              <a:schemeClr val="tx1"/>
+            </a:fontRef>
+          </p:style>
+        </p:cxnSp>
+        <p:cxnSp>
+          <p:nvCxnSpPr>
+            <p:cNvPr id="6" name="Straight Connector 5">
+              <a:extLst>
+                <a:ext uri="{FF2B5EF4-FFF2-40B4-BE49-F238E27FC236}">
+                  <a16:creationId xmlns:a16="http://schemas.microsoft.com/office/drawing/2014/main" id="{234C439E-F63D-4179-A090-751855762D7A}"/>
+                </a:ext>
+              </a:extLst>
+            </p:cNvPr>
+            <p:cNvCxnSpPr>
+              <a:cxnSpLocks/>
+            </p:cNvCxnSpPr>
+            <p:nvPr/>
+          </p:nvCxnSpPr>
+          <p:spPr>
+            <a:xfrm flipH="1">
+              <a:off x="2213811" y="5510463"/>
+              <a:ext cx="5486400" cy="0"/>
+            </a:xfrm>
+            <a:prstGeom prst="line">
+              <a:avLst/>
+            </a:prstGeom>
+            <a:ln w="60325"/>
+          </p:spPr>
+          <p:style>
+            <a:lnRef idx="3">
+              <a:schemeClr val="dk1"/>
+            </a:lnRef>
+            <a:fillRef idx="0">
+              <a:schemeClr val="dk1"/>
+            </a:fillRef>
+            <a:effectRef idx="2">
+              <a:schemeClr val="dk1"/>
+            </a:effectRef>
+            <a:fontRef idx="minor">
+              <a:schemeClr val="tx1"/>
+            </a:fontRef>
+          </p:style>
+        </p:cxnSp>
+      </p:grpSp>
+      <p:cxnSp>
+        <p:nvCxnSpPr>
+          <p:cNvPr id="11" name="Straight Connector 10">
+            <a:extLst>
+              <a:ext uri="{FF2B5EF4-FFF2-40B4-BE49-F238E27FC236}">
+                <a16:creationId xmlns:a16="http://schemas.microsoft.com/office/drawing/2014/main" id="{10BF73BE-C534-4AFC-A6B9-02562516D78D}"/>
+              </a:ext>
+            </a:extLst>
+          </p:cNvPr>
+          <p:cNvCxnSpPr/>
+          <p:nvPr/>
+        </p:nvCxnSpPr>
+        <p:spPr>
+          <a:xfrm>
+            <a:off x="2213811" y="1454727"/>
+            <a:ext cx="5184516" cy="4055736"/>
+          </a:xfrm>
+          <a:prstGeom prst="line">
+            <a:avLst/>
+          </a:prstGeom>
+          <a:ln w="76200">
+            <a:solidFill>
+              <a:schemeClr val="accent1"/>
+            </a:solidFill>
+          </a:ln>
+        </p:spPr>
+        <p:style>
+          <a:lnRef idx="1">
+            <a:schemeClr val="accent1"/>
+          </a:lnRef>
+          <a:fillRef idx="0">
+            <a:schemeClr val="accent1"/>
+          </a:fillRef>
+          <a:effectRef idx="0">
+            <a:schemeClr val="accent1"/>
+          </a:effectRef>
+          <a:fontRef idx="minor">
+            <a:schemeClr val="tx1"/>
+          </a:fontRef>
+        </p:style>
+      </p:cxnSp>
+      <p:cxnSp>
+        <p:nvCxnSpPr>
+          <p:cNvPr id="12" name="Straight Connector 11">
+            <a:extLst>
+              <a:ext uri="{FF2B5EF4-FFF2-40B4-BE49-F238E27FC236}">
+                <a16:creationId xmlns:a16="http://schemas.microsoft.com/office/drawing/2014/main" id="{A2E0CC95-1CE2-4905-A375-031D697A3707}"/>
+              </a:ext>
+            </a:extLst>
+          </p:cNvPr>
+          <p:cNvCxnSpPr>
+            <a:cxnSpLocks/>
+          </p:cNvCxnSpPr>
+          <p:nvPr/>
+        </p:nvCxnSpPr>
+        <p:spPr>
+          <a:xfrm>
+            <a:off x="2213811" y="1454727"/>
+            <a:ext cx="2311694" cy="4055736"/>
+          </a:xfrm>
+          <a:prstGeom prst="line">
+            <a:avLst/>
+          </a:prstGeom>
+          <a:ln w="76200">
+            <a:solidFill>
+              <a:srgbClr val="7030A0"/>
+            </a:solidFill>
+          </a:ln>
+        </p:spPr>
+        <p:style>
+          <a:lnRef idx="3">
+            <a:schemeClr val="accent4"/>
+          </a:lnRef>
+          <a:fillRef idx="0">
+            <a:schemeClr val="accent4"/>
+          </a:fillRef>
+          <a:effectRef idx="2">
+            <a:schemeClr val="accent4"/>
+          </a:effectRef>
+          <a:fontRef idx="minor">
+            <a:schemeClr val="tx1"/>
+          </a:fontRef>
+        </p:style>
+      </p:cxnSp>
+      <p:sp>
+        <p:nvSpPr>
+          <p:cNvPr id="15" name="Freeform: Shape 14">
+            <a:extLst>
+              <a:ext uri="{FF2B5EF4-FFF2-40B4-BE49-F238E27FC236}">
+                <a16:creationId xmlns:a16="http://schemas.microsoft.com/office/drawing/2014/main" id="{DCCED2E2-F67F-434B-B902-ED4EDE4DA8FE}"/>
+              </a:ext>
+            </a:extLst>
+          </p:cNvPr>
+          <p:cNvSpPr/>
+          <p:nvPr/>
+        </p:nvSpPr>
+        <p:spPr>
+          <a:xfrm>
+            <a:off x="2604656" y="2239885"/>
+            <a:ext cx="3909524" cy="2763915"/>
+          </a:xfrm>
+          <a:custGeom>
+            <a:avLst/>
+            <a:gdLst>
+              <a:gd name="connsiteX0" fmla="*/ 0 w 4488873"/>
+              <a:gd name="connsiteY0" fmla="*/ 1745673 h 2935027"/>
+              <a:gd name="connsiteX1" fmla="*/ 1080655 w 4488873"/>
+              <a:gd name="connsiteY1" fmla="*/ 2867891 h 2935027"/>
+              <a:gd name="connsiteX2" fmla="*/ 4488873 w 4488873"/>
+              <a:gd name="connsiteY2" fmla="*/ 0 h 2935027"/>
+              <a:gd name="connsiteX3" fmla="*/ 4488873 w 4488873"/>
+              <a:gd name="connsiteY3" fmla="*/ 0 h 2935027"/>
+              <a:gd name="connsiteX0" fmla="*/ 0 w 4738254"/>
+              <a:gd name="connsiteY0" fmla="*/ 2161309 h 3009473"/>
+              <a:gd name="connsiteX1" fmla="*/ 1330036 w 4738254"/>
+              <a:gd name="connsiteY1" fmla="*/ 2867891 h 3009473"/>
+              <a:gd name="connsiteX2" fmla="*/ 4738254 w 4738254"/>
+              <a:gd name="connsiteY2" fmla="*/ 0 h 3009473"/>
+              <a:gd name="connsiteX3" fmla="*/ 4738254 w 4738254"/>
+              <a:gd name="connsiteY3" fmla="*/ 0 h 3009473"/>
+              <a:gd name="connsiteX0" fmla="*/ 0 w 4738254"/>
+              <a:gd name="connsiteY0" fmla="*/ 2161309 h 2975636"/>
+              <a:gd name="connsiteX1" fmla="*/ 1745672 w 4738254"/>
+              <a:gd name="connsiteY1" fmla="*/ 2826327 h 2975636"/>
+              <a:gd name="connsiteX2" fmla="*/ 4738254 w 4738254"/>
+              <a:gd name="connsiteY2" fmla="*/ 0 h 2975636"/>
+              <a:gd name="connsiteX3" fmla="*/ 4738254 w 4738254"/>
+              <a:gd name="connsiteY3" fmla="*/ 0 h 2975636"/>
+              <a:gd name="connsiteX0" fmla="*/ 0 w 4738254"/>
+              <a:gd name="connsiteY0" fmla="*/ 2161309 h 3009473"/>
+              <a:gd name="connsiteX1" fmla="*/ 1454727 w 4738254"/>
+              <a:gd name="connsiteY1" fmla="*/ 2867890 h 3009473"/>
+              <a:gd name="connsiteX2" fmla="*/ 4738254 w 4738254"/>
+              <a:gd name="connsiteY2" fmla="*/ 0 h 3009473"/>
+              <a:gd name="connsiteX3" fmla="*/ 4738254 w 4738254"/>
+              <a:gd name="connsiteY3" fmla="*/ 0 h 3009473"/>
+              <a:gd name="connsiteX0" fmla="*/ 0 w 4738254"/>
+              <a:gd name="connsiteY0" fmla="*/ 2161309 h 3009473"/>
+              <a:gd name="connsiteX1" fmla="*/ 1454727 w 4738254"/>
+              <a:gd name="connsiteY1" fmla="*/ 2867890 h 3009473"/>
+              <a:gd name="connsiteX2" fmla="*/ 4738254 w 4738254"/>
+              <a:gd name="connsiteY2" fmla="*/ 0 h 3009473"/>
+              <a:gd name="connsiteX0" fmla="*/ 0 w 4660762"/>
+              <a:gd name="connsiteY0" fmla="*/ 2455777 h 3325153"/>
+              <a:gd name="connsiteX1" fmla="*/ 1454727 w 4660762"/>
+              <a:gd name="connsiteY1" fmla="*/ 3162358 h 3325153"/>
+              <a:gd name="connsiteX2" fmla="*/ 4660762 w 4660762"/>
+              <a:gd name="connsiteY2" fmla="*/ 0 h 3325153"/>
+              <a:gd name="connsiteX0" fmla="*/ 0 w 4660762"/>
+              <a:gd name="connsiteY0" fmla="*/ 2455777 h 3325153"/>
+              <a:gd name="connsiteX1" fmla="*/ 1454727 w 4660762"/>
+              <a:gd name="connsiteY1" fmla="*/ 3162358 h 3325153"/>
+              <a:gd name="connsiteX2" fmla="*/ 4660762 w 4660762"/>
+              <a:gd name="connsiteY2" fmla="*/ 0 h 3325153"/>
+            </a:gdLst>
+            <a:ahLst/>
+            <a:cxnLst>
+              <a:cxn ang="0">
+                <a:pos x="connsiteX0" y="connsiteY0"/>
+              </a:cxn>
+              <a:cxn ang="0">
+                <a:pos x="connsiteX1" y="connsiteY1"/>
+              </a:cxn>
+              <a:cxn ang="0">
+                <a:pos x="connsiteX2" y="connsiteY2"/>
+              </a:cxn>
+            </a:cxnLst>
+            <a:rect l="l" t="t" r="r" b="b"/>
+            <a:pathLst>
+              <a:path w="4660762" h="3325153">
+                <a:moveTo>
+                  <a:pt x="0" y="2455777"/>
+                </a:moveTo>
+                <a:cubicBezTo>
+                  <a:pt x="166255" y="3162358"/>
+                  <a:pt x="677933" y="3571654"/>
+                  <a:pt x="1454727" y="3162358"/>
+                </a:cubicBezTo>
+                <a:cubicBezTo>
+                  <a:pt x="2231521" y="2753062"/>
+                  <a:pt x="3881033" y="1221901"/>
+                  <a:pt x="4660762" y="0"/>
+                </a:cubicBezTo>
+              </a:path>
+            </a:pathLst>
+          </a:custGeom>
+          <a:ln w="76200">
+            <a:solidFill>
+              <a:srgbClr val="FF0000"/>
+            </a:solidFill>
+          </a:ln>
+        </p:spPr>
+        <p:style>
+          <a:lnRef idx="3">
+            <a:schemeClr val="accent2"/>
+          </a:lnRef>
+          <a:fillRef idx="0">
+            <a:schemeClr val="accent2"/>
+          </a:fillRef>
+          <a:effectRef idx="2">
+            <a:schemeClr val="accent2"/>
+          </a:effectRef>
+          <a:fontRef idx="minor">
+            <a:schemeClr val="tx1"/>
+          </a:fontRef>
+        </p:style>
+        <p:txBody>
+          <a:bodyPr rtlCol="0" anchor="ctr"/>
+          <a:lstStyle/>
+          <a:p>
+            <a:pPr algn="ctr"/>
+            <a:endParaRPr lang="en-US"/>
+          </a:p>
+        </p:txBody>
+      </p:sp>
+      <p:sp>
+        <p:nvSpPr>
+          <p:cNvPr id="16" name="Freeform: Shape 15">
+            <a:extLst>
+              <a:ext uri="{FF2B5EF4-FFF2-40B4-BE49-F238E27FC236}">
+                <a16:creationId xmlns:a16="http://schemas.microsoft.com/office/drawing/2014/main" id="{42B3D9DC-896E-4599-84BF-C4E4FF047A00}"/>
+              </a:ext>
+            </a:extLst>
+          </p:cNvPr>
+          <p:cNvSpPr/>
+          <p:nvPr/>
+        </p:nvSpPr>
+        <p:spPr>
+          <a:xfrm rot="21238240">
+            <a:off x="2561975" y="3631934"/>
+            <a:ext cx="5077055" cy="720045"/>
+          </a:xfrm>
+          <a:custGeom>
+            <a:avLst/>
+            <a:gdLst>
+              <a:gd name="connsiteX0" fmla="*/ 0 w 4696691"/>
+              <a:gd name="connsiteY0" fmla="*/ 0 h 708457"/>
+              <a:gd name="connsiteX1" fmla="*/ 1454728 w 4696691"/>
+              <a:gd name="connsiteY1" fmla="*/ 706582 h 708457"/>
+              <a:gd name="connsiteX2" fmla="*/ 4696691 w 4696691"/>
+              <a:gd name="connsiteY2" fmla="*/ 166254 h 708457"/>
+              <a:gd name="connsiteX0" fmla="*/ 0 w 5037654"/>
+              <a:gd name="connsiteY0" fmla="*/ 0 h 598347"/>
+              <a:gd name="connsiteX1" fmla="*/ 1795691 w 5037654"/>
+              <a:gd name="connsiteY1" fmla="*/ 598094 h 598347"/>
+              <a:gd name="connsiteX2" fmla="*/ 5037654 w 5037654"/>
+              <a:gd name="connsiteY2" fmla="*/ 57766 h 598347"/>
+              <a:gd name="connsiteX0" fmla="*/ 0 w 5037654"/>
+              <a:gd name="connsiteY0" fmla="*/ 0 h 536428"/>
+              <a:gd name="connsiteX1" fmla="*/ 2400125 w 5037654"/>
+              <a:gd name="connsiteY1" fmla="*/ 536101 h 536428"/>
+              <a:gd name="connsiteX2" fmla="*/ 5037654 w 5037654"/>
+              <a:gd name="connsiteY2" fmla="*/ 57766 h 536428"/>
+              <a:gd name="connsiteX0" fmla="*/ 0 w 5037654"/>
+              <a:gd name="connsiteY0" fmla="*/ 0 h 536428"/>
+              <a:gd name="connsiteX1" fmla="*/ 2400125 w 5037654"/>
+              <a:gd name="connsiteY1" fmla="*/ 536101 h 536428"/>
+              <a:gd name="connsiteX2" fmla="*/ 5037654 w 5037654"/>
+              <a:gd name="connsiteY2" fmla="*/ 57766 h 536428"/>
+              <a:gd name="connsiteX0" fmla="*/ 0 w 5037654"/>
+              <a:gd name="connsiteY0" fmla="*/ 0 h 536101"/>
+              <a:gd name="connsiteX1" fmla="*/ 2400125 w 5037654"/>
+              <a:gd name="connsiteY1" fmla="*/ 536101 h 536101"/>
+              <a:gd name="connsiteX2" fmla="*/ 5037654 w 5037654"/>
+              <a:gd name="connsiteY2" fmla="*/ 57766 h 536101"/>
+              <a:gd name="connsiteX0" fmla="*/ 0 w 5394115"/>
+              <a:gd name="connsiteY0" fmla="*/ 128214 h 664315"/>
+              <a:gd name="connsiteX1" fmla="*/ 2400125 w 5394115"/>
+              <a:gd name="connsiteY1" fmla="*/ 664315 h 664315"/>
+              <a:gd name="connsiteX2" fmla="*/ 5394115 w 5394115"/>
+              <a:gd name="connsiteY2" fmla="*/ 0 h 664315"/>
+              <a:gd name="connsiteX0" fmla="*/ 0 w 5394115"/>
+              <a:gd name="connsiteY0" fmla="*/ 128214 h 664315"/>
+              <a:gd name="connsiteX1" fmla="*/ 2400125 w 5394115"/>
+              <a:gd name="connsiteY1" fmla="*/ 664315 h 664315"/>
+              <a:gd name="connsiteX2" fmla="*/ 5394115 w 5394115"/>
+              <a:gd name="connsiteY2" fmla="*/ 0 h 664315"/>
+              <a:gd name="connsiteX0" fmla="*/ 0 w 5394115"/>
+              <a:gd name="connsiteY0" fmla="*/ 128214 h 664315"/>
+              <a:gd name="connsiteX1" fmla="*/ 2400125 w 5394115"/>
+              <a:gd name="connsiteY1" fmla="*/ 664315 h 664315"/>
+              <a:gd name="connsiteX2" fmla="*/ 5394115 w 5394115"/>
+              <a:gd name="connsiteY2" fmla="*/ 0 h 664315"/>
+              <a:gd name="connsiteX0" fmla="*/ 0 w 5394115"/>
+              <a:gd name="connsiteY0" fmla="*/ 128214 h 682648"/>
+              <a:gd name="connsiteX1" fmla="*/ 2400125 w 5394115"/>
+              <a:gd name="connsiteY1" fmla="*/ 664315 h 682648"/>
+              <a:gd name="connsiteX2" fmla="*/ 5394115 w 5394115"/>
+              <a:gd name="connsiteY2" fmla="*/ 0 h 682648"/>
+              <a:gd name="connsiteX0" fmla="*/ 0 w 5394115"/>
+              <a:gd name="connsiteY0" fmla="*/ 128214 h 664315"/>
+              <a:gd name="connsiteX1" fmla="*/ 2400125 w 5394115"/>
+              <a:gd name="connsiteY1" fmla="*/ 664315 h 664315"/>
+              <a:gd name="connsiteX2" fmla="*/ 5394115 w 5394115"/>
+              <a:gd name="connsiteY2" fmla="*/ 0 h 664315"/>
+              <a:gd name="connsiteX0" fmla="*/ 0 w 5394115"/>
+              <a:gd name="connsiteY0" fmla="*/ 128214 h 664315"/>
+              <a:gd name="connsiteX1" fmla="*/ 2400125 w 5394115"/>
+              <a:gd name="connsiteY1" fmla="*/ 664315 h 664315"/>
+              <a:gd name="connsiteX2" fmla="*/ 5394115 w 5394115"/>
+              <a:gd name="connsiteY2" fmla="*/ 0 h 664315"/>
+            </a:gdLst>
+            <a:ahLst/>
+            <a:cxnLst>
+              <a:cxn ang="0">
+                <a:pos x="connsiteX0" y="connsiteY0"/>
+              </a:cxn>
+              <a:cxn ang="0">
+                <a:pos x="connsiteX1" y="connsiteY1"/>
+              </a:cxn>
+              <a:cxn ang="0">
+                <a:pos x="connsiteX2" y="connsiteY2"/>
+              </a:cxn>
+            </a:cxnLst>
+            <a:rect l="l" t="t" r="r" b="b"/>
+            <a:pathLst>
+              <a:path w="5394115" h="664315">
+                <a:moveTo>
+                  <a:pt x="0" y="128214"/>
+                </a:moveTo>
+                <a:cubicBezTo>
+                  <a:pt x="847417" y="576138"/>
+                  <a:pt x="1560516" y="654687"/>
+                  <a:pt x="2400125" y="664315"/>
+                </a:cubicBezTo>
+                <a:cubicBezTo>
+                  <a:pt x="3162242" y="658445"/>
+                  <a:pt x="4040537" y="469998"/>
+                  <a:pt x="5394115" y="0"/>
+                </a:cubicBezTo>
+              </a:path>
+            </a:pathLst>
+          </a:custGeom>
+          <a:ln w="76200"/>
+        </p:spPr>
+        <p:style>
+          <a:lnRef idx="3">
+            <a:schemeClr val="dk1"/>
+          </a:lnRef>
+          <a:fillRef idx="0">
+            <a:schemeClr val="dk1"/>
+          </a:fillRef>
+          <a:effectRef idx="2">
+            <a:schemeClr val="dk1"/>
+          </a:effectRef>
+          <a:fontRef idx="minor">
+            <a:schemeClr val="tx1"/>
+          </a:fontRef>
+        </p:style>
+        <p:txBody>
+          <a:bodyPr rtlCol="0" anchor="ctr"/>
+          <a:lstStyle/>
+          <a:p>
+            <a:pPr algn="ctr"/>
+            <a:endParaRPr lang="en-US"/>
+          </a:p>
+        </p:txBody>
+      </p:sp>
+      <p:sp>
+        <p:nvSpPr>
+          <p:cNvPr id="23" name="Oval 22">
+            <a:extLst>
+              <a:ext uri="{FF2B5EF4-FFF2-40B4-BE49-F238E27FC236}">
+                <a16:creationId xmlns:a16="http://schemas.microsoft.com/office/drawing/2014/main" id="{FFB5253A-FB89-4ADD-BB8F-072A02B99F14}"/>
+              </a:ext>
+            </a:extLst>
+          </p:cNvPr>
+          <p:cNvSpPr/>
+          <p:nvPr/>
+        </p:nvSpPr>
+        <p:spPr>
+          <a:xfrm>
+            <a:off x="2152247" y="1403926"/>
+            <a:ext cx="185979" cy="185979"/>
+          </a:xfrm>
+          <a:prstGeom prst="ellipse">
+            <a:avLst/>
+          </a:prstGeom>
+          <a:ln>
+            <a:solidFill>
+              <a:schemeClr val="tx1"/>
+            </a:solidFill>
+          </a:ln>
+        </p:spPr>
+        <p:style>
+          <a:lnRef idx="3">
+            <a:schemeClr val="lt1"/>
+          </a:lnRef>
+          <a:fillRef idx="1">
+            <a:schemeClr val="accent4"/>
+          </a:fillRef>
+          <a:effectRef idx="1">
+            <a:schemeClr val="accent4"/>
+          </a:effectRef>
+          <a:fontRef idx="minor">
+            <a:schemeClr val="lt1"/>
+          </a:fontRef>
+        </p:style>
+        <p:txBody>
+          <a:bodyPr rtlCol="0" anchor="ctr"/>
+          <a:lstStyle/>
+          <a:p>
+            <a:pPr algn="ctr"/>
+            <a:endParaRPr lang="en-US"/>
+          </a:p>
+        </p:txBody>
+      </p:sp>
+      <p:sp>
+        <p:nvSpPr>
+          <p:cNvPr id="24" name="Oval 23">
+            <a:extLst>
+              <a:ext uri="{FF2B5EF4-FFF2-40B4-BE49-F238E27FC236}">
+                <a16:creationId xmlns:a16="http://schemas.microsoft.com/office/drawing/2014/main" id="{ECA2FEFF-B548-45BE-AD14-033174BFBD24}"/>
+              </a:ext>
+            </a:extLst>
+          </p:cNvPr>
+          <p:cNvSpPr/>
+          <p:nvPr/>
+        </p:nvSpPr>
+        <p:spPr>
+          <a:xfrm>
+            <a:off x="7299824" y="5417473"/>
+            <a:ext cx="185979" cy="185979"/>
+          </a:xfrm>
+          <a:prstGeom prst="ellipse">
+            <a:avLst/>
+          </a:prstGeom>
+          <a:ln>
+            <a:solidFill>
+              <a:schemeClr val="tx1"/>
+            </a:solidFill>
+          </a:ln>
+        </p:spPr>
+        <p:style>
+          <a:lnRef idx="3">
+            <a:schemeClr val="lt1"/>
+          </a:lnRef>
+          <a:fillRef idx="1">
+            <a:schemeClr val="accent4"/>
+          </a:fillRef>
+          <a:effectRef idx="1">
+            <a:schemeClr val="accent4"/>
+          </a:effectRef>
+          <a:fontRef idx="minor">
+            <a:schemeClr val="lt1"/>
+          </a:fontRef>
+        </p:style>
+        <p:txBody>
+          <a:bodyPr rtlCol="0" anchor="ctr"/>
+          <a:lstStyle/>
+          <a:p>
+            <a:pPr algn="ctr"/>
+            <a:endParaRPr lang="en-US"/>
+          </a:p>
+        </p:txBody>
+      </p:sp>
+      <p:cxnSp>
+        <p:nvCxnSpPr>
+          <p:cNvPr id="26" name="Straight Connector 25">
+            <a:extLst>
+              <a:ext uri="{FF2B5EF4-FFF2-40B4-BE49-F238E27FC236}">
+                <a16:creationId xmlns:a16="http://schemas.microsoft.com/office/drawing/2014/main" id="{E235739C-0055-4B5F-8EA2-D5128D3B3E0F}"/>
+              </a:ext>
+            </a:extLst>
+          </p:cNvPr>
+          <p:cNvCxnSpPr>
+            <a:cxnSpLocks/>
+          </p:cNvCxnSpPr>
+          <p:nvPr/>
+        </p:nvCxnSpPr>
+        <p:spPr>
+          <a:xfrm flipV="1">
+            <a:off x="2213810" y="4702202"/>
+            <a:ext cx="4164130" cy="17763"/>
+          </a:xfrm>
+          <a:prstGeom prst="line">
+            <a:avLst/>
+          </a:prstGeom>
+          <a:ln w="12700">
+            <a:solidFill>
+              <a:schemeClr val="tx1"/>
+            </a:solidFill>
+            <a:prstDash val="dash"/>
+          </a:ln>
+        </p:spPr>
+        <p:style>
+          <a:lnRef idx="1">
+            <a:schemeClr val="dk1"/>
+          </a:lnRef>
+          <a:fillRef idx="0">
+            <a:schemeClr val="dk1"/>
+          </a:fillRef>
+          <a:effectRef idx="0">
+            <a:schemeClr val="dk1"/>
+          </a:effectRef>
+          <a:fontRef idx="minor">
+            <a:schemeClr val="tx1"/>
+          </a:fontRef>
+        </p:style>
+      </p:cxnSp>
+      <p:cxnSp>
+        <p:nvCxnSpPr>
+          <p:cNvPr id="32" name="Straight Connector 31">
+            <a:extLst>
+              <a:ext uri="{FF2B5EF4-FFF2-40B4-BE49-F238E27FC236}">
+                <a16:creationId xmlns:a16="http://schemas.microsoft.com/office/drawing/2014/main" id="{5F1D7F92-B857-4E5E-9C82-942DAADB7C7C}"/>
+              </a:ext>
+            </a:extLst>
+          </p:cNvPr>
+          <p:cNvCxnSpPr>
+            <a:cxnSpLocks/>
+          </p:cNvCxnSpPr>
+          <p:nvPr/>
+        </p:nvCxnSpPr>
+        <p:spPr>
+          <a:xfrm flipV="1">
+            <a:off x="2213810" y="4181711"/>
+            <a:ext cx="3489412" cy="14883"/>
+          </a:xfrm>
+          <a:prstGeom prst="line">
+            <a:avLst/>
+          </a:prstGeom>
+          <a:ln w="12700">
+            <a:solidFill>
+              <a:schemeClr val="tx1"/>
+            </a:solidFill>
+            <a:prstDash val="dash"/>
+          </a:ln>
+        </p:spPr>
+        <p:style>
+          <a:lnRef idx="1">
+            <a:schemeClr val="dk1"/>
+          </a:lnRef>
+          <a:fillRef idx="0">
+            <a:schemeClr val="dk1"/>
+          </a:fillRef>
+          <a:effectRef idx="0">
+            <a:schemeClr val="dk1"/>
+          </a:effectRef>
+          <a:fontRef idx="minor">
+            <a:schemeClr val="tx1"/>
+          </a:fontRef>
+        </p:style>
+      </p:cxnSp>
+      <p:cxnSp>
+        <p:nvCxnSpPr>
+          <p:cNvPr id="38" name="Straight Connector 37">
+            <a:extLst>
+              <a:ext uri="{FF2B5EF4-FFF2-40B4-BE49-F238E27FC236}">
+                <a16:creationId xmlns:a16="http://schemas.microsoft.com/office/drawing/2014/main" id="{EA37BF88-DE24-4C63-A8A9-FB742318C78D}"/>
+              </a:ext>
+            </a:extLst>
+          </p:cNvPr>
+          <p:cNvCxnSpPr>
+            <a:cxnSpLocks/>
+          </p:cNvCxnSpPr>
+          <p:nvPr/>
+        </p:nvCxnSpPr>
+        <p:spPr>
+          <a:xfrm>
+            <a:off x="4525505" y="3321599"/>
+            <a:ext cx="0" cy="2117519"/>
+          </a:xfrm>
+          <a:prstGeom prst="line">
+            <a:avLst/>
+          </a:prstGeom>
+          <a:ln w="12700">
+            <a:solidFill>
+              <a:schemeClr val="tx1"/>
+            </a:solidFill>
+            <a:prstDash val="dash"/>
+          </a:ln>
+        </p:spPr>
+        <p:style>
+          <a:lnRef idx="1">
+            <a:schemeClr val="dk1"/>
+          </a:lnRef>
+          <a:fillRef idx="0">
+            <a:schemeClr val="dk1"/>
+          </a:fillRef>
+          <a:effectRef idx="0">
+            <a:schemeClr val="dk1"/>
+          </a:effectRef>
+          <a:fontRef idx="minor">
+            <a:schemeClr val="tx1"/>
+          </a:fontRef>
+        </p:style>
+      </p:cxnSp>
+      <p:cxnSp>
+        <p:nvCxnSpPr>
+          <p:cNvPr id="40" name="Straight Connector 39">
+            <a:extLst>
+              <a:ext uri="{FF2B5EF4-FFF2-40B4-BE49-F238E27FC236}">
+                <a16:creationId xmlns:a16="http://schemas.microsoft.com/office/drawing/2014/main" id="{7CE52645-01EB-4FBE-AB70-43F2A0BA4A73}"/>
+              </a:ext>
+            </a:extLst>
+          </p:cNvPr>
+          <p:cNvCxnSpPr>
+            <a:cxnSpLocks/>
+          </p:cNvCxnSpPr>
+          <p:nvPr/>
+        </p:nvCxnSpPr>
+        <p:spPr>
+          <a:xfrm>
+            <a:off x="6352447" y="4719965"/>
+            <a:ext cx="0" cy="790497"/>
+          </a:xfrm>
+          <a:prstGeom prst="line">
+            <a:avLst/>
+          </a:prstGeom>
+          <a:ln w="12700">
+            <a:solidFill>
+              <a:schemeClr val="tx1"/>
+            </a:solidFill>
+            <a:prstDash val="dash"/>
+          </a:ln>
+        </p:spPr>
+        <p:style>
+          <a:lnRef idx="1">
+            <a:schemeClr val="dk1"/>
+          </a:lnRef>
+          <a:fillRef idx="0">
+            <a:schemeClr val="dk1"/>
+          </a:fillRef>
+          <a:effectRef idx="0">
+            <a:schemeClr val="dk1"/>
+          </a:effectRef>
+          <a:fontRef idx="minor">
+            <a:schemeClr val="tx1"/>
+          </a:fontRef>
+        </p:style>
+      </p:cxnSp>
+      <p:cxnSp>
+        <p:nvCxnSpPr>
+          <p:cNvPr id="42" name="Straight Connector 41">
+            <a:extLst>
+              <a:ext uri="{FF2B5EF4-FFF2-40B4-BE49-F238E27FC236}">
+                <a16:creationId xmlns:a16="http://schemas.microsoft.com/office/drawing/2014/main" id="{2702F44D-2775-4A59-AC35-DA5701EA2C8D}"/>
+              </a:ext>
+            </a:extLst>
+          </p:cNvPr>
+          <p:cNvCxnSpPr>
+            <a:cxnSpLocks/>
+          </p:cNvCxnSpPr>
+          <p:nvPr/>
+        </p:nvCxnSpPr>
+        <p:spPr>
+          <a:xfrm>
+            <a:off x="5703222" y="4181711"/>
+            <a:ext cx="0" cy="1328751"/>
+          </a:xfrm>
+          <a:prstGeom prst="line">
+            <a:avLst/>
+          </a:prstGeom>
+          <a:ln w="12700">
+            <a:solidFill>
+              <a:schemeClr val="tx1"/>
+            </a:solidFill>
+            <a:prstDash val="dash"/>
+          </a:ln>
+        </p:spPr>
+        <p:style>
+          <a:lnRef idx="1">
+            <a:schemeClr val="dk1"/>
+          </a:lnRef>
+          <a:fillRef idx="0">
+            <a:schemeClr val="dk1"/>
+          </a:fillRef>
+          <a:effectRef idx="0">
+            <a:schemeClr val="dk1"/>
+          </a:effectRef>
+          <a:fontRef idx="minor">
+            <a:schemeClr val="tx1"/>
+          </a:fontRef>
+        </p:style>
+      </p:cxnSp>
+      <p:cxnSp>
+        <p:nvCxnSpPr>
+          <p:cNvPr id="44" name="Straight Connector 43">
+            <a:extLst>
+              <a:ext uri="{FF2B5EF4-FFF2-40B4-BE49-F238E27FC236}">
+                <a16:creationId xmlns:a16="http://schemas.microsoft.com/office/drawing/2014/main" id="{B80CBB5D-B4BC-4F39-BEE4-5FD2075CA5C1}"/>
+              </a:ext>
+            </a:extLst>
+          </p:cNvPr>
+          <p:cNvCxnSpPr>
+            <a:cxnSpLocks/>
+          </p:cNvCxnSpPr>
+          <p:nvPr/>
+        </p:nvCxnSpPr>
+        <p:spPr>
+          <a:xfrm>
+            <a:off x="5161457" y="3866744"/>
+            <a:ext cx="0" cy="1643718"/>
+          </a:xfrm>
+          <a:prstGeom prst="line">
+            <a:avLst/>
+          </a:prstGeom>
+          <a:ln w="12700">
+            <a:solidFill>
+              <a:schemeClr val="tx1"/>
+            </a:solidFill>
+            <a:prstDash val="dash"/>
+          </a:ln>
+        </p:spPr>
+        <p:style>
+          <a:lnRef idx="1">
+            <a:schemeClr val="dk1"/>
+          </a:lnRef>
+          <a:fillRef idx="0">
+            <a:schemeClr val="dk1"/>
+          </a:fillRef>
+          <a:effectRef idx="0">
+            <a:schemeClr val="dk1"/>
+          </a:effectRef>
+          <a:fontRef idx="minor">
+            <a:schemeClr val="tx1"/>
+          </a:fontRef>
+        </p:style>
+      </p:cxnSp>
+      <p:cxnSp>
+        <p:nvCxnSpPr>
+          <p:cNvPr id="46" name="Straight Connector 45">
+            <a:extLst>
+              <a:ext uri="{FF2B5EF4-FFF2-40B4-BE49-F238E27FC236}">
+                <a16:creationId xmlns:a16="http://schemas.microsoft.com/office/drawing/2014/main" id="{8E39FAA3-2864-4A25-95C5-0305C64D5B3A}"/>
+              </a:ext>
+            </a:extLst>
+          </p:cNvPr>
+          <p:cNvCxnSpPr>
+            <a:cxnSpLocks/>
+          </p:cNvCxnSpPr>
+          <p:nvPr/>
+        </p:nvCxnSpPr>
+        <p:spPr>
+          <a:xfrm>
+            <a:off x="4082819" y="2947261"/>
+            <a:ext cx="0" cy="2563201"/>
+          </a:xfrm>
+          <a:prstGeom prst="line">
+            <a:avLst/>
+          </a:prstGeom>
+          <a:ln w="12700">
+            <a:solidFill>
+              <a:schemeClr val="tx1"/>
+            </a:solidFill>
+            <a:prstDash val="dash"/>
+          </a:ln>
+        </p:spPr>
+        <p:style>
+          <a:lnRef idx="1">
+            <a:schemeClr val="dk1"/>
+          </a:lnRef>
+          <a:fillRef idx="0">
+            <a:schemeClr val="dk1"/>
+          </a:fillRef>
+          <a:effectRef idx="0">
+            <a:schemeClr val="dk1"/>
+          </a:effectRef>
+          <a:fontRef idx="minor">
+            <a:schemeClr val="tx1"/>
+          </a:fontRef>
+        </p:style>
+      </p:cxnSp>
+      <p:cxnSp>
+        <p:nvCxnSpPr>
+          <p:cNvPr id="50" name="Straight Connector 49">
+            <a:extLst>
+              <a:ext uri="{FF2B5EF4-FFF2-40B4-BE49-F238E27FC236}">
+                <a16:creationId xmlns:a16="http://schemas.microsoft.com/office/drawing/2014/main" id="{8FCD689C-CD87-4C96-8739-D94F15D6DB48}"/>
+              </a:ext>
+            </a:extLst>
+          </p:cNvPr>
+          <p:cNvCxnSpPr>
+            <a:cxnSpLocks/>
+          </p:cNvCxnSpPr>
+          <p:nvPr/>
+        </p:nvCxnSpPr>
+        <p:spPr>
+          <a:xfrm>
+            <a:off x="2213810" y="3303028"/>
+            <a:ext cx="2311695" cy="0"/>
+          </a:xfrm>
+          <a:prstGeom prst="line">
+            <a:avLst/>
+          </a:prstGeom>
+          <a:ln w="12700">
+            <a:solidFill>
+              <a:schemeClr val="tx1"/>
+            </a:solidFill>
+            <a:prstDash val="dash"/>
+          </a:ln>
+        </p:spPr>
+        <p:style>
+          <a:lnRef idx="1">
+            <a:schemeClr val="dk1"/>
+          </a:lnRef>
+          <a:fillRef idx="0">
+            <a:schemeClr val="dk1"/>
+          </a:fillRef>
+          <a:effectRef idx="0">
+            <a:schemeClr val="dk1"/>
+          </a:effectRef>
+          <a:fontRef idx="minor">
+            <a:schemeClr val="tx1"/>
+          </a:fontRef>
+        </p:style>
+      </p:cxnSp>
+      <p:cxnSp>
+        <p:nvCxnSpPr>
+          <p:cNvPr id="53" name="Straight Connector 52">
+            <a:extLst>
+              <a:ext uri="{FF2B5EF4-FFF2-40B4-BE49-F238E27FC236}">
+                <a16:creationId xmlns:a16="http://schemas.microsoft.com/office/drawing/2014/main" id="{1D15D682-2FA6-453F-B148-B5E31AB9490C}"/>
+              </a:ext>
+            </a:extLst>
+          </p:cNvPr>
+          <p:cNvCxnSpPr>
+            <a:cxnSpLocks/>
+          </p:cNvCxnSpPr>
+          <p:nvPr/>
+        </p:nvCxnSpPr>
+        <p:spPr>
+          <a:xfrm flipV="1">
+            <a:off x="2213810" y="2940852"/>
+            <a:ext cx="1807802" cy="7709"/>
+          </a:xfrm>
+          <a:prstGeom prst="line">
+            <a:avLst/>
+          </a:prstGeom>
+          <a:ln w="12700">
+            <a:solidFill>
+              <a:schemeClr val="tx1"/>
+            </a:solidFill>
+            <a:prstDash val="dash"/>
+          </a:ln>
+        </p:spPr>
+        <p:style>
+          <a:lnRef idx="1">
+            <a:schemeClr val="dk1"/>
+          </a:lnRef>
+          <a:fillRef idx="0">
+            <a:schemeClr val="dk1"/>
+          </a:fillRef>
+          <a:effectRef idx="0">
+            <a:schemeClr val="dk1"/>
+          </a:effectRef>
+          <a:fontRef idx="minor">
+            <a:schemeClr val="tx1"/>
+          </a:fontRef>
+        </p:style>
+      </p:cxnSp>
+      <p:sp>
+        <p:nvSpPr>
+          <p:cNvPr id="22" name="Oval 21">
+            <a:extLst>
+              <a:ext uri="{FF2B5EF4-FFF2-40B4-BE49-F238E27FC236}">
+                <a16:creationId xmlns:a16="http://schemas.microsoft.com/office/drawing/2014/main" id="{DD09E5D2-18E7-47A1-AB14-9912DB39FF9F}"/>
+              </a:ext>
+            </a:extLst>
+          </p:cNvPr>
+          <p:cNvSpPr/>
+          <p:nvPr/>
+        </p:nvSpPr>
+        <p:spPr>
+          <a:xfrm>
+            <a:off x="6254168" y="4609242"/>
+            <a:ext cx="185979" cy="185979"/>
+          </a:xfrm>
+          <a:prstGeom prst="ellipse">
+            <a:avLst/>
+          </a:prstGeom>
+          <a:ln>
+            <a:solidFill>
+              <a:schemeClr val="tx1"/>
+            </a:solidFill>
+          </a:ln>
+        </p:spPr>
+        <p:style>
+          <a:lnRef idx="3">
+            <a:schemeClr val="lt1"/>
+          </a:lnRef>
+          <a:fillRef idx="1">
+            <a:schemeClr val="accent4"/>
+          </a:fillRef>
+          <a:effectRef idx="1">
+            <a:schemeClr val="accent4"/>
+          </a:effectRef>
+          <a:fontRef idx="minor">
+            <a:schemeClr val="lt1"/>
+          </a:fontRef>
+        </p:style>
+        <p:txBody>
+          <a:bodyPr rtlCol="0" anchor="ctr"/>
+          <a:lstStyle/>
+          <a:p>
+            <a:pPr algn="ctr"/>
+            <a:endParaRPr lang="en-US"/>
+          </a:p>
+        </p:txBody>
+      </p:sp>
+      <p:sp>
+        <p:nvSpPr>
+          <p:cNvPr id="21" name="Oval 20">
+            <a:extLst>
+              <a:ext uri="{FF2B5EF4-FFF2-40B4-BE49-F238E27FC236}">
+                <a16:creationId xmlns:a16="http://schemas.microsoft.com/office/drawing/2014/main" id="{3DD37490-E026-4638-9886-D617D8871DB6}"/>
+              </a:ext>
+            </a:extLst>
+          </p:cNvPr>
+          <p:cNvSpPr/>
+          <p:nvPr/>
+        </p:nvSpPr>
+        <p:spPr>
+          <a:xfrm>
+            <a:off x="5580329" y="4103270"/>
+            <a:ext cx="185979" cy="185979"/>
+          </a:xfrm>
+          <a:prstGeom prst="ellipse">
+            <a:avLst/>
+          </a:prstGeom>
+          <a:ln>
+            <a:solidFill>
+              <a:schemeClr val="tx1"/>
+            </a:solidFill>
+          </a:ln>
+        </p:spPr>
+        <p:style>
+          <a:lnRef idx="3">
+            <a:schemeClr val="lt1"/>
+          </a:lnRef>
+          <a:fillRef idx="1">
+            <a:schemeClr val="accent4"/>
+          </a:fillRef>
+          <a:effectRef idx="1">
+            <a:schemeClr val="accent4"/>
+          </a:effectRef>
+          <a:fontRef idx="minor">
+            <a:schemeClr val="lt1"/>
+          </a:fontRef>
+        </p:style>
+        <p:txBody>
+          <a:bodyPr rtlCol="0" anchor="ctr"/>
+          <a:lstStyle/>
+          <a:p>
+            <a:pPr algn="ctr"/>
+            <a:endParaRPr lang="en-US"/>
+          </a:p>
+        </p:txBody>
+      </p:sp>
+      <p:cxnSp>
+        <p:nvCxnSpPr>
+          <p:cNvPr id="35" name="Straight Connector 34">
+            <a:extLst>
+              <a:ext uri="{FF2B5EF4-FFF2-40B4-BE49-F238E27FC236}">
+                <a16:creationId xmlns:a16="http://schemas.microsoft.com/office/drawing/2014/main" id="{CDF45E05-F431-4DF7-A104-1845F09D872F}"/>
+              </a:ext>
+            </a:extLst>
+          </p:cNvPr>
+          <p:cNvCxnSpPr>
+            <a:cxnSpLocks/>
+          </p:cNvCxnSpPr>
+          <p:nvPr/>
+        </p:nvCxnSpPr>
+        <p:spPr>
+          <a:xfrm flipV="1">
+            <a:off x="2213810" y="3766781"/>
+            <a:ext cx="3005797" cy="12819"/>
+          </a:xfrm>
+          <a:prstGeom prst="line">
+            <a:avLst/>
+          </a:prstGeom>
+          <a:ln w="12700">
+            <a:solidFill>
+              <a:schemeClr val="tx1"/>
+            </a:solidFill>
+            <a:prstDash val="dash"/>
+          </a:ln>
+        </p:spPr>
+        <p:style>
+          <a:lnRef idx="1">
+            <a:schemeClr val="dk1"/>
+          </a:lnRef>
+          <a:fillRef idx="0">
+            <a:schemeClr val="dk1"/>
+          </a:fillRef>
+          <a:effectRef idx="0">
+            <a:schemeClr val="dk1"/>
+          </a:effectRef>
+          <a:fontRef idx="minor">
+            <a:schemeClr val="tx1"/>
+          </a:fontRef>
+        </p:style>
+      </p:cxnSp>
+      <p:sp>
+        <p:nvSpPr>
+          <p:cNvPr id="20" name="Oval 19">
+            <a:extLst>
+              <a:ext uri="{FF2B5EF4-FFF2-40B4-BE49-F238E27FC236}">
+                <a16:creationId xmlns:a16="http://schemas.microsoft.com/office/drawing/2014/main" id="{6592D876-4476-4ADB-B010-F4C1FEF2FF21}"/>
+              </a:ext>
+            </a:extLst>
+          </p:cNvPr>
+          <p:cNvSpPr/>
+          <p:nvPr/>
+        </p:nvSpPr>
+        <p:spPr>
+          <a:xfrm>
+            <a:off x="5068467" y="3682635"/>
+            <a:ext cx="185979" cy="185979"/>
+          </a:xfrm>
+          <a:prstGeom prst="ellipse">
+            <a:avLst/>
+          </a:prstGeom>
+          <a:ln>
+            <a:solidFill>
+              <a:schemeClr val="tx1"/>
+            </a:solidFill>
+          </a:ln>
+        </p:spPr>
+        <p:style>
+          <a:lnRef idx="3">
+            <a:schemeClr val="lt1"/>
+          </a:lnRef>
+          <a:fillRef idx="1">
+            <a:schemeClr val="accent4"/>
+          </a:fillRef>
+          <a:effectRef idx="1">
+            <a:schemeClr val="accent4"/>
+          </a:effectRef>
+          <a:fontRef idx="minor">
+            <a:schemeClr val="lt1"/>
+          </a:fontRef>
+        </p:style>
+        <p:txBody>
+          <a:bodyPr rtlCol="0" anchor="ctr"/>
+          <a:lstStyle/>
+          <a:p>
+            <a:pPr algn="ctr"/>
+            <a:endParaRPr lang="en-US"/>
+          </a:p>
+        </p:txBody>
+      </p:sp>
+      <p:sp>
+        <p:nvSpPr>
+          <p:cNvPr id="19" name="Oval 18">
+            <a:extLst>
+              <a:ext uri="{FF2B5EF4-FFF2-40B4-BE49-F238E27FC236}">
+                <a16:creationId xmlns:a16="http://schemas.microsoft.com/office/drawing/2014/main" id="{D24A3DB0-C0BE-4E87-A10F-CC9CFD0D558D}"/>
+              </a:ext>
+            </a:extLst>
+          </p:cNvPr>
+          <p:cNvSpPr/>
+          <p:nvPr/>
+        </p:nvSpPr>
+        <p:spPr>
+          <a:xfrm>
+            <a:off x="4432515" y="3227486"/>
+            <a:ext cx="185979" cy="185979"/>
+          </a:xfrm>
+          <a:prstGeom prst="ellipse">
+            <a:avLst/>
+          </a:prstGeom>
+          <a:ln>
+            <a:solidFill>
+              <a:schemeClr val="tx1"/>
+            </a:solidFill>
+          </a:ln>
+        </p:spPr>
+        <p:style>
+          <a:lnRef idx="3">
+            <a:schemeClr val="lt1"/>
+          </a:lnRef>
+          <a:fillRef idx="1">
+            <a:schemeClr val="accent4"/>
+          </a:fillRef>
+          <a:effectRef idx="1">
+            <a:schemeClr val="accent4"/>
+          </a:effectRef>
+          <a:fontRef idx="minor">
+            <a:schemeClr val="lt1"/>
+          </a:fontRef>
+        </p:style>
+        <p:txBody>
+          <a:bodyPr rtlCol="0" anchor="ctr"/>
+          <a:lstStyle/>
+          <a:p>
+            <a:pPr algn="ctr"/>
+            <a:endParaRPr lang="en-US"/>
+          </a:p>
+        </p:txBody>
+      </p:sp>
+      <p:sp>
+        <p:nvSpPr>
+          <p:cNvPr id="18" name="Oval 17">
+            <a:extLst>
+              <a:ext uri="{FF2B5EF4-FFF2-40B4-BE49-F238E27FC236}">
+                <a16:creationId xmlns:a16="http://schemas.microsoft.com/office/drawing/2014/main" id="{B3F5D234-6C41-49F2-A083-E21EFB7B00D8}"/>
+              </a:ext>
+            </a:extLst>
+          </p:cNvPr>
+          <p:cNvSpPr/>
+          <p:nvPr/>
+        </p:nvSpPr>
+        <p:spPr>
+          <a:xfrm>
+            <a:off x="3984451" y="2864245"/>
+            <a:ext cx="185979" cy="185979"/>
+          </a:xfrm>
+          <a:prstGeom prst="ellipse">
+            <a:avLst/>
+          </a:prstGeom>
+          <a:ln>
+            <a:solidFill>
+              <a:schemeClr val="tx1"/>
+            </a:solidFill>
+          </a:ln>
+        </p:spPr>
+        <p:style>
+          <a:lnRef idx="3">
+            <a:schemeClr val="lt1"/>
+          </a:lnRef>
+          <a:fillRef idx="1">
+            <a:schemeClr val="accent4"/>
+          </a:fillRef>
+          <a:effectRef idx="1">
+            <a:schemeClr val="accent4"/>
+          </a:effectRef>
+          <a:fontRef idx="minor">
+            <a:schemeClr val="lt1"/>
+          </a:fontRef>
+        </p:style>
+        <p:txBody>
+          <a:bodyPr rtlCol="0" anchor="ctr"/>
+          <a:lstStyle/>
+          <a:p>
+            <a:pPr algn="ctr"/>
+            <a:endParaRPr lang="en-US"/>
+          </a:p>
+        </p:txBody>
+      </p:sp>
+      <p:sp>
+        <p:nvSpPr>
+          <p:cNvPr id="56" name="TextBox 55">
+            <a:extLst>
+              <a:ext uri="{FF2B5EF4-FFF2-40B4-BE49-F238E27FC236}">
+                <a16:creationId xmlns:a16="http://schemas.microsoft.com/office/drawing/2014/main" id="{EEBDBB64-599C-4DA0-8B70-98C0A9AB9B10}"/>
+              </a:ext>
+            </a:extLst>
+          </p:cNvPr>
+          <p:cNvSpPr txBox="1"/>
+          <p:nvPr/>
+        </p:nvSpPr>
+        <p:spPr>
+          <a:xfrm>
+            <a:off x="2270062" y="1139715"/>
+            <a:ext cx="355072" cy="369332"/>
+          </a:xfrm>
+          <a:prstGeom prst="rect">
+            <a:avLst/>
+          </a:prstGeom>
+          <a:noFill/>
+        </p:spPr>
+        <p:txBody>
+          <a:bodyPr wrap="square" rtlCol="0">
+            <a:spAutoFit/>
+          </a:bodyPr>
+          <a:lstStyle/>
+          <a:p>
+            <a:r>
+              <a:rPr lang="en-US" dirty="0"/>
+              <a:t>A</a:t>
+            </a:r>
+          </a:p>
+        </p:txBody>
+      </p:sp>
+      <p:sp>
+        <p:nvSpPr>
+          <p:cNvPr id="57" name="TextBox 56">
+            <a:extLst>
+              <a:ext uri="{FF2B5EF4-FFF2-40B4-BE49-F238E27FC236}">
+                <a16:creationId xmlns:a16="http://schemas.microsoft.com/office/drawing/2014/main" id="{0B574E77-3121-42D2-9D77-C55E4DC438BF}"/>
+              </a:ext>
+            </a:extLst>
+          </p:cNvPr>
+          <p:cNvSpPr txBox="1"/>
+          <p:nvPr/>
+        </p:nvSpPr>
+        <p:spPr>
+          <a:xfrm>
+            <a:off x="7419435" y="5138973"/>
+            <a:ext cx="355072" cy="369332"/>
+          </a:xfrm>
+          <a:prstGeom prst="rect">
+            <a:avLst/>
+          </a:prstGeom>
+          <a:noFill/>
+        </p:spPr>
+        <p:txBody>
+          <a:bodyPr wrap="square" rtlCol="0">
+            <a:spAutoFit/>
+          </a:bodyPr>
+          <a:lstStyle/>
+          <a:p>
+            <a:r>
+              <a:rPr lang="en-US" dirty="0"/>
+              <a:t>G</a:t>
+            </a:r>
+          </a:p>
+        </p:txBody>
+      </p:sp>
+      <p:sp>
+        <p:nvSpPr>
+          <p:cNvPr id="58" name="TextBox 57">
+            <a:extLst>
+              <a:ext uri="{FF2B5EF4-FFF2-40B4-BE49-F238E27FC236}">
+                <a16:creationId xmlns:a16="http://schemas.microsoft.com/office/drawing/2014/main" id="{796E284F-38BA-4DFB-898A-A7C01CFC7A58}"/>
+              </a:ext>
+            </a:extLst>
+          </p:cNvPr>
+          <p:cNvSpPr txBox="1"/>
+          <p:nvPr/>
+        </p:nvSpPr>
+        <p:spPr>
+          <a:xfrm>
+            <a:off x="6439147" y="4435693"/>
+            <a:ext cx="355072" cy="369332"/>
+          </a:xfrm>
+          <a:prstGeom prst="rect">
+            <a:avLst/>
+          </a:prstGeom>
+          <a:noFill/>
+        </p:spPr>
+        <p:txBody>
+          <a:bodyPr wrap="square" rtlCol="0">
+            <a:spAutoFit/>
+          </a:bodyPr>
+          <a:lstStyle/>
+          <a:p>
+            <a:r>
+              <a:rPr lang="en-US" dirty="0"/>
+              <a:t>F</a:t>
+            </a:r>
+          </a:p>
+        </p:txBody>
+      </p:sp>
+      <p:sp>
+        <p:nvSpPr>
+          <p:cNvPr id="59" name="TextBox 58">
+            <a:extLst>
+              <a:ext uri="{FF2B5EF4-FFF2-40B4-BE49-F238E27FC236}">
+                <a16:creationId xmlns:a16="http://schemas.microsoft.com/office/drawing/2014/main" id="{6170D010-2531-4ED3-B977-AC56E5DA5183}"/>
+              </a:ext>
+            </a:extLst>
+          </p:cNvPr>
+          <p:cNvSpPr txBox="1"/>
+          <p:nvPr/>
+        </p:nvSpPr>
+        <p:spPr>
+          <a:xfrm>
+            <a:off x="5553891" y="3744241"/>
+            <a:ext cx="355072" cy="369332"/>
+          </a:xfrm>
+          <a:prstGeom prst="rect">
+            <a:avLst/>
+          </a:prstGeom>
+          <a:noFill/>
+        </p:spPr>
+        <p:txBody>
+          <a:bodyPr wrap="square" rtlCol="0">
+            <a:spAutoFit/>
+          </a:bodyPr>
+          <a:lstStyle/>
+          <a:p>
+            <a:r>
+              <a:rPr lang="en-US" dirty="0"/>
+              <a:t>E</a:t>
+            </a:r>
+          </a:p>
+        </p:txBody>
+      </p:sp>
+      <p:sp>
+        <p:nvSpPr>
+          <p:cNvPr id="60" name="TextBox 59">
+            <a:extLst>
+              <a:ext uri="{FF2B5EF4-FFF2-40B4-BE49-F238E27FC236}">
+                <a16:creationId xmlns:a16="http://schemas.microsoft.com/office/drawing/2014/main" id="{BAB94E5F-7A94-4D6A-AE57-B51F7BFAAB16}"/>
+              </a:ext>
+            </a:extLst>
+          </p:cNvPr>
+          <p:cNvSpPr txBox="1"/>
+          <p:nvPr/>
+        </p:nvSpPr>
+        <p:spPr>
+          <a:xfrm>
+            <a:off x="5042112" y="3324894"/>
+            <a:ext cx="355072" cy="369332"/>
+          </a:xfrm>
+          <a:prstGeom prst="rect">
+            <a:avLst/>
+          </a:prstGeom>
+          <a:noFill/>
+        </p:spPr>
+        <p:txBody>
+          <a:bodyPr wrap="square" rtlCol="0">
+            <a:spAutoFit/>
+          </a:bodyPr>
+          <a:lstStyle/>
+          <a:p>
+            <a:r>
+              <a:rPr lang="en-US" dirty="0"/>
+              <a:t>D</a:t>
+            </a:r>
+          </a:p>
+        </p:txBody>
+      </p:sp>
+      <p:sp>
+        <p:nvSpPr>
+          <p:cNvPr id="61" name="TextBox 60">
+            <a:extLst>
+              <a:ext uri="{FF2B5EF4-FFF2-40B4-BE49-F238E27FC236}">
+                <a16:creationId xmlns:a16="http://schemas.microsoft.com/office/drawing/2014/main" id="{E81FDC3A-F718-44D5-97BE-57E5698492B4}"/>
+              </a:ext>
+            </a:extLst>
+          </p:cNvPr>
+          <p:cNvSpPr txBox="1"/>
+          <p:nvPr/>
+        </p:nvSpPr>
+        <p:spPr>
+          <a:xfrm>
+            <a:off x="4484368" y="2880922"/>
+            <a:ext cx="355072" cy="369332"/>
+          </a:xfrm>
+          <a:prstGeom prst="rect">
+            <a:avLst/>
+          </a:prstGeom>
+          <a:noFill/>
+        </p:spPr>
+        <p:txBody>
+          <a:bodyPr wrap="square" rtlCol="0">
+            <a:spAutoFit/>
+          </a:bodyPr>
+          <a:lstStyle/>
+          <a:p>
+            <a:r>
+              <a:rPr lang="en-US" dirty="0"/>
+              <a:t>C</a:t>
+            </a:r>
+          </a:p>
+        </p:txBody>
+      </p:sp>
+      <p:sp>
+        <p:nvSpPr>
+          <p:cNvPr id="62" name="TextBox 61">
+            <a:extLst>
+              <a:ext uri="{FF2B5EF4-FFF2-40B4-BE49-F238E27FC236}">
+                <a16:creationId xmlns:a16="http://schemas.microsoft.com/office/drawing/2014/main" id="{DD41F614-D46D-4B8A-B603-82F4F9F6612A}"/>
+              </a:ext>
+            </a:extLst>
+          </p:cNvPr>
+          <p:cNvSpPr txBox="1"/>
+          <p:nvPr/>
+        </p:nvSpPr>
+        <p:spPr>
+          <a:xfrm>
+            <a:off x="4052304" y="2538447"/>
+            <a:ext cx="355072" cy="369332"/>
+          </a:xfrm>
+          <a:prstGeom prst="rect">
+            <a:avLst/>
+          </a:prstGeom>
+          <a:noFill/>
+        </p:spPr>
+        <p:txBody>
+          <a:bodyPr wrap="square" rtlCol="0">
+            <a:spAutoFit/>
+          </a:bodyPr>
+          <a:lstStyle/>
+          <a:p>
+            <a:r>
+              <a:rPr lang="en-US" dirty="0"/>
+              <a:t>B</a:t>
+            </a:r>
+          </a:p>
+        </p:txBody>
+      </p:sp>
+      <p:sp>
+        <p:nvSpPr>
+          <p:cNvPr id="63" name="TextBox 62">
+            <a:extLst>
+              <a:ext uri="{FF2B5EF4-FFF2-40B4-BE49-F238E27FC236}">
+                <a16:creationId xmlns:a16="http://schemas.microsoft.com/office/drawing/2014/main" id="{F24E71FC-2991-4290-B593-17C1F2C3E96A}"/>
+              </a:ext>
+            </a:extLst>
+          </p:cNvPr>
+          <p:cNvSpPr txBox="1"/>
+          <p:nvPr/>
+        </p:nvSpPr>
+        <p:spPr>
+          <a:xfrm>
+            <a:off x="4484368" y="5102731"/>
+            <a:ext cx="504309" cy="369332"/>
+          </a:xfrm>
+          <a:prstGeom prst="rect">
+            <a:avLst/>
+          </a:prstGeom>
+          <a:noFill/>
+        </p:spPr>
+        <p:txBody>
+          <a:bodyPr wrap="square" rtlCol="0">
+            <a:spAutoFit/>
+          </a:bodyPr>
+          <a:lstStyle/>
+          <a:p>
+            <a:r>
+              <a:rPr lang="en-US" dirty="0">
+                <a:solidFill>
+                  <a:srgbClr val="7030A0"/>
+                </a:solidFill>
+              </a:rPr>
+              <a:t>MR</a:t>
+            </a:r>
+            <a:endParaRPr lang="en-US" baseline="-25000" dirty="0">
+              <a:solidFill>
+                <a:srgbClr val="7030A0"/>
+              </a:solidFill>
+            </a:endParaRPr>
+          </a:p>
+        </p:txBody>
+      </p:sp>
+      <p:sp>
+        <p:nvSpPr>
+          <p:cNvPr id="68" name="TextBox 67">
+            <a:extLst>
+              <a:ext uri="{FF2B5EF4-FFF2-40B4-BE49-F238E27FC236}">
+                <a16:creationId xmlns:a16="http://schemas.microsoft.com/office/drawing/2014/main" id="{B55F64CD-CF65-499F-AD01-CBBAC6736E6F}"/>
+              </a:ext>
+            </a:extLst>
+          </p:cNvPr>
+          <p:cNvSpPr txBox="1"/>
+          <p:nvPr/>
+        </p:nvSpPr>
+        <p:spPr>
+          <a:xfrm>
+            <a:off x="1675905" y="5323639"/>
+            <a:ext cx="504309" cy="369332"/>
+          </a:xfrm>
+          <a:prstGeom prst="rect">
+            <a:avLst/>
+          </a:prstGeom>
+          <a:noFill/>
+        </p:spPr>
+        <p:txBody>
+          <a:bodyPr wrap="square" rtlCol="0">
+            <a:spAutoFit/>
+          </a:bodyPr>
+          <a:lstStyle/>
+          <a:p>
+            <a:r>
+              <a:rPr lang="en-US" dirty="0"/>
+              <a:t>P</a:t>
+            </a:r>
+            <a:r>
+              <a:rPr lang="en-US" baseline="-25000" dirty="0"/>
+              <a:t>6</a:t>
+            </a:r>
+          </a:p>
+        </p:txBody>
+      </p:sp>
+      <p:sp>
+        <p:nvSpPr>
+          <p:cNvPr id="69" name="TextBox 68">
+            <a:extLst>
+              <a:ext uri="{FF2B5EF4-FFF2-40B4-BE49-F238E27FC236}">
+                <a16:creationId xmlns:a16="http://schemas.microsoft.com/office/drawing/2014/main" id="{AF758D49-DCA3-4920-B7C3-C16CC7DB1170}"/>
+              </a:ext>
+            </a:extLst>
+          </p:cNvPr>
+          <p:cNvSpPr txBox="1"/>
+          <p:nvPr/>
+        </p:nvSpPr>
+        <p:spPr>
+          <a:xfrm>
+            <a:off x="1675905" y="4444008"/>
+            <a:ext cx="504309" cy="369332"/>
+          </a:xfrm>
+          <a:prstGeom prst="rect">
+            <a:avLst/>
+          </a:prstGeom>
+          <a:noFill/>
+        </p:spPr>
+        <p:txBody>
+          <a:bodyPr wrap="square" rtlCol="0">
+            <a:spAutoFit/>
+          </a:bodyPr>
+          <a:lstStyle/>
+          <a:p>
+            <a:r>
+              <a:rPr lang="en-US" dirty="0"/>
+              <a:t>P</a:t>
+            </a:r>
+            <a:r>
+              <a:rPr lang="en-US" baseline="-25000" dirty="0"/>
+              <a:t>5</a:t>
+            </a:r>
+          </a:p>
+        </p:txBody>
+      </p:sp>
+      <p:sp>
+        <p:nvSpPr>
+          <p:cNvPr id="70" name="TextBox 69">
+            <a:extLst>
+              <a:ext uri="{FF2B5EF4-FFF2-40B4-BE49-F238E27FC236}">
+                <a16:creationId xmlns:a16="http://schemas.microsoft.com/office/drawing/2014/main" id="{CAD91D43-6594-4B65-8A83-57306B3E1093}"/>
+              </a:ext>
+            </a:extLst>
+          </p:cNvPr>
+          <p:cNvSpPr txBox="1"/>
+          <p:nvPr/>
+        </p:nvSpPr>
+        <p:spPr>
+          <a:xfrm>
+            <a:off x="1675905" y="3997045"/>
+            <a:ext cx="504309" cy="369332"/>
+          </a:xfrm>
+          <a:prstGeom prst="rect">
+            <a:avLst/>
+          </a:prstGeom>
+          <a:noFill/>
+        </p:spPr>
+        <p:txBody>
+          <a:bodyPr wrap="square" rtlCol="0">
+            <a:spAutoFit/>
+          </a:bodyPr>
+          <a:lstStyle/>
+          <a:p>
+            <a:r>
+              <a:rPr lang="en-US" dirty="0"/>
+              <a:t>P</a:t>
+            </a:r>
+            <a:r>
+              <a:rPr lang="en-US" baseline="-25000" dirty="0"/>
+              <a:t>4</a:t>
+            </a:r>
+          </a:p>
+        </p:txBody>
+      </p:sp>
+      <p:sp>
+        <p:nvSpPr>
+          <p:cNvPr id="71" name="TextBox 70">
+            <a:extLst>
+              <a:ext uri="{FF2B5EF4-FFF2-40B4-BE49-F238E27FC236}">
+                <a16:creationId xmlns:a16="http://schemas.microsoft.com/office/drawing/2014/main" id="{499F02F7-0D95-486F-A9EF-E11A0B5E51CD}"/>
+              </a:ext>
+            </a:extLst>
+          </p:cNvPr>
+          <p:cNvSpPr txBox="1"/>
+          <p:nvPr/>
+        </p:nvSpPr>
+        <p:spPr>
+          <a:xfrm>
+            <a:off x="1675905" y="3602848"/>
+            <a:ext cx="504309" cy="369332"/>
+          </a:xfrm>
+          <a:prstGeom prst="rect">
+            <a:avLst/>
+          </a:prstGeom>
+          <a:noFill/>
+        </p:spPr>
+        <p:txBody>
+          <a:bodyPr wrap="square" rtlCol="0">
+            <a:spAutoFit/>
+          </a:bodyPr>
+          <a:lstStyle/>
+          <a:p>
+            <a:r>
+              <a:rPr lang="en-US" dirty="0"/>
+              <a:t>P</a:t>
+            </a:r>
+            <a:r>
+              <a:rPr lang="en-US" baseline="-25000" dirty="0"/>
+              <a:t>3</a:t>
+            </a:r>
+          </a:p>
+        </p:txBody>
+      </p:sp>
+      <p:sp>
+        <p:nvSpPr>
+          <p:cNvPr id="72" name="TextBox 71">
+            <a:extLst>
+              <a:ext uri="{FF2B5EF4-FFF2-40B4-BE49-F238E27FC236}">
+                <a16:creationId xmlns:a16="http://schemas.microsoft.com/office/drawing/2014/main" id="{8A379BC2-927A-4E1E-9638-B033C4C0596B}"/>
+              </a:ext>
+            </a:extLst>
+          </p:cNvPr>
+          <p:cNvSpPr txBox="1"/>
+          <p:nvPr/>
+        </p:nvSpPr>
+        <p:spPr>
+          <a:xfrm>
+            <a:off x="1675905" y="3096938"/>
+            <a:ext cx="504309" cy="369332"/>
+          </a:xfrm>
+          <a:prstGeom prst="rect">
+            <a:avLst/>
+          </a:prstGeom>
+          <a:noFill/>
+        </p:spPr>
+        <p:txBody>
+          <a:bodyPr wrap="square" rtlCol="0">
+            <a:spAutoFit/>
+          </a:bodyPr>
+          <a:lstStyle/>
+          <a:p>
+            <a:r>
+              <a:rPr lang="en-US" dirty="0"/>
+              <a:t>P</a:t>
+            </a:r>
+            <a:r>
+              <a:rPr lang="en-US" baseline="-25000" dirty="0"/>
+              <a:t>2</a:t>
+            </a:r>
+          </a:p>
+        </p:txBody>
+      </p:sp>
+      <p:sp>
+        <p:nvSpPr>
+          <p:cNvPr id="73" name="TextBox 72">
+            <a:extLst>
+              <a:ext uri="{FF2B5EF4-FFF2-40B4-BE49-F238E27FC236}">
+                <a16:creationId xmlns:a16="http://schemas.microsoft.com/office/drawing/2014/main" id="{68099D03-0081-4498-922C-850EC13AE7D3}"/>
+              </a:ext>
+            </a:extLst>
+          </p:cNvPr>
+          <p:cNvSpPr txBox="1"/>
+          <p:nvPr/>
+        </p:nvSpPr>
+        <p:spPr>
+          <a:xfrm>
+            <a:off x="1675905" y="2716115"/>
+            <a:ext cx="504309" cy="369332"/>
+          </a:xfrm>
+          <a:prstGeom prst="rect">
+            <a:avLst/>
+          </a:prstGeom>
+          <a:noFill/>
+        </p:spPr>
+        <p:txBody>
+          <a:bodyPr wrap="square" rtlCol="0">
+            <a:spAutoFit/>
+          </a:bodyPr>
+          <a:lstStyle/>
+          <a:p>
+            <a:r>
+              <a:rPr lang="en-US" dirty="0"/>
+              <a:t>P</a:t>
+            </a:r>
+            <a:r>
+              <a:rPr lang="en-US" baseline="-25000" dirty="0"/>
+              <a:t>1</a:t>
+            </a:r>
+          </a:p>
+        </p:txBody>
+      </p:sp>
+      <p:sp>
+        <p:nvSpPr>
+          <p:cNvPr id="74" name="TextBox 73">
+            <a:extLst>
+              <a:ext uri="{FF2B5EF4-FFF2-40B4-BE49-F238E27FC236}">
+                <a16:creationId xmlns:a16="http://schemas.microsoft.com/office/drawing/2014/main" id="{C3B7892A-9189-43C7-AA9C-44572AF76E94}"/>
+              </a:ext>
+            </a:extLst>
+          </p:cNvPr>
+          <p:cNvSpPr txBox="1"/>
+          <p:nvPr/>
+        </p:nvSpPr>
+        <p:spPr>
+          <a:xfrm>
+            <a:off x="1675905" y="1270061"/>
+            <a:ext cx="504309" cy="369332"/>
+          </a:xfrm>
+          <a:prstGeom prst="rect">
+            <a:avLst/>
+          </a:prstGeom>
+          <a:noFill/>
+        </p:spPr>
+        <p:txBody>
+          <a:bodyPr wrap="square" rtlCol="0">
+            <a:spAutoFit/>
+          </a:bodyPr>
+          <a:lstStyle/>
+          <a:p>
+            <a:r>
+              <a:rPr lang="en-US" dirty="0"/>
+              <a:t>P</a:t>
+            </a:r>
+            <a:r>
+              <a:rPr lang="en-US" baseline="-25000" dirty="0"/>
+              <a:t>0</a:t>
+            </a:r>
+          </a:p>
+        </p:txBody>
+      </p:sp>
+      <p:sp>
+        <p:nvSpPr>
+          <p:cNvPr id="75" name="TextBox 74">
+            <a:extLst>
+              <a:ext uri="{FF2B5EF4-FFF2-40B4-BE49-F238E27FC236}">
+                <a16:creationId xmlns:a16="http://schemas.microsoft.com/office/drawing/2014/main" id="{16036A28-11B2-44DD-9275-71E2785F84F9}"/>
+              </a:ext>
+            </a:extLst>
+          </p:cNvPr>
+          <p:cNvSpPr txBox="1"/>
+          <p:nvPr/>
+        </p:nvSpPr>
+        <p:spPr>
+          <a:xfrm>
+            <a:off x="7469735" y="3017968"/>
+            <a:ext cx="611873" cy="369332"/>
+          </a:xfrm>
+          <a:prstGeom prst="rect">
+            <a:avLst/>
+          </a:prstGeom>
+          <a:noFill/>
+        </p:spPr>
+        <p:txBody>
+          <a:bodyPr wrap="square" rtlCol="0">
+            <a:spAutoFit/>
+          </a:bodyPr>
+          <a:lstStyle/>
+          <a:p>
+            <a:r>
+              <a:rPr lang="en-US" dirty="0"/>
+              <a:t>ATC</a:t>
+            </a:r>
+            <a:endParaRPr lang="en-US" baseline="-25000" dirty="0"/>
+          </a:p>
+        </p:txBody>
+      </p:sp>
+      <p:sp>
+        <p:nvSpPr>
+          <p:cNvPr id="76" name="TextBox 75">
+            <a:extLst>
+              <a:ext uri="{FF2B5EF4-FFF2-40B4-BE49-F238E27FC236}">
+                <a16:creationId xmlns:a16="http://schemas.microsoft.com/office/drawing/2014/main" id="{CFD34140-AEDE-4691-AEAA-D67874897E64}"/>
+              </a:ext>
+            </a:extLst>
+          </p:cNvPr>
+          <p:cNvSpPr txBox="1"/>
+          <p:nvPr/>
+        </p:nvSpPr>
+        <p:spPr>
+          <a:xfrm>
+            <a:off x="6880918" y="4694999"/>
+            <a:ext cx="1104161" cy="369332"/>
+          </a:xfrm>
+          <a:prstGeom prst="rect">
+            <a:avLst/>
+          </a:prstGeom>
+          <a:noFill/>
+        </p:spPr>
+        <p:txBody>
+          <a:bodyPr wrap="square" rtlCol="0">
+            <a:spAutoFit/>
+          </a:bodyPr>
+          <a:lstStyle/>
+          <a:p>
+            <a:r>
+              <a:rPr lang="en-US" dirty="0">
+                <a:solidFill>
+                  <a:schemeClr val="accent1"/>
+                </a:solidFill>
+              </a:rPr>
+              <a:t>Demand</a:t>
+            </a:r>
+            <a:endParaRPr lang="en-US" baseline="-25000" dirty="0">
+              <a:solidFill>
+                <a:schemeClr val="accent1"/>
+              </a:solidFill>
+            </a:endParaRPr>
+          </a:p>
+        </p:txBody>
+      </p:sp>
+      <p:sp>
+        <p:nvSpPr>
+          <p:cNvPr id="77" name="TextBox 76">
+            <a:extLst>
+              <a:ext uri="{FF2B5EF4-FFF2-40B4-BE49-F238E27FC236}">
+                <a16:creationId xmlns:a16="http://schemas.microsoft.com/office/drawing/2014/main" id="{12222CC0-9BB8-438C-BAA5-7D31AB493201}"/>
+              </a:ext>
+            </a:extLst>
+          </p:cNvPr>
+          <p:cNvSpPr txBox="1"/>
+          <p:nvPr/>
+        </p:nvSpPr>
+        <p:spPr>
+          <a:xfrm>
+            <a:off x="7167280" y="5596071"/>
+            <a:ext cx="504309" cy="369332"/>
+          </a:xfrm>
+          <a:prstGeom prst="rect">
+            <a:avLst/>
+          </a:prstGeom>
+          <a:noFill/>
+        </p:spPr>
+        <p:txBody>
+          <a:bodyPr wrap="square" rtlCol="0">
+            <a:spAutoFit/>
+          </a:bodyPr>
+          <a:lstStyle/>
+          <a:p>
+            <a:r>
+              <a:rPr lang="en-US" dirty="0"/>
+              <a:t>Q</a:t>
+            </a:r>
+            <a:r>
+              <a:rPr lang="en-US" baseline="-25000" dirty="0"/>
+              <a:t>6</a:t>
+            </a:r>
+          </a:p>
+        </p:txBody>
+      </p:sp>
+      <p:sp>
+        <p:nvSpPr>
+          <p:cNvPr id="78" name="TextBox 77">
+            <a:extLst>
+              <a:ext uri="{FF2B5EF4-FFF2-40B4-BE49-F238E27FC236}">
+                <a16:creationId xmlns:a16="http://schemas.microsoft.com/office/drawing/2014/main" id="{74B0C33B-9190-48C1-8142-CF3C78F7A678}"/>
+              </a:ext>
+            </a:extLst>
+          </p:cNvPr>
+          <p:cNvSpPr txBox="1"/>
+          <p:nvPr/>
+        </p:nvSpPr>
+        <p:spPr>
+          <a:xfrm>
+            <a:off x="6111776" y="5596071"/>
+            <a:ext cx="504309" cy="369332"/>
+          </a:xfrm>
+          <a:prstGeom prst="rect">
+            <a:avLst/>
+          </a:prstGeom>
+          <a:noFill/>
+        </p:spPr>
+        <p:txBody>
+          <a:bodyPr wrap="square" rtlCol="0">
+            <a:spAutoFit/>
+          </a:bodyPr>
+          <a:lstStyle/>
+          <a:p>
+            <a:r>
+              <a:rPr lang="en-US" dirty="0"/>
+              <a:t>Q</a:t>
+            </a:r>
+            <a:r>
+              <a:rPr lang="en-US" baseline="-25000" dirty="0"/>
+              <a:t>5</a:t>
+            </a:r>
+          </a:p>
+        </p:txBody>
+      </p:sp>
+      <p:sp>
+        <p:nvSpPr>
+          <p:cNvPr id="79" name="TextBox 78">
+            <a:extLst>
+              <a:ext uri="{FF2B5EF4-FFF2-40B4-BE49-F238E27FC236}">
+                <a16:creationId xmlns:a16="http://schemas.microsoft.com/office/drawing/2014/main" id="{90C445B8-906A-43D9-9782-2236889F34EB}"/>
+              </a:ext>
+            </a:extLst>
+          </p:cNvPr>
+          <p:cNvSpPr txBox="1"/>
+          <p:nvPr/>
+        </p:nvSpPr>
+        <p:spPr>
+          <a:xfrm>
+            <a:off x="5518069" y="5596071"/>
+            <a:ext cx="504309" cy="369332"/>
+          </a:xfrm>
+          <a:prstGeom prst="rect">
+            <a:avLst/>
+          </a:prstGeom>
+          <a:noFill/>
+        </p:spPr>
+        <p:txBody>
+          <a:bodyPr wrap="square" rtlCol="0">
+            <a:spAutoFit/>
+          </a:bodyPr>
+          <a:lstStyle/>
+          <a:p>
+            <a:r>
+              <a:rPr lang="en-US" dirty="0"/>
+              <a:t>Q</a:t>
+            </a:r>
+            <a:r>
+              <a:rPr lang="en-US" baseline="-25000" dirty="0"/>
+              <a:t>4</a:t>
+            </a:r>
+          </a:p>
+        </p:txBody>
+      </p:sp>
+      <p:sp>
+        <p:nvSpPr>
+          <p:cNvPr id="80" name="TextBox 79">
+            <a:extLst>
+              <a:ext uri="{FF2B5EF4-FFF2-40B4-BE49-F238E27FC236}">
+                <a16:creationId xmlns:a16="http://schemas.microsoft.com/office/drawing/2014/main" id="{5E3A4A2F-754A-4A87-AB5B-C9CCC9CC8EE0}"/>
+              </a:ext>
+            </a:extLst>
+          </p:cNvPr>
+          <p:cNvSpPr txBox="1"/>
+          <p:nvPr/>
+        </p:nvSpPr>
+        <p:spPr>
+          <a:xfrm>
+            <a:off x="4988360" y="5596071"/>
+            <a:ext cx="504309" cy="369332"/>
+          </a:xfrm>
+          <a:prstGeom prst="rect">
+            <a:avLst/>
+          </a:prstGeom>
+          <a:noFill/>
+        </p:spPr>
+        <p:txBody>
+          <a:bodyPr wrap="square" rtlCol="0">
+            <a:spAutoFit/>
+          </a:bodyPr>
+          <a:lstStyle/>
+          <a:p>
+            <a:r>
+              <a:rPr lang="en-US" dirty="0"/>
+              <a:t>Q</a:t>
+            </a:r>
+            <a:r>
+              <a:rPr lang="en-US" baseline="-25000" dirty="0"/>
+              <a:t>3</a:t>
+            </a:r>
+          </a:p>
+        </p:txBody>
+      </p:sp>
+      <p:sp>
+        <p:nvSpPr>
+          <p:cNvPr id="81" name="TextBox 80">
+            <a:extLst>
+              <a:ext uri="{FF2B5EF4-FFF2-40B4-BE49-F238E27FC236}">
+                <a16:creationId xmlns:a16="http://schemas.microsoft.com/office/drawing/2014/main" id="{2FA12021-495A-4382-98C8-723FB127E6BC}"/>
+              </a:ext>
+            </a:extLst>
+          </p:cNvPr>
+          <p:cNvSpPr txBox="1"/>
+          <p:nvPr/>
+        </p:nvSpPr>
+        <p:spPr>
+          <a:xfrm>
+            <a:off x="4306778" y="5596071"/>
+            <a:ext cx="504309" cy="369332"/>
+          </a:xfrm>
+          <a:prstGeom prst="rect">
+            <a:avLst/>
+          </a:prstGeom>
+          <a:noFill/>
+        </p:spPr>
+        <p:txBody>
+          <a:bodyPr wrap="square" rtlCol="0">
+            <a:spAutoFit/>
+          </a:bodyPr>
+          <a:lstStyle/>
+          <a:p>
+            <a:r>
+              <a:rPr lang="en-US" dirty="0"/>
+              <a:t>Q</a:t>
+            </a:r>
+            <a:r>
+              <a:rPr lang="en-US" baseline="-25000" dirty="0"/>
+              <a:t>2</a:t>
+            </a:r>
+          </a:p>
+        </p:txBody>
+      </p:sp>
+      <p:sp>
+        <p:nvSpPr>
+          <p:cNvPr id="82" name="TextBox 81">
+            <a:extLst>
+              <a:ext uri="{FF2B5EF4-FFF2-40B4-BE49-F238E27FC236}">
+                <a16:creationId xmlns:a16="http://schemas.microsoft.com/office/drawing/2014/main" id="{A2B02A5C-32C2-47DD-8F86-26105F553C00}"/>
+              </a:ext>
+            </a:extLst>
+          </p:cNvPr>
+          <p:cNvSpPr txBox="1"/>
+          <p:nvPr/>
+        </p:nvSpPr>
+        <p:spPr>
+          <a:xfrm>
+            <a:off x="3840680" y="5596071"/>
+            <a:ext cx="504309" cy="369332"/>
+          </a:xfrm>
+          <a:prstGeom prst="rect">
+            <a:avLst/>
+          </a:prstGeom>
+          <a:noFill/>
+        </p:spPr>
+        <p:txBody>
+          <a:bodyPr wrap="square" rtlCol="0">
+            <a:spAutoFit/>
+          </a:bodyPr>
+          <a:lstStyle/>
+          <a:p>
+            <a:r>
+              <a:rPr lang="en-US" dirty="0"/>
+              <a:t>Q</a:t>
+            </a:r>
+            <a:r>
+              <a:rPr lang="en-US" baseline="-25000" dirty="0"/>
+              <a:t>1</a:t>
+            </a:r>
+          </a:p>
+        </p:txBody>
+      </p:sp>
+      <p:sp>
+        <p:nvSpPr>
+          <p:cNvPr id="83" name="TextBox 82">
+            <a:extLst>
+              <a:ext uri="{FF2B5EF4-FFF2-40B4-BE49-F238E27FC236}">
+                <a16:creationId xmlns:a16="http://schemas.microsoft.com/office/drawing/2014/main" id="{F0331B18-049D-4845-BF40-9DAB9E6B072E}"/>
+              </a:ext>
+            </a:extLst>
+          </p:cNvPr>
+          <p:cNvSpPr txBox="1"/>
+          <p:nvPr/>
+        </p:nvSpPr>
+        <p:spPr>
+          <a:xfrm>
+            <a:off x="1961655" y="5596071"/>
+            <a:ext cx="504309" cy="369332"/>
+          </a:xfrm>
+          <a:prstGeom prst="rect">
+            <a:avLst/>
+          </a:prstGeom>
+          <a:noFill/>
+        </p:spPr>
+        <p:txBody>
+          <a:bodyPr wrap="square" rtlCol="0">
+            <a:spAutoFit/>
+          </a:bodyPr>
+          <a:lstStyle/>
+          <a:p>
+            <a:r>
+              <a:rPr lang="en-US" dirty="0"/>
+              <a:t>Q</a:t>
+            </a:r>
+            <a:r>
+              <a:rPr lang="en-US" baseline="-25000" dirty="0"/>
+              <a:t>0</a:t>
+            </a:r>
+          </a:p>
+        </p:txBody>
+      </p:sp>
+      <p:sp>
+        <p:nvSpPr>
+          <p:cNvPr id="84" name="TextBox 83">
+            <a:extLst>
+              <a:ext uri="{FF2B5EF4-FFF2-40B4-BE49-F238E27FC236}">
+                <a16:creationId xmlns:a16="http://schemas.microsoft.com/office/drawing/2014/main" id="{CEB79186-A0FF-4A8B-A925-70FF16A973BF}"/>
+              </a:ext>
+            </a:extLst>
+          </p:cNvPr>
+          <p:cNvSpPr txBox="1"/>
+          <p:nvPr/>
+        </p:nvSpPr>
+        <p:spPr>
+          <a:xfrm>
+            <a:off x="6491097" y="1924191"/>
+            <a:ext cx="504309" cy="369332"/>
+          </a:xfrm>
+          <a:prstGeom prst="rect">
+            <a:avLst/>
+          </a:prstGeom>
+          <a:noFill/>
+        </p:spPr>
+        <p:txBody>
+          <a:bodyPr wrap="square" rtlCol="0">
+            <a:spAutoFit/>
+          </a:bodyPr>
+          <a:lstStyle/>
+          <a:p>
+            <a:r>
+              <a:rPr lang="en-US" dirty="0">
+                <a:solidFill>
+                  <a:srgbClr val="FF0000"/>
+                </a:solidFill>
+              </a:rPr>
+              <a:t>MC</a:t>
+            </a:r>
+            <a:endParaRPr lang="en-US" baseline="-25000" dirty="0">
+              <a:solidFill>
+                <a:srgbClr val="FF0000"/>
+              </a:solidFill>
+            </a:endParaRPr>
+          </a:p>
+        </p:txBody>
+      </p:sp>
+    </p:spTree>
+    <p:extLst>
+      <p:ext uri="{BB962C8B-B14F-4D97-AF65-F5344CB8AC3E}">
+        <p14:creationId xmlns:p14="http://schemas.microsoft.com/office/powerpoint/2010/main" val="3930900376"/>
+      </p:ext>
+    </p:extLst>
+  </p:cSld>
+  <p:clrMapOvr>
+    <a:masterClrMapping/>
+  </p:clrMapOvr>
+</p:sld>
+</file>
+
+<file path=ppt/slides/slide6.xml><?xml version="1.0" encoding="utf-8"?>
+<p:sld xmlns:a="http://schemas.openxmlformats.org/drawingml/2006/main" xmlns:r="http://schemas.openxmlformats.org/officeDocument/2006/relationships" xmlns:p="http://schemas.openxmlformats.org/presentationml/2006/main">
+  <p:cSld>
+    <p:spTree>
+      <p:nvGrpSpPr>
+        <p:cNvPr id="1" name=""/>
+        <p:cNvGrpSpPr/>
+        <p:nvPr/>
+      </p:nvGrpSpPr>
+      <p:grpSpPr>
+        <a:xfrm>
+          <a:off x="0" y="0"/>
+          <a:ext cx="0" cy="0"/>
+          <a:chOff x="0" y="0"/>
+          <a:chExt cx="0" cy="0"/>
+        </a:xfrm>
+      </p:grpSpPr>
+      <p:sp>
+        <p:nvSpPr>
+          <p:cNvPr id="2" name="Rectangle 1">
+            <a:extLst>
+              <a:ext uri="{FF2B5EF4-FFF2-40B4-BE49-F238E27FC236}">
+                <a16:creationId xmlns:a16="http://schemas.microsoft.com/office/drawing/2014/main" id="{6A9CAF23-CA7F-466F-894C-2367FAB11B2C}"/>
+              </a:ext>
+            </a:extLst>
+          </p:cNvPr>
+          <p:cNvSpPr/>
+          <p:nvPr/>
+        </p:nvSpPr>
+        <p:spPr>
+          <a:xfrm>
+            <a:off x="2240167" y="3310323"/>
+            <a:ext cx="2285335" cy="2155402"/>
+          </a:xfrm>
+          <a:prstGeom prst="rect">
+            <a:avLst/>
+          </a:prstGeom>
+          <a:solidFill>
+            <a:schemeClr val="accent6">
+              <a:lumMod val="40000"/>
+              <a:lumOff val="60000"/>
+            </a:schemeClr>
+          </a:solidFill>
+          <a:ln>
+            <a:noFill/>
+          </a:ln>
+        </p:spPr>
+        <p:style>
+          <a:lnRef idx="2">
+            <a:schemeClr val="accent1">
+              <a:shade val="50000"/>
+            </a:schemeClr>
+          </a:lnRef>
+          <a:fillRef idx="1">
+            <a:schemeClr val="accent1"/>
+          </a:fillRef>
+          <a:effectRef idx="0">
+            <a:schemeClr val="accent1"/>
+          </a:effectRef>
+          <a:fontRef idx="minor">
+            <a:schemeClr val="lt1"/>
+          </a:fontRef>
+        </p:style>
+        <p:txBody>
+          <a:bodyPr rtlCol="0" anchor="ctr"/>
+          <a:lstStyle/>
+          <a:p>
+            <a:pPr algn="ctr"/>
+            <a:endParaRPr lang="en-US"/>
+          </a:p>
+        </p:txBody>
+      </p:sp>
+      <p:sp>
+        <p:nvSpPr>
+          <p:cNvPr id="3" name="Rectangle 2">
+            <a:extLst>
+              <a:ext uri="{FF2B5EF4-FFF2-40B4-BE49-F238E27FC236}">
+                <a16:creationId xmlns:a16="http://schemas.microsoft.com/office/drawing/2014/main" id="{EE007A5E-07AF-4DBE-9014-239477D6B5E5}"/>
+              </a:ext>
+            </a:extLst>
+          </p:cNvPr>
+          <p:cNvSpPr/>
+          <p:nvPr/>
+        </p:nvSpPr>
+        <p:spPr>
+          <a:xfrm>
+            <a:off x="2244558" y="4719965"/>
+            <a:ext cx="2280946" cy="753557"/>
+          </a:xfrm>
+          <a:prstGeom prst="rect">
+            <a:avLst/>
+          </a:prstGeom>
+          <a:solidFill>
+            <a:schemeClr val="accent2">
+              <a:lumMod val="40000"/>
+              <a:lumOff val="60000"/>
+            </a:schemeClr>
+          </a:solidFill>
+        </p:spPr>
+        <p:style>
+          <a:lnRef idx="2">
+            <a:schemeClr val="accent1">
+              <a:shade val="50000"/>
+            </a:schemeClr>
+          </a:lnRef>
+          <a:fillRef idx="1">
+            <a:schemeClr val="accent1"/>
+          </a:fillRef>
+          <a:effectRef idx="0">
+            <a:schemeClr val="accent1"/>
+          </a:effectRef>
+          <a:fontRef idx="minor">
+            <a:schemeClr val="lt1"/>
+          </a:fontRef>
+        </p:style>
+        <p:txBody>
+          <a:bodyPr rtlCol="0" anchor="ctr"/>
+          <a:lstStyle/>
+          <a:p>
+            <a:pPr algn="ctr"/>
+            <a:endParaRPr lang="en-US"/>
+          </a:p>
+        </p:txBody>
+      </p:sp>
+      <p:grpSp>
+        <p:nvGrpSpPr>
+          <p:cNvPr id="9" name="Group 8">
+            <a:extLst>
+              <a:ext uri="{FF2B5EF4-FFF2-40B4-BE49-F238E27FC236}">
+                <a16:creationId xmlns:a16="http://schemas.microsoft.com/office/drawing/2014/main" id="{F049DA10-2FB8-43EC-B532-2E9417881BDB}"/>
+              </a:ext>
+            </a:extLst>
+          </p:cNvPr>
+          <p:cNvGrpSpPr/>
+          <p:nvPr/>
+        </p:nvGrpSpPr>
+        <p:grpSpPr>
+          <a:xfrm>
+            <a:off x="2213811" y="529389"/>
+            <a:ext cx="5486400" cy="4981074"/>
+            <a:chOff x="2213811" y="529389"/>
+            <a:chExt cx="5486400" cy="4981074"/>
+          </a:xfrm>
+        </p:grpSpPr>
+        <p:cxnSp>
+          <p:nvCxnSpPr>
+            <p:cNvPr id="5" name="Straight Connector 4">
+              <a:extLst>
+                <a:ext uri="{FF2B5EF4-FFF2-40B4-BE49-F238E27FC236}">
+                  <a16:creationId xmlns:a16="http://schemas.microsoft.com/office/drawing/2014/main" id="{1E19111E-7508-4825-9C8F-8143482CE784}"/>
+                </a:ext>
+              </a:extLst>
+            </p:cNvPr>
+            <p:cNvCxnSpPr/>
+            <p:nvPr/>
+          </p:nvCxnSpPr>
+          <p:spPr>
+            <a:xfrm>
+              <a:off x="2213811" y="529389"/>
+              <a:ext cx="0" cy="4981074"/>
+            </a:xfrm>
+            <a:prstGeom prst="line">
+              <a:avLst/>
+            </a:prstGeom>
+            <a:ln w="60325"/>
+          </p:spPr>
+          <p:style>
+            <a:lnRef idx="3">
+              <a:schemeClr val="dk1"/>
+            </a:lnRef>
+            <a:fillRef idx="0">
+              <a:schemeClr val="dk1"/>
+            </a:fillRef>
+            <a:effectRef idx="2">
+              <a:schemeClr val="dk1"/>
+            </a:effectRef>
+            <a:fontRef idx="minor">
+              <a:schemeClr val="tx1"/>
+            </a:fontRef>
+          </p:style>
+        </p:cxnSp>
+        <p:cxnSp>
+          <p:nvCxnSpPr>
+            <p:cNvPr id="6" name="Straight Connector 5">
+              <a:extLst>
+                <a:ext uri="{FF2B5EF4-FFF2-40B4-BE49-F238E27FC236}">
+                  <a16:creationId xmlns:a16="http://schemas.microsoft.com/office/drawing/2014/main" id="{234C439E-F63D-4179-A090-751855762D7A}"/>
+                </a:ext>
+              </a:extLst>
+            </p:cNvPr>
+            <p:cNvCxnSpPr>
+              <a:cxnSpLocks/>
+            </p:cNvCxnSpPr>
+            <p:nvPr/>
+          </p:nvCxnSpPr>
+          <p:spPr>
+            <a:xfrm flipH="1">
+              <a:off x="2213811" y="5510463"/>
+              <a:ext cx="5486400" cy="0"/>
+            </a:xfrm>
+            <a:prstGeom prst="line">
+              <a:avLst/>
+            </a:prstGeom>
+            <a:ln w="60325"/>
+          </p:spPr>
+          <p:style>
+            <a:lnRef idx="3">
+              <a:schemeClr val="dk1"/>
+            </a:lnRef>
+            <a:fillRef idx="0">
+              <a:schemeClr val="dk1"/>
+            </a:fillRef>
+            <a:effectRef idx="2">
+              <a:schemeClr val="dk1"/>
+            </a:effectRef>
+            <a:fontRef idx="minor">
+              <a:schemeClr val="tx1"/>
+            </a:fontRef>
+          </p:style>
+        </p:cxnSp>
+      </p:grpSp>
+      <p:cxnSp>
+        <p:nvCxnSpPr>
+          <p:cNvPr id="11" name="Straight Connector 10">
+            <a:extLst>
+              <a:ext uri="{FF2B5EF4-FFF2-40B4-BE49-F238E27FC236}">
+                <a16:creationId xmlns:a16="http://schemas.microsoft.com/office/drawing/2014/main" id="{10BF73BE-C534-4AFC-A6B9-02562516D78D}"/>
+              </a:ext>
+            </a:extLst>
+          </p:cNvPr>
+          <p:cNvCxnSpPr/>
+          <p:nvPr/>
+        </p:nvCxnSpPr>
+        <p:spPr>
+          <a:xfrm>
+            <a:off x="2213811" y="1454727"/>
+            <a:ext cx="5184516" cy="4055736"/>
+          </a:xfrm>
+          <a:prstGeom prst="line">
+            <a:avLst/>
+          </a:prstGeom>
+          <a:ln w="76200">
+            <a:solidFill>
+              <a:schemeClr val="accent1"/>
+            </a:solidFill>
+          </a:ln>
+        </p:spPr>
+        <p:style>
+          <a:lnRef idx="1">
+            <a:schemeClr val="accent1"/>
+          </a:lnRef>
+          <a:fillRef idx="0">
+            <a:schemeClr val="accent1"/>
+          </a:fillRef>
+          <a:effectRef idx="0">
+            <a:schemeClr val="accent1"/>
+          </a:effectRef>
+          <a:fontRef idx="minor">
+            <a:schemeClr val="tx1"/>
+          </a:fontRef>
+        </p:style>
+      </p:cxnSp>
+      <p:cxnSp>
+        <p:nvCxnSpPr>
+          <p:cNvPr id="12" name="Straight Connector 11">
+            <a:extLst>
+              <a:ext uri="{FF2B5EF4-FFF2-40B4-BE49-F238E27FC236}">
+                <a16:creationId xmlns:a16="http://schemas.microsoft.com/office/drawing/2014/main" id="{A2E0CC95-1CE2-4905-A375-031D697A3707}"/>
+              </a:ext>
+            </a:extLst>
+          </p:cNvPr>
+          <p:cNvCxnSpPr>
+            <a:cxnSpLocks/>
+          </p:cNvCxnSpPr>
+          <p:nvPr/>
+        </p:nvCxnSpPr>
+        <p:spPr>
+          <a:xfrm>
+            <a:off x="2213811" y="1454727"/>
+            <a:ext cx="2311694" cy="4055736"/>
+          </a:xfrm>
+          <a:prstGeom prst="line">
+            <a:avLst/>
+          </a:prstGeom>
+          <a:ln w="76200">
+            <a:solidFill>
+              <a:srgbClr val="7030A0"/>
+            </a:solidFill>
+          </a:ln>
+        </p:spPr>
+        <p:style>
+          <a:lnRef idx="3">
+            <a:schemeClr val="accent4"/>
+          </a:lnRef>
+          <a:fillRef idx="0">
+            <a:schemeClr val="accent4"/>
+          </a:fillRef>
+          <a:effectRef idx="2">
+            <a:schemeClr val="accent4"/>
+          </a:effectRef>
+          <a:fontRef idx="minor">
+            <a:schemeClr val="tx1"/>
+          </a:fontRef>
+        </p:style>
+      </p:cxnSp>
+      <p:sp>
+        <p:nvSpPr>
+          <p:cNvPr id="15" name="Freeform: Shape 14">
+            <a:extLst>
+              <a:ext uri="{FF2B5EF4-FFF2-40B4-BE49-F238E27FC236}">
+                <a16:creationId xmlns:a16="http://schemas.microsoft.com/office/drawing/2014/main" id="{DCCED2E2-F67F-434B-B902-ED4EDE4DA8FE}"/>
+              </a:ext>
+            </a:extLst>
+          </p:cNvPr>
+          <p:cNvSpPr/>
+          <p:nvPr/>
+        </p:nvSpPr>
+        <p:spPr>
+          <a:xfrm>
+            <a:off x="2604656" y="2239885"/>
+            <a:ext cx="3909524" cy="2763915"/>
+          </a:xfrm>
+          <a:custGeom>
+            <a:avLst/>
+            <a:gdLst>
+              <a:gd name="connsiteX0" fmla="*/ 0 w 4488873"/>
+              <a:gd name="connsiteY0" fmla="*/ 1745673 h 2935027"/>
+              <a:gd name="connsiteX1" fmla="*/ 1080655 w 4488873"/>
+              <a:gd name="connsiteY1" fmla="*/ 2867891 h 2935027"/>
+              <a:gd name="connsiteX2" fmla="*/ 4488873 w 4488873"/>
+              <a:gd name="connsiteY2" fmla="*/ 0 h 2935027"/>
+              <a:gd name="connsiteX3" fmla="*/ 4488873 w 4488873"/>
+              <a:gd name="connsiteY3" fmla="*/ 0 h 2935027"/>
+              <a:gd name="connsiteX0" fmla="*/ 0 w 4738254"/>
+              <a:gd name="connsiteY0" fmla="*/ 2161309 h 3009473"/>
+              <a:gd name="connsiteX1" fmla="*/ 1330036 w 4738254"/>
+              <a:gd name="connsiteY1" fmla="*/ 2867891 h 3009473"/>
+              <a:gd name="connsiteX2" fmla="*/ 4738254 w 4738254"/>
+              <a:gd name="connsiteY2" fmla="*/ 0 h 3009473"/>
+              <a:gd name="connsiteX3" fmla="*/ 4738254 w 4738254"/>
+              <a:gd name="connsiteY3" fmla="*/ 0 h 3009473"/>
+              <a:gd name="connsiteX0" fmla="*/ 0 w 4738254"/>
+              <a:gd name="connsiteY0" fmla="*/ 2161309 h 2975636"/>
+              <a:gd name="connsiteX1" fmla="*/ 1745672 w 4738254"/>
+              <a:gd name="connsiteY1" fmla="*/ 2826327 h 2975636"/>
+              <a:gd name="connsiteX2" fmla="*/ 4738254 w 4738254"/>
+              <a:gd name="connsiteY2" fmla="*/ 0 h 2975636"/>
+              <a:gd name="connsiteX3" fmla="*/ 4738254 w 4738254"/>
+              <a:gd name="connsiteY3" fmla="*/ 0 h 2975636"/>
+              <a:gd name="connsiteX0" fmla="*/ 0 w 4738254"/>
+              <a:gd name="connsiteY0" fmla="*/ 2161309 h 3009473"/>
+              <a:gd name="connsiteX1" fmla="*/ 1454727 w 4738254"/>
+              <a:gd name="connsiteY1" fmla="*/ 2867890 h 3009473"/>
+              <a:gd name="connsiteX2" fmla="*/ 4738254 w 4738254"/>
+              <a:gd name="connsiteY2" fmla="*/ 0 h 3009473"/>
+              <a:gd name="connsiteX3" fmla="*/ 4738254 w 4738254"/>
+              <a:gd name="connsiteY3" fmla="*/ 0 h 3009473"/>
+              <a:gd name="connsiteX0" fmla="*/ 0 w 4738254"/>
+              <a:gd name="connsiteY0" fmla="*/ 2161309 h 3009473"/>
+              <a:gd name="connsiteX1" fmla="*/ 1454727 w 4738254"/>
+              <a:gd name="connsiteY1" fmla="*/ 2867890 h 3009473"/>
+              <a:gd name="connsiteX2" fmla="*/ 4738254 w 4738254"/>
+              <a:gd name="connsiteY2" fmla="*/ 0 h 3009473"/>
+              <a:gd name="connsiteX0" fmla="*/ 0 w 4660762"/>
+              <a:gd name="connsiteY0" fmla="*/ 2455777 h 3325153"/>
+              <a:gd name="connsiteX1" fmla="*/ 1454727 w 4660762"/>
+              <a:gd name="connsiteY1" fmla="*/ 3162358 h 3325153"/>
+              <a:gd name="connsiteX2" fmla="*/ 4660762 w 4660762"/>
+              <a:gd name="connsiteY2" fmla="*/ 0 h 3325153"/>
+              <a:gd name="connsiteX0" fmla="*/ 0 w 4660762"/>
+              <a:gd name="connsiteY0" fmla="*/ 2455777 h 3325153"/>
+              <a:gd name="connsiteX1" fmla="*/ 1454727 w 4660762"/>
+              <a:gd name="connsiteY1" fmla="*/ 3162358 h 3325153"/>
+              <a:gd name="connsiteX2" fmla="*/ 4660762 w 4660762"/>
+              <a:gd name="connsiteY2" fmla="*/ 0 h 3325153"/>
+            </a:gdLst>
+            <a:ahLst/>
+            <a:cxnLst>
+              <a:cxn ang="0">
+                <a:pos x="connsiteX0" y="connsiteY0"/>
+              </a:cxn>
+              <a:cxn ang="0">
+                <a:pos x="connsiteX1" y="connsiteY1"/>
+              </a:cxn>
+              <a:cxn ang="0">
+                <a:pos x="connsiteX2" y="connsiteY2"/>
+              </a:cxn>
+            </a:cxnLst>
+            <a:rect l="l" t="t" r="r" b="b"/>
+            <a:pathLst>
+              <a:path w="4660762" h="3325153">
+                <a:moveTo>
+                  <a:pt x="0" y="2455777"/>
+                </a:moveTo>
+                <a:cubicBezTo>
+                  <a:pt x="166255" y="3162358"/>
+                  <a:pt x="677933" y="3571654"/>
+                  <a:pt x="1454727" y="3162358"/>
+                </a:cubicBezTo>
+                <a:cubicBezTo>
+                  <a:pt x="2231521" y="2753062"/>
+                  <a:pt x="3881033" y="1221901"/>
+                  <a:pt x="4660762" y="0"/>
+                </a:cubicBezTo>
+              </a:path>
+            </a:pathLst>
+          </a:custGeom>
+          <a:ln w="76200">
+            <a:solidFill>
+              <a:srgbClr val="FF0000"/>
+            </a:solidFill>
+          </a:ln>
+        </p:spPr>
+        <p:style>
+          <a:lnRef idx="3">
+            <a:schemeClr val="accent2"/>
+          </a:lnRef>
+          <a:fillRef idx="0">
+            <a:schemeClr val="accent2"/>
+          </a:fillRef>
+          <a:effectRef idx="2">
+            <a:schemeClr val="accent2"/>
+          </a:effectRef>
+          <a:fontRef idx="minor">
+            <a:schemeClr val="tx1"/>
+          </a:fontRef>
+        </p:style>
+        <p:txBody>
+          <a:bodyPr rtlCol="0" anchor="ctr"/>
+          <a:lstStyle/>
+          <a:p>
+            <a:pPr algn="ctr"/>
+            <a:endParaRPr lang="en-US"/>
+          </a:p>
+        </p:txBody>
+      </p:sp>
+      <p:sp>
+        <p:nvSpPr>
+          <p:cNvPr id="16" name="Freeform: Shape 15">
+            <a:extLst>
+              <a:ext uri="{FF2B5EF4-FFF2-40B4-BE49-F238E27FC236}">
+                <a16:creationId xmlns:a16="http://schemas.microsoft.com/office/drawing/2014/main" id="{42B3D9DC-896E-4599-84BF-C4E4FF047A00}"/>
+              </a:ext>
+            </a:extLst>
+          </p:cNvPr>
+          <p:cNvSpPr/>
+          <p:nvPr/>
+        </p:nvSpPr>
+        <p:spPr>
+          <a:xfrm rot="21238240">
+            <a:off x="2561975" y="3631934"/>
+            <a:ext cx="5077055" cy="720045"/>
+          </a:xfrm>
+          <a:custGeom>
+            <a:avLst/>
+            <a:gdLst>
+              <a:gd name="connsiteX0" fmla="*/ 0 w 4696691"/>
+              <a:gd name="connsiteY0" fmla="*/ 0 h 708457"/>
+              <a:gd name="connsiteX1" fmla="*/ 1454728 w 4696691"/>
+              <a:gd name="connsiteY1" fmla="*/ 706582 h 708457"/>
+              <a:gd name="connsiteX2" fmla="*/ 4696691 w 4696691"/>
+              <a:gd name="connsiteY2" fmla="*/ 166254 h 708457"/>
+              <a:gd name="connsiteX0" fmla="*/ 0 w 5037654"/>
+              <a:gd name="connsiteY0" fmla="*/ 0 h 598347"/>
+              <a:gd name="connsiteX1" fmla="*/ 1795691 w 5037654"/>
+              <a:gd name="connsiteY1" fmla="*/ 598094 h 598347"/>
+              <a:gd name="connsiteX2" fmla="*/ 5037654 w 5037654"/>
+              <a:gd name="connsiteY2" fmla="*/ 57766 h 598347"/>
+              <a:gd name="connsiteX0" fmla="*/ 0 w 5037654"/>
+              <a:gd name="connsiteY0" fmla="*/ 0 h 536428"/>
+              <a:gd name="connsiteX1" fmla="*/ 2400125 w 5037654"/>
+              <a:gd name="connsiteY1" fmla="*/ 536101 h 536428"/>
+              <a:gd name="connsiteX2" fmla="*/ 5037654 w 5037654"/>
+              <a:gd name="connsiteY2" fmla="*/ 57766 h 536428"/>
+              <a:gd name="connsiteX0" fmla="*/ 0 w 5037654"/>
+              <a:gd name="connsiteY0" fmla="*/ 0 h 536428"/>
+              <a:gd name="connsiteX1" fmla="*/ 2400125 w 5037654"/>
+              <a:gd name="connsiteY1" fmla="*/ 536101 h 536428"/>
+              <a:gd name="connsiteX2" fmla="*/ 5037654 w 5037654"/>
+              <a:gd name="connsiteY2" fmla="*/ 57766 h 536428"/>
+              <a:gd name="connsiteX0" fmla="*/ 0 w 5037654"/>
+              <a:gd name="connsiteY0" fmla="*/ 0 h 536101"/>
+              <a:gd name="connsiteX1" fmla="*/ 2400125 w 5037654"/>
+              <a:gd name="connsiteY1" fmla="*/ 536101 h 536101"/>
+              <a:gd name="connsiteX2" fmla="*/ 5037654 w 5037654"/>
+              <a:gd name="connsiteY2" fmla="*/ 57766 h 536101"/>
+              <a:gd name="connsiteX0" fmla="*/ 0 w 5394115"/>
+              <a:gd name="connsiteY0" fmla="*/ 128214 h 664315"/>
+              <a:gd name="connsiteX1" fmla="*/ 2400125 w 5394115"/>
+              <a:gd name="connsiteY1" fmla="*/ 664315 h 664315"/>
+              <a:gd name="connsiteX2" fmla="*/ 5394115 w 5394115"/>
+              <a:gd name="connsiteY2" fmla="*/ 0 h 664315"/>
+              <a:gd name="connsiteX0" fmla="*/ 0 w 5394115"/>
+              <a:gd name="connsiteY0" fmla="*/ 128214 h 664315"/>
+              <a:gd name="connsiteX1" fmla="*/ 2400125 w 5394115"/>
+              <a:gd name="connsiteY1" fmla="*/ 664315 h 664315"/>
+              <a:gd name="connsiteX2" fmla="*/ 5394115 w 5394115"/>
+              <a:gd name="connsiteY2" fmla="*/ 0 h 664315"/>
+              <a:gd name="connsiteX0" fmla="*/ 0 w 5394115"/>
+              <a:gd name="connsiteY0" fmla="*/ 128214 h 664315"/>
+              <a:gd name="connsiteX1" fmla="*/ 2400125 w 5394115"/>
+              <a:gd name="connsiteY1" fmla="*/ 664315 h 664315"/>
+              <a:gd name="connsiteX2" fmla="*/ 5394115 w 5394115"/>
+              <a:gd name="connsiteY2" fmla="*/ 0 h 664315"/>
+              <a:gd name="connsiteX0" fmla="*/ 0 w 5394115"/>
+              <a:gd name="connsiteY0" fmla="*/ 128214 h 682648"/>
+              <a:gd name="connsiteX1" fmla="*/ 2400125 w 5394115"/>
+              <a:gd name="connsiteY1" fmla="*/ 664315 h 682648"/>
+              <a:gd name="connsiteX2" fmla="*/ 5394115 w 5394115"/>
+              <a:gd name="connsiteY2" fmla="*/ 0 h 682648"/>
+              <a:gd name="connsiteX0" fmla="*/ 0 w 5394115"/>
+              <a:gd name="connsiteY0" fmla="*/ 128214 h 664315"/>
+              <a:gd name="connsiteX1" fmla="*/ 2400125 w 5394115"/>
+              <a:gd name="connsiteY1" fmla="*/ 664315 h 664315"/>
+              <a:gd name="connsiteX2" fmla="*/ 5394115 w 5394115"/>
+              <a:gd name="connsiteY2" fmla="*/ 0 h 664315"/>
+              <a:gd name="connsiteX0" fmla="*/ 0 w 5394115"/>
+              <a:gd name="connsiteY0" fmla="*/ 128214 h 664315"/>
+              <a:gd name="connsiteX1" fmla="*/ 2400125 w 5394115"/>
+              <a:gd name="connsiteY1" fmla="*/ 664315 h 664315"/>
+              <a:gd name="connsiteX2" fmla="*/ 5394115 w 5394115"/>
+              <a:gd name="connsiteY2" fmla="*/ 0 h 664315"/>
+            </a:gdLst>
+            <a:ahLst/>
+            <a:cxnLst>
+              <a:cxn ang="0">
+                <a:pos x="connsiteX0" y="connsiteY0"/>
+              </a:cxn>
+              <a:cxn ang="0">
+                <a:pos x="connsiteX1" y="connsiteY1"/>
+              </a:cxn>
+              <a:cxn ang="0">
+                <a:pos x="connsiteX2" y="connsiteY2"/>
+              </a:cxn>
+            </a:cxnLst>
+            <a:rect l="l" t="t" r="r" b="b"/>
+            <a:pathLst>
+              <a:path w="5394115" h="664315">
+                <a:moveTo>
+                  <a:pt x="0" y="128214"/>
+                </a:moveTo>
+                <a:cubicBezTo>
+                  <a:pt x="847417" y="576138"/>
+                  <a:pt x="1560516" y="654687"/>
+                  <a:pt x="2400125" y="664315"/>
+                </a:cubicBezTo>
+                <a:cubicBezTo>
+                  <a:pt x="3162242" y="658445"/>
+                  <a:pt x="4040537" y="469998"/>
+                  <a:pt x="5394115" y="0"/>
+                </a:cubicBezTo>
+              </a:path>
+            </a:pathLst>
+          </a:custGeom>
+          <a:ln w="76200"/>
+        </p:spPr>
+        <p:style>
+          <a:lnRef idx="3">
+            <a:schemeClr val="dk1"/>
+          </a:lnRef>
+          <a:fillRef idx="0">
+            <a:schemeClr val="dk1"/>
+          </a:fillRef>
+          <a:effectRef idx="2">
+            <a:schemeClr val="dk1"/>
+          </a:effectRef>
+          <a:fontRef idx="minor">
+            <a:schemeClr val="tx1"/>
+          </a:fontRef>
+        </p:style>
+        <p:txBody>
+          <a:bodyPr rtlCol="0" anchor="ctr"/>
+          <a:lstStyle/>
+          <a:p>
+            <a:pPr algn="ctr"/>
+            <a:endParaRPr lang="en-US"/>
+          </a:p>
+        </p:txBody>
+      </p:sp>
+      <p:sp>
+        <p:nvSpPr>
+          <p:cNvPr id="23" name="Oval 22">
+            <a:extLst>
+              <a:ext uri="{FF2B5EF4-FFF2-40B4-BE49-F238E27FC236}">
+                <a16:creationId xmlns:a16="http://schemas.microsoft.com/office/drawing/2014/main" id="{FFB5253A-FB89-4ADD-BB8F-072A02B99F14}"/>
+              </a:ext>
+            </a:extLst>
+          </p:cNvPr>
+          <p:cNvSpPr/>
+          <p:nvPr/>
+        </p:nvSpPr>
+        <p:spPr>
+          <a:xfrm>
+            <a:off x="2152247" y="1403926"/>
+            <a:ext cx="185979" cy="185979"/>
+          </a:xfrm>
+          <a:prstGeom prst="ellipse">
+            <a:avLst/>
+          </a:prstGeom>
+          <a:ln>
+            <a:solidFill>
+              <a:schemeClr val="tx1"/>
+            </a:solidFill>
+          </a:ln>
+        </p:spPr>
+        <p:style>
+          <a:lnRef idx="3">
+            <a:schemeClr val="lt1"/>
+          </a:lnRef>
+          <a:fillRef idx="1">
+            <a:schemeClr val="accent4"/>
+          </a:fillRef>
+          <a:effectRef idx="1">
+            <a:schemeClr val="accent4"/>
+          </a:effectRef>
+          <a:fontRef idx="minor">
+            <a:schemeClr val="lt1"/>
+          </a:fontRef>
+        </p:style>
+        <p:txBody>
+          <a:bodyPr rtlCol="0" anchor="ctr"/>
+          <a:lstStyle/>
+          <a:p>
+            <a:pPr algn="ctr"/>
+            <a:endParaRPr lang="en-US"/>
+          </a:p>
+        </p:txBody>
+      </p:sp>
+      <p:sp>
+        <p:nvSpPr>
+          <p:cNvPr id="24" name="Oval 23">
+            <a:extLst>
+              <a:ext uri="{FF2B5EF4-FFF2-40B4-BE49-F238E27FC236}">
+                <a16:creationId xmlns:a16="http://schemas.microsoft.com/office/drawing/2014/main" id="{ECA2FEFF-B548-45BE-AD14-033174BFBD24}"/>
+              </a:ext>
+            </a:extLst>
+          </p:cNvPr>
+          <p:cNvSpPr/>
+          <p:nvPr/>
+        </p:nvSpPr>
+        <p:spPr>
+          <a:xfrm>
+            <a:off x="7299824" y="5417473"/>
+            <a:ext cx="185979" cy="185979"/>
+          </a:xfrm>
+          <a:prstGeom prst="ellipse">
+            <a:avLst/>
+          </a:prstGeom>
+          <a:ln>
+            <a:solidFill>
+              <a:schemeClr val="tx1"/>
+            </a:solidFill>
+          </a:ln>
+        </p:spPr>
+        <p:style>
+          <a:lnRef idx="3">
+            <a:schemeClr val="lt1"/>
+          </a:lnRef>
+          <a:fillRef idx="1">
+            <a:schemeClr val="accent4"/>
+          </a:fillRef>
+          <a:effectRef idx="1">
+            <a:schemeClr val="accent4"/>
+          </a:effectRef>
+          <a:fontRef idx="minor">
+            <a:schemeClr val="lt1"/>
+          </a:fontRef>
+        </p:style>
+        <p:txBody>
+          <a:bodyPr rtlCol="0" anchor="ctr"/>
+          <a:lstStyle/>
+          <a:p>
+            <a:pPr algn="ctr"/>
+            <a:endParaRPr lang="en-US"/>
+          </a:p>
+        </p:txBody>
+      </p:sp>
+      <p:cxnSp>
+        <p:nvCxnSpPr>
+          <p:cNvPr id="26" name="Straight Connector 25">
+            <a:extLst>
+              <a:ext uri="{FF2B5EF4-FFF2-40B4-BE49-F238E27FC236}">
+                <a16:creationId xmlns:a16="http://schemas.microsoft.com/office/drawing/2014/main" id="{E235739C-0055-4B5F-8EA2-D5128D3B3E0F}"/>
+              </a:ext>
+            </a:extLst>
+          </p:cNvPr>
+          <p:cNvCxnSpPr>
+            <a:cxnSpLocks/>
+          </p:cNvCxnSpPr>
+          <p:nvPr/>
+        </p:nvCxnSpPr>
+        <p:spPr>
+          <a:xfrm flipV="1">
+            <a:off x="2213810" y="4702202"/>
+            <a:ext cx="4164130" cy="17763"/>
+          </a:xfrm>
+          <a:prstGeom prst="line">
+            <a:avLst/>
+          </a:prstGeom>
+          <a:ln w="12700">
+            <a:solidFill>
+              <a:schemeClr val="tx1"/>
+            </a:solidFill>
+            <a:prstDash val="dash"/>
+          </a:ln>
+        </p:spPr>
+        <p:style>
+          <a:lnRef idx="1">
+            <a:schemeClr val="dk1"/>
+          </a:lnRef>
+          <a:fillRef idx="0">
+            <a:schemeClr val="dk1"/>
+          </a:fillRef>
+          <a:effectRef idx="0">
+            <a:schemeClr val="dk1"/>
+          </a:effectRef>
+          <a:fontRef idx="minor">
+            <a:schemeClr val="tx1"/>
+          </a:fontRef>
+        </p:style>
+      </p:cxnSp>
+      <p:cxnSp>
+        <p:nvCxnSpPr>
+          <p:cNvPr id="32" name="Straight Connector 31">
+            <a:extLst>
+              <a:ext uri="{FF2B5EF4-FFF2-40B4-BE49-F238E27FC236}">
+                <a16:creationId xmlns:a16="http://schemas.microsoft.com/office/drawing/2014/main" id="{5F1D7F92-B857-4E5E-9C82-942DAADB7C7C}"/>
+              </a:ext>
+            </a:extLst>
+          </p:cNvPr>
+          <p:cNvCxnSpPr>
+            <a:cxnSpLocks/>
+          </p:cNvCxnSpPr>
+          <p:nvPr/>
+        </p:nvCxnSpPr>
+        <p:spPr>
+          <a:xfrm flipV="1">
+            <a:off x="2213810" y="4181711"/>
+            <a:ext cx="3489412" cy="14883"/>
+          </a:xfrm>
+          <a:prstGeom prst="line">
+            <a:avLst/>
+          </a:prstGeom>
+          <a:ln w="12700">
+            <a:solidFill>
+              <a:schemeClr val="tx1"/>
+            </a:solidFill>
+            <a:prstDash val="dash"/>
+          </a:ln>
+        </p:spPr>
+        <p:style>
+          <a:lnRef idx="1">
+            <a:schemeClr val="dk1"/>
+          </a:lnRef>
+          <a:fillRef idx="0">
+            <a:schemeClr val="dk1"/>
+          </a:fillRef>
+          <a:effectRef idx="0">
+            <a:schemeClr val="dk1"/>
+          </a:effectRef>
+          <a:fontRef idx="minor">
+            <a:schemeClr val="tx1"/>
+          </a:fontRef>
+        </p:style>
+      </p:cxnSp>
+      <p:cxnSp>
+        <p:nvCxnSpPr>
+          <p:cNvPr id="38" name="Straight Connector 37">
+            <a:extLst>
+              <a:ext uri="{FF2B5EF4-FFF2-40B4-BE49-F238E27FC236}">
+                <a16:creationId xmlns:a16="http://schemas.microsoft.com/office/drawing/2014/main" id="{EA37BF88-DE24-4C63-A8A9-FB742318C78D}"/>
+              </a:ext>
+            </a:extLst>
+          </p:cNvPr>
+          <p:cNvCxnSpPr>
+            <a:cxnSpLocks/>
+          </p:cNvCxnSpPr>
+          <p:nvPr/>
+        </p:nvCxnSpPr>
+        <p:spPr>
+          <a:xfrm>
+            <a:off x="4525505" y="3321599"/>
+            <a:ext cx="0" cy="2117519"/>
+          </a:xfrm>
+          <a:prstGeom prst="line">
+            <a:avLst/>
+          </a:prstGeom>
+          <a:ln w="12700">
+            <a:solidFill>
+              <a:schemeClr val="tx1"/>
+            </a:solidFill>
+            <a:prstDash val="dash"/>
+          </a:ln>
+        </p:spPr>
+        <p:style>
+          <a:lnRef idx="1">
+            <a:schemeClr val="dk1"/>
+          </a:lnRef>
+          <a:fillRef idx="0">
+            <a:schemeClr val="dk1"/>
+          </a:fillRef>
+          <a:effectRef idx="0">
+            <a:schemeClr val="dk1"/>
+          </a:effectRef>
+          <a:fontRef idx="minor">
+            <a:schemeClr val="tx1"/>
+          </a:fontRef>
+        </p:style>
+      </p:cxnSp>
+      <p:cxnSp>
+        <p:nvCxnSpPr>
+          <p:cNvPr id="40" name="Straight Connector 39">
+            <a:extLst>
+              <a:ext uri="{FF2B5EF4-FFF2-40B4-BE49-F238E27FC236}">
+                <a16:creationId xmlns:a16="http://schemas.microsoft.com/office/drawing/2014/main" id="{7CE52645-01EB-4FBE-AB70-43F2A0BA4A73}"/>
+              </a:ext>
+            </a:extLst>
+          </p:cNvPr>
+          <p:cNvCxnSpPr>
+            <a:cxnSpLocks/>
+          </p:cNvCxnSpPr>
+          <p:nvPr/>
+        </p:nvCxnSpPr>
+        <p:spPr>
+          <a:xfrm>
+            <a:off x="6352447" y="4719965"/>
+            <a:ext cx="0" cy="790497"/>
+          </a:xfrm>
+          <a:prstGeom prst="line">
+            <a:avLst/>
+          </a:prstGeom>
+          <a:ln w="12700">
+            <a:solidFill>
+              <a:schemeClr val="tx1"/>
+            </a:solidFill>
+            <a:prstDash val="dash"/>
+          </a:ln>
+        </p:spPr>
+        <p:style>
+          <a:lnRef idx="1">
+            <a:schemeClr val="dk1"/>
+          </a:lnRef>
+          <a:fillRef idx="0">
+            <a:schemeClr val="dk1"/>
+          </a:fillRef>
+          <a:effectRef idx="0">
+            <a:schemeClr val="dk1"/>
+          </a:effectRef>
+          <a:fontRef idx="minor">
+            <a:schemeClr val="tx1"/>
+          </a:fontRef>
+        </p:style>
+      </p:cxnSp>
+      <p:cxnSp>
+        <p:nvCxnSpPr>
+          <p:cNvPr id="42" name="Straight Connector 41">
+            <a:extLst>
+              <a:ext uri="{FF2B5EF4-FFF2-40B4-BE49-F238E27FC236}">
+                <a16:creationId xmlns:a16="http://schemas.microsoft.com/office/drawing/2014/main" id="{2702F44D-2775-4A59-AC35-DA5701EA2C8D}"/>
+              </a:ext>
+            </a:extLst>
+          </p:cNvPr>
+          <p:cNvCxnSpPr>
+            <a:cxnSpLocks/>
+          </p:cNvCxnSpPr>
+          <p:nvPr/>
+        </p:nvCxnSpPr>
+        <p:spPr>
+          <a:xfrm>
+            <a:off x="5703222" y="4181711"/>
+            <a:ext cx="0" cy="1328751"/>
+          </a:xfrm>
+          <a:prstGeom prst="line">
+            <a:avLst/>
+          </a:prstGeom>
+          <a:ln w="12700">
+            <a:solidFill>
+              <a:schemeClr val="tx1"/>
+            </a:solidFill>
+            <a:prstDash val="dash"/>
+          </a:ln>
+        </p:spPr>
+        <p:style>
+          <a:lnRef idx="1">
+            <a:schemeClr val="dk1"/>
+          </a:lnRef>
+          <a:fillRef idx="0">
+            <a:schemeClr val="dk1"/>
+          </a:fillRef>
+          <a:effectRef idx="0">
+            <a:schemeClr val="dk1"/>
+          </a:effectRef>
+          <a:fontRef idx="minor">
+            <a:schemeClr val="tx1"/>
+          </a:fontRef>
+        </p:style>
+      </p:cxnSp>
+      <p:cxnSp>
+        <p:nvCxnSpPr>
+          <p:cNvPr id="44" name="Straight Connector 43">
+            <a:extLst>
+              <a:ext uri="{FF2B5EF4-FFF2-40B4-BE49-F238E27FC236}">
+                <a16:creationId xmlns:a16="http://schemas.microsoft.com/office/drawing/2014/main" id="{B80CBB5D-B4BC-4F39-BEE4-5FD2075CA5C1}"/>
+              </a:ext>
+            </a:extLst>
+          </p:cNvPr>
+          <p:cNvCxnSpPr>
+            <a:cxnSpLocks/>
+          </p:cNvCxnSpPr>
+          <p:nvPr/>
+        </p:nvCxnSpPr>
+        <p:spPr>
+          <a:xfrm>
+            <a:off x="5161457" y="3866744"/>
+            <a:ext cx="0" cy="1643718"/>
+          </a:xfrm>
+          <a:prstGeom prst="line">
+            <a:avLst/>
+          </a:prstGeom>
+          <a:ln w="12700">
+            <a:solidFill>
+              <a:schemeClr val="tx1"/>
+            </a:solidFill>
+            <a:prstDash val="dash"/>
+          </a:ln>
+        </p:spPr>
+        <p:style>
+          <a:lnRef idx="1">
+            <a:schemeClr val="dk1"/>
+          </a:lnRef>
+          <a:fillRef idx="0">
+            <a:schemeClr val="dk1"/>
+          </a:fillRef>
+          <a:effectRef idx="0">
+            <a:schemeClr val="dk1"/>
+          </a:effectRef>
+          <a:fontRef idx="minor">
+            <a:schemeClr val="tx1"/>
+          </a:fontRef>
+        </p:style>
+      </p:cxnSp>
+      <p:cxnSp>
+        <p:nvCxnSpPr>
+          <p:cNvPr id="46" name="Straight Connector 45">
+            <a:extLst>
+              <a:ext uri="{FF2B5EF4-FFF2-40B4-BE49-F238E27FC236}">
+                <a16:creationId xmlns:a16="http://schemas.microsoft.com/office/drawing/2014/main" id="{8E39FAA3-2864-4A25-95C5-0305C64D5B3A}"/>
+              </a:ext>
+            </a:extLst>
+          </p:cNvPr>
+          <p:cNvCxnSpPr>
+            <a:cxnSpLocks/>
+          </p:cNvCxnSpPr>
+          <p:nvPr/>
+        </p:nvCxnSpPr>
+        <p:spPr>
+          <a:xfrm>
+            <a:off x="4082819" y="2947261"/>
+            <a:ext cx="0" cy="2563201"/>
+          </a:xfrm>
+          <a:prstGeom prst="line">
+            <a:avLst/>
+          </a:prstGeom>
+          <a:ln w="12700">
+            <a:solidFill>
+              <a:schemeClr val="tx1"/>
+            </a:solidFill>
+            <a:prstDash val="dash"/>
+          </a:ln>
+        </p:spPr>
+        <p:style>
+          <a:lnRef idx="1">
+            <a:schemeClr val="dk1"/>
+          </a:lnRef>
+          <a:fillRef idx="0">
+            <a:schemeClr val="dk1"/>
+          </a:fillRef>
+          <a:effectRef idx="0">
+            <a:schemeClr val="dk1"/>
+          </a:effectRef>
+          <a:fontRef idx="minor">
+            <a:schemeClr val="tx1"/>
+          </a:fontRef>
+        </p:style>
+      </p:cxnSp>
+      <p:cxnSp>
+        <p:nvCxnSpPr>
+          <p:cNvPr id="50" name="Straight Connector 49">
+            <a:extLst>
+              <a:ext uri="{FF2B5EF4-FFF2-40B4-BE49-F238E27FC236}">
+                <a16:creationId xmlns:a16="http://schemas.microsoft.com/office/drawing/2014/main" id="{8FCD689C-CD87-4C96-8739-D94F15D6DB48}"/>
+              </a:ext>
+            </a:extLst>
+          </p:cNvPr>
+          <p:cNvCxnSpPr>
+            <a:cxnSpLocks/>
+          </p:cNvCxnSpPr>
+          <p:nvPr/>
+        </p:nvCxnSpPr>
+        <p:spPr>
+          <a:xfrm>
+            <a:off x="2213810" y="3303028"/>
+            <a:ext cx="2311695" cy="0"/>
+          </a:xfrm>
+          <a:prstGeom prst="line">
+            <a:avLst/>
+          </a:prstGeom>
+          <a:ln w="12700">
+            <a:solidFill>
+              <a:schemeClr val="tx1"/>
+            </a:solidFill>
+            <a:prstDash val="dash"/>
+          </a:ln>
+        </p:spPr>
+        <p:style>
+          <a:lnRef idx="1">
+            <a:schemeClr val="dk1"/>
+          </a:lnRef>
+          <a:fillRef idx="0">
+            <a:schemeClr val="dk1"/>
+          </a:fillRef>
+          <a:effectRef idx="0">
+            <a:schemeClr val="dk1"/>
+          </a:effectRef>
+          <a:fontRef idx="minor">
+            <a:schemeClr val="tx1"/>
+          </a:fontRef>
+        </p:style>
+      </p:cxnSp>
+      <p:cxnSp>
+        <p:nvCxnSpPr>
+          <p:cNvPr id="53" name="Straight Connector 52">
+            <a:extLst>
+              <a:ext uri="{FF2B5EF4-FFF2-40B4-BE49-F238E27FC236}">
+                <a16:creationId xmlns:a16="http://schemas.microsoft.com/office/drawing/2014/main" id="{1D15D682-2FA6-453F-B148-B5E31AB9490C}"/>
+              </a:ext>
+            </a:extLst>
+          </p:cNvPr>
+          <p:cNvCxnSpPr>
+            <a:cxnSpLocks/>
+          </p:cNvCxnSpPr>
+          <p:nvPr/>
+        </p:nvCxnSpPr>
+        <p:spPr>
+          <a:xfrm flipV="1">
+            <a:off x="2213810" y="2940852"/>
+            <a:ext cx="1807802" cy="7709"/>
+          </a:xfrm>
+          <a:prstGeom prst="line">
+            <a:avLst/>
+          </a:prstGeom>
+          <a:ln w="12700">
+            <a:solidFill>
+              <a:schemeClr val="tx1"/>
+            </a:solidFill>
+            <a:prstDash val="dash"/>
+          </a:ln>
+        </p:spPr>
+        <p:style>
+          <a:lnRef idx="1">
+            <a:schemeClr val="dk1"/>
+          </a:lnRef>
+          <a:fillRef idx="0">
+            <a:schemeClr val="dk1"/>
+          </a:fillRef>
+          <a:effectRef idx="0">
+            <a:schemeClr val="dk1"/>
+          </a:effectRef>
+          <a:fontRef idx="minor">
+            <a:schemeClr val="tx1"/>
+          </a:fontRef>
+        </p:style>
+      </p:cxnSp>
+      <p:sp>
+        <p:nvSpPr>
+          <p:cNvPr id="22" name="Oval 21">
+            <a:extLst>
+              <a:ext uri="{FF2B5EF4-FFF2-40B4-BE49-F238E27FC236}">
+                <a16:creationId xmlns:a16="http://schemas.microsoft.com/office/drawing/2014/main" id="{DD09E5D2-18E7-47A1-AB14-9912DB39FF9F}"/>
+              </a:ext>
+            </a:extLst>
+          </p:cNvPr>
+          <p:cNvSpPr/>
+          <p:nvPr/>
+        </p:nvSpPr>
+        <p:spPr>
+          <a:xfrm>
+            <a:off x="6254168" y="4609242"/>
+            <a:ext cx="185979" cy="185979"/>
+          </a:xfrm>
+          <a:prstGeom prst="ellipse">
+            <a:avLst/>
+          </a:prstGeom>
+          <a:ln>
+            <a:solidFill>
+              <a:schemeClr val="tx1"/>
+            </a:solidFill>
+          </a:ln>
+        </p:spPr>
+        <p:style>
+          <a:lnRef idx="3">
+            <a:schemeClr val="lt1"/>
+          </a:lnRef>
+          <a:fillRef idx="1">
+            <a:schemeClr val="accent4"/>
+          </a:fillRef>
+          <a:effectRef idx="1">
+            <a:schemeClr val="accent4"/>
+          </a:effectRef>
+          <a:fontRef idx="minor">
+            <a:schemeClr val="lt1"/>
+          </a:fontRef>
+        </p:style>
+        <p:txBody>
+          <a:bodyPr rtlCol="0" anchor="ctr"/>
+          <a:lstStyle/>
+          <a:p>
+            <a:pPr algn="ctr"/>
+            <a:endParaRPr lang="en-US"/>
+          </a:p>
+        </p:txBody>
+      </p:sp>
+      <p:sp>
+        <p:nvSpPr>
+          <p:cNvPr id="21" name="Oval 20">
+            <a:extLst>
+              <a:ext uri="{FF2B5EF4-FFF2-40B4-BE49-F238E27FC236}">
+                <a16:creationId xmlns:a16="http://schemas.microsoft.com/office/drawing/2014/main" id="{3DD37490-E026-4638-9886-D617D8871DB6}"/>
+              </a:ext>
+            </a:extLst>
+          </p:cNvPr>
+          <p:cNvSpPr/>
+          <p:nvPr/>
+        </p:nvSpPr>
+        <p:spPr>
+          <a:xfrm>
+            <a:off x="5580329" y="4103270"/>
+            <a:ext cx="185979" cy="185979"/>
+          </a:xfrm>
+          <a:prstGeom prst="ellipse">
+            <a:avLst/>
+          </a:prstGeom>
+          <a:ln>
+            <a:solidFill>
+              <a:schemeClr val="tx1"/>
+            </a:solidFill>
+          </a:ln>
+        </p:spPr>
+        <p:style>
+          <a:lnRef idx="3">
+            <a:schemeClr val="lt1"/>
+          </a:lnRef>
+          <a:fillRef idx="1">
+            <a:schemeClr val="accent4"/>
+          </a:fillRef>
+          <a:effectRef idx="1">
+            <a:schemeClr val="accent4"/>
+          </a:effectRef>
+          <a:fontRef idx="minor">
+            <a:schemeClr val="lt1"/>
+          </a:fontRef>
+        </p:style>
+        <p:txBody>
+          <a:bodyPr rtlCol="0" anchor="ctr"/>
+          <a:lstStyle/>
+          <a:p>
+            <a:pPr algn="ctr"/>
+            <a:endParaRPr lang="en-US"/>
+          </a:p>
+        </p:txBody>
+      </p:sp>
+      <p:cxnSp>
+        <p:nvCxnSpPr>
+          <p:cNvPr id="35" name="Straight Connector 34">
+            <a:extLst>
+              <a:ext uri="{FF2B5EF4-FFF2-40B4-BE49-F238E27FC236}">
+                <a16:creationId xmlns:a16="http://schemas.microsoft.com/office/drawing/2014/main" id="{CDF45E05-F431-4DF7-A104-1845F09D872F}"/>
+              </a:ext>
+            </a:extLst>
+          </p:cNvPr>
+          <p:cNvCxnSpPr>
+            <a:cxnSpLocks/>
+          </p:cNvCxnSpPr>
+          <p:nvPr/>
+        </p:nvCxnSpPr>
+        <p:spPr>
+          <a:xfrm flipV="1">
+            <a:off x="2213810" y="3766781"/>
+            <a:ext cx="3005797" cy="12819"/>
+          </a:xfrm>
+          <a:prstGeom prst="line">
+            <a:avLst/>
+          </a:prstGeom>
+          <a:ln w="12700">
+            <a:solidFill>
+              <a:schemeClr val="tx1"/>
+            </a:solidFill>
+            <a:prstDash val="dash"/>
+          </a:ln>
+        </p:spPr>
+        <p:style>
+          <a:lnRef idx="1">
+            <a:schemeClr val="dk1"/>
+          </a:lnRef>
+          <a:fillRef idx="0">
+            <a:schemeClr val="dk1"/>
+          </a:fillRef>
+          <a:effectRef idx="0">
+            <a:schemeClr val="dk1"/>
+          </a:effectRef>
+          <a:fontRef idx="minor">
+            <a:schemeClr val="tx1"/>
+          </a:fontRef>
+        </p:style>
+      </p:cxnSp>
+      <p:sp>
+        <p:nvSpPr>
+          <p:cNvPr id="20" name="Oval 19">
+            <a:extLst>
+              <a:ext uri="{FF2B5EF4-FFF2-40B4-BE49-F238E27FC236}">
+                <a16:creationId xmlns:a16="http://schemas.microsoft.com/office/drawing/2014/main" id="{6592D876-4476-4ADB-B010-F4C1FEF2FF21}"/>
+              </a:ext>
+            </a:extLst>
+          </p:cNvPr>
+          <p:cNvSpPr/>
+          <p:nvPr/>
+        </p:nvSpPr>
+        <p:spPr>
+          <a:xfrm>
+            <a:off x="5068467" y="3682635"/>
+            <a:ext cx="185979" cy="185979"/>
+          </a:xfrm>
+          <a:prstGeom prst="ellipse">
+            <a:avLst/>
+          </a:prstGeom>
+          <a:ln>
+            <a:solidFill>
+              <a:schemeClr val="tx1"/>
+            </a:solidFill>
+          </a:ln>
+        </p:spPr>
+        <p:style>
+          <a:lnRef idx="3">
+            <a:schemeClr val="lt1"/>
+          </a:lnRef>
+          <a:fillRef idx="1">
+            <a:schemeClr val="accent4"/>
+          </a:fillRef>
+          <a:effectRef idx="1">
+            <a:schemeClr val="accent4"/>
+          </a:effectRef>
+          <a:fontRef idx="minor">
+            <a:schemeClr val="lt1"/>
+          </a:fontRef>
+        </p:style>
+        <p:txBody>
+          <a:bodyPr rtlCol="0" anchor="ctr"/>
+          <a:lstStyle/>
+          <a:p>
+            <a:pPr algn="ctr"/>
+            <a:endParaRPr lang="en-US"/>
+          </a:p>
+        </p:txBody>
+      </p:sp>
+      <p:sp>
+        <p:nvSpPr>
+          <p:cNvPr id="19" name="Oval 18">
+            <a:extLst>
+              <a:ext uri="{FF2B5EF4-FFF2-40B4-BE49-F238E27FC236}">
+                <a16:creationId xmlns:a16="http://schemas.microsoft.com/office/drawing/2014/main" id="{D24A3DB0-C0BE-4E87-A10F-CC9CFD0D558D}"/>
+              </a:ext>
+            </a:extLst>
+          </p:cNvPr>
+          <p:cNvSpPr/>
+          <p:nvPr/>
+        </p:nvSpPr>
+        <p:spPr>
+          <a:xfrm>
+            <a:off x="4432515" y="3227486"/>
+            <a:ext cx="185979" cy="185979"/>
+          </a:xfrm>
+          <a:prstGeom prst="ellipse">
+            <a:avLst/>
+          </a:prstGeom>
+          <a:ln>
+            <a:solidFill>
+              <a:schemeClr val="tx1"/>
+            </a:solidFill>
+          </a:ln>
+        </p:spPr>
+        <p:style>
+          <a:lnRef idx="3">
+            <a:schemeClr val="lt1"/>
+          </a:lnRef>
+          <a:fillRef idx="1">
+            <a:schemeClr val="accent4"/>
+          </a:fillRef>
+          <a:effectRef idx="1">
+            <a:schemeClr val="accent4"/>
+          </a:effectRef>
+          <a:fontRef idx="minor">
+            <a:schemeClr val="lt1"/>
+          </a:fontRef>
+        </p:style>
+        <p:txBody>
+          <a:bodyPr rtlCol="0" anchor="ctr"/>
+          <a:lstStyle/>
+          <a:p>
+            <a:pPr algn="ctr"/>
+            <a:endParaRPr lang="en-US"/>
+          </a:p>
+        </p:txBody>
+      </p:sp>
+      <p:sp>
+        <p:nvSpPr>
+          <p:cNvPr id="18" name="Oval 17">
+            <a:extLst>
+              <a:ext uri="{FF2B5EF4-FFF2-40B4-BE49-F238E27FC236}">
+                <a16:creationId xmlns:a16="http://schemas.microsoft.com/office/drawing/2014/main" id="{B3F5D234-6C41-49F2-A083-E21EFB7B00D8}"/>
+              </a:ext>
+            </a:extLst>
+          </p:cNvPr>
+          <p:cNvSpPr/>
+          <p:nvPr/>
+        </p:nvSpPr>
+        <p:spPr>
+          <a:xfrm>
+            <a:off x="3984451" y="2864245"/>
+            <a:ext cx="185979" cy="185979"/>
+          </a:xfrm>
+          <a:prstGeom prst="ellipse">
+            <a:avLst/>
+          </a:prstGeom>
+          <a:ln>
+            <a:solidFill>
+              <a:schemeClr val="tx1"/>
+            </a:solidFill>
+          </a:ln>
+        </p:spPr>
+        <p:style>
+          <a:lnRef idx="3">
+            <a:schemeClr val="lt1"/>
+          </a:lnRef>
+          <a:fillRef idx="1">
+            <a:schemeClr val="accent4"/>
+          </a:fillRef>
+          <a:effectRef idx="1">
+            <a:schemeClr val="accent4"/>
+          </a:effectRef>
+          <a:fontRef idx="minor">
+            <a:schemeClr val="lt1"/>
+          </a:fontRef>
+        </p:style>
+        <p:txBody>
+          <a:bodyPr rtlCol="0" anchor="ctr"/>
+          <a:lstStyle/>
+          <a:p>
+            <a:pPr algn="ctr"/>
+            <a:endParaRPr lang="en-US"/>
+          </a:p>
+        </p:txBody>
+      </p:sp>
+      <p:sp>
+        <p:nvSpPr>
+          <p:cNvPr id="56" name="TextBox 55">
+            <a:extLst>
+              <a:ext uri="{FF2B5EF4-FFF2-40B4-BE49-F238E27FC236}">
+                <a16:creationId xmlns:a16="http://schemas.microsoft.com/office/drawing/2014/main" id="{EEBDBB64-599C-4DA0-8B70-98C0A9AB9B10}"/>
+              </a:ext>
+            </a:extLst>
+          </p:cNvPr>
+          <p:cNvSpPr txBox="1"/>
+          <p:nvPr/>
+        </p:nvSpPr>
+        <p:spPr>
+          <a:xfrm>
+            <a:off x="2270062" y="1139715"/>
+            <a:ext cx="355072" cy="369332"/>
+          </a:xfrm>
+          <a:prstGeom prst="rect">
+            <a:avLst/>
+          </a:prstGeom>
+          <a:noFill/>
+        </p:spPr>
+        <p:txBody>
+          <a:bodyPr wrap="square" rtlCol="0">
+            <a:spAutoFit/>
+          </a:bodyPr>
+          <a:lstStyle/>
+          <a:p>
+            <a:r>
+              <a:rPr lang="en-US" dirty="0"/>
+              <a:t>A</a:t>
+            </a:r>
+          </a:p>
+        </p:txBody>
+      </p:sp>
+      <p:sp>
+        <p:nvSpPr>
+          <p:cNvPr id="57" name="TextBox 56">
+            <a:extLst>
+              <a:ext uri="{FF2B5EF4-FFF2-40B4-BE49-F238E27FC236}">
+                <a16:creationId xmlns:a16="http://schemas.microsoft.com/office/drawing/2014/main" id="{0B574E77-3121-42D2-9D77-C55E4DC438BF}"/>
+              </a:ext>
+            </a:extLst>
+          </p:cNvPr>
+          <p:cNvSpPr txBox="1"/>
+          <p:nvPr/>
+        </p:nvSpPr>
+        <p:spPr>
+          <a:xfrm>
+            <a:off x="7419435" y="5138973"/>
+            <a:ext cx="355072" cy="369332"/>
+          </a:xfrm>
+          <a:prstGeom prst="rect">
+            <a:avLst/>
+          </a:prstGeom>
+          <a:noFill/>
+        </p:spPr>
+        <p:txBody>
+          <a:bodyPr wrap="square" rtlCol="0">
+            <a:spAutoFit/>
+          </a:bodyPr>
+          <a:lstStyle/>
+          <a:p>
+            <a:r>
+              <a:rPr lang="en-US" dirty="0"/>
+              <a:t>G</a:t>
+            </a:r>
+          </a:p>
+        </p:txBody>
+      </p:sp>
+      <p:sp>
+        <p:nvSpPr>
+          <p:cNvPr id="58" name="TextBox 57">
+            <a:extLst>
+              <a:ext uri="{FF2B5EF4-FFF2-40B4-BE49-F238E27FC236}">
+                <a16:creationId xmlns:a16="http://schemas.microsoft.com/office/drawing/2014/main" id="{796E284F-38BA-4DFB-898A-A7C01CFC7A58}"/>
+              </a:ext>
+            </a:extLst>
+          </p:cNvPr>
+          <p:cNvSpPr txBox="1"/>
+          <p:nvPr/>
+        </p:nvSpPr>
+        <p:spPr>
+          <a:xfrm>
+            <a:off x="6439147" y="4435693"/>
+            <a:ext cx="355072" cy="369332"/>
+          </a:xfrm>
+          <a:prstGeom prst="rect">
+            <a:avLst/>
+          </a:prstGeom>
+          <a:noFill/>
+        </p:spPr>
+        <p:txBody>
+          <a:bodyPr wrap="square" rtlCol="0">
+            <a:spAutoFit/>
+          </a:bodyPr>
+          <a:lstStyle/>
+          <a:p>
+            <a:r>
+              <a:rPr lang="en-US" dirty="0"/>
+              <a:t>F</a:t>
+            </a:r>
+          </a:p>
+        </p:txBody>
+      </p:sp>
+      <p:sp>
+        <p:nvSpPr>
+          <p:cNvPr id="59" name="TextBox 58">
+            <a:extLst>
+              <a:ext uri="{FF2B5EF4-FFF2-40B4-BE49-F238E27FC236}">
+                <a16:creationId xmlns:a16="http://schemas.microsoft.com/office/drawing/2014/main" id="{6170D010-2531-4ED3-B977-AC56E5DA5183}"/>
+              </a:ext>
+            </a:extLst>
+          </p:cNvPr>
+          <p:cNvSpPr txBox="1"/>
+          <p:nvPr/>
+        </p:nvSpPr>
+        <p:spPr>
+          <a:xfrm>
+            <a:off x="5553891" y="3744241"/>
+            <a:ext cx="355072" cy="369332"/>
+          </a:xfrm>
+          <a:prstGeom prst="rect">
+            <a:avLst/>
+          </a:prstGeom>
+          <a:noFill/>
+        </p:spPr>
+        <p:txBody>
+          <a:bodyPr wrap="square" rtlCol="0">
+            <a:spAutoFit/>
+          </a:bodyPr>
+          <a:lstStyle/>
+          <a:p>
+            <a:r>
+              <a:rPr lang="en-US" dirty="0"/>
+              <a:t>E</a:t>
+            </a:r>
+          </a:p>
+        </p:txBody>
+      </p:sp>
+      <p:sp>
+        <p:nvSpPr>
+          <p:cNvPr id="60" name="TextBox 59">
+            <a:extLst>
+              <a:ext uri="{FF2B5EF4-FFF2-40B4-BE49-F238E27FC236}">
+                <a16:creationId xmlns:a16="http://schemas.microsoft.com/office/drawing/2014/main" id="{BAB94E5F-7A94-4D6A-AE57-B51F7BFAAB16}"/>
+              </a:ext>
+            </a:extLst>
+          </p:cNvPr>
+          <p:cNvSpPr txBox="1"/>
+          <p:nvPr/>
+        </p:nvSpPr>
+        <p:spPr>
+          <a:xfrm>
+            <a:off x="5042112" y="3324894"/>
+            <a:ext cx="355072" cy="369332"/>
+          </a:xfrm>
+          <a:prstGeom prst="rect">
+            <a:avLst/>
+          </a:prstGeom>
+          <a:noFill/>
+        </p:spPr>
+        <p:txBody>
+          <a:bodyPr wrap="square" rtlCol="0">
+            <a:spAutoFit/>
+          </a:bodyPr>
+          <a:lstStyle/>
+          <a:p>
+            <a:r>
+              <a:rPr lang="en-US" dirty="0"/>
+              <a:t>D</a:t>
+            </a:r>
+          </a:p>
+        </p:txBody>
+      </p:sp>
+      <p:sp>
+        <p:nvSpPr>
+          <p:cNvPr id="61" name="TextBox 60">
+            <a:extLst>
+              <a:ext uri="{FF2B5EF4-FFF2-40B4-BE49-F238E27FC236}">
+                <a16:creationId xmlns:a16="http://schemas.microsoft.com/office/drawing/2014/main" id="{E81FDC3A-F718-44D5-97BE-57E5698492B4}"/>
+              </a:ext>
+            </a:extLst>
+          </p:cNvPr>
+          <p:cNvSpPr txBox="1"/>
+          <p:nvPr/>
+        </p:nvSpPr>
+        <p:spPr>
+          <a:xfrm>
+            <a:off x="4484368" y="2880922"/>
+            <a:ext cx="355072" cy="369332"/>
+          </a:xfrm>
+          <a:prstGeom prst="rect">
+            <a:avLst/>
+          </a:prstGeom>
+          <a:noFill/>
+        </p:spPr>
+        <p:txBody>
+          <a:bodyPr wrap="square" rtlCol="0">
+            <a:spAutoFit/>
+          </a:bodyPr>
+          <a:lstStyle/>
+          <a:p>
+            <a:r>
+              <a:rPr lang="en-US" dirty="0"/>
+              <a:t>C</a:t>
+            </a:r>
+          </a:p>
+        </p:txBody>
+      </p:sp>
+      <p:sp>
+        <p:nvSpPr>
+          <p:cNvPr id="62" name="TextBox 61">
+            <a:extLst>
+              <a:ext uri="{FF2B5EF4-FFF2-40B4-BE49-F238E27FC236}">
+                <a16:creationId xmlns:a16="http://schemas.microsoft.com/office/drawing/2014/main" id="{DD41F614-D46D-4B8A-B603-82F4F9F6612A}"/>
+              </a:ext>
+            </a:extLst>
+          </p:cNvPr>
+          <p:cNvSpPr txBox="1"/>
+          <p:nvPr/>
+        </p:nvSpPr>
+        <p:spPr>
+          <a:xfrm>
+            <a:off x="4052304" y="2538447"/>
+            <a:ext cx="355072" cy="369332"/>
+          </a:xfrm>
+          <a:prstGeom prst="rect">
+            <a:avLst/>
+          </a:prstGeom>
+          <a:noFill/>
+        </p:spPr>
+        <p:txBody>
+          <a:bodyPr wrap="square" rtlCol="0">
+            <a:spAutoFit/>
+          </a:bodyPr>
+          <a:lstStyle/>
+          <a:p>
+            <a:r>
+              <a:rPr lang="en-US" dirty="0"/>
+              <a:t>B</a:t>
+            </a:r>
+          </a:p>
+        </p:txBody>
+      </p:sp>
+      <p:sp>
+        <p:nvSpPr>
+          <p:cNvPr id="63" name="TextBox 62">
+            <a:extLst>
+              <a:ext uri="{FF2B5EF4-FFF2-40B4-BE49-F238E27FC236}">
+                <a16:creationId xmlns:a16="http://schemas.microsoft.com/office/drawing/2014/main" id="{F24E71FC-2991-4290-B593-17C1F2C3E96A}"/>
+              </a:ext>
+            </a:extLst>
+          </p:cNvPr>
+          <p:cNvSpPr txBox="1"/>
+          <p:nvPr/>
+        </p:nvSpPr>
+        <p:spPr>
+          <a:xfrm>
+            <a:off x="4484368" y="5102731"/>
+            <a:ext cx="504309" cy="369332"/>
+          </a:xfrm>
+          <a:prstGeom prst="rect">
+            <a:avLst/>
+          </a:prstGeom>
+          <a:noFill/>
+        </p:spPr>
+        <p:txBody>
+          <a:bodyPr wrap="square" rtlCol="0">
+            <a:spAutoFit/>
+          </a:bodyPr>
+          <a:lstStyle/>
+          <a:p>
+            <a:r>
+              <a:rPr lang="en-US" dirty="0">
+                <a:solidFill>
+                  <a:srgbClr val="7030A0"/>
+                </a:solidFill>
+              </a:rPr>
+              <a:t>MR</a:t>
+            </a:r>
+            <a:endParaRPr lang="en-US" baseline="-25000" dirty="0">
+              <a:solidFill>
+                <a:srgbClr val="7030A0"/>
+              </a:solidFill>
+            </a:endParaRPr>
+          </a:p>
+        </p:txBody>
+      </p:sp>
+      <p:sp>
+        <p:nvSpPr>
+          <p:cNvPr id="68" name="TextBox 67">
+            <a:extLst>
+              <a:ext uri="{FF2B5EF4-FFF2-40B4-BE49-F238E27FC236}">
+                <a16:creationId xmlns:a16="http://schemas.microsoft.com/office/drawing/2014/main" id="{B55F64CD-CF65-499F-AD01-CBBAC6736E6F}"/>
+              </a:ext>
+            </a:extLst>
+          </p:cNvPr>
+          <p:cNvSpPr txBox="1"/>
+          <p:nvPr/>
+        </p:nvSpPr>
+        <p:spPr>
+          <a:xfrm>
+            <a:off x="1675905" y="5323639"/>
+            <a:ext cx="504309" cy="369332"/>
+          </a:xfrm>
+          <a:prstGeom prst="rect">
+            <a:avLst/>
+          </a:prstGeom>
+          <a:noFill/>
+        </p:spPr>
+        <p:txBody>
+          <a:bodyPr wrap="square" rtlCol="0">
+            <a:spAutoFit/>
+          </a:bodyPr>
+          <a:lstStyle/>
+          <a:p>
+            <a:r>
+              <a:rPr lang="en-US" dirty="0"/>
+              <a:t>P</a:t>
+            </a:r>
+            <a:r>
+              <a:rPr lang="en-US" baseline="-25000" dirty="0"/>
+              <a:t>6</a:t>
+            </a:r>
+          </a:p>
+        </p:txBody>
+      </p:sp>
+      <p:sp>
+        <p:nvSpPr>
+          <p:cNvPr id="69" name="TextBox 68">
+            <a:extLst>
+              <a:ext uri="{FF2B5EF4-FFF2-40B4-BE49-F238E27FC236}">
+                <a16:creationId xmlns:a16="http://schemas.microsoft.com/office/drawing/2014/main" id="{AF758D49-DCA3-4920-B7C3-C16CC7DB1170}"/>
+              </a:ext>
+            </a:extLst>
+          </p:cNvPr>
+          <p:cNvSpPr txBox="1"/>
+          <p:nvPr/>
+        </p:nvSpPr>
+        <p:spPr>
+          <a:xfrm>
+            <a:off x="1675905" y="4444008"/>
+            <a:ext cx="504309" cy="369332"/>
+          </a:xfrm>
+          <a:prstGeom prst="rect">
+            <a:avLst/>
+          </a:prstGeom>
+          <a:noFill/>
+        </p:spPr>
+        <p:txBody>
+          <a:bodyPr wrap="square" rtlCol="0">
+            <a:spAutoFit/>
+          </a:bodyPr>
+          <a:lstStyle/>
+          <a:p>
+            <a:r>
+              <a:rPr lang="en-US" dirty="0"/>
+              <a:t>P</a:t>
+            </a:r>
+            <a:r>
+              <a:rPr lang="en-US" baseline="-25000" dirty="0"/>
+              <a:t>5</a:t>
+            </a:r>
+          </a:p>
+        </p:txBody>
+      </p:sp>
+      <p:sp>
+        <p:nvSpPr>
+          <p:cNvPr id="70" name="TextBox 69">
+            <a:extLst>
+              <a:ext uri="{FF2B5EF4-FFF2-40B4-BE49-F238E27FC236}">
+                <a16:creationId xmlns:a16="http://schemas.microsoft.com/office/drawing/2014/main" id="{CAD91D43-6594-4B65-8A83-57306B3E1093}"/>
+              </a:ext>
+            </a:extLst>
+          </p:cNvPr>
+          <p:cNvSpPr txBox="1"/>
+          <p:nvPr/>
+        </p:nvSpPr>
+        <p:spPr>
+          <a:xfrm>
+            <a:off x="1675905" y="3997045"/>
+            <a:ext cx="504309" cy="369332"/>
+          </a:xfrm>
+          <a:prstGeom prst="rect">
+            <a:avLst/>
+          </a:prstGeom>
+          <a:noFill/>
+        </p:spPr>
+        <p:txBody>
+          <a:bodyPr wrap="square" rtlCol="0">
+            <a:spAutoFit/>
+          </a:bodyPr>
+          <a:lstStyle/>
+          <a:p>
+            <a:r>
+              <a:rPr lang="en-US" dirty="0"/>
+              <a:t>P</a:t>
+            </a:r>
+            <a:r>
+              <a:rPr lang="en-US" baseline="-25000" dirty="0"/>
+              <a:t>4</a:t>
+            </a:r>
+          </a:p>
+        </p:txBody>
+      </p:sp>
+      <p:sp>
+        <p:nvSpPr>
+          <p:cNvPr id="71" name="TextBox 70">
+            <a:extLst>
+              <a:ext uri="{FF2B5EF4-FFF2-40B4-BE49-F238E27FC236}">
+                <a16:creationId xmlns:a16="http://schemas.microsoft.com/office/drawing/2014/main" id="{499F02F7-0D95-486F-A9EF-E11A0B5E51CD}"/>
+              </a:ext>
+            </a:extLst>
+          </p:cNvPr>
+          <p:cNvSpPr txBox="1"/>
+          <p:nvPr/>
+        </p:nvSpPr>
+        <p:spPr>
+          <a:xfrm>
+            <a:off x="1675905" y="3602848"/>
+            <a:ext cx="504309" cy="369332"/>
+          </a:xfrm>
+          <a:prstGeom prst="rect">
+            <a:avLst/>
+          </a:prstGeom>
+          <a:noFill/>
+        </p:spPr>
+        <p:txBody>
+          <a:bodyPr wrap="square" rtlCol="0">
+            <a:spAutoFit/>
+          </a:bodyPr>
+          <a:lstStyle/>
+          <a:p>
+            <a:r>
+              <a:rPr lang="en-US" dirty="0"/>
+              <a:t>P</a:t>
+            </a:r>
+            <a:r>
+              <a:rPr lang="en-US" baseline="-25000" dirty="0"/>
+              <a:t>3</a:t>
+            </a:r>
+          </a:p>
+        </p:txBody>
+      </p:sp>
+      <p:sp>
+        <p:nvSpPr>
+          <p:cNvPr id="72" name="TextBox 71">
+            <a:extLst>
+              <a:ext uri="{FF2B5EF4-FFF2-40B4-BE49-F238E27FC236}">
+                <a16:creationId xmlns:a16="http://schemas.microsoft.com/office/drawing/2014/main" id="{8A379BC2-927A-4E1E-9638-B033C4C0596B}"/>
+              </a:ext>
+            </a:extLst>
+          </p:cNvPr>
+          <p:cNvSpPr txBox="1"/>
+          <p:nvPr/>
+        </p:nvSpPr>
+        <p:spPr>
+          <a:xfrm>
+            <a:off x="1675905" y="3096938"/>
+            <a:ext cx="504309" cy="369332"/>
+          </a:xfrm>
+          <a:prstGeom prst="rect">
+            <a:avLst/>
+          </a:prstGeom>
+          <a:noFill/>
+        </p:spPr>
+        <p:txBody>
+          <a:bodyPr wrap="square" rtlCol="0">
+            <a:spAutoFit/>
+          </a:bodyPr>
+          <a:lstStyle/>
+          <a:p>
+            <a:r>
+              <a:rPr lang="en-US" dirty="0"/>
+              <a:t>P</a:t>
+            </a:r>
+            <a:r>
+              <a:rPr lang="en-US" baseline="-25000" dirty="0"/>
+              <a:t>2</a:t>
+            </a:r>
+          </a:p>
+        </p:txBody>
+      </p:sp>
+      <p:sp>
+        <p:nvSpPr>
+          <p:cNvPr id="73" name="TextBox 72">
+            <a:extLst>
+              <a:ext uri="{FF2B5EF4-FFF2-40B4-BE49-F238E27FC236}">
+                <a16:creationId xmlns:a16="http://schemas.microsoft.com/office/drawing/2014/main" id="{68099D03-0081-4498-922C-850EC13AE7D3}"/>
+              </a:ext>
+            </a:extLst>
+          </p:cNvPr>
+          <p:cNvSpPr txBox="1"/>
+          <p:nvPr/>
+        </p:nvSpPr>
+        <p:spPr>
+          <a:xfrm>
+            <a:off x="1675905" y="2716115"/>
+            <a:ext cx="504309" cy="369332"/>
+          </a:xfrm>
+          <a:prstGeom prst="rect">
+            <a:avLst/>
+          </a:prstGeom>
+          <a:noFill/>
+        </p:spPr>
+        <p:txBody>
+          <a:bodyPr wrap="square" rtlCol="0">
+            <a:spAutoFit/>
+          </a:bodyPr>
+          <a:lstStyle/>
+          <a:p>
+            <a:r>
+              <a:rPr lang="en-US" dirty="0"/>
+              <a:t>P</a:t>
+            </a:r>
+            <a:r>
+              <a:rPr lang="en-US" baseline="-25000" dirty="0"/>
+              <a:t>1</a:t>
+            </a:r>
+          </a:p>
+        </p:txBody>
+      </p:sp>
+      <p:sp>
+        <p:nvSpPr>
+          <p:cNvPr id="74" name="TextBox 73">
+            <a:extLst>
+              <a:ext uri="{FF2B5EF4-FFF2-40B4-BE49-F238E27FC236}">
+                <a16:creationId xmlns:a16="http://schemas.microsoft.com/office/drawing/2014/main" id="{C3B7892A-9189-43C7-AA9C-44572AF76E94}"/>
+              </a:ext>
+            </a:extLst>
+          </p:cNvPr>
+          <p:cNvSpPr txBox="1"/>
+          <p:nvPr/>
+        </p:nvSpPr>
+        <p:spPr>
+          <a:xfrm>
+            <a:off x="1675905" y="1270061"/>
+            <a:ext cx="504309" cy="369332"/>
+          </a:xfrm>
+          <a:prstGeom prst="rect">
+            <a:avLst/>
+          </a:prstGeom>
+          <a:noFill/>
+        </p:spPr>
+        <p:txBody>
+          <a:bodyPr wrap="square" rtlCol="0">
+            <a:spAutoFit/>
+          </a:bodyPr>
+          <a:lstStyle/>
+          <a:p>
+            <a:r>
+              <a:rPr lang="en-US" dirty="0"/>
+              <a:t>P</a:t>
+            </a:r>
+            <a:r>
+              <a:rPr lang="en-US" baseline="-25000" dirty="0"/>
+              <a:t>0</a:t>
+            </a:r>
+          </a:p>
+        </p:txBody>
+      </p:sp>
+      <p:sp>
+        <p:nvSpPr>
+          <p:cNvPr id="75" name="TextBox 74">
+            <a:extLst>
+              <a:ext uri="{FF2B5EF4-FFF2-40B4-BE49-F238E27FC236}">
+                <a16:creationId xmlns:a16="http://schemas.microsoft.com/office/drawing/2014/main" id="{16036A28-11B2-44DD-9275-71E2785F84F9}"/>
+              </a:ext>
+            </a:extLst>
+          </p:cNvPr>
+          <p:cNvSpPr txBox="1"/>
+          <p:nvPr/>
+        </p:nvSpPr>
+        <p:spPr>
+          <a:xfrm>
+            <a:off x="7469735" y="3017968"/>
+            <a:ext cx="611873" cy="369332"/>
+          </a:xfrm>
+          <a:prstGeom prst="rect">
+            <a:avLst/>
+          </a:prstGeom>
+          <a:noFill/>
+        </p:spPr>
+        <p:txBody>
+          <a:bodyPr wrap="square" rtlCol="0">
+            <a:spAutoFit/>
+          </a:bodyPr>
+          <a:lstStyle/>
+          <a:p>
+            <a:r>
+              <a:rPr lang="en-US" dirty="0"/>
+              <a:t>ATC</a:t>
+            </a:r>
+            <a:endParaRPr lang="en-US" baseline="-25000" dirty="0"/>
+          </a:p>
+        </p:txBody>
+      </p:sp>
+      <p:sp>
+        <p:nvSpPr>
+          <p:cNvPr id="76" name="TextBox 75">
+            <a:extLst>
+              <a:ext uri="{FF2B5EF4-FFF2-40B4-BE49-F238E27FC236}">
+                <a16:creationId xmlns:a16="http://schemas.microsoft.com/office/drawing/2014/main" id="{CFD34140-AEDE-4691-AEAA-D67874897E64}"/>
+              </a:ext>
+            </a:extLst>
+          </p:cNvPr>
+          <p:cNvSpPr txBox="1"/>
+          <p:nvPr/>
+        </p:nvSpPr>
+        <p:spPr>
+          <a:xfrm>
+            <a:off x="6880918" y="4694999"/>
+            <a:ext cx="1104161" cy="369332"/>
+          </a:xfrm>
+          <a:prstGeom prst="rect">
+            <a:avLst/>
+          </a:prstGeom>
+          <a:noFill/>
+        </p:spPr>
+        <p:txBody>
+          <a:bodyPr wrap="square" rtlCol="0">
+            <a:spAutoFit/>
+          </a:bodyPr>
+          <a:lstStyle/>
+          <a:p>
+            <a:r>
+              <a:rPr lang="en-US" dirty="0">
+                <a:solidFill>
+                  <a:schemeClr val="accent1"/>
+                </a:solidFill>
+              </a:rPr>
+              <a:t>Demand</a:t>
+            </a:r>
+            <a:endParaRPr lang="en-US" baseline="-25000" dirty="0">
+              <a:solidFill>
+                <a:schemeClr val="accent1"/>
+              </a:solidFill>
+            </a:endParaRPr>
+          </a:p>
+        </p:txBody>
+      </p:sp>
+      <p:sp>
+        <p:nvSpPr>
+          <p:cNvPr id="77" name="TextBox 76">
+            <a:extLst>
+              <a:ext uri="{FF2B5EF4-FFF2-40B4-BE49-F238E27FC236}">
+                <a16:creationId xmlns:a16="http://schemas.microsoft.com/office/drawing/2014/main" id="{12222CC0-9BB8-438C-BAA5-7D31AB493201}"/>
+              </a:ext>
+            </a:extLst>
+          </p:cNvPr>
+          <p:cNvSpPr txBox="1"/>
+          <p:nvPr/>
+        </p:nvSpPr>
+        <p:spPr>
+          <a:xfrm>
+            <a:off x="7167280" y="5596071"/>
+            <a:ext cx="504309" cy="369332"/>
+          </a:xfrm>
+          <a:prstGeom prst="rect">
+            <a:avLst/>
+          </a:prstGeom>
+          <a:noFill/>
+        </p:spPr>
+        <p:txBody>
+          <a:bodyPr wrap="square" rtlCol="0">
+            <a:spAutoFit/>
+          </a:bodyPr>
+          <a:lstStyle/>
+          <a:p>
+            <a:r>
+              <a:rPr lang="en-US" dirty="0"/>
+              <a:t>Q</a:t>
+            </a:r>
+            <a:r>
+              <a:rPr lang="en-US" baseline="-25000" dirty="0"/>
+              <a:t>6</a:t>
+            </a:r>
+          </a:p>
+        </p:txBody>
+      </p:sp>
+      <p:sp>
+        <p:nvSpPr>
+          <p:cNvPr id="78" name="TextBox 77">
+            <a:extLst>
+              <a:ext uri="{FF2B5EF4-FFF2-40B4-BE49-F238E27FC236}">
+                <a16:creationId xmlns:a16="http://schemas.microsoft.com/office/drawing/2014/main" id="{74B0C33B-9190-48C1-8142-CF3C78F7A678}"/>
+              </a:ext>
+            </a:extLst>
+          </p:cNvPr>
+          <p:cNvSpPr txBox="1"/>
+          <p:nvPr/>
+        </p:nvSpPr>
+        <p:spPr>
+          <a:xfrm>
+            <a:off x="6111776" y="5596071"/>
+            <a:ext cx="504309" cy="369332"/>
+          </a:xfrm>
+          <a:prstGeom prst="rect">
+            <a:avLst/>
+          </a:prstGeom>
+          <a:noFill/>
+        </p:spPr>
+        <p:txBody>
+          <a:bodyPr wrap="square" rtlCol="0">
+            <a:spAutoFit/>
+          </a:bodyPr>
+          <a:lstStyle/>
+          <a:p>
+            <a:r>
+              <a:rPr lang="en-US" dirty="0"/>
+              <a:t>Q</a:t>
+            </a:r>
+            <a:r>
+              <a:rPr lang="en-US" baseline="-25000" dirty="0"/>
+              <a:t>5</a:t>
+            </a:r>
+          </a:p>
+        </p:txBody>
+      </p:sp>
+      <p:sp>
+        <p:nvSpPr>
+          <p:cNvPr id="79" name="TextBox 78">
+            <a:extLst>
+              <a:ext uri="{FF2B5EF4-FFF2-40B4-BE49-F238E27FC236}">
+                <a16:creationId xmlns:a16="http://schemas.microsoft.com/office/drawing/2014/main" id="{90C445B8-906A-43D9-9782-2236889F34EB}"/>
+              </a:ext>
+            </a:extLst>
+          </p:cNvPr>
+          <p:cNvSpPr txBox="1"/>
+          <p:nvPr/>
+        </p:nvSpPr>
+        <p:spPr>
+          <a:xfrm>
+            <a:off x="5518069" y="5596071"/>
+            <a:ext cx="504309" cy="369332"/>
+          </a:xfrm>
+          <a:prstGeom prst="rect">
+            <a:avLst/>
+          </a:prstGeom>
+          <a:noFill/>
+        </p:spPr>
+        <p:txBody>
+          <a:bodyPr wrap="square" rtlCol="0">
+            <a:spAutoFit/>
+          </a:bodyPr>
+          <a:lstStyle/>
+          <a:p>
+            <a:r>
+              <a:rPr lang="en-US" dirty="0"/>
+              <a:t>Q</a:t>
+            </a:r>
+            <a:r>
+              <a:rPr lang="en-US" baseline="-25000" dirty="0"/>
+              <a:t>4</a:t>
+            </a:r>
+          </a:p>
+        </p:txBody>
+      </p:sp>
+      <p:sp>
+        <p:nvSpPr>
+          <p:cNvPr id="80" name="TextBox 79">
+            <a:extLst>
+              <a:ext uri="{FF2B5EF4-FFF2-40B4-BE49-F238E27FC236}">
+                <a16:creationId xmlns:a16="http://schemas.microsoft.com/office/drawing/2014/main" id="{5E3A4A2F-754A-4A87-AB5B-C9CCC9CC8EE0}"/>
+              </a:ext>
+            </a:extLst>
+          </p:cNvPr>
+          <p:cNvSpPr txBox="1"/>
+          <p:nvPr/>
+        </p:nvSpPr>
+        <p:spPr>
+          <a:xfrm>
+            <a:off x="4988360" y="5596071"/>
+            <a:ext cx="504309" cy="369332"/>
+          </a:xfrm>
+          <a:prstGeom prst="rect">
+            <a:avLst/>
+          </a:prstGeom>
+          <a:noFill/>
+        </p:spPr>
+        <p:txBody>
+          <a:bodyPr wrap="square" rtlCol="0">
+            <a:spAutoFit/>
+          </a:bodyPr>
+          <a:lstStyle/>
+          <a:p>
+            <a:r>
+              <a:rPr lang="en-US" dirty="0"/>
+              <a:t>Q</a:t>
+            </a:r>
+            <a:r>
+              <a:rPr lang="en-US" baseline="-25000" dirty="0"/>
+              <a:t>3</a:t>
+            </a:r>
+          </a:p>
+        </p:txBody>
+      </p:sp>
+      <p:sp>
+        <p:nvSpPr>
+          <p:cNvPr id="81" name="TextBox 80">
+            <a:extLst>
+              <a:ext uri="{FF2B5EF4-FFF2-40B4-BE49-F238E27FC236}">
+                <a16:creationId xmlns:a16="http://schemas.microsoft.com/office/drawing/2014/main" id="{2FA12021-495A-4382-98C8-723FB127E6BC}"/>
+              </a:ext>
+            </a:extLst>
+          </p:cNvPr>
+          <p:cNvSpPr txBox="1"/>
+          <p:nvPr/>
+        </p:nvSpPr>
+        <p:spPr>
+          <a:xfrm>
+            <a:off x="4306778" y="5596071"/>
+            <a:ext cx="504309" cy="369332"/>
+          </a:xfrm>
+          <a:prstGeom prst="rect">
+            <a:avLst/>
+          </a:prstGeom>
+          <a:noFill/>
+        </p:spPr>
+        <p:txBody>
+          <a:bodyPr wrap="square" rtlCol="0">
+            <a:spAutoFit/>
+          </a:bodyPr>
+          <a:lstStyle/>
+          <a:p>
+            <a:r>
+              <a:rPr lang="en-US" dirty="0"/>
+              <a:t>Q</a:t>
+            </a:r>
+            <a:r>
+              <a:rPr lang="en-US" baseline="-25000" dirty="0"/>
+              <a:t>2</a:t>
+            </a:r>
+          </a:p>
+        </p:txBody>
+      </p:sp>
+      <p:sp>
+        <p:nvSpPr>
+          <p:cNvPr id="82" name="TextBox 81">
+            <a:extLst>
+              <a:ext uri="{FF2B5EF4-FFF2-40B4-BE49-F238E27FC236}">
+                <a16:creationId xmlns:a16="http://schemas.microsoft.com/office/drawing/2014/main" id="{A2B02A5C-32C2-47DD-8F86-26105F553C00}"/>
+              </a:ext>
+            </a:extLst>
+          </p:cNvPr>
+          <p:cNvSpPr txBox="1"/>
+          <p:nvPr/>
+        </p:nvSpPr>
+        <p:spPr>
+          <a:xfrm>
+            <a:off x="3840680" y="5596071"/>
+            <a:ext cx="504309" cy="369332"/>
+          </a:xfrm>
+          <a:prstGeom prst="rect">
+            <a:avLst/>
+          </a:prstGeom>
+          <a:noFill/>
+        </p:spPr>
+        <p:txBody>
+          <a:bodyPr wrap="square" rtlCol="0">
+            <a:spAutoFit/>
+          </a:bodyPr>
+          <a:lstStyle/>
+          <a:p>
+            <a:r>
+              <a:rPr lang="en-US" dirty="0"/>
+              <a:t>Q</a:t>
+            </a:r>
+            <a:r>
+              <a:rPr lang="en-US" baseline="-25000" dirty="0"/>
+              <a:t>1</a:t>
+            </a:r>
+          </a:p>
+        </p:txBody>
+      </p:sp>
+      <p:sp>
+        <p:nvSpPr>
+          <p:cNvPr id="83" name="TextBox 82">
+            <a:extLst>
+              <a:ext uri="{FF2B5EF4-FFF2-40B4-BE49-F238E27FC236}">
+                <a16:creationId xmlns:a16="http://schemas.microsoft.com/office/drawing/2014/main" id="{F0331B18-049D-4845-BF40-9DAB9E6B072E}"/>
+              </a:ext>
+            </a:extLst>
+          </p:cNvPr>
+          <p:cNvSpPr txBox="1"/>
+          <p:nvPr/>
+        </p:nvSpPr>
+        <p:spPr>
+          <a:xfrm>
+            <a:off x="1961655" y="5596071"/>
+            <a:ext cx="504309" cy="369332"/>
+          </a:xfrm>
+          <a:prstGeom prst="rect">
+            <a:avLst/>
+          </a:prstGeom>
+          <a:noFill/>
+        </p:spPr>
+        <p:txBody>
+          <a:bodyPr wrap="square" rtlCol="0">
+            <a:spAutoFit/>
+          </a:bodyPr>
+          <a:lstStyle/>
+          <a:p>
+            <a:r>
+              <a:rPr lang="en-US" dirty="0"/>
+              <a:t>Q</a:t>
+            </a:r>
+            <a:r>
+              <a:rPr lang="en-US" baseline="-25000" dirty="0"/>
+              <a:t>0</a:t>
+            </a:r>
+          </a:p>
+        </p:txBody>
+      </p:sp>
+      <p:sp>
+        <p:nvSpPr>
+          <p:cNvPr id="84" name="TextBox 83">
+            <a:extLst>
+              <a:ext uri="{FF2B5EF4-FFF2-40B4-BE49-F238E27FC236}">
+                <a16:creationId xmlns:a16="http://schemas.microsoft.com/office/drawing/2014/main" id="{CEB79186-A0FF-4A8B-A925-70FF16A973BF}"/>
+              </a:ext>
+            </a:extLst>
+          </p:cNvPr>
+          <p:cNvSpPr txBox="1"/>
+          <p:nvPr/>
+        </p:nvSpPr>
+        <p:spPr>
+          <a:xfrm>
+            <a:off x="6491097" y="1924191"/>
+            <a:ext cx="504309" cy="369332"/>
+          </a:xfrm>
+          <a:prstGeom prst="rect">
+            <a:avLst/>
+          </a:prstGeom>
+          <a:noFill/>
+        </p:spPr>
+        <p:txBody>
+          <a:bodyPr wrap="square" rtlCol="0">
+            <a:spAutoFit/>
+          </a:bodyPr>
+          <a:lstStyle/>
+          <a:p>
+            <a:r>
+              <a:rPr lang="en-US" dirty="0">
+                <a:solidFill>
+                  <a:srgbClr val="FF0000"/>
+                </a:solidFill>
+              </a:rPr>
+              <a:t>MC</a:t>
+            </a:r>
+            <a:endParaRPr lang="en-US" baseline="-25000" dirty="0">
+              <a:solidFill>
+                <a:srgbClr val="FF0000"/>
+              </a:solidFill>
+            </a:endParaRPr>
+          </a:p>
+        </p:txBody>
+      </p:sp>
+    </p:spTree>
+    <p:extLst>
+      <p:ext uri="{BB962C8B-B14F-4D97-AF65-F5344CB8AC3E}">
+        <p14:creationId xmlns:p14="http://schemas.microsoft.com/office/powerpoint/2010/main" val="830703534"/>
       </p:ext>
     </p:extLst>
   </p:cSld>
